--- a/Synhronous motor/Matlab/Time_Domain_Carrier_phase_shift/CPS.pptx
+++ b/Synhronous motor/Matlab/Time_Domain_Carrier_phase_shift/CPS.pptx
@@ -4,12 +4,21 @@
   <p:sldMasterIdLst>
     <p:sldMasterId id="2147483648" r:id="rId1"/>
   </p:sldMasterIdLst>
+  <p:notesMasterIdLst>
+    <p:notesMasterId r:id="rId13"/>
+  </p:notesMasterIdLst>
   <p:sldIdLst>
-    <p:sldId id="256" r:id="rId2"/>
-    <p:sldId id="258" r:id="rId3"/>
-    <p:sldId id="259" r:id="rId4"/>
-    <p:sldId id="260" r:id="rId5"/>
-    <p:sldId id="257" r:id="rId6"/>
+    <p:sldId id="264" r:id="rId2"/>
+    <p:sldId id="266" r:id="rId3"/>
+    <p:sldId id="265" r:id="rId4"/>
+    <p:sldId id="263" r:id="rId5"/>
+    <p:sldId id="261" r:id="rId6"/>
+    <p:sldId id="256" r:id="rId7"/>
+    <p:sldId id="258" r:id="rId8"/>
+    <p:sldId id="259" r:id="rId9"/>
+    <p:sldId id="262" r:id="rId10"/>
+    <p:sldId id="260" r:id="rId11"/>
+    <p:sldId id="257" r:id="rId12"/>
   </p:sldIdLst>
   <p:sldSz cx="12192000" cy="6858000"/>
   <p:notesSz cx="6858000" cy="9144000"/>
@@ -108,7 +117,548 @@
       </a:defRPr>
     </a:lvl9pPr>
   </p:defaultTextStyle>
+  <p:extLst>
+    <p:ext uri="{EFAFB233-063F-42B5-8137-9DF3F51BA10A}">
+      <p15:sldGuideLst xmlns:p15="http://schemas.microsoft.com/office/powerpoint/2012/main"/>
+    </p:ext>
+  </p:extLst>
 </p:presentation>
+</file>
+
+<file path=ppt/commentAuthors.xml><?xml version="1.0" encoding="utf-8"?>
+<p:cmAuthorLst xmlns:a="http://schemas.openxmlformats.org/drawingml/2006/main" xmlns:r="http://schemas.openxmlformats.org/officeDocument/2006/relationships" xmlns:p="http://schemas.openxmlformats.org/presentationml/2006/main">
+  <p:cmAuthor id="1" name="Enes AYAZ" initials="EA" lastIdx="1" clrIdx="0">
+    <p:extLst>
+      <p:ext uri="{19B8F6BF-5375-455C-9EA6-DF929625EA0E}">
+        <p15:presenceInfo xmlns:p15="http://schemas.microsoft.com/office/powerpoint/2012/main" userId="81a0972ffad3cd3c" providerId="Windows Live"/>
+      </p:ext>
+    </p:extLst>
+  </p:cmAuthor>
+</p:cmAuthorLst>
+</file>
+
+<file path=ppt/notesMasters/notesMaster1.xml><?xml version="1.0" encoding="utf-8"?>
+<p:notesMaster xmlns:a="http://schemas.openxmlformats.org/drawingml/2006/main" xmlns:r="http://schemas.openxmlformats.org/officeDocument/2006/relationships" xmlns:p="http://schemas.openxmlformats.org/presentationml/2006/main">
+  <p:cSld>
+    <p:bg>
+      <p:bgRef idx="1001">
+        <a:schemeClr val="bg1"/>
+      </p:bgRef>
+    </p:bg>
+    <p:spTree>
+      <p:nvGrpSpPr>
+        <p:cNvPr id="1" name=""/>
+        <p:cNvGrpSpPr/>
+        <p:nvPr/>
+      </p:nvGrpSpPr>
+      <p:grpSpPr>
+        <a:xfrm>
+          <a:off x="0" y="0"/>
+          <a:ext cx="0" cy="0"/>
+          <a:chOff x="0" y="0"/>
+          <a:chExt cx="0" cy="0"/>
+        </a:xfrm>
+      </p:grpSpPr>
+      <p:sp>
+        <p:nvSpPr>
+          <p:cNvPr id="2" name="Header Placeholder 1"/>
+          <p:cNvSpPr>
+            <a:spLocks noGrp="1"/>
+          </p:cNvSpPr>
+          <p:nvPr>
+            <p:ph type="hdr" sz="quarter"/>
+          </p:nvPr>
+        </p:nvSpPr>
+        <p:spPr>
+          <a:xfrm>
+            <a:off x="0" y="0"/>
+            <a:ext cx="2971800" cy="458788"/>
+          </a:xfrm>
+          <a:prstGeom prst="rect">
+            <a:avLst/>
+          </a:prstGeom>
+        </p:spPr>
+        <p:txBody>
+          <a:bodyPr vert="horz" lIns="91440" tIns="45720" rIns="91440" bIns="45720" rtlCol="0"/>
+          <a:lstStyle>
+            <a:lvl1pPr algn="l">
+              <a:defRPr sz="1200"/>
+            </a:lvl1pPr>
+          </a:lstStyle>
+          <a:p>
+            <a:endParaRPr lang="en-US"/>
+          </a:p>
+        </p:txBody>
+      </p:sp>
+      <p:sp>
+        <p:nvSpPr>
+          <p:cNvPr id="3" name="Date Placeholder 2"/>
+          <p:cNvSpPr>
+            <a:spLocks noGrp="1"/>
+          </p:cNvSpPr>
+          <p:nvPr>
+            <p:ph type="dt" idx="1"/>
+          </p:nvPr>
+        </p:nvSpPr>
+        <p:spPr>
+          <a:xfrm>
+            <a:off x="3884613" y="0"/>
+            <a:ext cx="2971800" cy="458788"/>
+          </a:xfrm>
+          <a:prstGeom prst="rect">
+            <a:avLst/>
+          </a:prstGeom>
+        </p:spPr>
+        <p:txBody>
+          <a:bodyPr vert="horz" lIns="91440" tIns="45720" rIns="91440" bIns="45720" rtlCol="0"/>
+          <a:lstStyle>
+            <a:lvl1pPr algn="r">
+              <a:defRPr sz="1200"/>
+            </a:lvl1pPr>
+          </a:lstStyle>
+          <a:p>
+            <a:fld id="{28B67866-21BA-4CA6-832C-195CC621F675}" type="datetimeFigureOut">
+              <a:rPr lang="en-US" smtClean="0"/>
+              <a:t>8/6/2022</a:t>
+            </a:fld>
+            <a:endParaRPr lang="en-US"/>
+          </a:p>
+        </p:txBody>
+      </p:sp>
+      <p:sp>
+        <p:nvSpPr>
+          <p:cNvPr id="4" name="Slide Image Placeholder 3"/>
+          <p:cNvSpPr>
+            <a:spLocks noGrp="1" noRot="1" noChangeAspect="1"/>
+          </p:cNvSpPr>
+          <p:nvPr>
+            <p:ph type="sldImg" idx="2"/>
+          </p:nvPr>
+        </p:nvSpPr>
+        <p:spPr>
+          <a:xfrm>
+            <a:off x="685800" y="1143000"/>
+            <a:ext cx="5486400" cy="3086100"/>
+          </a:xfrm>
+          <a:prstGeom prst="rect">
+            <a:avLst/>
+          </a:prstGeom>
+          <a:noFill/>
+          <a:ln w="12700">
+            <a:solidFill>
+              <a:prstClr val="black"/>
+            </a:solidFill>
+          </a:ln>
+        </p:spPr>
+        <p:txBody>
+          <a:bodyPr vert="horz" lIns="91440" tIns="45720" rIns="91440" bIns="45720" rtlCol="0" anchor="ctr"/>
+          <a:lstStyle/>
+          <a:p>
+            <a:endParaRPr lang="en-US"/>
+          </a:p>
+        </p:txBody>
+      </p:sp>
+      <p:sp>
+        <p:nvSpPr>
+          <p:cNvPr id="5" name="Notes Placeholder 4"/>
+          <p:cNvSpPr>
+            <a:spLocks noGrp="1"/>
+          </p:cNvSpPr>
+          <p:nvPr>
+            <p:ph type="body" sz="quarter" idx="3"/>
+          </p:nvPr>
+        </p:nvSpPr>
+        <p:spPr>
+          <a:xfrm>
+            <a:off x="685800" y="4400550"/>
+            <a:ext cx="5486400" cy="3600450"/>
+          </a:xfrm>
+          <a:prstGeom prst="rect">
+            <a:avLst/>
+          </a:prstGeom>
+        </p:spPr>
+        <p:txBody>
+          <a:bodyPr vert="horz" lIns="91440" tIns="45720" rIns="91440" bIns="45720" rtlCol="0"/>
+          <a:lstStyle/>
+          <a:p>
+            <a:pPr lvl="0"/>
+            <a:r>
+              <a:rPr lang="en-US"/>
+              <a:t>Edit Master text styles</a:t>
+            </a:r>
+          </a:p>
+          <a:p>
+            <a:pPr lvl="1"/>
+            <a:r>
+              <a:rPr lang="en-US"/>
+              <a:t>Second level</a:t>
+            </a:r>
+          </a:p>
+          <a:p>
+            <a:pPr lvl="2"/>
+            <a:r>
+              <a:rPr lang="en-US"/>
+              <a:t>Third level</a:t>
+            </a:r>
+          </a:p>
+          <a:p>
+            <a:pPr lvl="3"/>
+            <a:r>
+              <a:rPr lang="en-US"/>
+              <a:t>Fourth level</a:t>
+            </a:r>
+          </a:p>
+          <a:p>
+            <a:pPr lvl="4"/>
+            <a:r>
+              <a:rPr lang="en-US"/>
+              <a:t>Fifth level</a:t>
+            </a:r>
+          </a:p>
+        </p:txBody>
+      </p:sp>
+      <p:sp>
+        <p:nvSpPr>
+          <p:cNvPr id="6" name="Footer Placeholder 5"/>
+          <p:cNvSpPr>
+            <a:spLocks noGrp="1"/>
+          </p:cNvSpPr>
+          <p:nvPr>
+            <p:ph type="ftr" sz="quarter" idx="4"/>
+          </p:nvPr>
+        </p:nvSpPr>
+        <p:spPr>
+          <a:xfrm>
+            <a:off x="0" y="8685213"/>
+            <a:ext cx="2971800" cy="458787"/>
+          </a:xfrm>
+          <a:prstGeom prst="rect">
+            <a:avLst/>
+          </a:prstGeom>
+        </p:spPr>
+        <p:txBody>
+          <a:bodyPr vert="horz" lIns="91440" tIns="45720" rIns="91440" bIns="45720" rtlCol="0" anchor="b"/>
+          <a:lstStyle>
+            <a:lvl1pPr algn="l">
+              <a:defRPr sz="1200"/>
+            </a:lvl1pPr>
+          </a:lstStyle>
+          <a:p>
+            <a:endParaRPr lang="en-US"/>
+          </a:p>
+        </p:txBody>
+      </p:sp>
+      <p:sp>
+        <p:nvSpPr>
+          <p:cNvPr id="7" name="Slide Number Placeholder 6"/>
+          <p:cNvSpPr>
+            <a:spLocks noGrp="1"/>
+          </p:cNvSpPr>
+          <p:nvPr>
+            <p:ph type="sldNum" sz="quarter" idx="5"/>
+          </p:nvPr>
+        </p:nvSpPr>
+        <p:spPr>
+          <a:xfrm>
+            <a:off x="3884613" y="8685213"/>
+            <a:ext cx="2971800" cy="458787"/>
+          </a:xfrm>
+          <a:prstGeom prst="rect">
+            <a:avLst/>
+          </a:prstGeom>
+        </p:spPr>
+        <p:txBody>
+          <a:bodyPr vert="horz" lIns="91440" tIns="45720" rIns="91440" bIns="45720" rtlCol="0" anchor="b"/>
+          <a:lstStyle>
+            <a:lvl1pPr algn="r">
+              <a:defRPr sz="1200"/>
+            </a:lvl1pPr>
+          </a:lstStyle>
+          <a:p>
+            <a:fld id="{7E4816A0-0E75-4C90-BA90-018A0609AAE1}" type="slidenum">
+              <a:rPr lang="en-US" smtClean="0"/>
+              <a:t>‹#›</a:t>
+            </a:fld>
+            <a:endParaRPr lang="en-US"/>
+          </a:p>
+        </p:txBody>
+      </p:sp>
+    </p:spTree>
+    <p:extLst>
+      <p:ext uri="{BB962C8B-B14F-4D97-AF65-F5344CB8AC3E}">
+        <p14:creationId xmlns:p14="http://schemas.microsoft.com/office/powerpoint/2010/main" val="2230901110"/>
+      </p:ext>
+    </p:extLst>
+  </p:cSld>
+  <p:clrMap bg1="lt1" tx1="dk1" bg2="lt2" tx2="dk2" accent1="accent1" accent2="accent2" accent3="accent3" accent4="accent4" accent5="accent5" accent6="accent6" hlink="hlink" folHlink="folHlink"/>
+  <p:notesStyle>
+    <a:lvl1pPr marL="0" algn="l" defTabSz="914400" rtl="0" eaLnBrk="1" latinLnBrk="0" hangingPunct="1">
+      <a:defRPr sz="1200" kern="1200">
+        <a:solidFill>
+          <a:schemeClr val="tx1"/>
+        </a:solidFill>
+        <a:latin typeface="+mn-lt"/>
+        <a:ea typeface="+mn-ea"/>
+        <a:cs typeface="+mn-cs"/>
+      </a:defRPr>
+    </a:lvl1pPr>
+    <a:lvl2pPr marL="457200" algn="l" defTabSz="914400" rtl="0" eaLnBrk="1" latinLnBrk="0" hangingPunct="1">
+      <a:defRPr sz="1200" kern="1200">
+        <a:solidFill>
+          <a:schemeClr val="tx1"/>
+        </a:solidFill>
+        <a:latin typeface="+mn-lt"/>
+        <a:ea typeface="+mn-ea"/>
+        <a:cs typeface="+mn-cs"/>
+      </a:defRPr>
+    </a:lvl2pPr>
+    <a:lvl3pPr marL="914400" algn="l" defTabSz="914400" rtl="0" eaLnBrk="1" latinLnBrk="0" hangingPunct="1">
+      <a:defRPr sz="1200" kern="1200">
+        <a:solidFill>
+          <a:schemeClr val="tx1"/>
+        </a:solidFill>
+        <a:latin typeface="+mn-lt"/>
+        <a:ea typeface="+mn-ea"/>
+        <a:cs typeface="+mn-cs"/>
+      </a:defRPr>
+    </a:lvl3pPr>
+    <a:lvl4pPr marL="1371600" algn="l" defTabSz="914400" rtl="0" eaLnBrk="1" latinLnBrk="0" hangingPunct="1">
+      <a:defRPr sz="1200" kern="1200">
+        <a:solidFill>
+          <a:schemeClr val="tx1"/>
+        </a:solidFill>
+        <a:latin typeface="+mn-lt"/>
+        <a:ea typeface="+mn-ea"/>
+        <a:cs typeface="+mn-cs"/>
+      </a:defRPr>
+    </a:lvl4pPr>
+    <a:lvl5pPr marL="1828800" algn="l" defTabSz="914400" rtl="0" eaLnBrk="1" latinLnBrk="0" hangingPunct="1">
+      <a:defRPr sz="1200" kern="1200">
+        <a:solidFill>
+          <a:schemeClr val="tx1"/>
+        </a:solidFill>
+        <a:latin typeface="+mn-lt"/>
+        <a:ea typeface="+mn-ea"/>
+        <a:cs typeface="+mn-cs"/>
+      </a:defRPr>
+    </a:lvl5pPr>
+    <a:lvl6pPr marL="2286000" algn="l" defTabSz="914400" rtl="0" eaLnBrk="1" latinLnBrk="0" hangingPunct="1">
+      <a:defRPr sz="1200" kern="1200">
+        <a:solidFill>
+          <a:schemeClr val="tx1"/>
+        </a:solidFill>
+        <a:latin typeface="+mn-lt"/>
+        <a:ea typeface="+mn-ea"/>
+        <a:cs typeface="+mn-cs"/>
+      </a:defRPr>
+    </a:lvl6pPr>
+    <a:lvl7pPr marL="2743200" algn="l" defTabSz="914400" rtl="0" eaLnBrk="1" latinLnBrk="0" hangingPunct="1">
+      <a:defRPr sz="1200" kern="1200">
+        <a:solidFill>
+          <a:schemeClr val="tx1"/>
+        </a:solidFill>
+        <a:latin typeface="+mn-lt"/>
+        <a:ea typeface="+mn-ea"/>
+        <a:cs typeface="+mn-cs"/>
+      </a:defRPr>
+    </a:lvl7pPr>
+    <a:lvl8pPr marL="3200400" algn="l" defTabSz="914400" rtl="0" eaLnBrk="1" latinLnBrk="0" hangingPunct="1">
+      <a:defRPr sz="1200" kern="1200">
+        <a:solidFill>
+          <a:schemeClr val="tx1"/>
+        </a:solidFill>
+        <a:latin typeface="+mn-lt"/>
+        <a:ea typeface="+mn-ea"/>
+        <a:cs typeface="+mn-cs"/>
+      </a:defRPr>
+    </a:lvl8pPr>
+    <a:lvl9pPr marL="3657600" algn="l" defTabSz="914400" rtl="0" eaLnBrk="1" latinLnBrk="0" hangingPunct="1">
+      <a:defRPr sz="1200" kern="1200">
+        <a:solidFill>
+          <a:schemeClr val="tx1"/>
+        </a:solidFill>
+        <a:latin typeface="+mn-lt"/>
+        <a:ea typeface="+mn-ea"/>
+        <a:cs typeface="+mn-cs"/>
+      </a:defRPr>
+    </a:lvl9pPr>
+  </p:notesStyle>
+</p:notesMaster>
+</file>
+
+<file path=ppt/notesSlides/notesSlide1.xml><?xml version="1.0" encoding="utf-8"?>
+<p:notes xmlns:a="http://schemas.openxmlformats.org/drawingml/2006/main" xmlns:r="http://schemas.openxmlformats.org/officeDocument/2006/relationships" xmlns:p="http://schemas.openxmlformats.org/presentationml/2006/main">
+  <p:cSld>
+    <p:spTree>
+      <p:nvGrpSpPr>
+        <p:cNvPr id="1" name=""/>
+        <p:cNvGrpSpPr/>
+        <p:nvPr/>
+      </p:nvGrpSpPr>
+      <p:grpSpPr>
+        <a:xfrm>
+          <a:off x="0" y="0"/>
+          <a:ext cx="0" cy="0"/>
+          <a:chOff x="0" y="0"/>
+          <a:chExt cx="0" cy="0"/>
+        </a:xfrm>
+      </p:grpSpPr>
+      <p:sp>
+        <p:nvSpPr>
+          <p:cNvPr id="2" name="Slide Image Placeholder 1"/>
+          <p:cNvSpPr>
+            <a:spLocks noGrp="1" noRot="1" noChangeAspect="1"/>
+          </p:cNvSpPr>
+          <p:nvPr>
+            <p:ph type="sldImg"/>
+          </p:nvPr>
+        </p:nvSpPr>
+        <p:spPr/>
+      </p:sp>
+      <p:sp>
+        <p:nvSpPr>
+          <p:cNvPr id="3" name="Notes Placeholder 2"/>
+          <p:cNvSpPr>
+            <a:spLocks noGrp="1"/>
+          </p:cNvSpPr>
+          <p:nvPr>
+            <p:ph type="body" idx="1"/>
+          </p:nvPr>
+        </p:nvSpPr>
+        <p:spPr/>
+        <p:txBody>
+          <a:bodyPr/>
+          <a:lstStyle/>
+          <a:p>
+            <a:endParaRPr lang="en-US" dirty="0"/>
+          </a:p>
+        </p:txBody>
+      </p:sp>
+      <p:sp>
+        <p:nvSpPr>
+          <p:cNvPr id="4" name="Slide Number Placeholder 3"/>
+          <p:cNvSpPr>
+            <a:spLocks noGrp="1"/>
+          </p:cNvSpPr>
+          <p:nvPr>
+            <p:ph type="sldNum" sz="quarter" idx="5"/>
+          </p:nvPr>
+        </p:nvSpPr>
+        <p:spPr/>
+        <p:txBody>
+          <a:bodyPr/>
+          <a:lstStyle/>
+          <a:p>
+            <a:fld id="{7E4816A0-0E75-4C90-BA90-018A0609AAE1}" type="slidenum">
+              <a:rPr lang="en-US" smtClean="0"/>
+              <a:t>3</a:t>
+            </a:fld>
+            <a:endParaRPr lang="en-US"/>
+          </a:p>
+        </p:txBody>
+      </p:sp>
+    </p:spTree>
+    <p:extLst>
+      <p:ext uri="{BB962C8B-B14F-4D97-AF65-F5344CB8AC3E}">
+        <p14:creationId xmlns:p14="http://schemas.microsoft.com/office/powerpoint/2010/main" val="3178927888"/>
+      </p:ext>
+    </p:extLst>
+  </p:cSld>
+  <p:clrMapOvr>
+    <a:masterClrMapping/>
+  </p:clrMapOvr>
+</p:notes>
+</file>
+
+<file path=ppt/notesSlides/notesSlide2.xml><?xml version="1.0" encoding="utf-8"?>
+<p:notes xmlns:a="http://schemas.openxmlformats.org/drawingml/2006/main" xmlns:r="http://schemas.openxmlformats.org/officeDocument/2006/relationships" xmlns:p="http://schemas.openxmlformats.org/presentationml/2006/main">
+  <p:cSld>
+    <p:spTree>
+      <p:nvGrpSpPr>
+        <p:cNvPr id="1" name=""/>
+        <p:cNvGrpSpPr/>
+        <p:nvPr/>
+      </p:nvGrpSpPr>
+      <p:grpSpPr>
+        <a:xfrm>
+          <a:off x="0" y="0"/>
+          <a:ext cx="0" cy="0"/>
+          <a:chOff x="0" y="0"/>
+          <a:chExt cx="0" cy="0"/>
+        </a:xfrm>
+      </p:grpSpPr>
+      <p:sp>
+        <p:nvSpPr>
+          <p:cNvPr id="2" name="Slide Image Placeholder 1"/>
+          <p:cNvSpPr>
+            <a:spLocks noGrp="1" noRot="1" noChangeAspect="1"/>
+          </p:cNvSpPr>
+          <p:nvPr>
+            <p:ph type="sldImg"/>
+          </p:nvPr>
+        </p:nvSpPr>
+        <p:spPr/>
+      </p:sp>
+      <p:sp>
+        <p:nvSpPr>
+          <p:cNvPr id="3" name="Notes Placeholder 2"/>
+          <p:cNvSpPr>
+            <a:spLocks noGrp="1"/>
+          </p:cNvSpPr>
+          <p:nvPr>
+            <p:ph type="body" idx="1"/>
+          </p:nvPr>
+        </p:nvSpPr>
+        <p:spPr/>
+        <p:txBody>
+          <a:bodyPr/>
+          <a:lstStyle/>
+          <a:p>
+            <a:r>
+              <a:rPr lang="en-US" dirty="0">
+                <a:latin typeface="Times New Roman" panose="02020603050405020304" pitchFamily="18" charset="0"/>
+                <a:cs typeface="Times New Roman" panose="02020603050405020304" pitchFamily="18" charset="0"/>
+              </a:rPr>
+              <a:t>Fundamental Phase </a:t>
+            </a:r>
+            <a:endParaRPr lang="en-US" dirty="0"/>
+          </a:p>
+        </p:txBody>
+      </p:sp>
+      <p:sp>
+        <p:nvSpPr>
+          <p:cNvPr id="4" name="Slide Number Placeholder 3"/>
+          <p:cNvSpPr>
+            <a:spLocks noGrp="1"/>
+          </p:cNvSpPr>
+          <p:nvPr>
+            <p:ph type="sldNum" sz="quarter" idx="5"/>
+          </p:nvPr>
+        </p:nvSpPr>
+        <p:spPr/>
+        <p:txBody>
+          <a:bodyPr/>
+          <a:lstStyle/>
+          <a:p>
+            <a:fld id="{7E4816A0-0E75-4C90-BA90-018A0609AAE1}" type="slidenum">
+              <a:rPr lang="en-US" smtClean="0"/>
+              <a:t>6</a:t>
+            </a:fld>
+            <a:endParaRPr lang="en-US"/>
+          </a:p>
+        </p:txBody>
+      </p:sp>
+    </p:spTree>
+    <p:extLst>
+      <p:ext uri="{BB962C8B-B14F-4D97-AF65-F5344CB8AC3E}">
+        <p14:creationId xmlns:p14="http://schemas.microsoft.com/office/powerpoint/2010/main" val="70616384"/>
+      </p:ext>
+    </p:extLst>
+  </p:cSld>
+  <p:clrMapOvr>
+    <a:masterClrMapping/>
+  </p:clrMapOvr>
+</p:notes>
 </file>
 
 <file path=ppt/slideLayouts/slideLayout1.xml><?xml version="1.0" encoding="utf-8"?>
@@ -258,7 +808,7 @@
           <a:p>
             <a:fld id="{8DDB1700-4475-4CBC-B86D-A53CA45E6D33}" type="datetimeFigureOut">
               <a:rPr lang="en-US" smtClean="0"/>
-              <a:t>7/30/2022</a:t>
+              <a:t>8/4/2022</a:t>
             </a:fld>
             <a:endParaRPr lang="en-US"/>
           </a:p>
@@ -456,7 +1006,7 @@
           <a:p>
             <a:fld id="{8DDB1700-4475-4CBC-B86D-A53CA45E6D33}" type="datetimeFigureOut">
               <a:rPr lang="en-US" smtClean="0"/>
-              <a:t>7/30/2022</a:t>
+              <a:t>8/4/2022</a:t>
             </a:fld>
             <a:endParaRPr lang="en-US"/>
           </a:p>
@@ -664,7 +1214,7 @@
           <a:p>
             <a:fld id="{8DDB1700-4475-4CBC-B86D-A53CA45E6D33}" type="datetimeFigureOut">
               <a:rPr lang="en-US" smtClean="0"/>
-              <a:t>7/30/2022</a:t>
+              <a:t>8/4/2022</a:t>
             </a:fld>
             <a:endParaRPr lang="en-US"/>
           </a:p>
@@ -862,7 +1412,7 @@
           <a:p>
             <a:fld id="{8DDB1700-4475-4CBC-B86D-A53CA45E6D33}" type="datetimeFigureOut">
               <a:rPr lang="en-US" smtClean="0"/>
-              <a:t>7/30/2022</a:t>
+              <a:t>8/4/2022</a:t>
             </a:fld>
             <a:endParaRPr lang="en-US"/>
           </a:p>
@@ -1137,7 +1687,7 @@
           <a:p>
             <a:fld id="{8DDB1700-4475-4CBC-B86D-A53CA45E6D33}" type="datetimeFigureOut">
               <a:rPr lang="en-US" smtClean="0"/>
-              <a:t>7/30/2022</a:t>
+              <a:t>8/4/2022</a:t>
             </a:fld>
             <a:endParaRPr lang="en-US"/>
           </a:p>
@@ -1402,7 +1952,7 @@
           <a:p>
             <a:fld id="{8DDB1700-4475-4CBC-B86D-A53CA45E6D33}" type="datetimeFigureOut">
               <a:rPr lang="en-US" smtClean="0"/>
-              <a:t>7/30/2022</a:t>
+              <a:t>8/4/2022</a:t>
             </a:fld>
             <a:endParaRPr lang="en-US"/>
           </a:p>
@@ -1814,7 +2364,7 @@
           <a:p>
             <a:fld id="{8DDB1700-4475-4CBC-B86D-A53CA45E6D33}" type="datetimeFigureOut">
               <a:rPr lang="en-US" smtClean="0"/>
-              <a:t>7/30/2022</a:t>
+              <a:t>8/4/2022</a:t>
             </a:fld>
             <a:endParaRPr lang="en-US"/>
           </a:p>
@@ -1955,7 +2505,7 @@
           <a:p>
             <a:fld id="{8DDB1700-4475-4CBC-B86D-A53CA45E6D33}" type="datetimeFigureOut">
               <a:rPr lang="en-US" smtClean="0"/>
-              <a:t>7/30/2022</a:t>
+              <a:t>8/4/2022</a:t>
             </a:fld>
             <a:endParaRPr lang="en-US"/>
           </a:p>
@@ -2068,7 +2618,7 @@
           <a:p>
             <a:fld id="{8DDB1700-4475-4CBC-B86D-A53CA45E6D33}" type="datetimeFigureOut">
               <a:rPr lang="en-US" smtClean="0"/>
-              <a:t>7/30/2022</a:t>
+              <a:t>8/4/2022</a:t>
             </a:fld>
             <a:endParaRPr lang="en-US"/>
           </a:p>
@@ -2379,7 +2929,7 @@
           <a:p>
             <a:fld id="{8DDB1700-4475-4CBC-B86D-A53CA45E6D33}" type="datetimeFigureOut">
               <a:rPr lang="en-US" smtClean="0"/>
-              <a:t>7/30/2022</a:t>
+              <a:t>8/4/2022</a:t>
             </a:fld>
             <a:endParaRPr lang="en-US"/>
           </a:p>
@@ -2667,7 +3217,7 @@
           <a:p>
             <a:fld id="{8DDB1700-4475-4CBC-B86D-A53CA45E6D33}" type="datetimeFigureOut">
               <a:rPr lang="en-US" smtClean="0"/>
-              <a:t>7/30/2022</a:t>
+              <a:t>8/4/2022</a:t>
             </a:fld>
             <a:endParaRPr lang="en-US"/>
           </a:p>
@@ -2908,7 +3458,7 @@
           <a:p>
             <a:fld id="{8DDB1700-4475-4CBC-B86D-A53CA45E6D33}" type="datetimeFigureOut">
               <a:rPr lang="en-US" smtClean="0"/>
-              <a:t>7/30/2022</a:t>
+              <a:t>8/4/2022</a:t>
             </a:fld>
             <a:endParaRPr lang="en-US"/>
           </a:p>
@@ -3327,10 +3877,10 @@
       </p:grpSpPr>
       <p:pic>
         <p:nvPicPr>
-          <p:cNvPr id="35" name="Picture 34">
+          <p:cNvPr id="6" name="Picture 5">
             <a:extLst>
               <a:ext uri="{FF2B5EF4-FFF2-40B4-BE49-F238E27FC236}">
-                <a16:creationId xmlns:a16="http://schemas.microsoft.com/office/drawing/2014/main" id="{F7F15697-D727-455F-AB9E-BAF29FDE74DF}"/>
+                <a16:creationId xmlns:a16="http://schemas.microsoft.com/office/drawing/2014/main" id="{BF68411F-B2F7-4BFC-B2D1-D8A9684DED33}"/>
               </a:ext>
             </a:extLst>
           </p:cNvPr>
@@ -3347,7 +3897,3391 @@
         </p:blipFill>
         <p:spPr>
           <a:xfrm>
-            <a:off x="2557969" y="-1177963"/>
+            <a:off x="6413500" y="82550"/>
+            <a:ext cx="3810000" cy="2857500"/>
+          </a:xfrm>
+          <a:prstGeom prst="rect">
+            <a:avLst/>
+          </a:prstGeom>
+        </p:spPr>
+      </p:pic>
+      <p:pic>
+        <p:nvPicPr>
+          <p:cNvPr id="7" name="Picture 6">
+            <a:extLst>
+              <a:ext uri="{FF2B5EF4-FFF2-40B4-BE49-F238E27FC236}">
+                <a16:creationId xmlns:a16="http://schemas.microsoft.com/office/drawing/2014/main" id="{1DD983C6-CD75-4596-91B7-A256687E62B5}"/>
+              </a:ext>
+            </a:extLst>
+          </p:cNvPr>
+          <p:cNvPicPr>
+            <a:picLocks noChangeAspect="1"/>
+          </p:cNvPicPr>
+          <p:nvPr/>
+        </p:nvPicPr>
+        <p:blipFill>
+          <a:blip r:embed="rId3"/>
+          <a:stretch>
+            <a:fillRect/>
+          </a:stretch>
+        </p:blipFill>
+        <p:spPr>
+          <a:xfrm>
+            <a:off x="3244850" y="82550"/>
+            <a:ext cx="3810000" cy="2857500"/>
+          </a:xfrm>
+          <a:prstGeom prst="rect">
+            <a:avLst/>
+          </a:prstGeom>
+        </p:spPr>
+      </p:pic>
+      <p:pic>
+        <p:nvPicPr>
+          <p:cNvPr id="4" name="Picture 3">
+            <a:extLst>
+              <a:ext uri="{FF2B5EF4-FFF2-40B4-BE49-F238E27FC236}">
+                <a16:creationId xmlns:a16="http://schemas.microsoft.com/office/drawing/2014/main" id="{3BDE6267-6C96-43EC-9F5A-7DAB7BF36953}"/>
+              </a:ext>
+            </a:extLst>
+          </p:cNvPr>
+          <p:cNvPicPr>
+            <a:picLocks noChangeAspect="1"/>
+          </p:cNvPicPr>
+          <p:nvPr/>
+        </p:nvPicPr>
+        <p:blipFill>
+          <a:blip r:embed="rId4"/>
+          <a:stretch>
+            <a:fillRect/>
+          </a:stretch>
+        </p:blipFill>
+        <p:spPr>
+          <a:xfrm>
+            <a:off x="6413500" y="2489201"/>
+            <a:ext cx="3810000" cy="2857500"/>
+          </a:xfrm>
+          <a:prstGeom prst="rect">
+            <a:avLst/>
+          </a:prstGeom>
+        </p:spPr>
+      </p:pic>
+      <p:pic>
+        <p:nvPicPr>
+          <p:cNvPr id="5" name="Picture 4">
+            <a:extLst>
+              <a:ext uri="{FF2B5EF4-FFF2-40B4-BE49-F238E27FC236}">
+                <a16:creationId xmlns:a16="http://schemas.microsoft.com/office/drawing/2014/main" id="{EDA23D2C-40D7-4360-A8A4-4E0DD391D206}"/>
+              </a:ext>
+            </a:extLst>
+          </p:cNvPr>
+          <p:cNvPicPr>
+            <a:picLocks noChangeAspect="1"/>
+          </p:cNvPicPr>
+          <p:nvPr/>
+        </p:nvPicPr>
+        <p:blipFill>
+          <a:blip r:embed="rId5"/>
+          <a:stretch>
+            <a:fillRect/>
+          </a:stretch>
+        </p:blipFill>
+        <p:spPr>
+          <a:xfrm>
+            <a:off x="3244850" y="2489201"/>
+            <a:ext cx="3810000" cy="2857500"/>
+          </a:xfrm>
+          <a:prstGeom prst="rect">
+            <a:avLst/>
+          </a:prstGeom>
+        </p:spPr>
+      </p:pic>
+      <mc:AlternateContent xmlns:mc="http://schemas.openxmlformats.org/markup-compatibility/2006">
+        <mc:Choice xmlns:a14="http://schemas.microsoft.com/office/drawing/2010/main" Requires="a14">
+          <p:sp>
+            <p:nvSpPr>
+              <p:cNvPr id="8" name="TextBox 7">
+                <a:extLst>
+                  <a:ext uri="{FF2B5EF4-FFF2-40B4-BE49-F238E27FC236}">
+                    <a16:creationId xmlns:a16="http://schemas.microsoft.com/office/drawing/2014/main" id="{5F5F4DE4-72D4-45E1-9873-BBC206FA90B1}"/>
+                  </a:ext>
+                </a:extLst>
+              </p:cNvPr>
+              <p:cNvSpPr txBox="1"/>
+              <p:nvPr/>
+            </p:nvSpPr>
+            <p:spPr>
+              <a:xfrm>
+                <a:off x="4686300" y="571500"/>
+                <a:ext cx="1409700" cy="338554"/>
+              </a:xfrm>
+              <a:prstGeom prst="rect">
+                <a:avLst/>
+              </a:prstGeom>
+              <a:noFill/>
+            </p:spPr>
+            <p:txBody>
+              <a:bodyPr wrap="square" rtlCol="0">
+                <a:spAutoFit/>
+              </a:bodyPr>
+              <a:lstStyle/>
+              <a:p>
+                <a14:m>
+                  <m:oMathPara xmlns:m="http://schemas.openxmlformats.org/officeDocument/2006/math">
+                    <m:oMathParaPr>
+                      <m:jc m:val="centerGroup"/>
+                    </m:oMathParaPr>
+                    <m:oMath xmlns:m="http://schemas.openxmlformats.org/officeDocument/2006/math">
+                      <m:sSub>
+                        <m:sSubPr>
+                          <m:ctrlPr>
+                            <a:rPr lang="en-US" sz="1600" b="0" i="1" smtClean="0">
+                              <a:solidFill>
+                                <a:schemeClr val="tx1">
+                                  <a:lumMod val="75000"/>
+                                  <a:lumOff val="25000"/>
+                                </a:schemeClr>
+                              </a:solidFill>
+                              <a:latin typeface="Cambria Math" panose="02040503050406030204" pitchFamily="18" charset="0"/>
+                            </a:rPr>
+                          </m:ctrlPr>
+                        </m:sSubPr>
+                        <m:e>
+                          <m:r>
+                            <a:rPr lang="en-US" sz="1600" b="0" i="1" smtClean="0">
+                              <a:solidFill>
+                                <a:schemeClr val="tx1">
+                                  <a:lumMod val="75000"/>
+                                  <a:lumOff val="25000"/>
+                                </a:schemeClr>
+                              </a:solidFill>
+                              <a:latin typeface="Cambria Math" panose="02040503050406030204" pitchFamily="18" charset="0"/>
+                            </a:rPr>
+                            <m:t>𝑚</m:t>
+                          </m:r>
+                        </m:e>
+                        <m:sub>
+                          <m:r>
+                            <a:rPr lang="en-US" sz="1600" b="0" i="1" smtClean="0">
+                              <a:solidFill>
+                                <a:schemeClr val="tx1">
+                                  <a:lumMod val="75000"/>
+                                  <a:lumOff val="25000"/>
+                                </a:schemeClr>
+                              </a:solidFill>
+                              <a:latin typeface="Cambria Math" panose="02040503050406030204" pitchFamily="18" charset="0"/>
+                            </a:rPr>
+                            <m:t>𝑎</m:t>
+                          </m:r>
+                        </m:sub>
+                      </m:sSub>
+                      <m:r>
+                        <a:rPr lang="en-US" sz="1600" b="0" i="1" smtClean="0">
+                          <a:solidFill>
+                            <a:schemeClr val="tx1">
+                              <a:lumMod val="75000"/>
+                              <a:lumOff val="25000"/>
+                            </a:schemeClr>
+                          </a:solidFill>
+                          <a:latin typeface="Cambria Math" panose="02040503050406030204" pitchFamily="18" charset="0"/>
+                        </a:rPr>
+                        <m:t>=0 </m:t>
+                      </m:r>
+                    </m:oMath>
+                  </m:oMathPara>
+                </a14:m>
+                <a:endParaRPr lang="en-US" dirty="0">
+                  <a:solidFill>
+                    <a:schemeClr val="tx1">
+                      <a:lumMod val="75000"/>
+                      <a:lumOff val="25000"/>
+                    </a:schemeClr>
+                  </a:solidFill>
+                </a:endParaRPr>
+              </a:p>
+            </p:txBody>
+          </p:sp>
+        </mc:Choice>
+        <mc:Fallback>
+          <p:sp>
+            <p:nvSpPr>
+              <p:cNvPr id="8" name="TextBox 7">
+                <a:extLst>
+                  <a:ext uri="{FF2B5EF4-FFF2-40B4-BE49-F238E27FC236}">
+                    <a16:creationId xmlns:a16="http://schemas.microsoft.com/office/drawing/2014/main" id="{5F5F4DE4-72D4-45E1-9873-BBC206FA90B1}"/>
+                  </a:ext>
+                </a:extLst>
+              </p:cNvPr>
+              <p:cNvSpPr txBox="1">
+                <a:spLocks noRot="1" noChangeAspect="1" noMove="1" noResize="1" noEditPoints="1" noAdjustHandles="1" noChangeArrowheads="1" noChangeShapeType="1" noTextEdit="1"/>
+              </p:cNvSpPr>
+              <p:nvPr/>
+            </p:nvSpPr>
+            <p:spPr>
+              <a:xfrm>
+                <a:off x="4686300" y="571500"/>
+                <a:ext cx="1409700" cy="338554"/>
+              </a:xfrm>
+              <a:prstGeom prst="rect">
+                <a:avLst/>
+              </a:prstGeom>
+              <a:blipFill>
+                <a:blip r:embed="rId6"/>
+                <a:stretch>
+                  <a:fillRect/>
+                </a:stretch>
+              </a:blipFill>
+            </p:spPr>
+            <p:txBody>
+              <a:bodyPr/>
+              <a:lstStyle/>
+              <a:p>
+                <a:r>
+                  <a:rPr lang="en-US">
+                    <a:noFill/>
+                  </a:rPr>
+                  <a:t> </a:t>
+                </a:r>
+              </a:p>
+            </p:txBody>
+          </p:sp>
+        </mc:Fallback>
+      </mc:AlternateContent>
+      <mc:AlternateContent xmlns:mc="http://schemas.openxmlformats.org/markup-compatibility/2006">
+        <mc:Choice xmlns:a14="http://schemas.microsoft.com/office/drawing/2010/main" Requires="a14">
+          <p:sp>
+            <p:nvSpPr>
+              <p:cNvPr id="9" name="TextBox 8">
+                <a:extLst>
+                  <a:ext uri="{FF2B5EF4-FFF2-40B4-BE49-F238E27FC236}">
+                    <a16:creationId xmlns:a16="http://schemas.microsoft.com/office/drawing/2014/main" id="{20B5B73E-652B-47B1-B2FC-C1618E005E82}"/>
+                  </a:ext>
+                </a:extLst>
+              </p:cNvPr>
+              <p:cNvSpPr txBox="1"/>
+              <p:nvPr/>
+            </p:nvSpPr>
+            <p:spPr>
+              <a:xfrm>
+                <a:off x="7454900" y="601077"/>
+                <a:ext cx="1409700" cy="338554"/>
+              </a:xfrm>
+              <a:prstGeom prst="rect">
+                <a:avLst/>
+              </a:prstGeom>
+              <a:noFill/>
+            </p:spPr>
+            <p:txBody>
+              <a:bodyPr wrap="square" rtlCol="0">
+                <a:spAutoFit/>
+              </a:bodyPr>
+              <a:lstStyle/>
+              <a:p>
+                <a14:m>
+                  <m:oMathPara xmlns:m="http://schemas.openxmlformats.org/officeDocument/2006/math">
+                    <m:oMathParaPr>
+                      <m:jc m:val="centerGroup"/>
+                    </m:oMathParaPr>
+                    <m:oMath xmlns:m="http://schemas.openxmlformats.org/officeDocument/2006/math">
+                      <m:sSub>
+                        <m:sSubPr>
+                          <m:ctrlPr>
+                            <a:rPr lang="en-US" sz="1600" b="0" i="1" smtClean="0">
+                              <a:solidFill>
+                                <a:schemeClr val="tx1">
+                                  <a:lumMod val="75000"/>
+                                  <a:lumOff val="25000"/>
+                                </a:schemeClr>
+                              </a:solidFill>
+                              <a:latin typeface="Cambria Math" panose="02040503050406030204" pitchFamily="18" charset="0"/>
+                            </a:rPr>
+                          </m:ctrlPr>
+                        </m:sSubPr>
+                        <m:e>
+                          <m:r>
+                            <a:rPr lang="en-US" sz="1600" b="0" i="1" smtClean="0">
+                              <a:solidFill>
+                                <a:schemeClr val="tx1">
+                                  <a:lumMod val="75000"/>
+                                  <a:lumOff val="25000"/>
+                                </a:schemeClr>
+                              </a:solidFill>
+                              <a:latin typeface="Cambria Math" panose="02040503050406030204" pitchFamily="18" charset="0"/>
+                            </a:rPr>
+                            <m:t>𝑚</m:t>
+                          </m:r>
+                        </m:e>
+                        <m:sub>
+                          <m:r>
+                            <a:rPr lang="en-US" sz="1600" b="0" i="1" smtClean="0">
+                              <a:solidFill>
+                                <a:schemeClr val="tx1">
+                                  <a:lumMod val="75000"/>
+                                  <a:lumOff val="25000"/>
+                                </a:schemeClr>
+                              </a:solidFill>
+                              <a:latin typeface="Cambria Math" panose="02040503050406030204" pitchFamily="18" charset="0"/>
+                            </a:rPr>
+                            <m:t>𝑎</m:t>
+                          </m:r>
+                        </m:sub>
+                      </m:sSub>
+                      <m:r>
+                        <a:rPr lang="en-US" sz="1600" b="0" i="1" smtClean="0">
+                          <a:solidFill>
+                            <a:schemeClr val="tx1">
+                              <a:lumMod val="75000"/>
+                              <a:lumOff val="25000"/>
+                            </a:schemeClr>
+                          </a:solidFill>
+                          <a:latin typeface="Cambria Math" panose="02040503050406030204" pitchFamily="18" charset="0"/>
+                        </a:rPr>
+                        <m:t>=0.3 </m:t>
+                      </m:r>
+                    </m:oMath>
+                  </m:oMathPara>
+                </a14:m>
+                <a:endParaRPr lang="en-US" dirty="0">
+                  <a:solidFill>
+                    <a:schemeClr val="tx1">
+                      <a:lumMod val="75000"/>
+                      <a:lumOff val="25000"/>
+                    </a:schemeClr>
+                  </a:solidFill>
+                </a:endParaRPr>
+              </a:p>
+            </p:txBody>
+          </p:sp>
+        </mc:Choice>
+        <mc:Fallback>
+          <p:sp>
+            <p:nvSpPr>
+              <p:cNvPr id="9" name="TextBox 8">
+                <a:extLst>
+                  <a:ext uri="{FF2B5EF4-FFF2-40B4-BE49-F238E27FC236}">
+                    <a16:creationId xmlns:a16="http://schemas.microsoft.com/office/drawing/2014/main" id="{20B5B73E-652B-47B1-B2FC-C1618E005E82}"/>
+                  </a:ext>
+                </a:extLst>
+              </p:cNvPr>
+              <p:cNvSpPr txBox="1">
+                <a:spLocks noRot="1" noChangeAspect="1" noMove="1" noResize="1" noEditPoints="1" noAdjustHandles="1" noChangeArrowheads="1" noChangeShapeType="1" noTextEdit="1"/>
+              </p:cNvSpPr>
+              <p:nvPr/>
+            </p:nvSpPr>
+            <p:spPr>
+              <a:xfrm>
+                <a:off x="7454900" y="601077"/>
+                <a:ext cx="1409700" cy="338554"/>
+              </a:xfrm>
+              <a:prstGeom prst="rect">
+                <a:avLst/>
+              </a:prstGeom>
+              <a:blipFill>
+                <a:blip r:embed="rId7"/>
+                <a:stretch>
+                  <a:fillRect/>
+                </a:stretch>
+              </a:blipFill>
+            </p:spPr>
+            <p:txBody>
+              <a:bodyPr/>
+              <a:lstStyle/>
+              <a:p>
+                <a:r>
+                  <a:rPr lang="en-US">
+                    <a:noFill/>
+                  </a:rPr>
+                  <a:t> </a:t>
+                </a:r>
+              </a:p>
+            </p:txBody>
+          </p:sp>
+        </mc:Fallback>
+      </mc:AlternateContent>
+      <mc:AlternateContent xmlns:mc="http://schemas.openxmlformats.org/markup-compatibility/2006">
+        <mc:Choice xmlns:a14="http://schemas.microsoft.com/office/drawing/2010/main" Requires="a14">
+          <p:sp>
+            <p:nvSpPr>
+              <p:cNvPr id="10" name="TextBox 9">
+                <a:extLst>
+                  <a:ext uri="{FF2B5EF4-FFF2-40B4-BE49-F238E27FC236}">
+                    <a16:creationId xmlns:a16="http://schemas.microsoft.com/office/drawing/2014/main" id="{B753ED0B-DA1F-4019-8104-1328AB81896E}"/>
+                  </a:ext>
+                </a:extLst>
+              </p:cNvPr>
+              <p:cNvSpPr txBox="1"/>
+              <p:nvPr/>
+            </p:nvSpPr>
+            <p:spPr>
+              <a:xfrm>
+                <a:off x="4603750" y="2940050"/>
+                <a:ext cx="1409700" cy="338554"/>
+              </a:xfrm>
+              <a:prstGeom prst="rect">
+                <a:avLst/>
+              </a:prstGeom>
+              <a:noFill/>
+            </p:spPr>
+            <p:txBody>
+              <a:bodyPr wrap="square" rtlCol="0">
+                <a:spAutoFit/>
+              </a:bodyPr>
+              <a:lstStyle/>
+              <a:p>
+                <a14:m>
+                  <m:oMathPara xmlns:m="http://schemas.openxmlformats.org/officeDocument/2006/math">
+                    <m:oMathParaPr>
+                      <m:jc m:val="centerGroup"/>
+                    </m:oMathParaPr>
+                    <m:oMath xmlns:m="http://schemas.openxmlformats.org/officeDocument/2006/math">
+                      <m:sSub>
+                        <m:sSubPr>
+                          <m:ctrlPr>
+                            <a:rPr lang="en-US" sz="1600" b="0" i="1" smtClean="0">
+                              <a:solidFill>
+                                <a:schemeClr val="tx1">
+                                  <a:lumMod val="75000"/>
+                                  <a:lumOff val="25000"/>
+                                </a:schemeClr>
+                              </a:solidFill>
+                              <a:latin typeface="Cambria Math" panose="02040503050406030204" pitchFamily="18" charset="0"/>
+                            </a:rPr>
+                          </m:ctrlPr>
+                        </m:sSubPr>
+                        <m:e>
+                          <m:r>
+                            <a:rPr lang="en-US" sz="1600" b="0" i="1" smtClean="0">
+                              <a:solidFill>
+                                <a:schemeClr val="tx1">
+                                  <a:lumMod val="75000"/>
+                                  <a:lumOff val="25000"/>
+                                </a:schemeClr>
+                              </a:solidFill>
+                              <a:latin typeface="Cambria Math" panose="02040503050406030204" pitchFamily="18" charset="0"/>
+                            </a:rPr>
+                            <m:t>𝑚</m:t>
+                          </m:r>
+                        </m:e>
+                        <m:sub>
+                          <m:r>
+                            <a:rPr lang="en-US" sz="1600" b="0" i="1" smtClean="0">
+                              <a:solidFill>
+                                <a:schemeClr val="tx1">
+                                  <a:lumMod val="75000"/>
+                                  <a:lumOff val="25000"/>
+                                </a:schemeClr>
+                              </a:solidFill>
+                              <a:latin typeface="Cambria Math" panose="02040503050406030204" pitchFamily="18" charset="0"/>
+                            </a:rPr>
+                            <m:t>𝑎</m:t>
+                          </m:r>
+                        </m:sub>
+                      </m:sSub>
+                      <m:r>
+                        <a:rPr lang="en-US" sz="1600" b="0" i="1" smtClean="0">
+                          <a:solidFill>
+                            <a:schemeClr val="tx1">
+                              <a:lumMod val="75000"/>
+                              <a:lumOff val="25000"/>
+                            </a:schemeClr>
+                          </a:solidFill>
+                          <a:latin typeface="Cambria Math" panose="02040503050406030204" pitchFamily="18" charset="0"/>
+                        </a:rPr>
+                        <m:t>=0.6 </m:t>
+                      </m:r>
+                    </m:oMath>
+                  </m:oMathPara>
+                </a14:m>
+                <a:endParaRPr lang="en-US" dirty="0">
+                  <a:solidFill>
+                    <a:schemeClr val="tx1">
+                      <a:lumMod val="75000"/>
+                      <a:lumOff val="25000"/>
+                    </a:schemeClr>
+                  </a:solidFill>
+                </a:endParaRPr>
+              </a:p>
+            </p:txBody>
+          </p:sp>
+        </mc:Choice>
+        <mc:Fallback>
+          <p:sp>
+            <p:nvSpPr>
+              <p:cNvPr id="10" name="TextBox 9">
+                <a:extLst>
+                  <a:ext uri="{FF2B5EF4-FFF2-40B4-BE49-F238E27FC236}">
+                    <a16:creationId xmlns:a16="http://schemas.microsoft.com/office/drawing/2014/main" id="{B753ED0B-DA1F-4019-8104-1328AB81896E}"/>
+                  </a:ext>
+                </a:extLst>
+              </p:cNvPr>
+              <p:cNvSpPr txBox="1">
+                <a:spLocks noRot="1" noChangeAspect="1" noMove="1" noResize="1" noEditPoints="1" noAdjustHandles="1" noChangeArrowheads="1" noChangeShapeType="1" noTextEdit="1"/>
+              </p:cNvSpPr>
+              <p:nvPr/>
+            </p:nvSpPr>
+            <p:spPr>
+              <a:xfrm>
+                <a:off x="4603750" y="2940050"/>
+                <a:ext cx="1409700" cy="338554"/>
+              </a:xfrm>
+              <a:prstGeom prst="rect">
+                <a:avLst/>
+              </a:prstGeom>
+              <a:blipFill>
+                <a:blip r:embed="rId8"/>
+                <a:stretch>
+                  <a:fillRect/>
+                </a:stretch>
+              </a:blipFill>
+            </p:spPr>
+            <p:txBody>
+              <a:bodyPr/>
+              <a:lstStyle/>
+              <a:p>
+                <a:r>
+                  <a:rPr lang="en-US">
+                    <a:noFill/>
+                  </a:rPr>
+                  <a:t> </a:t>
+                </a:r>
+              </a:p>
+            </p:txBody>
+          </p:sp>
+        </mc:Fallback>
+      </mc:AlternateContent>
+      <mc:AlternateContent xmlns:mc="http://schemas.openxmlformats.org/markup-compatibility/2006">
+        <mc:Choice xmlns:a14="http://schemas.microsoft.com/office/drawing/2010/main" Requires="a14">
+          <p:sp>
+            <p:nvSpPr>
+              <p:cNvPr id="11" name="TextBox 10">
+                <a:extLst>
+                  <a:ext uri="{FF2B5EF4-FFF2-40B4-BE49-F238E27FC236}">
+                    <a16:creationId xmlns:a16="http://schemas.microsoft.com/office/drawing/2014/main" id="{8AE6FE09-1830-45FF-AC6B-2CABB4D20B32}"/>
+                  </a:ext>
+                </a:extLst>
+              </p:cNvPr>
+              <p:cNvSpPr txBox="1"/>
+              <p:nvPr/>
+            </p:nvSpPr>
+            <p:spPr>
+              <a:xfrm>
+                <a:off x="7372350" y="2940050"/>
+                <a:ext cx="1409700" cy="338554"/>
+              </a:xfrm>
+              <a:prstGeom prst="rect">
+                <a:avLst/>
+              </a:prstGeom>
+              <a:noFill/>
+            </p:spPr>
+            <p:txBody>
+              <a:bodyPr wrap="square" rtlCol="0">
+                <a:spAutoFit/>
+              </a:bodyPr>
+              <a:lstStyle/>
+              <a:p>
+                <a14:m>
+                  <m:oMathPara xmlns:m="http://schemas.openxmlformats.org/officeDocument/2006/math">
+                    <m:oMathParaPr>
+                      <m:jc m:val="centerGroup"/>
+                    </m:oMathParaPr>
+                    <m:oMath xmlns:m="http://schemas.openxmlformats.org/officeDocument/2006/math">
+                      <m:sSub>
+                        <m:sSubPr>
+                          <m:ctrlPr>
+                            <a:rPr lang="en-US" sz="1600" b="0" i="1" smtClean="0">
+                              <a:solidFill>
+                                <a:schemeClr val="tx1">
+                                  <a:lumMod val="75000"/>
+                                  <a:lumOff val="25000"/>
+                                </a:schemeClr>
+                              </a:solidFill>
+                              <a:latin typeface="Cambria Math" panose="02040503050406030204" pitchFamily="18" charset="0"/>
+                            </a:rPr>
+                          </m:ctrlPr>
+                        </m:sSubPr>
+                        <m:e>
+                          <m:r>
+                            <a:rPr lang="en-US" sz="1600" b="0" i="1" smtClean="0">
+                              <a:solidFill>
+                                <a:schemeClr val="tx1">
+                                  <a:lumMod val="75000"/>
+                                  <a:lumOff val="25000"/>
+                                </a:schemeClr>
+                              </a:solidFill>
+                              <a:latin typeface="Cambria Math" panose="02040503050406030204" pitchFamily="18" charset="0"/>
+                            </a:rPr>
+                            <m:t>𝑚</m:t>
+                          </m:r>
+                        </m:e>
+                        <m:sub>
+                          <m:r>
+                            <a:rPr lang="en-US" sz="1600" b="0" i="1" smtClean="0">
+                              <a:solidFill>
+                                <a:schemeClr val="tx1">
+                                  <a:lumMod val="75000"/>
+                                  <a:lumOff val="25000"/>
+                                </a:schemeClr>
+                              </a:solidFill>
+                              <a:latin typeface="Cambria Math" panose="02040503050406030204" pitchFamily="18" charset="0"/>
+                            </a:rPr>
+                            <m:t>𝑎</m:t>
+                          </m:r>
+                        </m:sub>
+                      </m:sSub>
+                      <m:r>
+                        <a:rPr lang="en-US" sz="1600" b="0" i="1" smtClean="0">
+                          <a:solidFill>
+                            <a:schemeClr val="tx1">
+                              <a:lumMod val="75000"/>
+                              <a:lumOff val="25000"/>
+                            </a:schemeClr>
+                          </a:solidFill>
+                          <a:latin typeface="Cambria Math" panose="02040503050406030204" pitchFamily="18" charset="0"/>
+                        </a:rPr>
+                        <m:t>=0.9 </m:t>
+                      </m:r>
+                    </m:oMath>
+                  </m:oMathPara>
+                </a14:m>
+                <a:endParaRPr lang="en-US" dirty="0">
+                  <a:solidFill>
+                    <a:schemeClr val="tx1">
+                      <a:lumMod val="75000"/>
+                      <a:lumOff val="25000"/>
+                    </a:schemeClr>
+                  </a:solidFill>
+                </a:endParaRPr>
+              </a:p>
+            </p:txBody>
+          </p:sp>
+        </mc:Choice>
+        <mc:Fallback>
+          <p:sp>
+            <p:nvSpPr>
+              <p:cNvPr id="11" name="TextBox 10">
+                <a:extLst>
+                  <a:ext uri="{FF2B5EF4-FFF2-40B4-BE49-F238E27FC236}">
+                    <a16:creationId xmlns:a16="http://schemas.microsoft.com/office/drawing/2014/main" id="{8AE6FE09-1830-45FF-AC6B-2CABB4D20B32}"/>
+                  </a:ext>
+                </a:extLst>
+              </p:cNvPr>
+              <p:cNvSpPr txBox="1">
+                <a:spLocks noRot="1" noChangeAspect="1" noMove="1" noResize="1" noEditPoints="1" noAdjustHandles="1" noChangeArrowheads="1" noChangeShapeType="1" noTextEdit="1"/>
+              </p:cNvSpPr>
+              <p:nvPr/>
+            </p:nvSpPr>
+            <p:spPr>
+              <a:xfrm>
+                <a:off x="7372350" y="2940050"/>
+                <a:ext cx="1409700" cy="338554"/>
+              </a:xfrm>
+              <a:prstGeom prst="rect">
+                <a:avLst/>
+              </a:prstGeom>
+              <a:blipFill>
+                <a:blip r:embed="rId9"/>
+                <a:stretch>
+                  <a:fillRect/>
+                </a:stretch>
+              </a:blipFill>
+            </p:spPr>
+            <p:txBody>
+              <a:bodyPr/>
+              <a:lstStyle/>
+              <a:p>
+                <a:r>
+                  <a:rPr lang="en-US">
+                    <a:noFill/>
+                  </a:rPr>
+                  <a:t> </a:t>
+                </a:r>
+              </a:p>
+            </p:txBody>
+          </p:sp>
+        </mc:Fallback>
+      </mc:AlternateContent>
+    </p:spTree>
+    <p:extLst>
+      <p:ext uri="{BB962C8B-B14F-4D97-AF65-F5344CB8AC3E}">
+        <p14:creationId xmlns:p14="http://schemas.microsoft.com/office/powerpoint/2010/main" val="1309511296"/>
+      </p:ext>
+    </p:extLst>
+  </p:cSld>
+  <p:clrMapOvr>
+    <a:masterClrMapping/>
+  </p:clrMapOvr>
+</p:sld>
+</file>
+
+<file path=ppt/slides/slide10.xml><?xml version="1.0" encoding="utf-8"?>
+<p:sld xmlns:a="http://schemas.openxmlformats.org/drawingml/2006/main" xmlns:r="http://schemas.openxmlformats.org/officeDocument/2006/relationships" xmlns:p="http://schemas.openxmlformats.org/presentationml/2006/main">
+  <p:cSld>
+    <p:spTree>
+      <p:nvGrpSpPr>
+        <p:cNvPr id="1" name=""/>
+        <p:cNvGrpSpPr/>
+        <p:nvPr/>
+      </p:nvGrpSpPr>
+      <p:grpSpPr>
+        <a:xfrm>
+          <a:off x="0" y="0"/>
+          <a:ext cx="0" cy="0"/>
+          <a:chOff x="0" y="0"/>
+          <a:chExt cx="0" cy="0"/>
+        </a:xfrm>
+      </p:grpSpPr>
+      <p:pic>
+        <p:nvPicPr>
+          <p:cNvPr id="4" name="Picture 3">
+            <a:extLst>
+              <a:ext uri="{FF2B5EF4-FFF2-40B4-BE49-F238E27FC236}">
+                <a16:creationId xmlns:a16="http://schemas.microsoft.com/office/drawing/2014/main" id="{30CB9359-EE59-4EC1-A4A8-51ECC7469B8C}"/>
+              </a:ext>
+            </a:extLst>
+          </p:cNvPr>
+          <p:cNvPicPr>
+            <a:picLocks noChangeAspect="1"/>
+          </p:cNvPicPr>
+          <p:nvPr/>
+        </p:nvPicPr>
+        <p:blipFill>
+          <a:blip r:embed="rId2"/>
+          <a:stretch>
+            <a:fillRect/>
+          </a:stretch>
+        </p:blipFill>
+        <p:spPr>
+          <a:xfrm>
+            <a:off x="533400" y="285750"/>
+            <a:ext cx="5334000" cy="4000500"/>
+          </a:xfrm>
+          <a:prstGeom prst="rect">
+            <a:avLst/>
+          </a:prstGeom>
+        </p:spPr>
+      </p:pic>
+    </p:spTree>
+    <p:extLst>
+      <p:ext uri="{BB962C8B-B14F-4D97-AF65-F5344CB8AC3E}">
+        <p14:creationId xmlns:p14="http://schemas.microsoft.com/office/powerpoint/2010/main" val="2442094286"/>
+      </p:ext>
+    </p:extLst>
+  </p:cSld>
+  <p:clrMapOvr>
+    <a:masterClrMapping/>
+  </p:clrMapOvr>
+</p:sld>
+</file>
+
+<file path=ppt/slides/slide11.xml><?xml version="1.0" encoding="utf-8"?>
+<p:sld xmlns:a="http://schemas.openxmlformats.org/drawingml/2006/main" xmlns:r="http://schemas.openxmlformats.org/officeDocument/2006/relationships" xmlns:p="http://schemas.openxmlformats.org/presentationml/2006/main">
+  <p:cSld>
+    <p:spTree>
+      <p:nvGrpSpPr>
+        <p:cNvPr id="1" name=""/>
+        <p:cNvGrpSpPr/>
+        <p:nvPr/>
+      </p:nvGrpSpPr>
+      <p:grpSpPr>
+        <a:xfrm>
+          <a:off x="0" y="0"/>
+          <a:ext cx="0" cy="0"/>
+          <a:chOff x="0" y="0"/>
+          <a:chExt cx="0" cy="0"/>
+        </a:xfrm>
+      </p:grpSpPr>
+      <p:sp>
+        <p:nvSpPr>
+          <p:cNvPr id="9" name="TextBox 8">
+            <a:extLst>
+              <a:ext uri="{FF2B5EF4-FFF2-40B4-BE49-F238E27FC236}">
+                <a16:creationId xmlns:a16="http://schemas.microsoft.com/office/drawing/2014/main" id="{E915F1EF-9814-48E2-A217-E86153226D33}"/>
+              </a:ext>
+            </a:extLst>
+          </p:cNvPr>
+          <p:cNvSpPr txBox="1"/>
+          <p:nvPr/>
+        </p:nvSpPr>
+        <p:spPr>
+          <a:xfrm>
+            <a:off x="3295650" y="-780554"/>
+            <a:ext cx="7251700" cy="8125301"/>
+          </a:xfrm>
+          <a:prstGeom prst="rect">
+            <a:avLst/>
+          </a:prstGeom>
+          <a:noFill/>
+        </p:spPr>
+        <p:txBody>
+          <a:bodyPr wrap="square" rtlCol="0">
+            <a:spAutoFit/>
+          </a:bodyPr>
+          <a:lstStyle/>
+          <a:p>
+            <a:r>
+              <a:rPr lang="en-US" dirty="0"/>
+              <a:t>A WPT system is connected between leg-A and leg-B, and the WPT system is supposed to be excited by the switching harmonic.</a:t>
+            </a:r>
+          </a:p>
+          <a:p>
+            <a:r>
+              <a:rPr lang="en-US" dirty="0"/>
+              <a:t>For each switching interval, the duty cycle of leg-A and leg-B varies, and their average values equal the corresponding reference voltages at each time interval. </a:t>
+            </a:r>
+          </a:p>
+          <a:p>
+            <a:r>
+              <a:rPr lang="en-US" dirty="0"/>
+              <a:t>Thus, varying duty cycles follow a sinusoidal reference signal, which drives the motor. However, the changing duty cycles cause a fluctuation in the magnitude of the switching component. </a:t>
+            </a:r>
+          </a:p>
+          <a:p>
+            <a:r>
+              <a:rPr lang="en-US" dirty="0"/>
+              <a:t>The fluctuation can also be analyzed in the frequency domain and modeled as sideband harmonics. </a:t>
+            </a:r>
+          </a:p>
+          <a:p>
+            <a:r>
+              <a:rPr lang="en-US" dirty="0"/>
+              <a:t>Due to this fluctuation, the input voltage of the WPT system changes over the fundamental period. </a:t>
+            </a:r>
+          </a:p>
+          <a:p>
+            <a:r>
+              <a:rPr lang="en-US" dirty="0"/>
+              <a:t>This input voltage fluctuation also echoes the output voltage of the WPT system, and it should be mitigated.  </a:t>
+            </a:r>
+          </a:p>
+          <a:p>
+            <a:r>
+              <a:rPr lang="en-US" dirty="0"/>
+              <a:t>The first solution is using an active converter at the output side, which increases the cost and complexity of the system. </a:t>
+            </a:r>
+          </a:p>
+          <a:p>
+            <a:r>
+              <a:rPr lang="en-US" dirty="0"/>
+              <a:t>Besides, it increases the weight of the rotating side. </a:t>
+            </a:r>
+          </a:p>
+          <a:p>
+            <a:r>
+              <a:rPr lang="en-US" dirty="0"/>
+              <a:t>The second solution is connecting bulky capacitance to the output in parallel, increasing the weight and creating a point of failure.</a:t>
+            </a:r>
+          </a:p>
+          <a:p>
+            <a:r>
+              <a:rPr lang="en-US" dirty="0"/>
+              <a:t> The third solution is using a control method such as frequency detuning. However, the output current is measured and controlled in the field excitation system. </a:t>
+            </a:r>
+          </a:p>
+          <a:p>
+            <a:r>
+              <a:rPr lang="en-US" dirty="0"/>
+              <a:t>A lag exists due to the high inductance of the field, and the frequency control cannot deal with the fluctuation if phase compensation circuits or algorithms are not applied. </a:t>
+            </a:r>
+          </a:p>
+          <a:p>
+            <a:r>
+              <a:rPr lang="en-US" dirty="0"/>
+              <a:t>Instead of solving this fluctuation on the output side, the input side solutions can be proposed.</a:t>
+            </a:r>
+          </a:p>
+          <a:p>
+            <a:r>
+              <a:rPr lang="en-US" dirty="0"/>
+              <a:t> However, these solutions should not affect the average value, which follows the reference signal. </a:t>
+            </a:r>
+          </a:p>
+        </p:txBody>
+      </p:sp>
+    </p:spTree>
+    <p:extLst>
+      <p:ext uri="{BB962C8B-B14F-4D97-AF65-F5344CB8AC3E}">
+        <p14:creationId xmlns:p14="http://schemas.microsoft.com/office/powerpoint/2010/main" val="552937153"/>
+      </p:ext>
+    </p:extLst>
+  </p:cSld>
+  <p:clrMapOvr>
+    <a:masterClrMapping/>
+  </p:clrMapOvr>
+</p:sld>
+</file>
+
+<file path=ppt/slides/slide2.xml><?xml version="1.0" encoding="utf-8"?>
+<p:sld xmlns:a="http://schemas.openxmlformats.org/drawingml/2006/main" xmlns:r="http://schemas.openxmlformats.org/officeDocument/2006/relationships" xmlns:p="http://schemas.openxmlformats.org/presentationml/2006/main">
+  <p:cSld>
+    <p:spTree>
+      <p:nvGrpSpPr>
+        <p:cNvPr id="1" name=""/>
+        <p:cNvGrpSpPr/>
+        <p:nvPr/>
+      </p:nvGrpSpPr>
+      <p:grpSpPr>
+        <a:xfrm>
+          <a:off x="0" y="0"/>
+          <a:ext cx="0" cy="0"/>
+          <a:chOff x="0" y="0"/>
+          <a:chExt cx="0" cy="0"/>
+        </a:xfrm>
+      </p:grpSpPr>
+      <p:pic>
+        <p:nvPicPr>
+          <p:cNvPr id="27" name="Picture 26">
+            <a:extLst>
+              <a:ext uri="{FF2B5EF4-FFF2-40B4-BE49-F238E27FC236}">
+                <a16:creationId xmlns:a16="http://schemas.microsoft.com/office/drawing/2014/main" id="{8B875AC6-F386-4457-ACB0-1EE381114EE3}"/>
+              </a:ext>
+            </a:extLst>
+          </p:cNvPr>
+          <p:cNvPicPr>
+            <a:picLocks noChangeAspect="1"/>
+          </p:cNvPicPr>
+          <p:nvPr/>
+        </p:nvPicPr>
+        <p:blipFill>
+          <a:blip r:embed="rId2"/>
+          <a:stretch>
+            <a:fillRect/>
+          </a:stretch>
+        </p:blipFill>
+        <p:spPr>
+          <a:xfrm>
+            <a:off x="6959600" y="-28761"/>
+            <a:ext cx="3810000" cy="2857500"/>
+          </a:xfrm>
+          <a:prstGeom prst="rect">
+            <a:avLst/>
+          </a:prstGeom>
+        </p:spPr>
+      </p:pic>
+      <p:pic>
+        <p:nvPicPr>
+          <p:cNvPr id="28" name="Picture 27">
+            <a:extLst>
+              <a:ext uri="{FF2B5EF4-FFF2-40B4-BE49-F238E27FC236}">
+                <a16:creationId xmlns:a16="http://schemas.microsoft.com/office/drawing/2014/main" id="{CC74BB7E-E605-494F-B82C-0965209A4C09}"/>
+              </a:ext>
+            </a:extLst>
+          </p:cNvPr>
+          <p:cNvPicPr>
+            <a:picLocks noChangeAspect="1"/>
+          </p:cNvPicPr>
+          <p:nvPr/>
+        </p:nvPicPr>
+        <p:blipFill>
+          <a:blip r:embed="rId3"/>
+          <a:stretch>
+            <a:fillRect/>
+          </a:stretch>
+        </p:blipFill>
+        <p:spPr>
+          <a:xfrm>
+            <a:off x="3806032" y="-24793"/>
+            <a:ext cx="3810000" cy="2857500"/>
+          </a:xfrm>
+          <a:prstGeom prst="rect">
+            <a:avLst/>
+          </a:prstGeom>
+        </p:spPr>
+      </p:pic>
+      <p:pic>
+        <p:nvPicPr>
+          <p:cNvPr id="25" name="Picture 24">
+            <a:extLst>
+              <a:ext uri="{FF2B5EF4-FFF2-40B4-BE49-F238E27FC236}">
+                <a16:creationId xmlns:a16="http://schemas.microsoft.com/office/drawing/2014/main" id="{0E3EC407-6151-4CD0-9587-5D5CEE928B0D}"/>
+              </a:ext>
+            </a:extLst>
+          </p:cNvPr>
+          <p:cNvPicPr>
+            <a:picLocks noChangeAspect="1"/>
+          </p:cNvPicPr>
+          <p:nvPr/>
+        </p:nvPicPr>
+        <p:blipFill>
+          <a:blip r:embed="rId4"/>
+          <a:stretch>
+            <a:fillRect/>
+          </a:stretch>
+        </p:blipFill>
+        <p:spPr>
+          <a:xfrm>
+            <a:off x="6992938" y="2391946"/>
+            <a:ext cx="3810000" cy="2857500"/>
+          </a:xfrm>
+          <a:prstGeom prst="rect">
+            <a:avLst/>
+          </a:prstGeom>
+        </p:spPr>
+      </p:pic>
+      <p:pic>
+        <p:nvPicPr>
+          <p:cNvPr id="26" name="Picture 25">
+            <a:extLst>
+              <a:ext uri="{FF2B5EF4-FFF2-40B4-BE49-F238E27FC236}">
+                <a16:creationId xmlns:a16="http://schemas.microsoft.com/office/drawing/2014/main" id="{9A7D2EDA-650A-4603-870A-B8673BDD7B66}"/>
+              </a:ext>
+            </a:extLst>
+          </p:cNvPr>
+          <p:cNvPicPr>
+            <a:picLocks noChangeAspect="1"/>
+          </p:cNvPicPr>
+          <p:nvPr/>
+        </p:nvPicPr>
+        <p:blipFill>
+          <a:blip r:embed="rId5"/>
+          <a:stretch>
+            <a:fillRect/>
+          </a:stretch>
+        </p:blipFill>
+        <p:spPr>
+          <a:xfrm>
+            <a:off x="3839370" y="2391946"/>
+            <a:ext cx="3810000" cy="2857500"/>
+          </a:xfrm>
+          <a:prstGeom prst="rect">
+            <a:avLst/>
+          </a:prstGeom>
+        </p:spPr>
+      </p:pic>
+      <p:pic>
+        <p:nvPicPr>
+          <p:cNvPr id="23" name="Picture 22">
+            <a:extLst>
+              <a:ext uri="{FF2B5EF4-FFF2-40B4-BE49-F238E27FC236}">
+                <a16:creationId xmlns:a16="http://schemas.microsoft.com/office/drawing/2014/main" id="{4D69C054-125C-4664-B19C-B495616305D7}"/>
+              </a:ext>
+            </a:extLst>
+          </p:cNvPr>
+          <p:cNvPicPr>
+            <a:picLocks noChangeAspect="1"/>
+          </p:cNvPicPr>
+          <p:nvPr/>
+        </p:nvPicPr>
+        <p:blipFill>
+          <a:blip r:embed="rId6"/>
+          <a:stretch>
+            <a:fillRect/>
+          </a:stretch>
+        </p:blipFill>
+        <p:spPr>
+          <a:xfrm>
+            <a:off x="6992938" y="4818896"/>
+            <a:ext cx="3810000" cy="2857500"/>
+          </a:xfrm>
+          <a:prstGeom prst="rect">
+            <a:avLst/>
+          </a:prstGeom>
+        </p:spPr>
+      </p:pic>
+      <p:pic>
+        <p:nvPicPr>
+          <p:cNvPr id="24" name="Picture 23">
+            <a:extLst>
+              <a:ext uri="{FF2B5EF4-FFF2-40B4-BE49-F238E27FC236}">
+                <a16:creationId xmlns:a16="http://schemas.microsoft.com/office/drawing/2014/main" id="{734AF701-E830-4371-B564-6E93B62BD335}"/>
+              </a:ext>
+            </a:extLst>
+          </p:cNvPr>
+          <p:cNvPicPr>
+            <a:picLocks noChangeAspect="1"/>
+          </p:cNvPicPr>
+          <p:nvPr/>
+        </p:nvPicPr>
+        <p:blipFill>
+          <a:blip r:embed="rId7"/>
+          <a:stretch>
+            <a:fillRect/>
+          </a:stretch>
+        </p:blipFill>
+        <p:spPr>
+          <a:xfrm>
+            <a:off x="3839370" y="4777749"/>
+            <a:ext cx="3810000" cy="2857500"/>
+          </a:xfrm>
+          <a:prstGeom prst="rect">
+            <a:avLst/>
+          </a:prstGeom>
+        </p:spPr>
+      </p:pic>
+      <mc:AlternateContent xmlns:mc="http://schemas.openxmlformats.org/markup-compatibility/2006">
+        <mc:Choice xmlns:a14="http://schemas.microsoft.com/office/drawing/2010/main" Requires="a14">
+          <p:sp>
+            <p:nvSpPr>
+              <p:cNvPr id="8" name="TextBox 7">
+                <a:extLst>
+                  <a:ext uri="{FF2B5EF4-FFF2-40B4-BE49-F238E27FC236}">
+                    <a16:creationId xmlns:a16="http://schemas.microsoft.com/office/drawing/2014/main" id="{5F5F4DE4-72D4-45E1-9873-BBC206FA90B1}"/>
+                  </a:ext>
+                </a:extLst>
+              </p:cNvPr>
+              <p:cNvSpPr txBox="1"/>
+              <p:nvPr/>
+            </p:nvSpPr>
+            <p:spPr>
+              <a:xfrm>
+                <a:off x="4843463" y="651501"/>
+                <a:ext cx="1409700" cy="338554"/>
+              </a:xfrm>
+              <a:prstGeom prst="rect">
+                <a:avLst/>
+              </a:prstGeom>
+              <a:noFill/>
+            </p:spPr>
+            <p:txBody>
+              <a:bodyPr wrap="square" rtlCol="0">
+                <a:spAutoFit/>
+              </a:bodyPr>
+              <a:lstStyle/>
+              <a:p>
+                <a14:m>
+                  <m:oMathPara xmlns:m="http://schemas.openxmlformats.org/officeDocument/2006/math">
+                    <m:oMathParaPr>
+                      <m:jc m:val="centerGroup"/>
+                    </m:oMathParaPr>
+                    <m:oMath xmlns:m="http://schemas.openxmlformats.org/officeDocument/2006/math">
+                      <m:sSub>
+                        <m:sSubPr>
+                          <m:ctrlPr>
+                            <a:rPr lang="en-US" sz="1600" b="0" i="1" smtClean="0">
+                              <a:solidFill>
+                                <a:schemeClr val="tx1">
+                                  <a:lumMod val="75000"/>
+                                  <a:lumOff val="25000"/>
+                                </a:schemeClr>
+                              </a:solidFill>
+                              <a:latin typeface="Cambria Math" panose="02040503050406030204" pitchFamily="18" charset="0"/>
+                            </a:rPr>
+                          </m:ctrlPr>
+                        </m:sSubPr>
+                        <m:e>
+                          <m:r>
+                            <a:rPr lang="en-US" sz="1600" b="0" i="1" smtClean="0">
+                              <a:solidFill>
+                                <a:schemeClr val="tx1">
+                                  <a:lumMod val="75000"/>
+                                  <a:lumOff val="25000"/>
+                                </a:schemeClr>
+                              </a:solidFill>
+                              <a:latin typeface="Cambria Math" panose="02040503050406030204" pitchFamily="18" charset="0"/>
+                            </a:rPr>
+                            <m:t>𝑚</m:t>
+                          </m:r>
+                        </m:e>
+                        <m:sub>
+                          <m:r>
+                            <a:rPr lang="en-US" sz="1600" b="0" i="1" smtClean="0">
+                              <a:solidFill>
+                                <a:schemeClr val="tx1">
+                                  <a:lumMod val="75000"/>
+                                  <a:lumOff val="25000"/>
+                                </a:schemeClr>
+                              </a:solidFill>
+                              <a:latin typeface="Cambria Math" panose="02040503050406030204" pitchFamily="18" charset="0"/>
+                            </a:rPr>
+                            <m:t>𝑎</m:t>
+                          </m:r>
+                        </m:sub>
+                      </m:sSub>
+                      <m:r>
+                        <a:rPr lang="en-US" sz="1600" b="0" i="1" smtClean="0">
+                          <a:solidFill>
+                            <a:schemeClr val="tx1">
+                              <a:lumMod val="75000"/>
+                              <a:lumOff val="25000"/>
+                            </a:schemeClr>
+                          </a:solidFill>
+                          <a:latin typeface="Cambria Math" panose="02040503050406030204" pitchFamily="18" charset="0"/>
+                        </a:rPr>
+                        <m:t>=0 </m:t>
+                      </m:r>
+                    </m:oMath>
+                  </m:oMathPara>
+                </a14:m>
+                <a:endParaRPr lang="en-US" dirty="0">
+                  <a:solidFill>
+                    <a:schemeClr val="tx1">
+                      <a:lumMod val="75000"/>
+                      <a:lumOff val="25000"/>
+                    </a:schemeClr>
+                  </a:solidFill>
+                </a:endParaRPr>
+              </a:p>
+            </p:txBody>
+          </p:sp>
+        </mc:Choice>
+        <mc:Fallback>
+          <p:sp>
+            <p:nvSpPr>
+              <p:cNvPr id="8" name="TextBox 7">
+                <a:extLst>
+                  <a:ext uri="{FF2B5EF4-FFF2-40B4-BE49-F238E27FC236}">
+                    <a16:creationId xmlns:a16="http://schemas.microsoft.com/office/drawing/2014/main" id="{5F5F4DE4-72D4-45E1-9873-BBC206FA90B1}"/>
+                  </a:ext>
+                </a:extLst>
+              </p:cNvPr>
+              <p:cNvSpPr txBox="1">
+                <a:spLocks noRot="1" noChangeAspect="1" noMove="1" noResize="1" noEditPoints="1" noAdjustHandles="1" noChangeArrowheads="1" noChangeShapeType="1" noTextEdit="1"/>
+              </p:cNvSpPr>
+              <p:nvPr/>
+            </p:nvSpPr>
+            <p:spPr>
+              <a:xfrm>
+                <a:off x="4843463" y="651501"/>
+                <a:ext cx="1409700" cy="338554"/>
+              </a:xfrm>
+              <a:prstGeom prst="rect">
+                <a:avLst/>
+              </a:prstGeom>
+              <a:blipFill>
+                <a:blip r:embed="rId8"/>
+                <a:stretch>
+                  <a:fillRect/>
+                </a:stretch>
+              </a:blipFill>
+            </p:spPr>
+            <p:txBody>
+              <a:bodyPr/>
+              <a:lstStyle/>
+              <a:p>
+                <a:r>
+                  <a:rPr lang="en-US">
+                    <a:noFill/>
+                  </a:rPr>
+                  <a:t> </a:t>
+                </a:r>
+              </a:p>
+            </p:txBody>
+          </p:sp>
+        </mc:Fallback>
+      </mc:AlternateContent>
+      <mc:AlternateContent xmlns:mc="http://schemas.openxmlformats.org/markup-compatibility/2006">
+        <mc:Choice xmlns:a14="http://schemas.microsoft.com/office/drawing/2010/main" Requires="a14">
+          <p:sp>
+            <p:nvSpPr>
+              <p:cNvPr id="9" name="TextBox 8">
+                <a:extLst>
+                  <a:ext uri="{FF2B5EF4-FFF2-40B4-BE49-F238E27FC236}">
+                    <a16:creationId xmlns:a16="http://schemas.microsoft.com/office/drawing/2014/main" id="{20B5B73E-652B-47B1-B2FC-C1618E005E82}"/>
+                  </a:ext>
+                </a:extLst>
+              </p:cNvPr>
+              <p:cNvSpPr txBox="1"/>
+              <p:nvPr/>
+            </p:nvSpPr>
+            <p:spPr>
+              <a:xfrm>
+                <a:off x="8004175" y="651501"/>
+                <a:ext cx="1409700" cy="338554"/>
+              </a:xfrm>
+              <a:prstGeom prst="rect">
+                <a:avLst/>
+              </a:prstGeom>
+              <a:noFill/>
+            </p:spPr>
+            <p:txBody>
+              <a:bodyPr wrap="square" rtlCol="0">
+                <a:spAutoFit/>
+              </a:bodyPr>
+              <a:lstStyle/>
+              <a:p>
+                <a14:m>
+                  <m:oMathPara xmlns:m="http://schemas.openxmlformats.org/officeDocument/2006/math">
+                    <m:oMathParaPr>
+                      <m:jc m:val="centerGroup"/>
+                    </m:oMathParaPr>
+                    <m:oMath xmlns:m="http://schemas.openxmlformats.org/officeDocument/2006/math">
+                      <m:sSub>
+                        <m:sSubPr>
+                          <m:ctrlPr>
+                            <a:rPr lang="en-US" sz="1600" b="0" i="1" smtClean="0">
+                              <a:solidFill>
+                                <a:schemeClr val="tx1">
+                                  <a:lumMod val="75000"/>
+                                  <a:lumOff val="25000"/>
+                                </a:schemeClr>
+                              </a:solidFill>
+                              <a:latin typeface="Cambria Math" panose="02040503050406030204" pitchFamily="18" charset="0"/>
+                            </a:rPr>
+                          </m:ctrlPr>
+                        </m:sSubPr>
+                        <m:e>
+                          <m:r>
+                            <a:rPr lang="en-US" sz="1600" b="0" i="1" smtClean="0">
+                              <a:solidFill>
+                                <a:schemeClr val="tx1">
+                                  <a:lumMod val="75000"/>
+                                  <a:lumOff val="25000"/>
+                                </a:schemeClr>
+                              </a:solidFill>
+                              <a:latin typeface="Cambria Math" panose="02040503050406030204" pitchFamily="18" charset="0"/>
+                            </a:rPr>
+                            <m:t>𝑚</m:t>
+                          </m:r>
+                        </m:e>
+                        <m:sub>
+                          <m:r>
+                            <a:rPr lang="en-US" sz="1600" b="0" i="1" smtClean="0">
+                              <a:solidFill>
+                                <a:schemeClr val="tx1">
+                                  <a:lumMod val="75000"/>
+                                  <a:lumOff val="25000"/>
+                                </a:schemeClr>
+                              </a:solidFill>
+                              <a:latin typeface="Cambria Math" panose="02040503050406030204" pitchFamily="18" charset="0"/>
+                            </a:rPr>
+                            <m:t>𝑎</m:t>
+                          </m:r>
+                        </m:sub>
+                      </m:sSub>
+                      <m:r>
+                        <a:rPr lang="en-US" sz="1600" b="0" i="1" smtClean="0">
+                          <a:solidFill>
+                            <a:schemeClr val="tx1">
+                              <a:lumMod val="75000"/>
+                              <a:lumOff val="25000"/>
+                            </a:schemeClr>
+                          </a:solidFill>
+                          <a:latin typeface="Cambria Math" panose="02040503050406030204" pitchFamily="18" charset="0"/>
+                        </a:rPr>
+                        <m:t>=0.3 </m:t>
+                      </m:r>
+                    </m:oMath>
+                  </m:oMathPara>
+                </a14:m>
+                <a:endParaRPr lang="en-US" dirty="0">
+                  <a:solidFill>
+                    <a:schemeClr val="tx1">
+                      <a:lumMod val="75000"/>
+                      <a:lumOff val="25000"/>
+                    </a:schemeClr>
+                  </a:solidFill>
+                </a:endParaRPr>
+              </a:p>
+            </p:txBody>
+          </p:sp>
+        </mc:Choice>
+        <mc:Fallback>
+          <p:sp>
+            <p:nvSpPr>
+              <p:cNvPr id="9" name="TextBox 8">
+                <a:extLst>
+                  <a:ext uri="{FF2B5EF4-FFF2-40B4-BE49-F238E27FC236}">
+                    <a16:creationId xmlns:a16="http://schemas.microsoft.com/office/drawing/2014/main" id="{20B5B73E-652B-47B1-B2FC-C1618E005E82}"/>
+                  </a:ext>
+                </a:extLst>
+              </p:cNvPr>
+              <p:cNvSpPr txBox="1">
+                <a:spLocks noRot="1" noChangeAspect="1" noMove="1" noResize="1" noEditPoints="1" noAdjustHandles="1" noChangeArrowheads="1" noChangeShapeType="1" noTextEdit="1"/>
+              </p:cNvSpPr>
+              <p:nvPr/>
+            </p:nvSpPr>
+            <p:spPr>
+              <a:xfrm>
+                <a:off x="8004175" y="651501"/>
+                <a:ext cx="1409700" cy="338554"/>
+              </a:xfrm>
+              <a:prstGeom prst="rect">
+                <a:avLst/>
+              </a:prstGeom>
+              <a:blipFill>
+                <a:blip r:embed="rId9"/>
+                <a:stretch>
+                  <a:fillRect/>
+                </a:stretch>
+              </a:blipFill>
+            </p:spPr>
+            <p:txBody>
+              <a:bodyPr/>
+              <a:lstStyle/>
+              <a:p>
+                <a:r>
+                  <a:rPr lang="en-US">
+                    <a:noFill/>
+                  </a:rPr>
+                  <a:t> </a:t>
+                </a:r>
+              </a:p>
+            </p:txBody>
+          </p:sp>
+        </mc:Fallback>
+      </mc:AlternateContent>
+      <mc:AlternateContent xmlns:mc="http://schemas.openxmlformats.org/markup-compatibility/2006">
+        <mc:Choice xmlns:a14="http://schemas.microsoft.com/office/drawing/2010/main" Requires="a14">
+          <p:sp>
+            <p:nvSpPr>
+              <p:cNvPr id="10" name="TextBox 9">
+                <a:extLst>
+                  <a:ext uri="{FF2B5EF4-FFF2-40B4-BE49-F238E27FC236}">
+                    <a16:creationId xmlns:a16="http://schemas.microsoft.com/office/drawing/2014/main" id="{B753ED0B-DA1F-4019-8104-1328AB81896E}"/>
+                  </a:ext>
+                </a:extLst>
+              </p:cNvPr>
+              <p:cNvSpPr txBox="1"/>
+              <p:nvPr/>
+            </p:nvSpPr>
+            <p:spPr>
+              <a:xfrm>
+                <a:off x="4832350" y="3400360"/>
+                <a:ext cx="1409700" cy="338554"/>
+              </a:xfrm>
+              <a:prstGeom prst="rect">
+                <a:avLst/>
+              </a:prstGeom>
+              <a:noFill/>
+            </p:spPr>
+            <p:txBody>
+              <a:bodyPr wrap="square" rtlCol="0">
+                <a:spAutoFit/>
+              </a:bodyPr>
+              <a:lstStyle/>
+              <a:p>
+                <a14:m>
+                  <m:oMathPara xmlns:m="http://schemas.openxmlformats.org/officeDocument/2006/math">
+                    <m:oMathParaPr>
+                      <m:jc m:val="centerGroup"/>
+                    </m:oMathParaPr>
+                    <m:oMath xmlns:m="http://schemas.openxmlformats.org/officeDocument/2006/math">
+                      <m:sSub>
+                        <m:sSubPr>
+                          <m:ctrlPr>
+                            <a:rPr lang="en-US" sz="1600" b="0" i="1" smtClean="0">
+                              <a:solidFill>
+                                <a:schemeClr val="tx1">
+                                  <a:lumMod val="75000"/>
+                                  <a:lumOff val="25000"/>
+                                </a:schemeClr>
+                              </a:solidFill>
+                              <a:latin typeface="Cambria Math" panose="02040503050406030204" pitchFamily="18" charset="0"/>
+                            </a:rPr>
+                          </m:ctrlPr>
+                        </m:sSubPr>
+                        <m:e>
+                          <m:r>
+                            <a:rPr lang="en-US" sz="1600" b="0" i="1" smtClean="0">
+                              <a:solidFill>
+                                <a:schemeClr val="tx1">
+                                  <a:lumMod val="75000"/>
+                                  <a:lumOff val="25000"/>
+                                </a:schemeClr>
+                              </a:solidFill>
+                              <a:latin typeface="Cambria Math" panose="02040503050406030204" pitchFamily="18" charset="0"/>
+                            </a:rPr>
+                            <m:t>𝑚</m:t>
+                          </m:r>
+                        </m:e>
+                        <m:sub>
+                          <m:r>
+                            <a:rPr lang="en-US" sz="1600" b="0" i="1" smtClean="0">
+                              <a:solidFill>
+                                <a:schemeClr val="tx1">
+                                  <a:lumMod val="75000"/>
+                                  <a:lumOff val="25000"/>
+                                </a:schemeClr>
+                              </a:solidFill>
+                              <a:latin typeface="Cambria Math" panose="02040503050406030204" pitchFamily="18" charset="0"/>
+                            </a:rPr>
+                            <m:t>𝑎</m:t>
+                          </m:r>
+                        </m:sub>
+                      </m:sSub>
+                      <m:r>
+                        <a:rPr lang="en-US" sz="1600" b="0" i="1" smtClean="0">
+                          <a:solidFill>
+                            <a:schemeClr val="tx1">
+                              <a:lumMod val="75000"/>
+                              <a:lumOff val="25000"/>
+                            </a:schemeClr>
+                          </a:solidFill>
+                          <a:latin typeface="Cambria Math" panose="02040503050406030204" pitchFamily="18" charset="0"/>
+                        </a:rPr>
+                        <m:t>=0.6</m:t>
+                      </m:r>
+                    </m:oMath>
+                  </m:oMathPara>
+                </a14:m>
+                <a:endParaRPr lang="en-US" dirty="0">
+                  <a:solidFill>
+                    <a:schemeClr val="tx1">
+                      <a:lumMod val="75000"/>
+                      <a:lumOff val="25000"/>
+                    </a:schemeClr>
+                  </a:solidFill>
+                </a:endParaRPr>
+              </a:p>
+            </p:txBody>
+          </p:sp>
+        </mc:Choice>
+        <mc:Fallback>
+          <p:sp>
+            <p:nvSpPr>
+              <p:cNvPr id="10" name="TextBox 9">
+                <a:extLst>
+                  <a:ext uri="{FF2B5EF4-FFF2-40B4-BE49-F238E27FC236}">
+                    <a16:creationId xmlns:a16="http://schemas.microsoft.com/office/drawing/2014/main" id="{B753ED0B-DA1F-4019-8104-1328AB81896E}"/>
+                  </a:ext>
+                </a:extLst>
+              </p:cNvPr>
+              <p:cNvSpPr txBox="1">
+                <a:spLocks noRot="1" noChangeAspect="1" noMove="1" noResize="1" noEditPoints="1" noAdjustHandles="1" noChangeArrowheads="1" noChangeShapeType="1" noTextEdit="1"/>
+              </p:cNvSpPr>
+              <p:nvPr/>
+            </p:nvSpPr>
+            <p:spPr>
+              <a:xfrm>
+                <a:off x="4832350" y="3400360"/>
+                <a:ext cx="1409700" cy="338554"/>
+              </a:xfrm>
+              <a:prstGeom prst="rect">
+                <a:avLst/>
+              </a:prstGeom>
+              <a:blipFill>
+                <a:blip r:embed="rId10"/>
+                <a:stretch>
+                  <a:fillRect/>
+                </a:stretch>
+              </a:blipFill>
+            </p:spPr>
+            <p:txBody>
+              <a:bodyPr/>
+              <a:lstStyle/>
+              <a:p>
+                <a:r>
+                  <a:rPr lang="en-US">
+                    <a:noFill/>
+                  </a:rPr>
+                  <a:t> </a:t>
+                </a:r>
+              </a:p>
+            </p:txBody>
+          </p:sp>
+        </mc:Fallback>
+      </mc:AlternateContent>
+      <mc:AlternateContent xmlns:mc="http://schemas.openxmlformats.org/markup-compatibility/2006">
+        <mc:Choice xmlns:a14="http://schemas.microsoft.com/office/drawing/2010/main" Requires="a14">
+          <p:sp>
+            <p:nvSpPr>
+              <p:cNvPr id="11" name="TextBox 10">
+                <a:extLst>
+                  <a:ext uri="{FF2B5EF4-FFF2-40B4-BE49-F238E27FC236}">
+                    <a16:creationId xmlns:a16="http://schemas.microsoft.com/office/drawing/2014/main" id="{8AE6FE09-1830-45FF-AC6B-2CABB4D20B32}"/>
+                  </a:ext>
+                </a:extLst>
+              </p:cNvPr>
+              <p:cNvSpPr txBox="1"/>
+              <p:nvPr/>
+            </p:nvSpPr>
+            <p:spPr>
+              <a:xfrm>
+                <a:off x="7912100" y="2921079"/>
+                <a:ext cx="1409700" cy="338554"/>
+              </a:xfrm>
+              <a:prstGeom prst="rect">
+                <a:avLst/>
+              </a:prstGeom>
+              <a:noFill/>
+            </p:spPr>
+            <p:txBody>
+              <a:bodyPr wrap="square" rtlCol="0">
+                <a:spAutoFit/>
+              </a:bodyPr>
+              <a:lstStyle/>
+              <a:p>
+                <a14:m>
+                  <m:oMathPara xmlns:m="http://schemas.openxmlformats.org/officeDocument/2006/math">
+                    <m:oMathParaPr>
+                      <m:jc m:val="centerGroup"/>
+                    </m:oMathParaPr>
+                    <m:oMath xmlns:m="http://schemas.openxmlformats.org/officeDocument/2006/math">
+                      <m:sSub>
+                        <m:sSubPr>
+                          <m:ctrlPr>
+                            <a:rPr lang="en-US" sz="1600" b="0" i="1" smtClean="0">
+                              <a:solidFill>
+                                <a:schemeClr val="tx1">
+                                  <a:lumMod val="75000"/>
+                                  <a:lumOff val="25000"/>
+                                </a:schemeClr>
+                              </a:solidFill>
+                              <a:latin typeface="Cambria Math" panose="02040503050406030204" pitchFamily="18" charset="0"/>
+                            </a:rPr>
+                          </m:ctrlPr>
+                        </m:sSubPr>
+                        <m:e>
+                          <m:r>
+                            <a:rPr lang="en-US" sz="1600" b="0" i="1" smtClean="0">
+                              <a:solidFill>
+                                <a:schemeClr val="tx1">
+                                  <a:lumMod val="75000"/>
+                                  <a:lumOff val="25000"/>
+                                </a:schemeClr>
+                              </a:solidFill>
+                              <a:latin typeface="Cambria Math" panose="02040503050406030204" pitchFamily="18" charset="0"/>
+                            </a:rPr>
+                            <m:t>𝑚</m:t>
+                          </m:r>
+                        </m:e>
+                        <m:sub>
+                          <m:r>
+                            <a:rPr lang="en-US" sz="1600" b="0" i="1" smtClean="0">
+                              <a:solidFill>
+                                <a:schemeClr val="tx1">
+                                  <a:lumMod val="75000"/>
+                                  <a:lumOff val="25000"/>
+                                </a:schemeClr>
+                              </a:solidFill>
+                              <a:latin typeface="Cambria Math" panose="02040503050406030204" pitchFamily="18" charset="0"/>
+                            </a:rPr>
+                            <m:t>𝑎</m:t>
+                          </m:r>
+                        </m:sub>
+                      </m:sSub>
+                      <m:r>
+                        <a:rPr lang="en-US" sz="1600" b="0" i="1" smtClean="0">
+                          <a:solidFill>
+                            <a:schemeClr val="tx1">
+                              <a:lumMod val="75000"/>
+                              <a:lumOff val="25000"/>
+                            </a:schemeClr>
+                          </a:solidFill>
+                          <a:latin typeface="Cambria Math" panose="02040503050406030204" pitchFamily="18" charset="0"/>
+                        </a:rPr>
+                        <m:t>=0.9 </m:t>
+                      </m:r>
+                    </m:oMath>
+                  </m:oMathPara>
+                </a14:m>
+                <a:endParaRPr lang="en-US" dirty="0">
+                  <a:solidFill>
+                    <a:schemeClr val="tx1">
+                      <a:lumMod val="75000"/>
+                      <a:lumOff val="25000"/>
+                    </a:schemeClr>
+                  </a:solidFill>
+                </a:endParaRPr>
+              </a:p>
+            </p:txBody>
+          </p:sp>
+        </mc:Choice>
+        <mc:Fallback>
+          <p:sp>
+            <p:nvSpPr>
+              <p:cNvPr id="11" name="TextBox 10">
+                <a:extLst>
+                  <a:ext uri="{FF2B5EF4-FFF2-40B4-BE49-F238E27FC236}">
+                    <a16:creationId xmlns:a16="http://schemas.microsoft.com/office/drawing/2014/main" id="{8AE6FE09-1830-45FF-AC6B-2CABB4D20B32}"/>
+                  </a:ext>
+                </a:extLst>
+              </p:cNvPr>
+              <p:cNvSpPr txBox="1">
+                <a:spLocks noRot="1" noChangeAspect="1" noMove="1" noResize="1" noEditPoints="1" noAdjustHandles="1" noChangeArrowheads="1" noChangeShapeType="1" noTextEdit="1"/>
+              </p:cNvSpPr>
+              <p:nvPr/>
+            </p:nvSpPr>
+            <p:spPr>
+              <a:xfrm>
+                <a:off x="7912100" y="2921079"/>
+                <a:ext cx="1409700" cy="338554"/>
+              </a:xfrm>
+              <a:prstGeom prst="rect">
+                <a:avLst/>
+              </a:prstGeom>
+              <a:blipFill>
+                <a:blip r:embed="rId11"/>
+                <a:stretch>
+                  <a:fillRect/>
+                </a:stretch>
+              </a:blipFill>
+            </p:spPr>
+            <p:txBody>
+              <a:bodyPr/>
+              <a:lstStyle/>
+              <a:p>
+                <a:r>
+                  <a:rPr lang="en-US">
+                    <a:noFill/>
+                  </a:rPr>
+                  <a:t> </a:t>
+                </a:r>
+              </a:p>
+            </p:txBody>
+          </p:sp>
+        </mc:Fallback>
+      </mc:AlternateContent>
+      <mc:AlternateContent xmlns:mc="http://schemas.openxmlformats.org/markup-compatibility/2006">
+        <mc:Choice xmlns:a14="http://schemas.microsoft.com/office/drawing/2010/main" Requires="a14">
+          <p:sp>
+            <p:nvSpPr>
+              <p:cNvPr id="21" name="TextBox 20">
+                <a:extLst>
+                  <a:ext uri="{FF2B5EF4-FFF2-40B4-BE49-F238E27FC236}">
+                    <a16:creationId xmlns:a16="http://schemas.microsoft.com/office/drawing/2014/main" id="{72413887-1421-4603-B2F0-30D8EB63CBD2}"/>
+                  </a:ext>
+                </a:extLst>
+              </p:cNvPr>
+              <p:cNvSpPr txBox="1"/>
+              <p:nvPr/>
+            </p:nvSpPr>
+            <p:spPr>
+              <a:xfrm>
+                <a:off x="4809333" y="5345402"/>
+                <a:ext cx="1409700" cy="338554"/>
+              </a:xfrm>
+              <a:prstGeom prst="rect">
+                <a:avLst/>
+              </a:prstGeom>
+              <a:noFill/>
+            </p:spPr>
+            <p:txBody>
+              <a:bodyPr wrap="square" rtlCol="0">
+                <a:spAutoFit/>
+              </a:bodyPr>
+              <a:lstStyle/>
+              <a:p>
+                <a14:m>
+                  <m:oMathPara xmlns:m="http://schemas.openxmlformats.org/officeDocument/2006/math">
+                    <m:oMathParaPr>
+                      <m:jc m:val="centerGroup"/>
+                    </m:oMathParaPr>
+                    <m:oMath xmlns:m="http://schemas.openxmlformats.org/officeDocument/2006/math">
+                      <m:sSub>
+                        <m:sSubPr>
+                          <m:ctrlPr>
+                            <a:rPr lang="en-US" sz="1600" b="0" i="1" smtClean="0">
+                              <a:solidFill>
+                                <a:schemeClr val="tx1">
+                                  <a:lumMod val="75000"/>
+                                  <a:lumOff val="25000"/>
+                                </a:schemeClr>
+                              </a:solidFill>
+                              <a:latin typeface="Cambria Math" panose="02040503050406030204" pitchFamily="18" charset="0"/>
+                            </a:rPr>
+                          </m:ctrlPr>
+                        </m:sSubPr>
+                        <m:e>
+                          <m:r>
+                            <a:rPr lang="en-US" sz="1600" b="0" i="1" smtClean="0">
+                              <a:solidFill>
+                                <a:schemeClr val="tx1">
+                                  <a:lumMod val="75000"/>
+                                  <a:lumOff val="25000"/>
+                                </a:schemeClr>
+                              </a:solidFill>
+                              <a:latin typeface="Cambria Math" panose="02040503050406030204" pitchFamily="18" charset="0"/>
+                            </a:rPr>
+                            <m:t>𝑚</m:t>
+                          </m:r>
+                        </m:e>
+                        <m:sub>
+                          <m:r>
+                            <a:rPr lang="en-US" sz="1600" b="0" i="1" smtClean="0">
+                              <a:solidFill>
+                                <a:schemeClr val="tx1">
+                                  <a:lumMod val="75000"/>
+                                  <a:lumOff val="25000"/>
+                                </a:schemeClr>
+                              </a:solidFill>
+                              <a:latin typeface="Cambria Math" panose="02040503050406030204" pitchFamily="18" charset="0"/>
+                            </a:rPr>
+                            <m:t>𝑎</m:t>
+                          </m:r>
+                        </m:sub>
+                      </m:sSub>
+                      <m:r>
+                        <a:rPr lang="en-US" sz="1600" b="0" i="1" smtClean="0">
+                          <a:solidFill>
+                            <a:schemeClr val="tx1">
+                              <a:lumMod val="75000"/>
+                              <a:lumOff val="25000"/>
+                            </a:schemeClr>
+                          </a:solidFill>
+                          <a:latin typeface="Cambria Math" panose="02040503050406030204" pitchFamily="18" charset="0"/>
+                        </a:rPr>
+                        <m:t>=0.95</m:t>
+                      </m:r>
+                    </m:oMath>
+                  </m:oMathPara>
+                </a14:m>
+                <a:endParaRPr lang="en-US" dirty="0">
+                  <a:solidFill>
+                    <a:schemeClr val="tx1">
+                      <a:lumMod val="75000"/>
+                      <a:lumOff val="25000"/>
+                    </a:schemeClr>
+                  </a:solidFill>
+                </a:endParaRPr>
+              </a:p>
+            </p:txBody>
+          </p:sp>
+        </mc:Choice>
+        <mc:Fallback>
+          <p:sp>
+            <p:nvSpPr>
+              <p:cNvPr id="21" name="TextBox 20">
+                <a:extLst>
+                  <a:ext uri="{FF2B5EF4-FFF2-40B4-BE49-F238E27FC236}">
+                    <a16:creationId xmlns:a16="http://schemas.microsoft.com/office/drawing/2014/main" id="{72413887-1421-4603-B2F0-30D8EB63CBD2}"/>
+                  </a:ext>
+                </a:extLst>
+              </p:cNvPr>
+              <p:cNvSpPr txBox="1">
+                <a:spLocks noRot="1" noChangeAspect="1" noMove="1" noResize="1" noEditPoints="1" noAdjustHandles="1" noChangeArrowheads="1" noChangeShapeType="1" noTextEdit="1"/>
+              </p:cNvSpPr>
+              <p:nvPr/>
+            </p:nvSpPr>
+            <p:spPr>
+              <a:xfrm>
+                <a:off x="4809333" y="5345402"/>
+                <a:ext cx="1409700" cy="338554"/>
+              </a:xfrm>
+              <a:prstGeom prst="rect">
+                <a:avLst/>
+              </a:prstGeom>
+              <a:blipFill>
+                <a:blip r:embed="rId12"/>
+                <a:stretch>
+                  <a:fillRect/>
+                </a:stretch>
+              </a:blipFill>
+            </p:spPr>
+            <p:txBody>
+              <a:bodyPr/>
+              <a:lstStyle/>
+              <a:p>
+                <a:r>
+                  <a:rPr lang="en-US">
+                    <a:noFill/>
+                  </a:rPr>
+                  <a:t> </a:t>
+                </a:r>
+              </a:p>
+            </p:txBody>
+          </p:sp>
+        </mc:Fallback>
+      </mc:AlternateContent>
+      <mc:AlternateContent xmlns:mc="http://schemas.openxmlformats.org/markup-compatibility/2006">
+        <mc:Choice xmlns:a14="http://schemas.microsoft.com/office/drawing/2010/main" Requires="a14">
+          <p:sp>
+            <p:nvSpPr>
+              <p:cNvPr id="22" name="TextBox 21">
+                <a:extLst>
+                  <a:ext uri="{FF2B5EF4-FFF2-40B4-BE49-F238E27FC236}">
+                    <a16:creationId xmlns:a16="http://schemas.microsoft.com/office/drawing/2014/main" id="{EC280A24-0E7E-45BD-B222-7D09C4036533}"/>
+                  </a:ext>
+                </a:extLst>
+              </p:cNvPr>
+              <p:cNvSpPr txBox="1"/>
+              <p:nvPr/>
+            </p:nvSpPr>
+            <p:spPr>
+              <a:xfrm>
+                <a:off x="7912100" y="5295851"/>
+                <a:ext cx="1409700" cy="338554"/>
+              </a:xfrm>
+              <a:prstGeom prst="rect">
+                <a:avLst/>
+              </a:prstGeom>
+              <a:noFill/>
+            </p:spPr>
+            <p:txBody>
+              <a:bodyPr wrap="square" rtlCol="0">
+                <a:spAutoFit/>
+              </a:bodyPr>
+              <a:lstStyle/>
+              <a:p>
+                <a14:m>
+                  <m:oMathPara xmlns:m="http://schemas.openxmlformats.org/officeDocument/2006/math">
+                    <m:oMathParaPr>
+                      <m:jc m:val="centerGroup"/>
+                    </m:oMathParaPr>
+                    <m:oMath xmlns:m="http://schemas.openxmlformats.org/officeDocument/2006/math">
+                      <m:sSub>
+                        <m:sSubPr>
+                          <m:ctrlPr>
+                            <a:rPr lang="en-US" sz="1600" b="0" i="1" smtClean="0">
+                              <a:solidFill>
+                                <a:schemeClr val="tx1">
+                                  <a:lumMod val="75000"/>
+                                  <a:lumOff val="25000"/>
+                                </a:schemeClr>
+                              </a:solidFill>
+                              <a:latin typeface="Cambria Math" panose="02040503050406030204" pitchFamily="18" charset="0"/>
+                            </a:rPr>
+                          </m:ctrlPr>
+                        </m:sSubPr>
+                        <m:e>
+                          <m:r>
+                            <a:rPr lang="en-US" sz="1600" b="0" i="1" smtClean="0">
+                              <a:solidFill>
+                                <a:schemeClr val="tx1">
+                                  <a:lumMod val="75000"/>
+                                  <a:lumOff val="25000"/>
+                                </a:schemeClr>
+                              </a:solidFill>
+                              <a:latin typeface="Cambria Math" panose="02040503050406030204" pitchFamily="18" charset="0"/>
+                            </a:rPr>
+                            <m:t>𝑚</m:t>
+                          </m:r>
+                        </m:e>
+                        <m:sub>
+                          <m:r>
+                            <a:rPr lang="en-US" sz="1600" b="0" i="1" smtClean="0">
+                              <a:solidFill>
+                                <a:schemeClr val="tx1">
+                                  <a:lumMod val="75000"/>
+                                  <a:lumOff val="25000"/>
+                                </a:schemeClr>
+                              </a:solidFill>
+                              <a:latin typeface="Cambria Math" panose="02040503050406030204" pitchFamily="18" charset="0"/>
+                            </a:rPr>
+                            <m:t>𝑎</m:t>
+                          </m:r>
+                        </m:sub>
+                      </m:sSub>
+                      <m:r>
+                        <a:rPr lang="en-US" sz="1600" b="0" i="1" smtClean="0">
+                          <a:solidFill>
+                            <a:schemeClr val="tx1">
+                              <a:lumMod val="75000"/>
+                              <a:lumOff val="25000"/>
+                            </a:schemeClr>
+                          </a:solidFill>
+                          <a:latin typeface="Cambria Math" panose="02040503050406030204" pitchFamily="18" charset="0"/>
+                        </a:rPr>
+                        <m:t>=1</m:t>
+                      </m:r>
+                    </m:oMath>
+                  </m:oMathPara>
+                </a14:m>
+                <a:endParaRPr lang="en-US" dirty="0">
+                  <a:solidFill>
+                    <a:schemeClr val="tx1">
+                      <a:lumMod val="75000"/>
+                      <a:lumOff val="25000"/>
+                    </a:schemeClr>
+                  </a:solidFill>
+                </a:endParaRPr>
+              </a:p>
+            </p:txBody>
+          </p:sp>
+        </mc:Choice>
+        <mc:Fallback>
+          <p:sp>
+            <p:nvSpPr>
+              <p:cNvPr id="22" name="TextBox 21">
+                <a:extLst>
+                  <a:ext uri="{FF2B5EF4-FFF2-40B4-BE49-F238E27FC236}">
+                    <a16:creationId xmlns:a16="http://schemas.microsoft.com/office/drawing/2014/main" id="{EC280A24-0E7E-45BD-B222-7D09C4036533}"/>
+                  </a:ext>
+                </a:extLst>
+              </p:cNvPr>
+              <p:cNvSpPr txBox="1">
+                <a:spLocks noRot="1" noChangeAspect="1" noMove="1" noResize="1" noEditPoints="1" noAdjustHandles="1" noChangeArrowheads="1" noChangeShapeType="1" noTextEdit="1"/>
+              </p:cNvSpPr>
+              <p:nvPr/>
+            </p:nvSpPr>
+            <p:spPr>
+              <a:xfrm>
+                <a:off x="7912100" y="5295851"/>
+                <a:ext cx="1409700" cy="338554"/>
+              </a:xfrm>
+              <a:prstGeom prst="rect">
+                <a:avLst/>
+              </a:prstGeom>
+              <a:blipFill>
+                <a:blip r:embed="rId13"/>
+                <a:stretch>
+                  <a:fillRect/>
+                </a:stretch>
+              </a:blipFill>
+            </p:spPr>
+            <p:txBody>
+              <a:bodyPr/>
+              <a:lstStyle/>
+              <a:p>
+                <a:r>
+                  <a:rPr lang="en-US">
+                    <a:noFill/>
+                  </a:rPr>
+                  <a:t> </a:t>
+                </a:r>
+              </a:p>
+            </p:txBody>
+          </p:sp>
+        </mc:Fallback>
+      </mc:AlternateContent>
+    </p:spTree>
+    <p:extLst>
+      <p:ext uri="{BB962C8B-B14F-4D97-AF65-F5344CB8AC3E}">
+        <p14:creationId xmlns:p14="http://schemas.microsoft.com/office/powerpoint/2010/main" val="1212603748"/>
+      </p:ext>
+    </p:extLst>
+  </p:cSld>
+  <p:clrMapOvr>
+    <a:masterClrMapping/>
+  </p:clrMapOvr>
+</p:sld>
+</file>
+
+<file path=ppt/slides/slide3.xml><?xml version="1.0" encoding="utf-8"?>
+<p:sld xmlns:a="http://schemas.openxmlformats.org/drawingml/2006/main" xmlns:r="http://schemas.openxmlformats.org/officeDocument/2006/relationships" xmlns:p="http://schemas.openxmlformats.org/presentationml/2006/main">
+  <p:cSld>
+    <p:spTree>
+      <p:nvGrpSpPr>
+        <p:cNvPr id="1" name=""/>
+        <p:cNvGrpSpPr/>
+        <p:nvPr/>
+      </p:nvGrpSpPr>
+      <p:grpSpPr>
+        <a:xfrm>
+          <a:off x="0" y="0"/>
+          <a:ext cx="0" cy="0"/>
+          <a:chOff x="0" y="0"/>
+          <a:chExt cx="0" cy="0"/>
+        </a:xfrm>
+      </p:grpSpPr>
+      <p:pic>
+        <p:nvPicPr>
+          <p:cNvPr id="4" name="Picture 3">
+            <a:extLst>
+              <a:ext uri="{FF2B5EF4-FFF2-40B4-BE49-F238E27FC236}">
+                <a16:creationId xmlns:a16="http://schemas.microsoft.com/office/drawing/2014/main" id="{7F88A01D-7AFF-41E9-8AF4-F3401EF5ADE1}"/>
+              </a:ext>
+            </a:extLst>
+          </p:cNvPr>
+          <p:cNvPicPr>
+            <a:picLocks noChangeAspect="1"/>
+          </p:cNvPicPr>
+          <p:nvPr/>
+        </p:nvPicPr>
+        <p:blipFill rotWithShape="1">
+          <a:blip r:embed="rId3"/>
+          <a:srcRect b="9556"/>
+          <a:stretch/>
+        </p:blipFill>
+        <p:spPr>
+          <a:xfrm>
+            <a:off x="1485900" y="755650"/>
+            <a:ext cx="7620000" cy="2584450"/>
+          </a:xfrm>
+          <a:prstGeom prst="rect">
+            <a:avLst/>
+          </a:prstGeom>
+        </p:spPr>
+      </p:pic>
+      <p:pic>
+        <p:nvPicPr>
+          <p:cNvPr id="5" name="Picture 4">
+            <a:extLst>
+              <a:ext uri="{FF2B5EF4-FFF2-40B4-BE49-F238E27FC236}">
+                <a16:creationId xmlns:a16="http://schemas.microsoft.com/office/drawing/2014/main" id="{202A9B0C-D517-4024-94BF-2DFF84ADB6AF}"/>
+              </a:ext>
+            </a:extLst>
+          </p:cNvPr>
+          <p:cNvPicPr>
+            <a:picLocks noChangeAspect="1"/>
+          </p:cNvPicPr>
+          <p:nvPr/>
+        </p:nvPicPr>
+        <p:blipFill>
+          <a:blip r:embed="rId4"/>
+          <a:stretch>
+            <a:fillRect/>
+          </a:stretch>
+        </p:blipFill>
+        <p:spPr>
+          <a:xfrm>
+            <a:off x="1384300" y="3448050"/>
+            <a:ext cx="7620000" cy="2857500"/>
+          </a:xfrm>
+          <a:prstGeom prst="rect">
+            <a:avLst/>
+          </a:prstGeom>
+        </p:spPr>
+      </p:pic>
+      <p:sp>
+        <p:nvSpPr>
+          <p:cNvPr id="6" name="TextBox 5">
+            <a:extLst>
+              <a:ext uri="{FF2B5EF4-FFF2-40B4-BE49-F238E27FC236}">
+                <a16:creationId xmlns:a16="http://schemas.microsoft.com/office/drawing/2014/main" id="{DEAA1EE9-A4F4-4F77-8CE4-941E0CF4CECA}"/>
+              </a:ext>
+            </a:extLst>
+          </p:cNvPr>
+          <p:cNvSpPr txBox="1"/>
+          <p:nvPr/>
+        </p:nvSpPr>
+        <p:spPr>
+          <a:xfrm>
+            <a:off x="5105400" y="3209409"/>
+            <a:ext cx="622300" cy="369332"/>
+          </a:xfrm>
+          <a:prstGeom prst="rect">
+            <a:avLst/>
+          </a:prstGeom>
+          <a:noFill/>
+        </p:spPr>
+        <p:txBody>
+          <a:bodyPr wrap="square" rtlCol="0">
+            <a:spAutoFit/>
+          </a:bodyPr>
+          <a:lstStyle/>
+          <a:p>
+            <a:r>
+              <a:rPr lang="en-US" dirty="0">
+                <a:latin typeface="Times New Roman" panose="02020603050405020304" pitchFamily="18" charset="0"/>
+                <a:cs typeface="Times New Roman" panose="02020603050405020304" pitchFamily="18" charset="0"/>
+              </a:rPr>
+              <a:t>(a)</a:t>
+            </a:r>
+          </a:p>
+        </p:txBody>
+      </p:sp>
+      <p:sp>
+        <p:nvSpPr>
+          <p:cNvPr id="7" name="TextBox 6">
+            <a:extLst>
+              <a:ext uri="{FF2B5EF4-FFF2-40B4-BE49-F238E27FC236}">
+                <a16:creationId xmlns:a16="http://schemas.microsoft.com/office/drawing/2014/main" id="{B24F533F-155E-4A33-BB57-9BB9C811E134}"/>
+              </a:ext>
+            </a:extLst>
+          </p:cNvPr>
+          <p:cNvSpPr txBox="1"/>
+          <p:nvPr/>
+        </p:nvSpPr>
+        <p:spPr>
+          <a:xfrm>
+            <a:off x="5105400" y="6228834"/>
+            <a:ext cx="622300" cy="369332"/>
+          </a:xfrm>
+          <a:prstGeom prst="rect">
+            <a:avLst/>
+          </a:prstGeom>
+          <a:noFill/>
+        </p:spPr>
+        <p:txBody>
+          <a:bodyPr wrap="square" rtlCol="0">
+            <a:spAutoFit/>
+          </a:bodyPr>
+          <a:lstStyle/>
+          <a:p>
+            <a:r>
+              <a:rPr lang="en-US" dirty="0">
+                <a:latin typeface="Times New Roman" panose="02020603050405020304" pitchFamily="18" charset="0"/>
+                <a:cs typeface="Times New Roman" panose="02020603050405020304" pitchFamily="18" charset="0"/>
+              </a:rPr>
+              <a:t>(b)</a:t>
+            </a:r>
+          </a:p>
+        </p:txBody>
+      </p:sp>
+    </p:spTree>
+    <p:extLst>
+      <p:ext uri="{BB962C8B-B14F-4D97-AF65-F5344CB8AC3E}">
+        <p14:creationId xmlns:p14="http://schemas.microsoft.com/office/powerpoint/2010/main" val="2832834590"/>
+      </p:ext>
+    </p:extLst>
+  </p:cSld>
+  <p:clrMapOvr>
+    <a:masterClrMapping/>
+  </p:clrMapOvr>
+</p:sld>
+</file>
+
+<file path=ppt/slides/slide4.xml><?xml version="1.0" encoding="utf-8"?>
+<p:sld xmlns:a="http://schemas.openxmlformats.org/drawingml/2006/main" xmlns:r="http://schemas.openxmlformats.org/officeDocument/2006/relationships" xmlns:p="http://schemas.openxmlformats.org/presentationml/2006/main">
+  <p:cSld>
+    <p:spTree>
+      <p:nvGrpSpPr>
+        <p:cNvPr id="1" name=""/>
+        <p:cNvGrpSpPr/>
+        <p:nvPr/>
+      </p:nvGrpSpPr>
+      <p:grpSpPr>
+        <a:xfrm>
+          <a:off x="0" y="0"/>
+          <a:ext cx="0" cy="0"/>
+          <a:chOff x="0" y="0"/>
+          <a:chExt cx="0" cy="0"/>
+        </a:xfrm>
+      </p:grpSpPr>
+      <p:pic>
+        <p:nvPicPr>
+          <p:cNvPr id="23" name="Picture 22">
+            <a:extLst>
+              <a:ext uri="{FF2B5EF4-FFF2-40B4-BE49-F238E27FC236}">
+                <a16:creationId xmlns:a16="http://schemas.microsoft.com/office/drawing/2014/main" id="{C33D0C2D-02D8-44AC-A1E5-3DDEDAA9DE61}"/>
+              </a:ext>
+            </a:extLst>
+          </p:cNvPr>
+          <p:cNvPicPr>
+            <a:picLocks noChangeAspect="1"/>
+          </p:cNvPicPr>
+          <p:nvPr/>
+        </p:nvPicPr>
+        <p:blipFill>
+          <a:blip r:embed="rId2"/>
+          <a:stretch>
+            <a:fillRect/>
+          </a:stretch>
+        </p:blipFill>
+        <p:spPr>
+          <a:xfrm>
+            <a:off x="1962731" y="-950503"/>
+            <a:ext cx="7620000" cy="2857500"/>
+          </a:xfrm>
+          <a:prstGeom prst="rect">
+            <a:avLst/>
+          </a:prstGeom>
+        </p:spPr>
+      </p:pic>
+      <p:pic>
+        <p:nvPicPr>
+          <p:cNvPr id="58" name="Picture 57">
+            <a:extLst>
+              <a:ext uri="{FF2B5EF4-FFF2-40B4-BE49-F238E27FC236}">
+                <a16:creationId xmlns:a16="http://schemas.microsoft.com/office/drawing/2014/main" id="{3C9D530D-DD73-43BF-BF4E-D4E0F48AFA2B}"/>
+              </a:ext>
+            </a:extLst>
+          </p:cNvPr>
+          <p:cNvPicPr>
+            <a:picLocks noChangeAspect="1"/>
+          </p:cNvPicPr>
+          <p:nvPr/>
+        </p:nvPicPr>
+        <p:blipFill>
+          <a:blip r:embed="rId3"/>
+          <a:stretch>
+            <a:fillRect/>
+          </a:stretch>
+        </p:blipFill>
+        <p:spPr>
+          <a:xfrm>
+            <a:off x="1902558" y="1624199"/>
+            <a:ext cx="7620000" cy="2857500"/>
+          </a:xfrm>
+          <a:prstGeom prst="rect">
+            <a:avLst/>
+          </a:prstGeom>
+        </p:spPr>
+      </p:pic>
+      <p:pic>
+        <p:nvPicPr>
+          <p:cNvPr id="59" name="Picture 58">
+            <a:extLst>
+              <a:ext uri="{FF2B5EF4-FFF2-40B4-BE49-F238E27FC236}">
+                <a16:creationId xmlns:a16="http://schemas.microsoft.com/office/drawing/2014/main" id="{CB3BC578-8BCE-47B0-9748-172A059A2E1D}"/>
+              </a:ext>
+            </a:extLst>
+          </p:cNvPr>
+          <p:cNvPicPr>
+            <a:picLocks noChangeAspect="1"/>
+          </p:cNvPicPr>
+          <p:nvPr/>
+        </p:nvPicPr>
+        <p:blipFill>
+          <a:blip r:embed="rId4"/>
+          <a:stretch>
+            <a:fillRect/>
+          </a:stretch>
+        </p:blipFill>
+        <p:spPr>
+          <a:xfrm>
+            <a:off x="1962731" y="4198901"/>
+            <a:ext cx="7620000" cy="2857500"/>
+          </a:xfrm>
+          <a:prstGeom prst="rect">
+            <a:avLst/>
+          </a:prstGeom>
+        </p:spPr>
+      </p:pic>
+      <p:cxnSp>
+        <p:nvCxnSpPr>
+          <p:cNvPr id="10" name="Straight Connector 9">
+            <a:extLst>
+              <a:ext uri="{FF2B5EF4-FFF2-40B4-BE49-F238E27FC236}">
+                <a16:creationId xmlns:a16="http://schemas.microsoft.com/office/drawing/2014/main" id="{9654759D-950E-4CE4-B14D-8E4D8467CCF7}"/>
+              </a:ext>
+            </a:extLst>
+          </p:cNvPr>
+          <p:cNvCxnSpPr>
+            <a:cxnSpLocks/>
+          </p:cNvCxnSpPr>
+          <p:nvPr/>
+        </p:nvCxnSpPr>
+        <p:spPr>
+          <a:xfrm flipH="1">
+            <a:off x="2806700" y="-542925"/>
+            <a:ext cx="6604001" cy="0"/>
+          </a:xfrm>
+          <a:prstGeom prst="line">
+            <a:avLst/>
+          </a:prstGeom>
+        </p:spPr>
+        <p:style>
+          <a:lnRef idx="3">
+            <a:schemeClr val="dk1"/>
+          </a:lnRef>
+          <a:fillRef idx="0">
+            <a:schemeClr val="dk1"/>
+          </a:fillRef>
+          <a:effectRef idx="2">
+            <a:schemeClr val="dk1"/>
+          </a:effectRef>
+          <a:fontRef idx="minor">
+            <a:schemeClr val="tx1"/>
+          </a:fontRef>
+        </p:style>
+      </p:cxnSp>
+      <p:cxnSp>
+        <p:nvCxnSpPr>
+          <p:cNvPr id="14" name="Straight Connector 13">
+            <a:extLst>
+              <a:ext uri="{FF2B5EF4-FFF2-40B4-BE49-F238E27FC236}">
+                <a16:creationId xmlns:a16="http://schemas.microsoft.com/office/drawing/2014/main" id="{424A4B4B-6E6B-4727-99C7-0314800EE44D}"/>
+              </a:ext>
+            </a:extLst>
+          </p:cNvPr>
+          <p:cNvCxnSpPr>
+            <a:cxnSpLocks/>
+          </p:cNvCxnSpPr>
+          <p:nvPr/>
+        </p:nvCxnSpPr>
+        <p:spPr>
+          <a:xfrm flipV="1">
+            <a:off x="9410700" y="-542925"/>
+            <a:ext cx="0" cy="3352800"/>
+          </a:xfrm>
+          <a:prstGeom prst="line">
+            <a:avLst/>
+          </a:prstGeom>
+        </p:spPr>
+        <p:style>
+          <a:lnRef idx="3">
+            <a:schemeClr val="dk1"/>
+          </a:lnRef>
+          <a:fillRef idx="0">
+            <a:schemeClr val="dk1"/>
+          </a:fillRef>
+          <a:effectRef idx="2">
+            <a:schemeClr val="dk1"/>
+          </a:effectRef>
+          <a:fontRef idx="minor">
+            <a:schemeClr val="tx1"/>
+          </a:fontRef>
+        </p:style>
+      </p:cxnSp>
+      <p:cxnSp>
+        <p:nvCxnSpPr>
+          <p:cNvPr id="17" name="Straight Connector 16">
+            <a:extLst>
+              <a:ext uri="{FF2B5EF4-FFF2-40B4-BE49-F238E27FC236}">
+                <a16:creationId xmlns:a16="http://schemas.microsoft.com/office/drawing/2014/main" id="{97A091BE-B196-49B1-930F-D32CB53CE6A3}"/>
+              </a:ext>
+            </a:extLst>
+          </p:cNvPr>
+          <p:cNvCxnSpPr>
+            <a:cxnSpLocks/>
+          </p:cNvCxnSpPr>
+          <p:nvPr/>
+        </p:nvCxnSpPr>
+        <p:spPr>
+          <a:xfrm>
+            <a:off x="8876783" y="2809875"/>
+            <a:ext cx="533917" cy="0"/>
+          </a:xfrm>
+          <a:prstGeom prst="line">
+            <a:avLst/>
+          </a:prstGeom>
+          <a:ln>
+            <a:headEnd type="arrow"/>
+          </a:ln>
+        </p:spPr>
+        <p:style>
+          <a:lnRef idx="3">
+            <a:schemeClr val="dk1"/>
+          </a:lnRef>
+          <a:fillRef idx="0">
+            <a:schemeClr val="dk1"/>
+          </a:fillRef>
+          <a:effectRef idx="2">
+            <a:schemeClr val="dk1"/>
+          </a:effectRef>
+          <a:fontRef idx="minor">
+            <a:schemeClr val="tx1"/>
+          </a:fontRef>
+        </p:style>
+      </p:cxnSp>
+      <mc:AlternateContent xmlns:mc="http://schemas.openxmlformats.org/markup-compatibility/2006">
+        <mc:Choice xmlns:a14="http://schemas.microsoft.com/office/drawing/2010/main" Requires="a14">
+          <p:sp>
+            <p:nvSpPr>
+              <p:cNvPr id="22" name="TextBox 21">
+                <a:extLst>
+                  <a:ext uri="{FF2B5EF4-FFF2-40B4-BE49-F238E27FC236}">
+                    <a16:creationId xmlns:a16="http://schemas.microsoft.com/office/drawing/2014/main" id="{4A2361B7-234F-4091-9AC3-437B994F4B24}"/>
+                  </a:ext>
+                </a:extLst>
+              </p:cNvPr>
+              <p:cNvSpPr txBox="1"/>
+              <p:nvPr/>
+            </p:nvSpPr>
+            <p:spPr>
+              <a:xfrm rot="16200000">
+                <a:off x="8648959" y="2003685"/>
+                <a:ext cx="1154147" cy="369332"/>
+              </a:xfrm>
+              <a:prstGeom prst="rect">
+                <a:avLst/>
+              </a:prstGeom>
+              <a:noFill/>
+            </p:spPr>
+            <p:txBody>
+              <a:bodyPr wrap="square" rtlCol="0">
+                <a:spAutoFit/>
+              </a:bodyPr>
+              <a:lstStyle/>
+              <a:p>
+                <a14:m>
+                  <m:oMathPara xmlns:m="http://schemas.openxmlformats.org/officeDocument/2006/math">
+                    <m:oMathParaPr>
+                      <m:jc m:val="centerGroup"/>
+                    </m:oMathParaPr>
+                    <m:oMath xmlns:m="http://schemas.openxmlformats.org/officeDocument/2006/math">
+                      <m:sSub>
+                        <m:sSubPr>
+                          <m:ctrlPr>
+                            <a:rPr lang="en-US" b="0" i="1" smtClean="0">
+                              <a:latin typeface="Cambria Math" panose="02040503050406030204" pitchFamily="18" charset="0"/>
+                            </a:rPr>
+                          </m:ctrlPr>
+                        </m:sSubPr>
+                        <m:e>
+                          <m:r>
+                            <a:rPr lang="en-US" b="0" i="1" smtClean="0">
+                              <a:latin typeface="Cambria Math" panose="02040503050406030204" pitchFamily="18" charset="0"/>
+                            </a:rPr>
+                            <m:t>𝑚</m:t>
+                          </m:r>
+                        </m:e>
+                        <m:sub>
+                          <m:r>
+                            <a:rPr lang="en-US" b="0" i="1" smtClean="0">
+                              <a:latin typeface="Cambria Math" panose="02040503050406030204" pitchFamily="18" charset="0"/>
+                            </a:rPr>
+                            <m:t>𝑎</m:t>
+                          </m:r>
+                        </m:sub>
+                      </m:sSub>
+                      <m:r>
+                        <a:rPr lang="en-US" b="0" i="1" smtClean="0">
+                          <a:latin typeface="Cambria Math" panose="02040503050406030204" pitchFamily="18" charset="0"/>
+                        </a:rPr>
+                        <m:t>=0.9</m:t>
+                      </m:r>
+                    </m:oMath>
+                  </m:oMathPara>
+                </a14:m>
+                <a:endParaRPr lang="en-US" dirty="0"/>
+              </a:p>
+            </p:txBody>
+          </p:sp>
+        </mc:Choice>
+        <mc:Fallback>
+          <p:sp>
+            <p:nvSpPr>
+              <p:cNvPr id="22" name="TextBox 21">
+                <a:extLst>
+                  <a:ext uri="{FF2B5EF4-FFF2-40B4-BE49-F238E27FC236}">
+                    <a16:creationId xmlns:a16="http://schemas.microsoft.com/office/drawing/2014/main" id="{4A2361B7-234F-4091-9AC3-437B994F4B24}"/>
+                  </a:ext>
+                </a:extLst>
+              </p:cNvPr>
+              <p:cNvSpPr txBox="1">
+                <a:spLocks noRot="1" noChangeAspect="1" noMove="1" noResize="1" noEditPoints="1" noAdjustHandles="1" noChangeArrowheads="1" noChangeShapeType="1" noTextEdit="1"/>
+              </p:cNvSpPr>
+              <p:nvPr/>
+            </p:nvSpPr>
+            <p:spPr>
+              <a:xfrm rot="16200000">
+                <a:off x="8648959" y="2003685"/>
+                <a:ext cx="1154147" cy="369332"/>
+              </a:xfrm>
+              <a:prstGeom prst="rect">
+                <a:avLst/>
+              </a:prstGeom>
+              <a:blipFill>
+                <a:blip r:embed="rId5"/>
+                <a:stretch>
+                  <a:fillRect/>
+                </a:stretch>
+              </a:blipFill>
+            </p:spPr>
+            <p:txBody>
+              <a:bodyPr/>
+              <a:lstStyle/>
+              <a:p>
+                <a:r>
+                  <a:rPr lang="en-US">
+                    <a:noFill/>
+                  </a:rPr>
+                  <a:t> </a:t>
+                </a:r>
+              </a:p>
+            </p:txBody>
+          </p:sp>
+        </mc:Fallback>
+      </mc:AlternateContent>
+      <p:cxnSp>
+        <p:nvCxnSpPr>
+          <p:cNvPr id="30" name="Straight Connector 29">
+            <a:extLst>
+              <a:ext uri="{FF2B5EF4-FFF2-40B4-BE49-F238E27FC236}">
+                <a16:creationId xmlns:a16="http://schemas.microsoft.com/office/drawing/2014/main" id="{29D7DAE6-DD01-47F6-BDEB-4BD682D0B569}"/>
+              </a:ext>
+            </a:extLst>
+          </p:cNvPr>
+          <p:cNvCxnSpPr>
+            <a:cxnSpLocks/>
+          </p:cNvCxnSpPr>
+          <p:nvPr/>
+        </p:nvCxnSpPr>
+        <p:spPr>
+          <a:xfrm flipH="1" flipV="1">
+            <a:off x="2806701" y="285750"/>
+            <a:ext cx="6756180" cy="20480"/>
+          </a:xfrm>
+          <a:prstGeom prst="line">
+            <a:avLst/>
+          </a:prstGeom>
+        </p:spPr>
+        <p:style>
+          <a:lnRef idx="3">
+            <a:schemeClr val="dk1"/>
+          </a:lnRef>
+          <a:fillRef idx="0">
+            <a:schemeClr val="dk1"/>
+          </a:fillRef>
+          <a:effectRef idx="2">
+            <a:schemeClr val="dk1"/>
+          </a:effectRef>
+          <a:fontRef idx="minor">
+            <a:schemeClr val="tx1"/>
+          </a:fontRef>
+        </p:style>
+      </p:cxnSp>
+      <p:cxnSp>
+        <p:nvCxnSpPr>
+          <p:cNvPr id="31" name="Straight Connector 30">
+            <a:extLst>
+              <a:ext uri="{FF2B5EF4-FFF2-40B4-BE49-F238E27FC236}">
+                <a16:creationId xmlns:a16="http://schemas.microsoft.com/office/drawing/2014/main" id="{0ACDF274-4349-4459-A7A2-72AFCCCC5AA0}"/>
+              </a:ext>
+            </a:extLst>
+          </p:cNvPr>
+          <p:cNvCxnSpPr>
+            <a:cxnSpLocks/>
+          </p:cNvCxnSpPr>
+          <p:nvPr/>
+        </p:nvCxnSpPr>
+        <p:spPr>
+          <a:xfrm flipV="1">
+            <a:off x="9562881" y="312197"/>
+            <a:ext cx="0" cy="5066253"/>
+          </a:xfrm>
+          <a:prstGeom prst="line">
+            <a:avLst/>
+          </a:prstGeom>
+        </p:spPr>
+        <p:style>
+          <a:lnRef idx="3">
+            <a:schemeClr val="dk1"/>
+          </a:lnRef>
+          <a:fillRef idx="0">
+            <a:schemeClr val="dk1"/>
+          </a:fillRef>
+          <a:effectRef idx="2">
+            <a:schemeClr val="dk1"/>
+          </a:effectRef>
+          <a:fontRef idx="minor">
+            <a:schemeClr val="tx1"/>
+          </a:fontRef>
+        </p:style>
+      </p:cxnSp>
+      <p:cxnSp>
+        <p:nvCxnSpPr>
+          <p:cNvPr id="32" name="Straight Connector 31">
+            <a:extLst>
+              <a:ext uri="{FF2B5EF4-FFF2-40B4-BE49-F238E27FC236}">
+                <a16:creationId xmlns:a16="http://schemas.microsoft.com/office/drawing/2014/main" id="{4E9F0646-BB3A-4857-A791-5C0D53F73A77}"/>
+              </a:ext>
+            </a:extLst>
+          </p:cNvPr>
+          <p:cNvCxnSpPr>
+            <a:cxnSpLocks/>
+          </p:cNvCxnSpPr>
+          <p:nvPr/>
+        </p:nvCxnSpPr>
+        <p:spPr>
+          <a:xfrm>
+            <a:off x="8968954" y="5378450"/>
+            <a:ext cx="593927" cy="0"/>
+          </a:xfrm>
+          <a:prstGeom prst="line">
+            <a:avLst/>
+          </a:prstGeom>
+          <a:ln>
+            <a:headEnd type="arrow"/>
+          </a:ln>
+        </p:spPr>
+        <p:style>
+          <a:lnRef idx="3">
+            <a:schemeClr val="dk1"/>
+          </a:lnRef>
+          <a:fillRef idx="0">
+            <a:schemeClr val="dk1"/>
+          </a:fillRef>
+          <a:effectRef idx="2">
+            <a:schemeClr val="dk1"/>
+          </a:effectRef>
+          <a:fontRef idx="minor">
+            <a:schemeClr val="tx1"/>
+          </a:fontRef>
+        </p:style>
+      </p:cxnSp>
+      <mc:AlternateContent xmlns:mc="http://schemas.openxmlformats.org/markup-compatibility/2006">
+        <mc:Choice xmlns:a14="http://schemas.microsoft.com/office/drawing/2010/main" Requires="a14">
+          <p:sp>
+            <p:nvSpPr>
+              <p:cNvPr id="33" name="TextBox 32">
+                <a:extLst>
+                  <a:ext uri="{FF2B5EF4-FFF2-40B4-BE49-F238E27FC236}">
+                    <a16:creationId xmlns:a16="http://schemas.microsoft.com/office/drawing/2014/main" id="{797AA170-A1C6-465D-B6A1-6A526E23B6E5}"/>
+                  </a:ext>
+                </a:extLst>
+              </p:cNvPr>
+              <p:cNvSpPr txBox="1"/>
+              <p:nvPr/>
+            </p:nvSpPr>
+            <p:spPr>
+              <a:xfrm rot="16200000">
+                <a:off x="8609448" y="4586095"/>
+                <a:ext cx="1154147" cy="369332"/>
+              </a:xfrm>
+              <a:prstGeom prst="rect">
+                <a:avLst/>
+              </a:prstGeom>
+              <a:noFill/>
+            </p:spPr>
+            <p:txBody>
+              <a:bodyPr wrap="square" rtlCol="0">
+                <a:spAutoFit/>
+              </a:bodyPr>
+              <a:lstStyle/>
+              <a:p>
+                <a14:m>
+                  <m:oMathPara xmlns:m="http://schemas.openxmlformats.org/officeDocument/2006/math">
+                    <m:oMathParaPr>
+                      <m:jc m:val="centerGroup"/>
+                    </m:oMathParaPr>
+                    <m:oMath xmlns:m="http://schemas.openxmlformats.org/officeDocument/2006/math">
+                      <m:sSub>
+                        <m:sSubPr>
+                          <m:ctrlPr>
+                            <a:rPr lang="en-US" b="0" i="1" smtClean="0">
+                              <a:latin typeface="Cambria Math" panose="02040503050406030204" pitchFamily="18" charset="0"/>
+                            </a:rPr>
+                          </m:ctrlPr>
+                        </m:sSubPr>
+                        <m:e>
+                          <m:r>
+                            <a:rPr lang="en-US" b="0" i="1" smtClean="0">
+                              <a:latin typeface="Cambria Math" panose="02040503050406030204" pitchFamily="18" charset="0"/>
+                            </a:rPr>
+                            <m:t>𝑚</m:t>
+                          </m:r>
+                        </m:e>
+                        <m:sub>
+                          <m:r>
+                            <a:rPr lang="en-US" b="0" i="1" smtClean="0">
+                              <a:latin typeface="Cambria Math" panose="02040503050406030204" pitchFamily="18" charset="0"/>
+                            </a:rPr>
+                            <m:t>𝑎</m:t>
+                          </m:r>
+                        </m:sub>
+                      </m:sSub>
+                      <m:r>
+                        <a:rPr lang="en-US" b="0" i="1" smtClean="0">
+                          <a:latin typeface="Cambria Math" panose="02040503050406030204" pitchFamily="18" charset="0"/>
+                        </a:rPr>
+                        <m:t>=0.5</m:t>
+                      </m:r>
+                    </m:oMath>
+                  </m:oMathPara>
+                </a14:m>
+                <a:endParaRPr lang="en-US" dirty="0"/>
+              </a:p>
+            </p:txBody>
+          </p:sp>
+        </mc:Choice>
+        <mc:Fallback>
+          <p:sp>
+            <p:nvSpPr>
+              <p:cNvPr id="33" name="TextBox 32">
+                <a:extLst>
+                  <a:ext uri="{FF2B5EF4-FFF2-40B4-BE49-F238E27FC236}">
+                    <a16:creationId xmlns:a16="http://schemas.microsoft.com/office/drawing/2014/main" id="{797AA170-A1C6-465D-B6A1-6A526E23B6E5}"/>
+                  </a:ext>
+                </a:extLst>
+              </p:cNvPr>
+              <p:cNvSpPr txBox="1">
+                <a:spLocks noRot="1" noChangeAspect="1" noMove="1" noResize="1" noEditPoints="1" noAdjustHandles="1" noChangeArrowheads="1" noChangeShapeType="1" noTextEdit="1"/>
+              </p:cNvSpPr>
+              <p:nvPr/>
+            </p:nvSpPr>
+            <p:spPr>
+              <a:xfrm rot="16200000">
+                <a:off x="8609448" y="4586095"/>
+                <a:ext cx="1154147" cy="369332"/>
+              </a:xfrm>
+              <a:prstGeom prst="rect">
+                <a:avLst/>
+              </a:prstGeom>
+              <a:blipFill>
+                <a:blip r:embed="rId6"/>
+                <a:stretch>
+                  <a:fillRect/>
+                </a:stretch>
+              </a:blipFill>
+            </p:spPr>
+            <p:txBody>
+              <a:bodyPr/>
+              <a:lstStyle/>
+              <a:p>
+                <a:r>
+                  <a:rPr lang="en-US">
+                    <a:noFill/>
+                  </a:rPr>
+                  <a:t> </a:t>
+                </a:r>
+              </a:p>
+            </p:txBody>
+          </p:sp>
+        </mc:Fallback>
+      </mc:AlternateContent>
+      <p:sp>
+        <p:nvSpPr>
+          <p:cNvPr id="41" name="TextBox 40">
+            <a:extLst>
+              <a:ext uri="{FF2B5EF4-FFF2-40B4-BE49-F238E27FC236}">
+                <a16:creationId xmlns:a16="http://schemas.microsoft.com/office/drawing/2014/main" id="{9BCF8FDA-C35F-4FA8-BFD8-159009FB335F}"/>
+              </a:ext>
+            </a:extLst>
+          </p:cNvPr>
+          <p:cNvSpPr txBox="1"/>
+          <p:nvPr/>
+        </p:nvSpPr>
+        <p:spPr>
+          <a:xfrm>
+            <a:off x="1567376" y="54917"/>
+            <a:ext cx="1154147" cy="461665"/>
+          </a:xfrm>
+          <a:prstGeom prst="rect">
+            <a:avLst/>
+          </a:prstGeom>
+          <a:noFill/>
+        </p:spPr>
+        <p:txBody>
+          <a:bodyPr wrap="square" rtlCol="0">
+            <a:spAutoFit/>
+          </a:bodyPr>
+          <a:lstStyle/>
+          <a:p>
+            <a:r>
+              <a:rPr lang="en-US" sz="2400" dirty="0">
+                <a:latin typeface="Times New Roman" panose="02020603050405020304" pitchFamily="18" charset="0"/>
+                <a:cs typeface="Times New Roman" panose="02020603050405020304" pitchFamily="18" charset="0"/>
+              </a:rPr>
+              <a:t>(a)</a:t>
+            </a:r>
+          </a:p>
+        </p:txBody>
+      </p:sp>
+      <p:sp>
+        <p:nvSpPr>
+          <p:cNvPr id="42" name="TextBox 41">
+            <a:extLst>
+              <a:ext uri="{FF2B5EF4-FFF2-40B4-BE49-F238E27FC236}">
+                <a16:creationId xmlns:a16="http://schemas.microsoft.com/office/drawing/2014/main" id="{6B915910-7844-4075-B3BD-DBBB75759495}"/>
+              </a:ext>
+            </a:extLst>
+          </p:cNvPr>
+          <p:cNvSpPr txBox="1"/>
+          <p:nvPr/>
+        </p:nvSpPr>
+        <p:spPr>
+          <a:xfrm>
+            <a:off x="1627152" y="2601267"/>
+            <a:ext cx="1154147" cy="461665"/>
+          </a:xfrm>
+          <a:prstGeom prst="rect">
+            <a:avLst/>
+          </a:prstGeom>
+          <a:noFill/>
+        </p:spPr>
+        <p:txBody>
+          <a:bodyPr wrap="square" rtlCol="0">
+            <a:spAutoFit/>
+          </a:bodyPr>
+          <a:lstStyle/>
+          <a:p>
+            <a:r>
+              <a:rPr lang="en-US" sz="2400" dirty="0">
+                <a:latin typeface="Times New Roman" panose="02020603050405020304" pitchFamily="18" charset="0"/>
+                <a:cs typeface="Times New Roman" panose="02020603050405020304" pitchFamily="18" charset="0"/>
+              </a:rPr>
+              <a:t>(b)</a:t>
+            </a:r>
+          </a:p>
+        </p:txBody>
+      </p:sp>
+      <p:sp>
+        <p:nvSpPr>
+          <p:cNvPr id="43" name="TextBox 42">
+            <a:extLst>
+              <a:ext uri="{FF2B5EF4-FFF2-40B4-BE49-F238E27FC236}">
+                <a16:creationId xmlns:a16="http://schemas.microsoft.com/office/drawing/2014/main" id="{6DF189B8-2994-4085-B82A-80432DC1F079}"/>
+              </a:ext>
+            </a:extLst>
+          </p:cNvPr>
+          <p:cNvSpPr txBox="1"/>
+          <p:nvPr/>
+        </p:nvSpPr>
+        <p:spPr>
+          <a:xfrm>
+            <a:off x="1593102" y="5117002"/>
+            <a:ext cx="1154147" cy="461665"/>
+          </a:xfrm>
+          <a:prstGeom prst="rect">
+            <a:avLst/>
+          </a:prstGeom>
+          <a:noFill/>
+        </p:spPr>
+        <p:txBody>
+          <a:bodyPr wrap="square" rtlCol="0">
+            <a:spAutoFit/>
+          </a:bodyPr>
+          <a:lstStyle/>
+          <a:p>
+            <a:r>
+              <a:rPr lang="en-US" sz="2400" dirty="0">
+                <a:latin typeface="Times New Roman" panose="02020603050405020304" pitchFamily="18" charset="0"/>
+                <a:cs typeface="Times New Roman" panose="02020603050405020304" pitchFamily="18" charset="0"/>
+              </a:rPr>
+              <a:t>(c)</a:t>
+            </a:r>
+          </a:p>
+        </p:txBody>
+      </p:sp>
+    </p:spTree>
+    <p:extLst>
+      <p:ext uri="{BB962C8B-B14F-4D97-AF65-F5344CB8AC3E}">
+        <p14:creationId xmlns:p14="http://schemas.microsoft.com/office/powerpoint/2010/main" val="3288167732"/>
+      </p:ext>
+    </p:extLst>
+  </p:cSld>
+  <p:clrMapOvr>
+    <a:masterClrMapping/>
+  </p:clrMapOvr>
+</p:sld>
+</file>
+
+<file path=ppt/slides/slide5.xml><?xml version="1.0" encoding="utf-8"?>
+<p:sld xmlns:a="http://schemas.openxmlformats.org/drawingml/2006/main" xmlns:r="http://schemas.openxmlformats.org/officeDocument/2006/relationships" xmlns:p="http://schemas.openxmlformats.org/presentationml/2006/main">
+  <p:cSld>
+    <p:spTree>
+      <p:nvGrpSpPr>
+        <p:cNvPr id="1" name=""/>
+        <p:cNvGrpSpPr/>
+        <p:nvPr/>
+      </p:nvGrpSpPr>
+      <p:grpSpPr>
+        <a:xfrm>
+          <a:off x="0" y="0"/>
+          <a:ext cx="0" cy="0"/>
+          <a:chOff x="0" y="0"/>
+          <a:chExt cx="0" cy="0"/>
+        </a:xfrm>
+      </p:grpSpPr>
+      <p:pic>
+        <p:nvPicPr>
+          <p:cNvPr id="13" name="Picture 12">
+            <a:extLst>
+              <a:ext uri="{FF2B5EF4-FFF2-40B4-BE49-F238E27FC236}">
+                <a16:creationId xmlns:a16="http://schemas.microsoft.com/office/drawing/2014/main" id="{59BB34B0-A583-4A96-A1AD-9D50D9614EC0}"/>
+              </a:ext>
+            </a:extLst>
+          </p:cNvPr>
+          <p:cNvPicPr>
+            <a:picLocks noChangeAspect="1"/>
+          </p:cNvPicPr>
+          <p:nvPr/>
+        </p:nvPicPr>
+        <p:blipFill>
+          <a:blip r:embed="rId2"/>
+          <a:stretch>
+            <a:fillRect/>
+          </a:stretch>
+        </p:blipFill>
+        <p:spPr>
+          <a:xfrm>
+            <a:off x="762000" y="1668124"/>
+            <a:ext cx="5334000" cy="4000500"/>
+          </a:xfrm>
+          <a:prstGeom prst="rect">
+            <a:avLst/>
+          </a:prstGeom>
+        </p:spPr>
+      </p:pic>
+      <p:sp>
+        <p:nvSpPr>
+          <p:cNvPr id="5" name="Rectangle 4">
+            <a:extLst>
+              <a:ext uri="{FF2B5EF4-FFF2-40B4-BE49-F238E27FC236}">
+                <a16:creationId xmlns:a16="http://schemas.microsoft.com/office/drawing/2014/main" id="{1E60F62D-36AA-40B4-A53E-D9668107C96F}"/>
+              </a:ext>
+            </a:extLst>
+          </p:cNvPr>
+          <p:cNvSpPr/>
+          <p:nvPr/>
+        </p:nvSpPr>
+        <p:spPr>
+          <a:xfrm>
+            <a:off x="2465654" y="1828800"/>
+            <a:ext cx="304800" cy="3124200"/>
+          </a:xfrm>
+          <a:prstGeom prst="rect">
+            <a:avLst/>
+          </a:prstGeom>
+          <a:solidFill>
+            <a:schemeClr val="accent5">
+              <a:lumMod val="60000"/>
+              <a:lumOff val="40000"/>
+              <a:alpha val="50000"/>
+            </a:schemeClr>
+          </a:solidFill>
+          <a:ln>
+            <a:noFill/>
+          </a:ln>
+        </p:spPr>
+        <p:style>
+          <a:lnRef idx="2">
+            <a:schemeClr val="accent1">
+              <a:shade val="50000"/>
+            </a:schemeClr>
+          </a:lnRef>
+          <a:fillRef idx="1">
+            <a:schemeClr val="accent1"/>
+          </a:fillRef>
+          <a:effectRef idx="0">
+            <a:schemeClr val="accent1"/>
+          </a:effectRef>
+          <a:fontRef idx="minor">
+            <a:schemeClr val="lt1"/>
+          </a:fontRef>
+        </p:style>
+        <p:txBody>
+          <a:bodyPr rtlCol="0" anchor="ctr"/>
+          <a:lstStyle/>
+          <a:p>
+            <a:pPr algn="ctr"/>
+            <a:endParaRPr lang="en-US" sz="2500">
+              <a:latin typeface="Times New Roman" panose="02020603050405020304" pitchFamily="18" charset="0"/>
+              <a:cs typeface="Times New Roman" panose="02020603050405020304" pitchFamily="18" charset="0"/>
+            </a:endParaRPr>
+          </a:p>
+        </p:txBody>
+      </p:sp>
+      <p:sp>
+        <p:nvSpPr>
+          <p:cNvPr id="6" name="Rectangle 5">
+            <a:extLst>
+              <a:ext uri="{FF2B5EF4-FFF2-40B4-BE49-F238E27FC236}">
+                <a16:creationId xmlns:a16="http://schemas.microsoft.com/office/drawing/2014/main" id="{DB29E548-96BA-41AC-B1CC-34FFD5F9B3FF}"/>
+              </a:ext>
+            </a:extLst>
+          </p:cNvPr>
+          <p:cNvSpPr/>
+          <p:nvPr/>
+        </p:nvSpPr>
+        <p:spPr>
+          <a:xfrm>
+            <a:off x="3470745" y="1828800"/>
+            <a:ext cx="304800" cy="3124200"/>
+          </a:xfrm>
+          <a:prstGeom prst="rect">
+            <a:avLst/>
+          </a:prstGeom>
+          <a:solidFill>
+            <a:schemeClr val="accent5">
+              <a:lumMod val="60000"/>
+              <a:lumOff val="40000"/>
+              <a:alpha val="50000"/>
+            </a:schemeClr>
+          </a:solidFill>
+          <a:ln>
+            <a:noFill/>
+          </a:ln>
+        </p:spPr>
+        <p:style>
+          <a:lnRef idx="2">
+            <a:schemeClr val="accent1">
+              <a:shade val="50000"/>
+            </a:schemeClr>
+          </a:lnRef>
+          <a:fillRef idx="1">
+            <a:schemeClr val="accent1"/>
+          </a:fillRef>
+          <a:effectRef idx="0">
+            <a:schemeClr val="accent1"/>
+          </a:effectRef>
+          <a:fontRef idx="minor">
+            <a:schemeClr val="lt1"/>
+          </a:fontRef>
+        </p:style>
+        <p:txBody>
+          <a:bodyPr rtlCol="0" anchor="ctr"/>
+          <a:lstStyle/>
+          <a:p>
+            <a:pPr algn="ctr"/>
+            <a:endParaRPr lang="en-US" sz="2500">
+              <a:latin typeface="Times New Roman" panose="02020603050405020304" pitchFamily="18" charset="0"/>
+              <a:cs typeface="Times New Roman" panose="02020603050405020304" pitchFamily="18" charset="0"/>
+            </a:endParaRPr>
+          </a:p>
+        </p:txBody>
+      </p:sp>
+      <mc:AlternateContent xmlns:mc="http://schemas.openxmlformats.org/markup-compatibility/2006">
+        <mc:Choice xmlns:a14="http://schemas.microsoft.com/office/drawing/2010/main" Requires="a14">
+          <p:sp>
+            <p:nvSpPr>
+              <p:cNvPr id="7" name="TextBox 6">
+                <a:extLst>
+                  <a:ext uri="{FF2B5EF4-FFF2-40B4-BE49-F238E27FC236}">
+                    <a16:creationId xmlns:a16="http://schemas.microsoft.com/office/drawing/2014/main" id="{AE82F09B-E938-4E71-A3C9-F5FE4A7629D9}"/>
+                  </a:ext>
+                </a:extLst>
+              </p:cNvPr>
+              <p:cNvSpPr txBox="1"/>
+              <p:nvPr/>
+            </p:nvSpPr>
+            <p:spPr>
+              <a:xfrm>
+                <a:off x="1719654" y="1311154"/>
+                <a:ext cx="1796800" cy="477054"/>
+              </a:xfrm>
+              <a:prstGeom prst="rect">
+                <a:avLst/>
+              </a:prstGeom>
+              <a:noFill/>
+            </p:spPr>
+            <p:txBody>
+              <a:bodyPr wrap="square" rtlCol="0">
+                <a:spAutoFit/>
+              </a:bodyPr>
+              <a:lstStyle/>
+              <a:p>
+                <a:pPr/>
+                <a14:m>
+                  <m:oMathPara xmlns:m="http://schemas.openxmlformats.org/officeDocument/2006/math">
+                    <m:oMathParaPr>
+                      <m:jc m:val="centerGroup"/>
+                    </m:oMathParaPr>
+                    <m:oMath xmlns:m="http://schemas.openxmlformats.org/officeDocument/2006/math">
+                      <m:sSub>
+                        <m:sSubPr>
+                          <m:ctrlPr>
+                            <a:rPr lang="en-US" sz="2500" b="0" i="1" smtClean="0">
+                              <a:latin typeface="Cambria Math" panose="02040503050406030204" pitchFamily="18" charset="0"/>
+                            </a:rPr>
+                          </m:ctrlPr>
+                        </m:sSubPr>
+                        <m:e>
+                          <m:r>
+                            <a:rPr lang="en-US" sz="2500" b="0" i="1" smtClean="0">
+                              <a:latin typeface="Cambria Math" panose="02040503050406030204" pitchFamily="18" charset="0"/>
+                            </a:rPr>
+                            <m:t>𝑄</m:t>
+                          </m:r>
+                        </m:e>
+                        <m:sub>
+                          <m:r>
+                            <a:rPr lang="en-US" sz="2500" b="0" i="1" smtClean="0">
+                              <a:latin typeface="Cambria Math" panose="02040503050406030204" pitchFamily="18" charset="0"/>
+                            </a:rPr>
+                            <m:t>𝐴</m:t>
+                          </m:r>
+                        </m:sub>
+                      </m:sSub>
+                    </m:oMath>
+                  </m:oMathPara>
+                </a14:m>
+                <a:endParaRPr lang="en-US" sz="2500" dirty="0">
+                  <a:latin typeface="Times New Roman" panose="02020603050405020304" pitchFamily="18" charset="0"/>
+                  <a:cs typeface="Times New Roman" panose="02020603050405020304" pitchFamily="18" charset="0"/>
+                </a:endParaRPr>
+              </a:p>
+            </p:txBody>
+          </p:sp>
+        </mc:Choice>
+        <mc:Fallback>
+          <p:sp>
+            <p:nvSpPr>
+              <p:cNvPr id="7" name="TextBox 6">
+                <a:extLst>
+                  <a:ext uri="{FF2B5EF4-FFF2-40B4-BE49-F238E27FC236}">
+                    <a16:creationId xmlns:a16="http://schemas.microsoft.com/office/drawing/2014/main" id="{AE82F09B-E938-4E71-A3C9-F5FE4A7629D9}"/>
+                  </a:ext>
+                </a:extLst>
+              </p:cNvPr>
+              <p:cNvSpPr txBox="1">
+                <a:spLocks noRot="1" noChangeAspect="1" noMove="1" noResize="1" noEditPoints="1" noAdjustHandles="1" noChangeArrowheads="1" noChangeShapeType="1" noTextEdit="1"/>
+              </p:cNvSpPr>
+              <p:nvPr/>
+            </p:nvSpPr>
+            <p:spPr>
+              <a:xfrm>
+                <a:off x="1719654" y="1311154"/>
+                <a:ext cx="1796800" cy="477054"/>
+              </a:xfrm>
+              <a:prstGeom prst="rect">
+                <a:avLst/>
+              </a:prstGeom>
+              <a:blipFill>
+                <a:blip r:embed="rId3"/>
+                <a:stretch>
+                  <a:fillRect/>
+                </a:stretch>
+              </a:blipFill>
+            </p:spPr>
+            <p:txBody>
+              <a:bodyPr/>
+              <a:lstStyle/>
+              <a:p>
+                <a:r>
+                  <a:rPr lang="en-US">
+                    <a:noFill/>
+                  </a:rPr>
+                  <a:t> </a:t>
+                </a:r>
+              </a:p>
+            </p:txBody>
+          </p:sp>
+        </mc:Fallback>
+      </mc:AlternateContent>
+      <mc:AlternateContent xmlns:mc="http://schemas.openxmlformats.org/markup-compatibility/2006">
+        <mc:Choice xmlns:a14="http://schemas.microsoft.com/office/drawing/2010/main" Requires="a14">
+          <p:sp>
+            <p:nvSpPr>
+              <p:cNvPr id="8" name="TextBox 7">
+                <a:extLst>
+                  <a:ext uri="{FF2B5EF4-FFF2-40B4-BE49-F238E27FC236}">
+                    <a16:creationId xmlns:a16="http://schemas.microsoft.com/office/drawing/2014/main" id="{C639F02F-E4F7-49A7-9C89-FB1CC1B28C22}"/>
+                  </a:ext>
+                </a:extLst>
+              </p:cNvPr>
+              <p:cNvSpPr txBox="1"/>
+              <p:nvPr/>
+            </p:nvSpPr>
+            <p:spPr>
+              <a:xfrm>
+                <a:off x="2770454" y="1300380"/>
+                <a:ext cx="1679122" cy="477054"/>
+              </a:xfrm>
+              <a:prstGeom prst="rect">
+                <a:avLst/>
+              </a:prstGeom>
+              <a:noFill/>
+            </p:spPr>
+            <p:txBody>
+              <a:bodyPr wrap="square" rtlCol="0">
+                <a:spAutoFit/>
+              </a:bodyPr>
+              <a:lstStyle/>
+              <a:p>
+                <a:pPr/>
+                <a14:m>
+                  <m:oMathPara xmlns:m="http://schemas.openxmlformats.org/officeDocument/2006/math">
+                    <m:oMathParaPr>
+                      <m:jc m:val="centerGroup"/>
+                    </m:oMathParaPr>
+                    <m:oMath xmlns:m="http://schemas.openxmlformats.org/officeDocument/2006/math">
+                      <m:sSub>
+                        <m:sSubPr>
+                          <m:ctrlPr>
+                            <a:rPr lang="en-US" sz="2500" b="0" i="1" smtClean="0">
+                              <a:latin typeface="Cambria Math" panose="02040503050406030204" pitchFamily="18" charset="0"/>
+                            </a:rPr>
+                          </m:ctrlPr>
+                        </m:sSubPr>
+                        <m:e>
+                          <m:r>
+                            <a:rPr lang="en-US" sz="2500" b="0" i="1" smtClean="0">
+                              <a:latin typeface="Cambria Math" panose="02040503050406030204" pitchFamily="18" charset="0"/>
+                            </a:rPr>
+                            <m:t>𝑄</m:t>
+                          </m:r>
+                        </m:e>
+                        <m:sub>
+                          <m:r>
+                            <a:rPr lang="en-US" sz="2500" b="0" i="1" smtClean="0">
+                              <a:latin typeface="Cambria Math" panose="02040503050406030204" pitchFamily="18" charset="0"/>
+                            </a:rPr>
+                            <m:t>𝐵</m:t>
+                          </m:r>
+                        </m:sub>
+                      </m:sSub>
+                    </m:oMath>
+                  </m:oMathPara>
+                </a14:m>
+                <a:endParaRPr lang="en-US" sz="2500" dirty="0">
+                  <a:latin typeface="Times New Roman" panose="02020603050405020304" pitchFamily="18" charset="0"/>
+                  <a:cs typeface="Times New Roman" panose="02020603050405020304" pitchFamily="18" charset="0"/>
+                </a:endParaRPr>
+              </a:p>
+            </p:txBody>
+          </p:sp>
+        </mc:Choice>
+        <mc:Fallback>
+          <p:sp>
+            <p:nvSpPr>
+              <p:cNvPr id="8" name="TextBox 7">
+                <a:extLst>
+                  <a:ext uri="{FF2B5EF4-FFF2-40B4-BE49-F238E27FC236}">
+                    <a16:creationId xmlns:a16="http://schemas.microsoft.com/office/drawing/2014/main" id="{C639F02F-E4F7-49A7-9C89-FB1CC1B28C22}"/>
+                  </a:ext>
+                </a:extLst>
+              </p:cNvPr>
+              <p:cNvSpPr txBox="1">
+                <a:spLocks noRot="1" noChangeAspect="1" noMove="1" noResize="1" noEditPoints="1" noAdjustHandles="1" noChangeArrowheads="1" noChangeShapeType="1" noTextEdit="1"/>
+              </p:cNvSpPr>
+              <p:nvPr/>
+            </p:nvSpPr>
+            <p:spPr>
+              <a:xfrm>
+                <a:off x="2770454" y="1300380"/>
+                <a:ext cx="1679122" cy="477054"/>
+              </a:xfrm>
+              <a:prstGeom prst="rect">
+                <a:avLst/>
+              </a:prstGeom>
+              <a:blipFill>
+                <a:blip r:embed="rId4"/>
+                <a:stretch>
+                  <a:fillRect/>
+                </a:stretch>
+              </a:blipFill>
+            </p:spPr>
+            <p:txBody>
+              <a:bodyPr/>
+              <a:lstStyle/>
+              <a:p>
+                <a:r>
+                  <a:rPr lang="en-US">
+                    <a:noFill/>
+                  </a:rPr>
+                  <a:t> </a:t>
+                </a:r>
+              </a:p>
+            </p:txBody>
+          </p:sp>
+        </mc:Fallback>
+      </mc:AlternateContent>
+      <p:pic>
+        <p:nvPicPr>
+          <p:cNvPr id="14" name="Picture 13">
+            <a:extLst>
+              <a:ext uri="{FF2B5EF4-FFF2-40B4-BE49-F238E27FC236}">
+                <a16:creationId xmlns:a16="http://schemas.microsoft.com/office/drawing/2014/main" id="{3B4A649A-B7AB-4E5A-A4CA-614CA70F098D}"/>
+              </a:ext>
+            </a:extLst>
+          </p:cNvPr>
+          <p:cNvPicPr>
+            <a:picLocks noChangeAspect="1"/>
+          </p:cNvPicPr>
+          <p:nvPr/>
+        </p:nvPicPr>
+        <p:blipFill>
+          <a:blip r:embed="rId5"/>
+          <a:stretch>
+            <a:fillRect/>
+          </a:stretch>
+        </p:blipFill>
+        <p:spPr>
+          <a:xfrm>
+            <a:off x="5749457" y="1668124"/>
+            <a:ext cx="5334000" cy="4000500"/>
+          </a:xfrm>
+          <a:prstGeom prst="rect">
+            <a:avLst/>
+          </a:prstGeom>
+        </p:spPr>
+      </p:pic>
+    </p:spTree>
+    <p:extLst>
+      <p:ext uri="{BB962C8B-B14F-4D97-AF65-F5344CB8AC3E}">
+        <p14:creationId xmlns:p14="http://schemas.microsoft.com/office/powerpoint/2010/main" val="2443673898"/>
+      </p:ext>
+    </p:extLst>
+  </p:cSld>
+  <p:clrMapOvr>
+    <a:masterClrMapping/>
+  </p:clrMapOvr>
+</p:sld>
+</file>
+
+<file path=ppt/slides/slide6.xml><?xml version="1.0" encoding="utf-8"?>
+<p:sld xmlns:a="http://schemas.openxmlformats.org/drawingml/2006/main" xmlns:r="http://schemas.openxmlformats.org/officeDocument/2006/relationships" xmlns:p="http://schemas.openxmlformats.org/presentationml/2006/main">
+  <p:cSld>
+    <p:spTree>
+      <p:nvGrpSpPr>
+        <p:cNvPr id="1" name=""/>
+        <p:cNvGrpSpPr/>
+        <p:nvPr/>
+      </p:nvGrpSpPr>
+      <p:grpSpPr>
+        <a:xfrm>
+          <a:off x="0" y="0"/>
+          <a:ext cx="0" cy="0"/>
+          <a:chOff x="0" y="0"/>
+          <a:chExt cx="0" cy="0"/>
+        </a:xfrm>
+      </p:grpSpPr>
+      <p:pic>
+        <p:nvPicPr>
+          <p:cNvPr id="35" name="Picture 34">
+            <a:extLst>
+              <a:ext uri="{FF2B5EF4-FFF2-40B4-BE49-F238E27FC236}">
+                <a16:creationId xmlns:a16="http://schemas.microsoft.com/office/drawing/2014/main" id="{F7F15697-D727-455F-AB9E-BAF29FDE74DF}"/>
+              </a:ext>
+            </a:extLst>
+          </p:cNvPr>
+          <p:cNvPicPr>
+            <a:picLocks noChangeAspect="1"/>
+          </p:cNvPicPr>
+          <p:nvPr/>
+        </p:nvPicPr>
+        <p:blipFill>
+          <a:blip r:embed="rId3"/>
+          <a:stretch>
+            <a:fillRect/>
+          </a:stretch>
+        </p:blipFill>
+        <p:spPr>
+          <a:xfrm>
+            <a:off x="762000" y="2502403"/>
             <a:ext cx="5334000" cy="4000500"/>
           </a:xfrm>
           <a:prstGeom prst="rect">
@@ -3371,8 +7305,8 @@
             </p:nvSpPr>
             <p:spPr>
               <a:xfrm>
-                <a:off x="7848600" y="1191682"/>
-                <a:ext cx="4483100" cy="404213"/>
+                <a:off x="7874000" y="195791"/>
+                <a:ext cx="4483100" cy="510204"/>
               </a:xfrm>
               <a:prstGeom prst="rect">
                 <a:avLst/>
@@ -3385,6 +7319,7 @@
               </a:bodyPr>
               <a:lstStyle/>
               <a:p>
+                <a:pPr/>
                 <a14:m>
                   <m:oMathPara xmlns:m="http://schemas.openxmlformats.org/officeDocument/2006/math">
                     <m:oMathParaPr>
@@ -3394,14 +7329,14 @@
                       <m:sSub>
                         <m:sSubPr>
                           <m:ctrlPr>
-                            <a:rPr lang="en-US" b="0" i="1" smtClean="0">
+                            <a:rPr lang="en-US" sz="2500" b="0" i="1" smtClean="0">
                               <a:latin typeface="Cambria Math" panose="02040503050406030204" pitchFamily="18" charset="0"/>
                             </a:rPr>
                           </m:ctrlPr>
                         </m:sSubPr>
                         <m:e>
                           <m:r>
-                            <a:rPr lang="en-US" b="0" i="1" smtClean="0">
+                            <a:rPr lang="en-US" sz="2500" b="0" i="1" smtClean="0">
                               <a:latin typeface="Cambria Math" panose="02040503050406030204" pitchFamily="18" charset="0"/>
                             </a:rPr>
                             <m:t>𝑉</m:t>
@@ -3409,7 +7344,7 @@
                         </m:e>
                         <m:sub>
                           <m:r>
-                            <a:rPr lang="en-US" b="0" i="1" smtClean="0">
+                            <a:rPr lang="en-US" sz="2500" b="0" i="1" smtClean="0">
                               <a:latin typeface="Cambria Math" panose="02040503050406030204" pitchFamily="18" charset="0"/>
                             </a:rPr>
                             <m:t>𝑅𝑒</m:t>
@@ -3417,14 +7352,14 @@
                           <m:sSub>
                             <m:sSubPr>
                               <m:ctrlPr>
-                                <a:rPr lang="en-US" b="0" i="1" smtClean="0">
+                                <a:rPr lang="en-US" sz="2500" b="0" i="1" smtClean="0">
                                   <a:latin typeface="Cambria Math" panose="02040503050406030204" pitchFamily="18" charset="0"/>
                                 </a:rPr>
                               </m:ctrlPr>
                             </m:sSubPr>
                             <m:e>
                               <m:r>
-                                <a:rPr lang="en-US" b="0" i="1" smtClean="0">
+                                <a:rPr lang="en-US" sz="2500" b="0" i="1" smtClean="0">
                                   <a:latin typeface="Cambria Math" panose="02040503050406030204" pitchFamily="18" charset="0"/>
                                 </a:rPr>
                                 <m:t>𝑓</m:t>
@@ -3432,7 +7367,7 @@
                             </m:e>
                             <m:sub>
                               <m:r>
-                                <a:rPr lang="en-US" b="0" i="1" smtClean="0">
+                                <a:rPr lang="en-US" sz="2500" b="0" i="1" smtClean="0">
                                   <a:latin typeface="Cambria Math" panose="02040503050406030204" pitchFamily="18" charset="0"/>
                                 </a:rPr>
                                 <m:t>𝐵</m:t>
@@ -3442,7 +7377,7 @@
                         </m:sub>
                       </m:sSub>
                       <m:r>
-                        <a:rPr lang="en-US" b="0" i="0" smtClean="0">
+                        <a:rPr lang="en-US" sz="2500" b="0" i="0" smtClean="0">
                           <a:latin typeface="Cambria Math" panose="02040503050406030204" pitchFamily="18" charset="0"/>
                         </a:rPr>
                         <m:t>=</m:t>
@@ -3450,7 +7385,7 @@
                       <m:sSub>
                         <m:sSubPr>
                           <m:ctrlPr>
-                            <a:rPr lang="en-US" b="0" i="0" smtClean="0">
+                            <a:rPr lang="en-US" sz="2500" b="0" i="1" smtClean="0">
                               <a:latin typeface="Cambria Math" panose="02040503050406030204" pitchFamily="18" charset="0"/>
                             </a:rPr>
                           </m:ctrlPr>
@@ -3460,7 +7395,7 @@
                             <m:rPr>
                               <m:sty m:val="p"/>
                             </m:rPr>
-                            <a:rPr lang="en-US" b="0" i="0" smtClean="0">
+                            <a:rPr lang="en-US" sz="2500" b="0" i="0" smtClean="0">
                               <a:latin typeface="Cambria Math" panose="02040503050406030204" pitchFamily="18" charset="0"/>
                             </a:rPr>
                             <m:t>m</m:t>
@@ -3471,7 +7406,7 @@
                             <m:rPr>
                               <m:sty m:val="p"/>
                             </m:rPr>
-                            <a:rPr lang="en-US" b="0" i="0" smtClean="0">
+                            <a:rPr lang="en-US" sz="2500" b="0" i="0" smtClean="0">
                               <a:latin typeface="Cambria Math" panose="02040503050406030204" pitchFamily="18" charset="0"/>
                             </a:rPr>
                             <m:t>a</m:t>
@@ -3482,13 +7417,13 @@
                         <m:rPr>
                           <m:sty m:val="p"/>
                         </m:rPr>
-                        <a:rPr lang="en-US" b="0" i="0" smtClean="0">
+                        <a:rPr lang="en-US" sz="2500" b="0" i="0" smtClean="0">
                           <a:latin typeface="Cambria Math" panose="02040503050406030204" pitchFamily="18" charset="0"/>
                         </a:rPr>
                         <m:t>sin</m:t>
                       </m:r>
                       <m:r>
-                        <a:rPr lang="en-US" b="0" i="0" smtClean="0">
+                        <a:rPr lang="en-US" sz="2500" b="0" i="0" smtClean="0">
                           <a:latin typeface="Cambria Math" panose="02040503050406030204" pitchFamily="18" charset="0"/>
                         </a:rPr>
                         <m:t>(</m:t>
@@ -3496,14 +7431,14 @@
                       <m:sSub>
                         <m:sSubPr>
                           <m:ctrlPr>
-                            <a:rPr lang="en-US" b="0" i="1" smtClean="0">
+                            <a:rPr lang="en-US" sz="2500" b="0" i="1" smtClean="0">
                               <a:latin typeface="Cambria Math" panose="02040503050406030204" pitchFamily="18" charset="0"/>
                             </a:rPr>
                           </m:ctrlPr>
                         </m:sSubPr>
                         <m:e>
                           <m:r>
-                            <a:rPr lang="en-US" b="0" i="1" smtClean="0">
+                            <a:rPr lang="en-US" sz="2500" b="0" i="1" smtClean="0">
                               <a:latin typeface="Cambria Math" panose="02040503050406030204" pitchFamily="18" charset="0"/>
                             </a:rPr>
                             <m:t>𝜃</m:t>
@@ -3511,7 +7446,7 @@
                         </m:e>
                         <m:sub>
                           <m:r>
-                            <a:rPr lang="en-US" b="0" i="1" smtClean="0">
+                            <a:rPr lang="en-US" sz="2500" b="0" i="1" smtClean="0">
                               <a:latin typeface="Cambria Math" panose="02040503050406030204" pitchFamily="18" charset="0"/>
                             </a:rPr>
                             <m:t>𝑓</m:t>
@@ -3519,7 +7454,7 @@
                         </m:sub>
                       </m:sSub>
                       <m:r>
-                        <a:rPr lang="en-US" b="0" i="0" smtClean="0">
+                        <a:rPr lang="en-US" sz="2500" b="0" i="0" smtClean="0">
                           <a:latin typeface="Cambria Math" panose="02040503050406030204" pitchFamily="18" charset="0"/>
                         </a:rPr>
                         <m:t>−</m:t>
@@ -3527,14 +7462,14 @@
                       <m:sSup>
                         <m:sSupPr>
                           <m:ctrlPr>
-                            <a:rPr lang="en-US" b="0" i="0" smtClean="0">
+                            <a:rPr lang="en-US" sz="2500" b="0" i="1" smtClean="0">
                               <a:latin typeface="Cambria Math" panose="02040503050406030204" pitchFamily="18" charset="0"/>
                             </a:rPr>
                           </m:ctrlPr>
                         </m:sSupPr>
                         <m:e>
                           <m:r>
-                            <a:rPr lang="en-US" b="0" i="0" smtClean="0">
+                            <a:rPr lang="en-US" sz="2500" b="0" i="0" smtClean="0">
                               <a:latin typeface="Cambria Math" panose="02040503050406030204" pitchFamily="18" charset="0"/>
                             </a:rPr>
                             <m:t>120</m:t>
@@ -3545,7 +7480,7 @@
                             <m:rPr>
                               <m:sty m:val="p"/>
                             </m:rPr>
-                            <a:rPr lang="en-US" b="0" i="0" smtClean="0">
+                            <a:rPr lang="en-US" sz="2500" b="0" i="0" smtClean="0">
                               <a:latin typeface="Cambria Math" panose="02040503050406030204" pitchFamily="18" charset="0"/>
                             </a:rPr>
                             <m:t>o</m:t>
@@ -3553,7 +7488,7 @@
                         </m:sup>
                       </m:sSup>
                       <m:r>
-                        <a:rPr lang="en-US" b="0" i="0" smtClean="0">
+                        <a:rPr lang="en-US" sz="2500" b="0" i="0" smtClean="0">
                           <a:latin typeface="Cambria Math" panose="02040503050406030204" pitchFamily="18" charset="0"/>
                         </a:rPr>
                         <m:t>)</m:t>
@@ -3561,7 +7496,10 @@
                     </m:oMath>
                   </m:oMathPara>
                 </a14:m>
-                <a:endParaRPr lang="en-US" dirty="0"/>
+                <a:endParaRPr lang="en-US" sz="2500" dirty="0">
+                  <a:latin typeface="Times New Roman" panose="02020603050405020304" pitchFamily="18" charset="0"/>
+                  <a:cs typeface="Times New Roman" panose="02020603050405020304" pitchFamily="18" charset="0"/>
+                </a:endParaRPr>
               </a:p>
             </p:txBody>
           </p:sp>
@@ -3583,16 +7521,16 @@
             </p:nvSpPr>
             <p:spPr>
               <a:xfrm>
-                <a:off x="7848600" y="1191682"/>
-                <a:ext cx="4483100" cy="404213"/>
+                <a:off x="7874000" y="195791"/>
+                <a:ext cx="4483100" cy="510204"/>
               </a:xfrm>
               <a:prstGeom prst="rect">
                 <a:avLst/>
               </a:prstGeom>
               <a:blipFill>
-                <a:blip r:embed="rId3"/>
+                <a:blip r:embed="rId4"/>
                 <a:stretch>
-                  <a:fillRect b="-5970"/>
+                  <a:fillRect b="-11905"/>
                 </a:stretch>
               </a:blipFill>
             </p:spPr>
@@ -3627,8 +7565,8 @@
             </p:nvSpPr>
             <p:spPr>
               <a:xfrm>
-                <a:off x="7848600" y="1618083"/>
-                <a:ext cx="4483100" cy="404213"/>
+                <a:off x="7874000" y="622192"/>
+                <a:ext cx="4483100" cy="512641"/>
               </a:xfrm>
               <a:prstGeom prst="rect">
                 <a:avLst/>
@@ -3641,6 +7579,7 @@
               </a:bodyPr>
               <a:lstStyle/>
               <a:p>
+                <a:pPr/>
                 <a14:m>
                   <m:oMathPara xmlns:m="http://schemas.openxmlformats.org/officeDocument/2006/math">
                     <m:oMathParaPr>
@@ -3650,14 +7589,14 @@
                       <m:sSub>
                         <m:sSubPr>
                           <m:ctrlPr>
-                            <a:rPr lang="en-US" b="0" i="1" smtClean="0">
+                            <a:rPr lang="en-US" sz="2500" b="0" i="1" smtClean="0">
                               <a:latin typeface="Cambria Math" panose="02040503050406030204" pitchFamily="18" charset="0"/>
                             </a:rPr>
                           </m:ctrlPr>
                         </m:sSubPr>
                         <m:e>
                           <m:r>
-                            <a:rPr lang="en-US" b="0" i="1" smtClean="0">
+                            <a:rPr lang="en-US" sz="2500" b="0" i="1" smtClean="0">
                               <a:latin typeface="Cambria Math" panose="02040503050406030204" pitchFamily="18" charset="0"/>
                             </a:rPr>
                             <m:t>𝑉</m:t>
@@ -3665,7 +7604,7 @@
                         </m:e>
                         <m:sub>
                           <m:r>
-                            <a:rPr lang="en-US" b="0" i="1" smtClean="0">
+                            <a:rPr lang="en-US" sz="2500" b="0" i="1" smtClean="0">
                               <a:latin typeface="Cambria Math" panose="02040503050406030204" pitchFamily="18" charset="0"/>
                             </a:rPr>
                             <m:t>𝑅𝑒</m:t>
@@ -3673,14 +7612,14 @@
                           <m:sSub>
                             <m:sSubPr>
                               <m:ctrlPr>
-                                <a:rPr lang="en-US" b="0" i="1" smtClean="0">
+                                <a:rPr lang="en-US" sz="2500" b="0" i="1" smtClean="0">
                                   <a:latin typeface="Cambria Math" panose="02040503050406030204" pitchFamily="18" charset="0"/>
                                 </a:rPr>
                               </m:ctrlPr>
                             </m:sSubPr>
                             <m:e>
                               <m:r>
-                                <a:rPr lang="en-US" b="0" i="1" smtClean="0">
+                                <a:rPr lang="en-US" sz="2500" b="0" i="1" smtClean="0">
                                   <a:latin typeface="Cambria Math" panose="02040503050406030204" pitchFamily="18" charset="0"/>
                                 </a:rPr>
                                 <m:t>𝑓</m:t>
@@ -3688,7 +7627,7 @@
                             </m:e>
                             <m:sub>
                               <m:r>
-                                <a:rPr lang="en-US" b="0" i="1" smtClean="0">
+                                <a:rPr lang="en-US" sz="2500" b="0" i="1" smtClean="0">
                                   <a:latin typeface="Cambria Math" panose="02040503050406030204" pitchFamily="18" charset="0"/>
                                 </a:rPr>
                                 <m:t>𝐶</m:t>
@@ -3698,7 +7637,7 @@
                         </m:sub>
                       </m:sSub>
                       <m:r>
-                        <a:rPr lang="en-US" b="0" i="0" smtClean="0">
+                        <a:rPr lang="en-US" sz="2500" b="0" i="0" smtClean="0">
                           <a:latin typeface="Cambria Math" panose="02040503050406030204" pitchFamily="18" charset="0"/>
                         </a:rPr>
                         <m:t>=</m:t>
@@ -3706,7 +7645,7 @@
                       <m:sSub>
                         <m:sSubPr>
                           <m:ctrlPr>
-                            <a:rPr lang="en-US" b="0" i="0" smtClean="0">
+                            <a:rPr lang="en-US" sz="2500" b="0" i="1" smtClean="0">
                               <a:latin typeface="Cambria Math" panose="02040503050406030204" pitchFamily="18" charset="0"/>
                             </a:rPr>
                           </m:ctrlPr>
@@ -3716,7 +7655,7 @@
                             <m:rPr>
                               <m:sty m:val="p"/>
                             </m:rPr>
-                            <a:rPr lang="en-US" b="0" i="0" smtClean="0">
+                            <a:rPr lang="en-US" sz="2500" b="0" i="0" smtClean="0">
                               <a:latin typeface="Cambria Math" panose="02040503050406030204" pitchFamily="18" charset="0"/>
                             </a:rPr>
                             <m:t>m</m:t>
@@ -3727,7 +7666,7 @@
                             <m:rPr>
                               <m:sty m:val="p"/>
                             </m:rPr>
-                            <a:rPr lang="en-US" b="0" i="0" smtClean="0">
+                            <a:rPr lang="en-US" sz="2500" b="0" i="0" smtClean="0">
                               <a:latin typeface="Cambria Math" panose="02040503050406030204" pitchFamily="18" charset="0"/>
                             </a:rPr>
                             <m:t>a</m:t>
@@ -3738,13 +7677,13 @@
                         <m:rPr>
                           <m:sty m:val="p"/>
                         </m:rPr>
-                        <a:rPr lang="en-US" b="0" i="0" smtClean="0">
+                        <a:rPr lang="en-US" sz="2500" b="0" i="0" smtClean="0">
                           <a:latin typeface="Cambria Math" panose="02040503050406030204" pitchFamily="18" charset="0"/>
                         </a:rPr>
                         <m:t>sin</m:t>
                       </m:r>
                       <m:r>
-                        <a:rPr lang="en-US" b="0" i="0" smtClean="0">
+                        <a:rPr lang="en-US" sz="2500" b="0" i="0" smtClean="0">
                           <a:latin typeface="Cambria Math" panose="02040503050406030204" pitchFamily="18" charset="0"/>
                         </a:rPr>
                         <m:t>(</m:t>
@@ -3752,14 +7691,14 @@
                       <m:sSub>
                         <m:sSubPr>
                           <m:ctrlPr>
-                            <a:rPr lang="en-US" b="0" i="1" smtClean="0">
+                            <a:rPr lang="en-US" sz="2500" b="0" i="1" smtClean="0">
                               <a:latin typeface="Cambria Math" panose="02040503050406030204" pitchFamily="18" charset="0"/>
                             </a:rPr>
                           </m:ctrlPr>
                         </m:sSubPr>
                         <m:e>
                           <m:r>
-                            <a:rPr lang="en-US" b="0" i="1" smtClean="0">
+                            <a:rPr lang="en-US" sz="2500" b="0" i="1" smtClean="0">
                               <a:latin typeface="Cambria Math" panose="02040503050406030204" pitchFamily="18" charset="0"/>
                             </a:rPr>
                             <m:t>𝜃</m:t>
@@ -3767,7 +7706,7 @@
                         </m:e>
                         <m:sub>
                           <m:r>
-                            <a:rPr lang="en-US" b="0" i="1" smtClean="0">
+                            <a:rPr lang="en-US" sz="2500" b="0" i="1" smtClean="0">
                               <a:latin typeface="Cambria Math" panose="02040503050406030204" pitchFamily="18" charset="0"/>
                             </a:rPr>
                             <m:t>𝑓</m:t>
@@ -3775,7 +7714,7 @@
                         </m:sub>
                       </m:sSub>
                       <m:r>
-                        <a:rPr lang="en-US" b="0" i="1" smtClean="0">
+                        <a:rPr lang="en-US" sz="2500" b="0" i="1" smtClean="0">
                           <a:latin typeface="Cambria Math" panose="02040503050406030204" pitchFamily="18" charset="0"/>
                         </a:rPr>
                         <m:t>+</m:t>
@@ -3783,20 +7722,20 @@
                       <m:sSup>
                         <m:sSupPr>
                           <m:ctrlPr>
-                            <a:rPr lang="en-US" b="0" i="0" smtClean="0">
+                            <a:rPr lang="en-US" sz="2500" b="0" i="1" smtClean="0">
                               <a:latin typeface="Cambria Math" panose="02040503050406030204" pitchFamily="18" charset="0"/>
                             </a:rPr>
                           </m:ctrlPr>
                         </m:sSupPr>
                         <m:e>
                           <m:r>
-                            <a:rPr lang="en-US" b="0" i="1" smtClean="0">
+                            <a:rPr lang="en-US" sz="2500" b="0" i="1" smtClean="0">
                               <a:latin typeface="Cambria Math" panose="02040503050406030204" pitchFamily="18" charset="0"/>
                             </a:rPr>
                             <m:t>1</m:t>
                           </m:r>
                           <m:r>
-                            <a:rPr lang="en-US" b="0" i="0" smtClean="0">
+                            <a:rPr lang="en-US" sz="2500" b="0" i="0" smtClean="0">
                               <a:latin typeface="Cambria Math" panose="02040503050406030204" pitchFamily="18" charset="0"/>
                             </a:rPr>
                             <m:t>20</m:t>
@@ -3807,7 +7746,7 @@
                             <m:rPr>
                               <m:sty m:val="p"/>
                             </m:rPr>
-                            <a:rPr lang="en-US" b="0" i="0" smtClean="0">
+                            <a:rPr lang="en-US" sz="2500" b="0" i="0" smtClean="0">
                               <a:latin typeface="Cambria Math" panose="02040503050406030204" pitchFamily="18" charset="0"/>
                             </a:rPr>
                             <m:t>o</m:t>
@@ -3815,7 +7754,7 @@
                         </m:sup>
                       </m:sSup>
                       <m:r>
-                        <a:rPr lang="en-US" b="0" i="0" smtClean="0">
+                        <a:rPr lang="en-US" sz="2500" b="0" i="0" smtClean="0">
                           <a:latin typeface="Cambria Math" panose="02040503050406030204" pitchFamily="18" charset="0"/>
                         </a:rPr>
                         <m:t>)</m:t>
@@ -3823,7 +7762,10 @@
                     </m:oMath>
                   </m:oMathPara>
                 </a14:m>
-                <a:endParaRPr lang="en-US" dirty="0"/>
+                <a:endParaRPr lang="en-US" sz="2500" dirty="0">
+                  <a:latin typeface="Times New Roman" panose="02020603050405020304" pitchFamily="18" charset="0"/>
+                  <a:cs typeface="Times New Roman" panose="02020603050405020304" pitchFamily="18" charset="0"/>
+                </a:endParaRPr>
               </a:p>
             </p:txBody>
           </p:sp>
@@ -3845,16 +7787,16 @@
             </p:nvSpPr>
             <p:spPr>
               <a:xfrm>
-                <a:off x="7848600" y="1618083"/>
-                <a:ext cx="4483100" cy="404213"/>
+                <a:off x="7874000" y="622192"/>
+                <a:ext cx="4483100" cy="512641"/>
               </a:xfrm>
               <a:prstGeom prst="rect">
                 <a:avLst/>
               </a:prstGeom>
               <a:blipFill>
-                <a:blip r:embed="rId4"/>
+                <a:blip r:embed="rId5"/>
                 <a:stretch>
-                  <a:fillRect b="-5970"/>
+                  <a:fillRect b="-11905"/>
                 </a:stretch>
               </a:blipFill>
             </p:spPr>
@@ -3887,8 +7829,8 @@
         </p:nvSpPr>
         <p:spPr>
           <a:xfrm>
-            <a:off x="4136494" y="-1010228"/>
-            <a:ext cx="304800" cy="3620655"/>
+            <a:off x="2340525" y="2692327"/>
+            <a:ext cx="304800" cy="3432286"/>
           </a:xfrm>
           <a:prstGeom prst="rect">
             <a:avLst/>
@@ -3925,7 +7867,10 @@
           <a:lstStyle/>
           <a:p>
             <a:pPr algn="ctr"/>
-            <a:endParaRPr lang="en-US"/>
+            <a:endParaRPr lang="en-US" sz="2500">
+              <a:latin typeface="Times New Roman" panose="02020603050405020304" pitchFamily="18" charset="0"/>
+              <a:cs typeface="Times New Roman" panose="02020603050405020304" pitchFamily="18" charset="0"/>
+            </a:endParaRPr>
           </a:p>
         </p:txBody>
       </p:sp>
@@ -3943,8 +7888,8 @@
         </p:nvSpPr>
         <p:spPr>
           <a:xfrm>
-            <a:off x="5141585" y="-988040"/>
-            <a:ext cx="304800" cy="3620655"/>
+            <a:off x="3345616" y="2692327"/>
+            <a:ext cx="304800" cy="3432286"/>
           </a:xfrm>
           <a:prstGeom prst="rect">
             <a:avLst/>
@@ -3981,7 +7926,10 @@
           <a:lstStyle/>
           <a:p>
             <a:pPr algn="ctr"/>
-            <a:endParaRPr lang="en-US"/>
+            <a:endParaRPr lang="en-US" sz="2500">
+              <a:latin typeface="Times New Roman" panose="02020603050405020304" pitchFamily="18" charset="0"/>
+              <a:cs typeface="Times New Roman" panose="02020603050405020304" pitchFamily="18" charset="0"/>
+            </a:endParaRPr>
           </a:p>
         </p:txBody>
       </p:sp>
@@ -4001,8 +7949,8 @@
             </p:nvSpPr>
             <p:spPr>
               <a:xfrm>
-                <a:off x="3542894" y="-1384819"/>
-                <a:ext cx="1796800" cy="369332"/>
+                <a:off x="1600310" y="2263876"/>
+                <a:ext cx="1796800" cy="477054"/>
               </a:xfrm>
               <a:prstGeom prst="rect">
                 <a:avLst/>
@@ -4015,6 +7963,7 @@
               </a:bodyPr>
               <a:lstStyle/>
               <a:p>
+                <a:pPr/>
                 <a14:m>
                   <m:oMathPara xmlns:m="http://schemas.openxmlformats.org/officeDocument/2006/math">
                     <m:oMathParaPr>
@@ -4024,14 +7973,14 @@
                       <m:sSub>
                         <m:sSubPr>
                           <m:ctrlPr>
-                            <a:rPr lang="en-US" b="0" i="1" smtClean="0">
+                            <a:rPr lang="en-US" sz="2500" b="0" i="1" smtClean="0">
                               <a:latin typeface="Cambria Math" panose="02040503050406030204" pitchFamily="18" charset="0"/>
                             </a:rPr>
                           </m:ctrlPr>
                         </m:sSubPr>
                         <m:e>
                           <m:r>
-                            <a:rPr lang="en-US" b="0" i="1" smtClean="0">
+                            <a:rPr lang="en-US" sz="2500" b="0" i="1" smtClean="0">
                               <a:latin typeface="Cambria Math" panose="02040503050406030204" pitchFamily="18" charset="0"/>
                             </a:rPr>
                             <m:t>𝑄</m:t>
@@ -4039,7 +7988,7 @@
                         </m:e>
                         <m:sub>
                           <m:r>
-                            <a:rPr lang="en-US" b="0" i="1" smtClean="0">
+                            <a:rPr lang="en-US" sz="2500" b="0" i="1" smtClean="0">
                               <a:latin typeface="Cambria Math" panose="02040503050406030204" pitchFamily="18" charset="0"/>
                             </a:rPr>
                             <m:t>𝐴</m:t>
@@ -4049,7 +7998,10 @@
                     </m:oMath>
                   </m:oMathPara>
                 </a14:m>
-                <a:endParaRPr lang="en-US" dirty="0"/>
+                <a:endParaRPr lang="en-US" sz="2500" dirty="0">
+                  <a:latin typeface="Times New Roman" panose="02020603050405020304" pitchFamily="18" charset="0"/>
+                  <a:cs typeface="Times New Roman" panose="02020603050405020304" pitchFamily="18" charset="0"/>
+                </a:endParaRPr>
               </a:p>
             </p:txBody>
           </p:sp>
@@ -4071,16 +8023,16 @@
             </p:nvSpPr>
             <p:spPr>
               <a:xfrm>
-                <a:off x="3542894" y="-1384819"/>
-                <a:ext cx="1796800" cy="369332"/>
+                <a:off x="1600310" y="2263876"/>
+                <a:ext cx="1796800" cy="477054"/>
               </a:xfrm>
               <a:prstGeom prst="rect">
                 <a:avLst/>
               </a:prstGeom>
               <a:blipFill>
-                <a:blip r:embed="rId5"/>
+                <a:blip r:embed="rId6"/>
                 <a:stretch>
-                  <a:fillRect b="-10000"/>
+                  <a:fillRect/>
                 </a:stretch>
               </a:blipFill>
             </p:spPr>
@@ -4115,8 +8067,8 @@
             </p:nvSpPr>
             <p:spPr>
               <a:xfrm>
-                <a:off x="7848600" y="800100"/>
-                <a:ext cx="4483100" cy="391582"/>
+                <a:off x="7874000" y="-195791"/>
+                <a:ext cx="4483100" cy="510204"/>
               </a:xfrm>
               <a:prstGeom prst="rect">
                 <a:avLst/>
@@ -4129,6 +8081,7 @@
               </a:bodyPr>
               <a:lstStyle/>
               <a:p>
+                <a:pPr/>
                 <a14:m>
                   <m:oMathPara xmlns:m="http://schemas.openxmlformats.org/officeDocument/2006/math">
                     <m:oMathParaPr>
@@ -4138,14 +8091,14 @@
                       <m:sSub>
                         <m:sSubPr>
                           <m:ctrlPr>
-                            <a:rPr lang="en-US" b="0" i="1" smtClean="0">
+                            <a:rPr lang="en-US" sz="2500" b="0" i="1" smtClean="0">
                               <a:latin typeface="Cambria Math" panose="02040503050406030204" pitchFamily="18" charset="0"/>
                             </a:rPr>
                           </m:ctrlPr>
                         </m:sSubPr>
                         <m:e>
                           <m:r>
-                            <a:rPr lang="en-US" b="0" i="1" smtClean="0">
+                            <a:rPr lang="en-US" sz="2500" b="0" i="1" smtClean="0">
                               <a:latin typeface="Cambria Math" panose="02040503050406030204" pitchFamily="18" charset="0"/>
                             </a:rPr>
                             <m:t>𝑉</m:t>
@@ -4153,7 +8106,7 @@
                         </m:e>
                         <m:sub>
                           <m:r>
-                            <a:rPr lang="en-US" b="0" i="1" smtClean="0">
+                            <a:rPr lang="en-US" sz="2500" b="0" i="1" smtClean="0">
                               <a:latin typeface="Cambria Math" panose="02040503050406030204" pitchFamily="18" charset="0"/>
                             </a:rPr>
                             <m:t>𝑅𝑒</m:t>
@@ -4161,14 +8114,14 @@
                           <m:sSub>
                             <m:sSubPr>
                               <m:ctrlPr>
-                                <a:rPr lang="en-US" b="0" i="1" smtClean="0">
+                                <a:rPr lang="en-US" sz="2500" b="0" i="1" smtClean="0">
                                   <a:latin typeface="Cambria Math" panose="02040503050406030204" pitchFamily="18" charset="0"/>
                                 </a:rPr>
                               </m:ctrlPr>
                             </m:sSubPr>
                             <m:e>
                               <m:r>
-                                <a:rPr lang="en-US" b="0" i="1" smtClean="0">
+                                <a:rPr lang="en-US" sz="2500" b="0" i="1" smtClean="0">
                                   <a:latin typeface="Cambria Math" panose="02040503050406030204" pitchFamily="18" charset="0"/>
                                 </a:rPr>
                                 <m:t>𝑓</m:t>
@@ -4176,7 +8129,7 @@
                             </m:e>
                             <m:sub>
                               <m:r>
-                                <a:rPr lang="en-US" b="0" i="1" smtClean="0">
+                                <a:rPr lang="en-US" sz="2500" b="0" i="1" smtClean="0">
                                   <a:latin typeface="Cambria Math" panose="02040503050406030204" pitchFamily="18" charset="0"/>
                                 </a:rPr>
                                 <m:t>𝐴</m:t>
@@ -4186,7 +8139,7 @@
                         </m:sub>
                       </m:sSub>
                       <m:r>
-                        <a:rPr lang="en-US" b="0" i="0" smtClean="0">
+                        <a:rPr lang="en-US" sz="2500" b="0" i="0" smtClean="0">
                           <a:latin typeface="Cambria Math" panose="02040503050406030204" pitchFamily="18" charset="0"/>
                         </a:rPr>
                         <m:t>=</m:t>
@@ -4194,7 +8147,7 @@
                       <m:sSub>
                         <m:sSubPr>
                           <m:ctrlPr>
-                            <a:rPr lang="en-US" b="0" i="0" smtClean="0">
+                            <a:rPr lang="en-US" sz="2500" b="0" i="1" smtClean="0">
                               <a:latin typeface="Cambria Math" panose="02040503050406030204" pitchFamily="18" charset="0"/>
                             </a:rPr>
                           </m:ctrlPr>
@@ -4204,7 +8157,7 @@
                             <m:rPr>
                               <m:sty m:val="p"/>
                             </m:rPr>
-                            <a:rPr lang="en-US" b="0" i="0" smtClean="0">
+                            <a:rPr lang="en-US" sz="2500" b="0" i="0" smtClean="0">
                               <a:latin typeface="Cambria Math" panose="02040503050406030204" pitchFamily="18" charset="0"/>
                             </a:rPr>
                             <m:t>m</m:t>
@@ -4215,7 +8168,7 @@
                             <m:rPr>
                               <m:sty m:val="p"/>
                             </m:rPr>
-                            <a:rPr lang="en-US" b="0" i="0" smtClean="0">
+                            <a:rPr lang="en-US" sz="2500" b="0" i="0" smtClean="0">
                               <a:latin typeface="Cambria Math" panose="02040503050406030204" pitchFamily="18" charset="0"/>
                             </a:rPr>
                             <m:t>a</m:t>
@@ -4226,13 +8179,13 @@
                         <m:rPr>
                           <m:sty m:val="p"/>
                         </m:rPr>
-                        <a:rPr lang="en-US" b="0" i="0" smtClean="0">
+                        <a:rPr lang="en-US" sz="2500" b="0" i="0" smtClean="0">
                           <a:latin typeface="Cambria Math" panose="02040503050406030204" pitchFamily="18" charset="0"/>
                         </a:rPr>
                         <m:t>sin</m:t>
                       </m:r>
                       <m:r>
-                        <a:rPr lang="en-US" b="0" i="0" smtClean="0">
+                        <a:rPr lang="en-US" sz="2500" b="0" i="0" smtClean="0">
                           <a:latin typeface="Cambria Math" panose="02040503050406030204" pitchFamily="18" charset="0"/>
                         </a:rPr>
                         <m:t>(</m:t>
@@ -4240,14 +8193,14 @@
                       <m:sSub>
                         <m:sSubPr>
                           <m:ctrlPr>
-                            <a:rPr lang="en-US" b="0" i="1" smtClean="0">
+                            <a:rPr lang="en-US" sz="2500" b="0" i="1" smtClean="0">
                               <a:latin typeface="Cambria Math" panose="02040503050406030204" pitchFamily="18" charset="0"/>
                             </a:rPr>
                           </m:ctrlPr>
                         </m:sSubPr>
                         <m:e>
                           <m:r>
-                            <a:rPr lang="en-US" b="0" i="1" smtClean="0">
+                            <a:rPr lang="en-US" sz="2500" b="0" i="1" smtClean="0">
                               <a:latin typeface="Cambria Math" panose="02040503050406030204" pitchFamily="18" charset="0"/>
                             </a:rPr>
                             <m:t>𝜃</m:t>
@@ -4255,7 +8208,7 @@
                         </m:e>
                         <m:sub>
                           <m:r>
-                            <a:rPr lang="en-US" b="0" i="1" smtClean="0">
+                            <a:rPr lang="en-US" sz="2500" b="0" i="1" smtClean="0">
                               <a:latin typeface="Cambria Math" panose="02040503050406030204" pitchFamily="18" charset="0"/>
                             </a:rPr>
                             <m:t>𝑓</m:t>
@@ -4263,7 +8216,7 @@
                         </m:sub>
                       </m:sSub>
                       <m:r>
-                        <a:rPr lang="en-US" b="0" i="0" smtClean="0">
+                        <a:rPr lang="en-US" sz="2500" b="0" i="0" smtClean="0">
                           <a:latin typeface="Cambria Math" panose="02040503050406030204" pitchFamily="18" charset="0"/>
                         </a:rPr>
                         <m:t>)</m:t>
@@ -4271,7 +8224,10 @@
                     </m:oMath>
                   </m:oMathPara>
                 </a14:m>
-                <a:endParaRPr lang="en-US" dirty="0"/>
+                <a:endParaRPr lang="en-US" sz="2500" dirty="0">
+                  <a:latin typeface="Times New Roman" panose="02020603050405020304" pitchFamily="18" charset="0"/>
+                  <a:cs typeface="Times New Roman" panose="02020603050405020304" pitchFamily="18" charset="0"/>
+                </a:endParaRPr>
               </a:p>
             </p:txBody>
           </p:sp>
@@ -4293,16 +8249,16 @@
             </p:nvSpPr>
             <p:spPr>
               <a:xfrm>
-                <a:off x="7848600" y="800100"/>
-                <a:ext cx="4483100" cy="391582"/>
+                <a:off x="7874000" y="-195791"/>
+                <a:ext cx="4483100" cy="510204"/>
               </a:xfrm>
               <a:prstGeom prst="rect">
                 <a:avLst/>
               </a:prstGeom>
               <a:blipFill>
-                <a:blip r:embed="rId6"/>
+                <a:blip r:embed="rId7"/>
                 <a:stretch>
-                  <a:fillRect b="-10938"/>
+                  <a:fillRect b="-11905"/>
                 </a:stretch>
               </a:blipFill>
             </p:spPr>
@@ -4337,8 +8293,8 @@
             </p:nvSpPr>
             <p:spPr>
               <a:xfrm>
-                <a:off x="4486437" y="-1371095"/>
-                <a:ext cx="1679122" cy="369332"/>
+                <a:off x="2132496" y="6333184"/>
+                <a:ext cx="3566977" cy="477054"/>
               </a:xfrm>
               <a:prstGeom prst="rect">
                 <a:avLst/>
@@ -4351,41 +8307,36 @@
               </a:bodyPr>
               <a:lstStyle/>
               <a:p>
+                <a:pPr/>
+                <a:r>
+                  <a:rPr lang="en-US" sz="2500" dirty="0">
+                    <a:latin typeface="Times New Roman" panose="02020603050405020304" pitchFamily="18" charset="0"/>
+                    <a:cs typeface="Times New Roman" panose="02020603050405020304" pitchFamily="18" charset="0"/>
+                  </a:rPr>
+                  <a:t>Fundamental Phase (°</a:t>
+                </a:r>
                 <a14:m>
-                  <m:oMathPara xmlns:m="http://schemas.openxmlformats.org/officeDocument/2006/math">
-                    <m:oMathParaPr>
-                      <m:jc m:val="centerGroup"/>
-                    </m:oMathParaPr>
-                    <m:oMath xmlns:m="http://schemas.openxmlformats.org/officeDocument/2006/math">
-                      <m:sSub>
-                        <m:sSubPr>
-                          <m:ctrlPr>
-                            <a:rPr lang="en-US" b="0" i="1" smtClean="0">
-                              <a:latin typeface="Cambria Math" panose="02040503050406030204" pitchFamily="18" charset="0"/>
-                            </a:rPr>
-                          </m:ctrlPr>
-                        </m:sSubPr>
-                        <m:e>
-                          <m:r>
-                            <a:rPr lang="en-US" b="0" i="1" smtClean="0">
-                              <a:latin typeface="Cambria Math" panose="02040503050406030204" pitchFamily="18" charset="0"/>
-                            </a:rPr>
-                            <m:t>𝑄</m:t>
-                          </m:r>
-                        </m:e>
-                        <m:sub>
-                          <m:r>
-                            <a:rPr lang="en-US" b="0" i="1" smtClean="0">
-                              <a:latin typeface="Cambria Math" panose="02040503050406030204" pitchFamily="18" charset="0"/>
-                            </a:rPr>
-                            <m:t>𝐵</m:t>
-                          </m:r>
-                        </m:sub>
-                      </m:sSub>
-                    </m:oMath>
-                  </m:oMathPara>
+                  <m:oMath xmlns:m="http://schemas.openxmlformats.org/officeDocument/2006/math">
+                    <m:r>
+                      <a:rPr lang="en-US" sz="2500" b="0" i="1" dirty="0" smtClean="0">
+                        <a:latin typeface="Cambria Math" panose="02040503050406030204" pitchFamily="18" charset="0"/>
+                        <a:cs typeface="Times New Roman" panose="02020603050405020304" pitchFamily="18" charset="0"/>
+                      </a:rPr>
+                      <m:t>)</m:t>
+                    </m:r>
+                    <m:r>
+                      <a:rPr lang="en-US" sz="2500" b="0" i="1" smtClean="0">
+                        <a:latin typeface="Cambria Math" panose="02040503050406030204" pitchFamily="18" charset="0"/>
+                        <a:cs typeface="Times New Roman" panose="02020603050405020304" pitchFamily="18" charset="0"/>
+                      </a:rPr>
+                      <m:t> </m:t>
+                    </m:r>
+                  </m:oMath>
                 </a14:m>
-                <a:endParaRPr lang="en-US" dirty="0"/>
+                <a:endParaRPr lang="en-US" sz="2500" dirty="0">
+                  <a:latin typeface="Times New Roman" panose="02020603050405020304" pitchFamily="18" charset="0"/>
+                  <a:cs typeface="Times New Roman" panose="02020603050405020304" pitchFamily="18" charset="0"/>
+                </a:endParaRPr>
               </a:p>
             </p:txBody>
           </p:sp>
@@ -4407,16 +8358,16 @@
             </p:nvSpPr>
             <p:spPr>
               <a:xfrm>
-                <a:off x="4486437" y="-1371095"/>
-                <a:ext cx="1679122" cy="369332"/>
+                <a:off x="2132496" y="6333184"/>
+                <a:ext cx="3566977" cy="477054"/>
               </a:xfrm>
               <a:prstGeom prst="rect">
                 <a:avLst/>
               </a:prstGeom>
               <a:blipFill>
-                <a:blip r:embed="rId7"/>
+                <a:blip r:embed="rId8"/>
                 <a:stretch>
-                  <a:fillRect b="-9836"/>
+                  <a:fillRect l="-2906" t="-11538" b="-29487"/>
                 </a:stretch>
               </a:blipFill>
             </p:spPr>
@@ -4450,14 +8401,14 @@
           <p:nvPr/>
         </p:nvPicPr>
         <p:blipFill>
-          <a:blip r:embed="rId8"/>
+          <a:blip r:embed="rId9"/>
           <a:stretch>
             <a:fillRect/>
           </a:stretch>
         </p:blipFill>
         <p:spPr>
           <a:xfrm>
-            <a:off x="2537838" y="2654803"/>
+            <a:off x="5945694" y="2502403"/>
             <a:ext cx="5334000" cy="4000500"/>
           </a:xfrm>
           <a:prstGeom prst="rect">
@@ -4465,6 +8416,311 @@
           </a:prstGeom>
         </p:spPr>
       </p:pic>
+      <mc:AlternateContent xmlns:mc="http://schemas.openxmlformats.org/markup-compatibility/2006">
+        <mc:Choice xmlns:a14="http://schemas.microsoft.com/office/drawing/2010/main" Requires="a14">
+          <p:sp>
+            <p:nvSpPr>
+              <p:cNvPr id="11" name="TextBox 10">
+                <a:extLst>
+                  <a:ext uri="{FF2B5EF4-FFF2-40B4-BE49-F238E27FC236}">
+                    <a16:creationId xmlns:a16="http://schemas.microsoft.com/office/drawing/2014/main" id="{94310CEE-5EEC-47E8-8407-6253C181F3A7}"/>
+                  </a:ext>
+                </a:extLst>
+              </p:cNvPr>
+              <p:cNvSpPr txBox="1"/>
+              <p:nvPr/>
+            </p:nvSpPr>
+            <p:spPr>
+              <a:xfrm>
+                <a:off x="2635171" y="2259474"/>
+                <a:ext cx="1679122" cy="477054"/>
+              </a:xfrm>
+              <a:prstGeom prst="rect">
+                <a:avLst/>
+              </a:prstGeom>
+              <a:noFill/>
+            </p:spPr>
+            <p:txBody>
+              <a:bodyPr wrap="square" rtlCol="0">
+                <a:spAutoFit/>
+              </a:bodyPr>
+              <a:lstStyle/>
+              <a:p>
+                <a:pPr/>
+                <a14:m>
+                  <m:oMathPara xmlns:m="http://schemas.openxmlformats.org/officeDocument/2006/math">
+                    <m:oMathParaPr>
+                      <m:jc m:val="centerGroup"/>
+                    </m:oMathParaPr>
+                    <m:oMath xmlns:m="http://schemas.openxmlformats.org/officeDocument/2006/math">
+                      <m:sSub>
+                        <m:sSubPr>
+                          <m:ctrlPr>
+                            <a:rPr lang="en-US" sz="2500" b="0" i="1" smtClean="0">
+                              <a:latin typeface="Cambria Math" panose="02040503050406030204" pitchFamily="18" charset="0"/>
+                            </a:rPr>
+                          </m:ctrlPr>
+                        </m:sSubPr>
+                        <m:e>
+                          <m:r>
+                            <a:rPr lang="en-US" sz="2500" b="0" i="1" smtClean="0">
+                              <a:latin typeface="Cambria Math" panose="02040503050406030204" pitchFamily="18" charset="0"/>
+                            </a:rPr>
+                            <m:t>𝑄</m:t>
+                          </m:r>
+                        </m:e>
+                        <m:sub>
+                          <m:r>
+                            <a:rPr lang="en-US" sz="2500" b="0" i="1" smtClean="0">
+                              <a:latin typeface="Cambria Math" panose="02040503050406030204" pitchFamily="18" charset="0"/>
+                            </a:rPr>
+                            <m:t>𝐵</m:t>
+                          </m:r>
+                        </m:sub>
+                      </m:sSub>
+                    </m:oMath>
+                  </m:oMathPara>
+                </a14:m>
+                <a:endParaRPr lang="en-US" sz="2500" dirty="0">
+                  <a:latin typeface="Times New Roman" panose="02020603050405020304" pitchFamily="18" charset="0"/>
+                  <a:cs typeface="Times New Roman" panose="02020603050405020304" pitchFamily="18" charset="0"/>
+                </a:endParaRPr>
+              </a:p>
+            </p:txBody>
+          </p:sp>
+        </mc:Choice>
+        <mc:Fallback>
+          <p:sp>
+            <p:nvSpPr>
+              <p:cNvPr id="11" name="TextBox 10">
+                <a:extLst>
+                  <a:ext uri="{FF2B5EF4-FFF2-40B4-BE49-F238E27FC236}">
+                    <a16:creationId xmlns:a16="http://schemas.microsoft.com/office/drawing/2014/main" id="{94310CEE-5EEC-47E8-8407-6253C181F3A7}"/>
+                  </a:ext>
+                </a:extLst>
+              </p:cNvPr>
+              <p:cNvSpPr txBox="1">
+                <a:spLocks noRot="1" noChangeAspect="1" noMove="1" noResize="1" noEditPoints="1" noAdjustHandles="1" noChangeArrowheads="1" noChangeShapeType="1" noTextEdit="1"/>
+              </p:cNvSpPr>
+              <p:nvPr/>
+            </p:nvSpPr>
+            <p:spPr>
+              <a:xfrm>
+                <a:off x="2635171" y="2259474"/>
+                <a:ext cx="1679122" cy="477054"/>
+              </a:xfrm>
+              <a:prstGeom prst="rect">
+                <a:avLst/>
+              </a:prstGeom>
+              <a:blipFill>
+                <a:blip r:embed="rId10"/>
+                <a:stretch>
+                  <a:fillRect/>
+                </a:stretch>
+              </a:blipFill>
+            </p:spPr>
+            <p:txBody>
+              <a:bodyPr/>
+              <a:lstStyle/>
+              <a:p>
+                <a:r>
+                  <a:rPr lang="en-US">
+                    <a:noFill/>
+                  </a:rPr>
+                  <a:t> </a:t>
+                </a:r>
+              </a:p>
+            </p:txBody>
+          </p:sp>
+        </mc:Fallback>
+      </mc:AlternateContent>
+      <mc:AlternateContent xmlns:mc="http://schemas.openxmlformats.org/markup-compatibility/2006">
+        <mc:Choice xmlns:a14="http://schemas.microsoft.com/office/drawing/2010/main" Requires="a14">
+          <p:sp>
+            <p:nvSpPr>
+              <p:cNvPr id="13" name="TextBox 12">
+                <a:extLst>
+                  <a:ext uri="{FF2B5EF4-FFF2-40B4-BE49-F238E27FC236}">
+                    <a16:creationId xmlns:a16="http://schemas.microsoft.com/office/drawing/2014/main" id="{BA564ED0-D8DC-4276-9E21-F39CDD7CE51E}"/>
+                  </a:ext>
+                </a:extLst>
+              </p:cNvPr>
+              <p:cNvSpPr txBox="1"/>
+              <p:nvPr/>
+            </p:nvSpPr>
+            <p:spPr>
+              <a:xfrm>
+                <a:off x="7345680" y="6318918"/>
+                <a:ext cx="3575577" cy="477054"/>
+              </a:xfrm>
+              <a:prstGeom prst="rect">
+                <a:avLst/>
+              </a:prstGeom>
+              <a:noFill/>
+            </p:spPr>
+            <p:txBody>
+              <a:bodyPr wrap="square" rtlCol="0">
+                <a:spAutoFit/>
+              </a:bodyPr>
+              <a:lstStyle/>
+              <a:p>
+                <a:pPr/>
+                <a:r>
+                  <a:rPr lang="en-US" sz="2500" dirty="0">
+                    <a:latin typeface="Times New Roman" panose="02020603050405020304" pitchFamily="18" charset="0"/>
+                    <a:cs typeface="Times New Roman" panose="02020603050405020304" pitchFamily="18" charset="0"/>
+                  </a:rPr>
+                  <a:t>Fundamental Phase (°</a:t>
+                </a:r>
+                <a14:m>
+                  <m:oMath xmlns:m="http://schemas.openxmlformats.org/officeDocument/2006/math">
+                    <m:r>
+                      <a:rPr lang="en-US" sz="2500" b="0" i="1" dirty="0" smtClean="0">
+                        <a:latin typeface="Cambria Math" panose="02040503050406030204" pitchFamily="18" charset="0"/>
+                        <a:cs typeface="Times New Roman" panose="02020603050405020304" pitchFamily="18" charset="0"/>
+                      </a:rPr>
+                      <m:t>)</m:t>
+                    </m:r>
+                    <m:r>
+                      <a:rPr lang="en-US" sz="2500" b="0" i="1" smtClean="0">
+                        <a:latin typeface="Cambria Math" panose="02040503050406030204" pitchFamily="18" charset="0"/>
+                        <a:cs typeface="Times New Roman" panose="02020603050405020304" pitchFamily="18" charset="0"/>
+                      </a:rPr>
+                      <m:t> </m:t>
+                    </m:r>
+                  </m:oMath>
+                </a14:m>
+                <a:endParaRPr lang="en-US" sz="2500" dirty="0">
+                  <a:latin typeface="Times New Roman" panose="02020603050405020304" pitchFamily="18" charset="0"/>
+                  <a:cs typeface="Times New Roman" panose="02020603050405020304" pitchFamily="18" charset="0"/>
+                </a:endParaRPr>
+              </a:p>
+            </p:txBody>
+          </p:sp>
+        </mc:Choice>
+        <mc:Fallback>
+          <p:sp>
+            <p:nvSpPr>
+              <p:cNvPr id="13" name="TextBox 12">
+                <a:extLst>
+                  <a:ext uri="{FF2B5EF4-FFF2-40B4-BE49-F238E27FC236}">
+                    <a16:creationId xmlns:a16="http://schemas.microsoft.com/office/drawing/2014/main" id="{BA564ED0-D8DC-4276-9E21-F39CDD7CE51E}"/>
+                  </a:ext>
+                </a:extLst>
+              </p:cNvPr>
+              <p:cNvSpPr txBox="1">
+                <a:spLocks noRot="1" noChangeAspect="1" noMove="1" noResize="1" noEditPoints="1" noAdjustHandles="1" noChangeArrowheads="1" noChangeShapeType="1" noTextEdit="1"/>
+              </p:cNvSpPr>
+              <p:nvPr/>
+            </p:nvSpPr>
+            <p:spPr>
+              <a:xfrm>
+                <a:off x="7345680" y="6318918"/>
+                <a:ext cx="3575577" cy="477054"/>
+              </a:xfrm>
+              <a:prstGeom prst="rect">
+                <a:avLst/>
+              </a:prstGeom>
+              <a:blipFill>
+                <a:blip r:embed="rId11"/>
+                <a:stretch>
+                  <a:fillRect l="-2726" t="-11538" b="-29487"/>
+                </a:stretch>
+              </a:blipFill>
+            </p:spPr>
+            <p:txBody>
+              <a:bodyPr/>
+              <a:lstStyle/>
+              <a:p>
+                <a:r>
+                  <a:rPr lang="en-US">
+                    <a:noFill/>
+                  </a:rPr>
+                  <a:t> </a:t>
+                </a:r>
+              </a:p>
+            </p:txBody>
+          </p:sp>
+        </mc:Fallback>
+      </mc:AlternateContent>
+      <p:sp>
+        <p:nvSpPr>
+          <p:cNvPr id="14" name="TextBox 13">
+            <a:extLst>
+              <a:ext uri="{FF2B5EF4-FFF2-40B4-BE49-F238E27FC236}">
+                <a16:creationId xmlns:a16="http://schemas.microsoft.com/office/drawing/2014/main" id="{7A13B51F-9DBF-4421-BC87-02DAD08664D9}"/>
+              </a:ext>
+            </a:extLst>
+          </p:cNvPr>
+          <p:cNvSpPr txBox="1"/>
+          <p:nvPr/>
+        </p:nvSpPr>
+        <p:spPr>
+          <a:xfrm rot="16200000">
+            <a:off x="-482436" y="4264125"/>
+            <a:ext cx="2588495" cy="477054"/>
+          </a:xfrm>
+          <a:prstGeom prst="rect">
+            <a:avLst/>
+          </a:prstGeom>
+          <a:noFill/>
+        </p:spPr>
+        <p:txBody>
+          <a:bodyPr wrap="square" rtlCol="0">
+            <a:spAutoFit/>
+          </a:bodyPr>
+          <a:lstStyle/>
+          <a:p>
+            <a:pPr algn="r"/>
+            <a:r>
+              <a:rPr lang="en-US" sz="2500" dirty="0">
+                <a:latin typeface="Times New Roman" panose="02020603050405020304" pitchFamily="18" charset="0"/>
+                <a:cs typeface="Times New Roman" panose="02020603050405020304" pitchFamily="18" charset="0"/>
+              </a:rPr>
+              <a:t>Modulation Index</a:t>
+            </a:r>
+          </a:p>
+        </p:txBody>
+      </p:sp>
+      <p:sp>
+        <p:nvSpPr>
+          <p:cNvPr id="15" name="TextBox 14">
+            <a:extLst>
+              <a:ext uri="{FF2B5EF4-FFF2-40B4-BE49-F238E27FC236}">
+                <a16:creationId xmlns:a16="http://schemas.microsoft.com/office/drawing/2014/main" id="{A7B70914-889A-4D56-A631-1E23BC799F83}"/>
+              </a:ext>
+            </a:extLst>
+          </p:cNvPr>
+          <p:cNvSpPr txBox="1"/>
+          <p:nvPr/>
+        </p:nvSpPr>
+        <p:spPr>
+          <a:xfrm rot="16200000">
+            <a:off x="4683071" y="4264126"/>
+            <a:ext cx="2847056" cy="477054"/>
+          </a:xfrm>
+          <a:prstGeom prst="rect">
+            <a:avLst/>
+          </a:prstGeom>
+          <a:noFill/>
+        </p:spPr>
+        <p:txBody>
+          <a:bodyPr wrap="square" rtlCol="0">
+            <a:spAutoFit/>
+          </a:bodyPr>
+          <a:lstStyle/>
+          <a:p>
+            <a:pPr algn="r"/>
+            <a:r>
+              <a:rPr lang="en-US" sz="2500" dirty="0">
+                <a:latin typeface="Times New Roman" panose="02020603050405020304" pitchFamily="18" charset="0"/>
+                <a:cs typeface="Times New Roman" panose="02020603050405020304" pitchFamily="18" charset="0"/>
+              </a:rPr>
+              <a:t>Digital Gate Signals </a:t>
+            </a:r>
+          </a:p>
+        </p:txBody>
+      </p:sp>
     </p:spTree>
     <p:extLst>
       <p:ext uri="{BB962C8B-B14F-4D97-AF65-F5344CB8AC3E}">
@@ -4478,7 +8734,7 @@
 </p:sld>
 </file>
 
-<file path=ppt/slides/slide2.xml><?xml version="1.0" encoding="utf-8"?>
+<file path=ppt/slides/slide7.xml><?xml version="1.0" encoding="utf-8"?>
 <p:sld xmlns:a="http://schemas.openxmlformats.org/drawingml/2006/main" xmlns:r="http://schemas.openxmlformats.org/officeDocument/2006/relationships" xmlns:p="http://schemas.openxmlformats.org/presentationml/2006/main">
   <p:cSld>
     <p:spTree>
@@ -4615,8 +8871,8 @@
           </a:prstGeom>
         </p:spPr>
       </p:pic>
-      <mc:AlternateContent xmlns:mc="http://schemas.openxmlformats.org/markup-compatibility/2006">
-        <mc:Choice xmlns:a14="http://schemas.microsoft.com/office/drawing/2010/main" Requires="a14">
+      <mc:AlternateContent xmlns:mc="http://schemas.openxmlformats.org/markup-compatibility/2006" xmlns:a14="http://schemas.microsoft.com/office/drawing/2010/main">
+        <mc:Choice Requires="a14">
           <p:sp>
             <p:nvSpPr>
               <p:cNvPr id="8" name="TextBox 7">
@@ -4645,6 +8901,7 @@
               </a:bodyPr>
               <a:lstStyle/>
               <a:p>
+                <a:pPr/>
                 <a14:m>
                   <m:oMathPara xmlns:m="http://schemas.openxmlformats.org/officeDocument/2006/math">
                     <m:oMathParaPr>
@@ -4726,13 +8983,7 @@
                             <a:rPr lang="en-US" b="0" i="1" smtClean="0">
                               <a:latin typeface="Cambria Math" panose="02040503050406030204" pitchFamily="18" charset="0"/>
                             </a:rPr>
-                            <m:t>12</m:t>
-                          </m:r>
-                          <m:r>
-                            <a:rPr lang="en-US" b="0" i="1" smtClean="0">
-                              <a:latin typeface="Cambria Math" panose="02040503050406030204" pitchFamily="18" charset="0"/>
-                            </a:rPr>
-                            <m:t>0</m:t>
+                            <m:t>120</m:t>
                           </m:r>
                         </m:e>
                         <m:sup>
@@ -4758,7 +9009,7 @@
             </p:txBody>
           </p:sp>
         </mc:Choice>
-        <mc:Fallback>
+        <mc:Fallback xmlns="">
           <p:sp>
             <p:nvSpPr>
               <p:cNvPr id="8" name="TextBox 7">
@@ -4803,8 +9054,8 @@
           </p:sp>
         </mc:Fallback>
       </mc:AlternateContent>
-      <mc:AlternateContent xmlns:mc="http://schemas.openxmlformats.org/markup-compatibility/2006">
-        <mc:Choice xmlns:a14="http://schemas.microsoft.com/office/drawing/2010/main" Requires="a14">
+      <mc:AlternateContent xmlns:mc="http://schemas.openxmlformats.org/markup-compatibility/2006" xmlns:a14="http://schemas.microsoft.com/office/drawing/2010/main">
+        <mc:Choice Requires="a14">
           <p:sp>
             <p:nvSpPr>
               <p:cNvPr id="9" name="TextBox 8">
@@ -4833,6 +9084,7 @@
               </a:bodyPr>
               <a:lstStyle/>
               <a:p>
+                <a:pPr/>
                 <a14:m>
                   <m:oMathPara xmlns:m="http://schemas.openxmlformats.org/officeDocument/2006/math">
                     <m:oMathParaPr>
@@ -4868,13 +9120,7 @@
                         <a:rPr lang="en-US" b="0" i="1" smtClean="0">
                           <a:latin typeface="Cambria Math" panose="02040503050406030204" pitchFamily="18" charset="0"/>
                         </a:rPr>
-                        <m:t>=</m:t>
-                      </m:r>
-                      <m:r>
-                        <a:rPr lang="en-US" b="0" i="1" smtClean="0">
-                          <a:latin typeface="Cambria Math" panose="02040503050406030204" pitchFamily="18" charset="0"/>
-                        </a:rPr>
-                        <m:t>(</m:t>
+                        <m:t>=(</m:t>
                       </m:r>
                       <m:sSub>
                         <m:sSubPr>
@@ -4920,13 +9166,7 @@
                             <a:rPr lang="en-US" b="0" i="1" smtClean="0">
                               <a:latin typeface="Cambria Math" panose="02040503050406030204" pitchFamily="18" charset="0"/>
                             </a:rPr>
-                            <m:t>18</m:t>
-                          </m:r>
-                          <m:r>
-                            <a:rPr lang="en-US" b="0" i="1" smtClean="0">
-                              <a:latin typeface="Cambria Math" panose="02040503050406030204" pitchFamily="18" charset="0"/>
-                            </a:rPr>
-                            <m:t>0</m:t>
+                            <m:t>180</m:t>
                           </m:r>
                         </m:e>
                         <m:sup>
@@ -4952,7 +9192,7 @@
             </p:txBody>
           </p:sp>
         </mc:Choice>
-        <mc:Fallback>
+        <mc:Fallback xmlns="">
           <p:sp>
             <p:nvSpPr>
               <p:cNvPr id="9" name="TextBox 8">
@@ -4997,8 +9237,8 @@
           </p:sp>
         </mc:Fallback>
       </mc:AlternateContent>
-      <mc:AlternateContent xmlns:mc="http://schemas.openxmlformats.org/markup-compatibility/2006">
-        <mc:Choice xmlns:a14="http://schemas.microsoft.com/office/drawing/2010/main" Requires="a14">
+      <mc:AlternateContent xmlns:mc="http://schemas.openxmlformats.org/markup-compatibility/2006" xmlns:a14="http://schemas.microsoft.com/office/drawing/2010/main">
+        <mc:Choice Requires="a14">
           <p:sp>
             <p:nvSpPr>
               <p:cNvPr id="13" name="TextBox 12">
@@ -5027,6 +9267,7 @@
               </a:bodyPr>
               <a:lstStyle/>
               <a:p>
+                <a:pPr/>
                 <a14:m>
                   <m:oMathPara xmlns:m="http://schemas.openxmlformats.org/officeDocument/2006/math">
                     <m:oMathParaPr>
@@ -5103,7 +9344,7 @@
             </p:txBody>
           </p:sp>
         </mc:Choice>
-        <mc:Fallback>
+        <mc:Fallback xmlns="">
           <p:sp>
             <p:nvSpPr>
               <p:cNvPr id="13" name="TextBox 12">
@@ -5148,8 +9389,8 @@
           </p:sp>
         </mc:Fallback>
       </mc:AlternateContent>
-      <mc:AlternateContent xmlns:mc="http://schemas.openxmlformats.org/markup-compatibility/2006">
-        <mc:Choice xmlns:a14="http://schemas.microsoft.com/office/drawing/2010/main" Requires="a14">
+      <mc:AlternateContent xmlns:mc="http://schemas.openxmlformats.org/markup-compatibility/2006" xmlns:a14="http://schemas.microsoft.com/office/drawing/2010/main">
+        <mc:Choice Requires="a14">
           <p:sp>
             <p:nvSpPr>
               <p:cNvPr id="14" name="TextBox 13">
@@ -5178,6 +9419,7 @@
               </a:bodyPr>
               <a:lstStyle/>
               <a:p>
+                <a:pPr/>
                 <a14:m>
                   <m:oMathPara xmlns:m="http://schemas.openxmlformats.org/officeDocument/2006/math">
                     <m:oMathParaPr>
@@ -5253,13 +9495,7 @@
                             <a:rPr lang="en-US" b="0" i="0" smtClean="0">
                               <a:latin typeface="Cambria Math" panose="02040503050406030204" pitchFamily="18" charset="0"/>
                             </a:rPr>
-                            <m:t>−0.8660</m:t>
-                          </m:r>
-                          <m:r>
-                            <a:rPr lang="en-US" b="0" i="0" smtClean="0">
-                              <a:latin typeface="Cambria Math" panose="02040503050406030204" pitchFamily="18" charset="0"/>
-                            </a:rPr>
-                            <m:t> </m:t>
+                            <m:t>−0.8660 </m:t>
                           </m:r>
                           <m:r>
                             <m:rPr>
@@ -5297,7 +9533,7 @@
             </p:txBody>
           </p:sp>
         </mc:Choice>
-        <mc:Fallback>
+        <mc:Fallback xmlns="">
           <p:sp>
             <p:nvSpPr>
               <p:cNvPr id="14" name="TextBox 13">
@@ -5342,8 +9578,8 @@
           </p:sp>
         </mc:Fallback>
       </mc:AlternateContent>
-      <mc:AlternateContent xmlns:mc="http://schemas.openxmlformats.org/markup-compatibility/2006">
-        <mc:Choice xmlns:a14="http://schemas.microsoft.com/office/drawing/2010/main" Requires="a14">
+      <mc:AlternateContent xmlns:mc="http://schemas.openxmlformats.org/markup-compatibility/2006" xmlns:a14="http://schemas.microsoft.com/office/drawing/2010/main">
+        <mc:Choice Requires="a14">
           <p:sp>
             <p:nvSpPr>
               <p:cNvPr id="15" name="TextBox 14">
@@ -5433,7 +9669,7 @@
                     <m:sSub>
                       <m:sSubPr>
                         <m:ctrlPr>
-                          <a:rPr lang="en-US" b="0" i="0" smtClean="0">
+                          <a:rPr lang="en-US" b="0" i="1" smtClean="0">
                             <a:latin typeface="Cambria Math" panose="02040503050406030204" pitchFamily="18" charset="0"/>
                           </a:rPr>
                         </m:ctrlPr>
@@ -5477,7 +9713,7 @@
             </p:txBody>
           </p:sp>
         </mc:Choice>
-        <mc:Fallback>
+        <mc:Fallback xmlns="">
           <p:sp>
             <p:nvSpPr>
               <p:cNvPr id="15" name="TextBox 14">
@@ -5522,8 +9758,8 @@
           </p:sp>
         </mc:Fallback>
       </mc:AlternateContent>
-      <mc:AlternateContent xmlns:mc="http://schemas.openxmlformats.org/markup-compatibility/2006">
-        <mc:Choice xmlns:a14="http://schemas.microsoft.com/office/drawing/2010/main" Requires="a14">
+      <mc:AlternateContent xmlns:mc="http://schemas.openxmlformats.org/markup-compatibility/2006" xmlns:a14="http://schemas.microsoft.com/office/drawing/2010/main">
+        <mc:Choice Requires="a14">
           <p:sp>
             <p:nvSpPr>
               <p:cNvPr id="16" name="TextBox 15">
@@ -5552,6 +9788,7 @@
               </a:bodyPr>
               <a:lstStyle/>
               <a:p>
+                <a:pPr/>
                 <a14:m>
                   <m:oMathPara xmlns:m="http://schemas.openxmlformats.org/officeDocument/2006/math">
                     <m:oMathParaPr>
@@ -5659,7 +9896,7 @@
             </p:txBody>
           </p:sp>
         </mc:Choice>
-        <mc:Fallback>
+        <mc:Fallback xmlns="">
           <p:sp>
             <p:nvSpPr>
               <p:cNvPr id="16" name="TextBox 15">
@@ -5704,8 +9941,8 @@
           </p:sp>
         </mc:Fallback>
       </mc:AlternateContent>
-      <mc:AlternateContent xmlns:mc="http://schemas.openxmlformats.org/markup-compatibility/2006">
-        <mc:Choice xmlns:a14="http://schemas.microsoft.com/office/drawing/2010/main" Requires="a14">
+      <mc:AlternateContent xmlns:mc="http://schemas.openxmlformats.org/markup-compatibility/2006" xmlns:a14="http://schemas.microsoft.com/office/drawing/2010/main">
+        <mc:Choice Requires="a14">
           <p:sp>
             <p:nvSpPr>
               <p:cNvPr id="17" name="TextBox 16">
@@ -5734,6 +9971,7 @@
               </a:bodyPr>
               <a:lstStyle/>
               <a:p>
+                <a:pPr/>
                 <a14:m>
                   <m:oMathPara xmlns:m="http://schemas.openxmlformats.org/officeDocument/2006/math">
                     <m:oMathParaPr>
@@ -5809,13 +10047,7 @@
                             <a:rPr lang="en-US" b="0" i="0" smtClean="0">
                               <a:latin typeface="Cambria Math" panose="02040503050406030204" pitchFamily="18" charset="0"/>
                             </a:rPr>
-                            <m:t>−0.8660</m:t>
-                          </m:r>
-                          <m:r>
-                            <a:rPr lang="en-US" b="0" i="0" smtClean="0">
-                              <a:latin typeface="Cambria Math" panose="02040503050406030204" pitchFamily="18" charset="0"/>
-                            </a:rPr>
-                            <m:t> </m:t>
+                            <m:t>−0.8660 </m:t>
                           </m:r>
                           <m:r>
                             <m:rPr>
@@ -5853,7 +10085,7 @@
             </p:txBody>
           </p:sp>
         </mc:Choice>
-        <mc:Fallback>
+        <mc:Fallback xmlns="">
           <p:sp>
             <p:nvSpPr>
               <p:cNvPr id="17" name="TextBox 16">
@@ -5898,8 +10130,8 @@
           </p:sp>
         </mc:Fallback>
       </mc:AlternateContent>
-      <mc:AlternateContent xmlns:mc="http://schemas.openxmlformats.org/markup-compatibility/2006">
-        <mc:Choice xmlns:a14="http://schemas.microsoft.com/office/drawing/2010/main" Requires="a14">
+      <mc:AlternateContent xmlns:mc="http://schemas.openxmlformats.org/markup-compatibility/2006" xmlns:a14="http://schemas.microsoft.com/office/drawing/2010/main">
+        <mc:Choice Requires="a14">
           <p:sp>
             <p:nvSpPr>
               <p:cNvPr id="18" name="TextBox 17">
@@ -5989,7 +10221,7 @@
                     <m:sSub>
                       <m:sSubPr>
                         <m:ctrlPr>
-                          <a:rPr lang="en-US" b="0" i="0" smtClean="0">
+                          <a:rPr lang="en-US" b="0" i="1" smtClean="0">
                             <a:latin typeface="Cambria Math" panose="02040503050406030204" pitchFamily="18" charset="0"/>
                           </a:rPr>
                         </m:ctrlPr>
@@ -6027,7 +10259,7 @@
             </p:txBody>
           </p:sp>
         </mc:Choice>
-        <mc:Fallback>
+        <mc:Fallback xmlns="">
           <p:sp>
             <p:nvSpPr>
               <p:cNvPr id="18" name="TextBox 17">
@@ -6085,7 +10317,7 @@
 </p:sld>
 </file>
 
-<file path=ppt/slides/slide3.xml><?xml version="1.0" encoding="utf-8"?>
+<file path=ppt/slides/slide8.xml><?xml version="1.0" encoding="utf-8"?>
 <p:sld xmlns:a="http://schemas.openxmlformats.org/drawingml/2006/main" xmlns:r="http://schemas.openxmlformats.org/officeDocument/2006/relationships" xmlns:p="http://schemas.openxmlformats.org/presentationml/2006/main">
   <p:cSld>
     <p:spTree>
@@ -6162,8 +10394,8 @@
           </a:prstGeom>
         </p:spPr>
       </p:pic>
-      <mc:AlternateContent xmlns:mc="http://schemas.openxmlformats.org/markup-compatibility/2006">
-        <mc:Choice xmlns:a14="http://schemas.microsoft.com/office/drawing/2010/main" Requires="a14">
+      <mc:AlternateContent xmlns:mc="http://schemas.openxmlformats.org/markup-compatibility/2006" xmlns:a14="http://schemas.microsoft.com/office/drawing/2010/main">
+        <mc:Choice Requires="a14">
           <p:sp>
             <p:nvSpPr>
               <p:cNvPr id="9" name="TextBox 8">
@@ -6192,6 +10424,7 @@
               </a:bodyPr>
               <a:lstStyle/>
               <a:p>
+                <a:pPr/>
                 <a14:m>
                   <m:oMathPara xmlns:m="http://schemas.openxmlformats.org/officeDocument/2006/math">
                     <m:oMathParaPr>
@@ -6231,7 +10464,7 @@
             </p:txBody>
           </p:sp>
         </mc:Choice>
-        <mc:Fallback>
+        <mc:Fallback xmlns="">
           <p:sp>
             <p:nvSpPr>
               <p:cNvPr id="9" name="TextBox 8">
@@ -6276,8 +10509,8 @@
           </p:sp>
         </mc:Fallback>
       </mc:AlternateContent>
-      <mc:AlternateContent xmlns:mc="http://schemas.openxmlformats.org/markup-compatibility/2006">
-        <mc:Choice xmlns:a14="http://schemas.microsoft.com/office/drawing/2010/main" Requires="a14">
+      <mc:AlternateContent xmlns:mc="http://schemas.openxmlformats.org/markup-compatibility/2006" xmlns:a14="http://schemas.microsoft.com/office/drawing/2010/main">
+        <mc:Choice Requires="a14">
           <p:sp>
             <p:nvSpPr>
               <p:cNvPr id="10" name="TextBox 9">
@@ -6306,6 +10539,7 @@
               </a:bodyPr>
               <a:lstStyle/>
               <a:p>
+                <a:pPr/>
                 <a14:m>
                   <m:oMathPara xmlns:m="http://schemas.openxmlformats.org/officeDocument/2006/math">
                     <m:oMathParaPr>
@@ -6345,7 +10579,7 @@
             </p:txBody>
           </p:sp>
         </mc:Choice>
-        <mc:Fallback>
+        <mc:Fallback xmlns="">
           <p:sp>
             <p:nvSpPr>
               <p:cNvPr id="10" name="TextBox 9">
@@ -6450,8 +10684,8 @@
           </a:prstGeom>
         </p:spPr>
       </p:pic>
-      <mc:AlternateContent xmlns:mc="http://schemas.openxmlformats.org/markup-compatibility/2006">
-        <mc:Choice xmlns:a14="http://schemas.microsoft.com/office/drawing/2010/main" Requires="a14">
+      <mc:AlternateContent xmlns:mc="http://schemas.openxmlformats.org/markup-compatibility/2006" xmlns:a14="http://schemas.microsoft.com/office/drawing/2010/main">
+        <mc:Choice Requires="a14">
           <p:sp>
             <p:nvSpPr>
               <p:cNvPr id="13" name="TextBox 12">
@@ -6480,6 +10714,7 @@
               </a:bodyPr>
               <a:lstStyle/>
               <a:p>
+                <a:pPr/>
                 <a14:m>
                   <m:oMathPara xmlns:m="http://schemas.openxmlformats.org/officeDocument/2006/math">
                     <m:oMathParaPr>
@@ -6556,7 +10791,7 @@
             </p:txBody>
           </p:sp>
         </mc:Choice>
-        <mc:Fallback>
+        <mc:Fallback xmlns="">
           <p:sp>
             <p:nvSpPr>
               <p:cNvPr id="13" name="TextBox 12">
@@ -6601,8 +10836,8 @@
           </p:sp>
         </mc:Fallback>
       </mc:AlternateContent>
-      <mc:AlternateContent xmlns:mc="http://schemas.openxmlformats.org/markup-compatibility/2006">
-        <mc:Choice xmlns:a14="http://schemas.microsoft.com/office/drawing/2010/main" Requires="a14">
+      <mc:AlternateContent xmlns:mc="http://schemas.openxmlformats.org/markup-compatibility/2006" xmlns:a14="http://schemas.microsoft.com/office/drawing/2010/main">
+        <mc:Choice Requires="a14">
           <p:sp>
             <p:nvSpPr>
               <p:cNvPr id="14" name="TextBox 13">
@@ -6631,6 +10866,7 @@
               </a:bodyPr>
               <a:lstStyle/>
               <a:p>
+                <a:pPr/>
                 <a14:m>
                   <m:oMathPara xmlns:m="http://schemas.openxmlformats.org/officeDocument/2006/math">
                     <m:oMathParaPr>
@@ -6706,13 +10942,7 @@
                             <a:rPr lang="en-US" b="0" i="0" smtClean="0">
                               <a:latin typeface="Cambria Math" panose="02040503050406030204" pitchFamily="18" charset="0"/>
                             </a:rPr>
-                            <m:t>−0.8660</m:t>
-                          </m:r>
-                          <m:r>
-                            <a:rPr lang="en-US" b="0" i="0" smtClean="0">
-                              <a:latin typeface="Cambria Math" panose="02040503050406030204" pitchFamily="18" charset="0"/>
-                            </a:rPr>
-                            <m:t> </m:t>
+                            <m:t>−0.8660 </m:t>
                           </m:r>
                           <m:r>
                             <m:rPr>
@@ -6750,7 +10980,7 @@
             </p:txBody>
           </p:sp>
         </mc:Choice>
-        <mc:Fallback>
+        <mc:Fallback xmlns="">
           <p:sp>
             <p:nvSpPr>
               <p:cNvPr id="14" name="TextBox 13">
@@ -6795,8 +11025,8 @@
           </p:sp>
         </mc:Fallback>
       </mc:AlternateContent>
-      <mc:AlternateContent xmlns:mc="http://schemas.openxmlformats.org/markup-compatibility/2006">
-        <mc:Choice xmlns:a14="http://schemas.microsoft.com/office/drawing/2010/main" Requires="a14">
+      <mc:AlternateContent xmlns:mc="http://schemas.openxmlformats.org/markup-compatibility/2006" xmlns:a14="http://schemas.microsoft.com/office/drawing/2010/main">
+        <mc:Choice Requires="a14">
           <p:sp>
             <p:nvSpPr>
               <p:cNvPr id="15" name="TextBox 14">
@@ -6886,7 +11116,7 @@
                     <m:sSub>
                       <m:sSubPr>
                         <m:ctrlPr>
-                          <a:rPr lang="en-US" b="0" i="0" smtClean="0">
+                          <a:rPr lang="en-US" b="0" i="1" smtClean="0">
                             <a:latin typeface="Cambria Math" panose="02040503050406030204" pitchFamily="18" charset="0"/>
                           </a:rPr>
                         </m:ctrlPr>
@@ -6930,7 +11160,7 @@
             </p:txBody>
           </p:sp>
         </mc:Choice>
-        <mc:Fallback>
+        <mc:Fallback xmlns="">
           <p:sp>
             <p:nvSpPr>
               <p:cNvPr id="15" name="TextBox 14">
@@ -6975,8 +11205,8 @@
           </p:sp>
         </mc:Fallback>
       </mc:AlternateContent>
-      <mc:AlternateContent xmlns:mc="http://schemas.openxmlformats.org/markup-compatibility/2006">
-        <mc:Choice xmlns:a14="http://schemas.microsoft.com/office/drawing/2010/main" Requires="a14">
+      <mc:AlternateContent xmlns:mc="http://schemas.openxmlformats.org/markup-compatibility/2006" xmlns:a14="http://schemas.microsoft.com/office/drawing/2010/main">
+        <mc:Choice Requires="a14">
           <p:sp>
             <p:nvSpPr>
               <p:cNvPr id="16" name="TextBox 15">
@@ -7005,6 +11235,7 @@
               </a:bodyPr>
               <a:lstStyle/>
               <a:p>
+                <a:pPr/>
                 <a14:m>
                   <m:oMathPara xmlns:m="http://schemas.openxmlformats.org/officeDocument/2006/math">
                     <m:oMathParaPr>
@@ -7112,7 +11343,7 @@
             </p:txBody>
           </p:sp>
         </mc:Choice>
-        <mc:Fallback>
+        <mc:Fallback xmlns="">
           <p:sp>
             <p:nvSpPr>
               <p:cNvPr id="16" name="TextBox 15">
@@ -7157,8 +11388,8 @@
           </p:sp>
         </mc:Fallback>
       </mc:AlternateContent>
-      <mc:AlternateContent xmlns:mc="http://schemas.openxmlformats.org/markup-compatibility/2006">
-        <mc:Choice xmlns:a14="http://schemas.microsoft.com/office/drawing/2010/main" Requires="a14">
+      <mc:AlternateContent xmlns:mc="http://schemas.openxmlformats.org/markup-compatibility/2006" xmlns:a14="http://schemas.microsoft.com/office/drawing/2010/main">
+        <mc:Choice Requires="a14">
           <p:sp>
             <p:nvSpPr>
               <p:cNvPr id="17" name="TextBox 16">
@@ -7187,6 +11418,7 @@
               </a:bodyPr>
               <a:lstStyle/>
               <a:p>
+                <a:pPr/>
                 <a14:m>
                   <m:oMathPara xmlns:m="http://schemas.openxmlformats.org/officeDocument/2006/math">
                     <m:oMathParaPr>
@@ -7262,13 +11494,7 @@
                             <a:rPr lang="en-US" b="0" i="0" smtClean="0">
                               <a:latin typeface="Cambria Math" panose="02040503050406030204" pitchFamily="18" charset="0"/>
                             </a:rPr>
-                            <m:t>−0.8660</m:t>
-                          </m:r>
-                          <m:r>
-                            <a:rPr lang="en-US" b="0" i="0" smtClean="0">
-                              <a:latin typeface="Cambria Math" panose="02040503050406030204" pitchFamily="18" charset="0"/>
-                            </a:rPr>
-                            <m:t> </m:t>
+                            <m:t>−0.8660 </m:t>
                           </m:r>
                           <m:r>
                             <m:rPr>
@@ -7306,7 +11532,7 @@
             </p:txBody>
           </p:sp>
         </mc:Choice>
-        <mc:Fallback>
+        <mc:Fallback xmlns="">
           <p:sp>
             <p:nvSpPr>
               <p:cNvPr id="17" name="TextBox 16">
@@ -7351,8 +11577,8 @@
           </p:sp>
         </mc:Fallback>
       </mc:AlternateContent>
-      <mc:AlternateContent xmlns:mc="http://schemas.openxmlformats.org/markup-compatibility/2006">
-        <mc:Choice xmlns:a14="http://schemas.microsoft.com/office/drawing/2010/main" Requires="a14">
+      <mc:AlternateContent xmlns:mc="http://schemas.openxmlformats.org/markup-compatibility/2006" xmlns:a14="http://schemas.microsoft.com/office/drawing/2010/main">
+        <mc:Choice Requires="a14">
           <p:sp>
             <p:nvSpPr>
               <p:cNvPr id="18" name="TextBox 17">
@@ -7442,7 +11668,7 @@
                     <m:sSub>
                       <m:sSubPr>
                         <m:ctrlPr>
-                          <a:rPr lang="en-US" b="0" i="0" smtClean="0">
+                          <a:rPr lang="en-US" b="0" i="1" smtClean="0">
                             <a:latin typeface="Cambria Math" panose="02040503050406030204" pitchFamily="18" charset="0"/>
                           </a:rPr>
                         </m:ctrlPr>
@@ -7480,7 +11706,7 @@
             </p:txBody>
           </p:sp>
         </mc:Choice>
-        <mc:Fallback>
+        <mc:Fallback xmlns="">
           <p:sp>
             <p:nvSpPr>
               <p:cNvPr id="18" name="TextBox 17">
@@ -7538,7 +11764,7 @@
 </p:sld>
 </file>
 
-<file path=ppt/slides/slide4.xml><?xml version="1.0" encoding="utf-8"?>
+<file path=ppt/slides/slide9.xml><?xml version="1.0" encoding="utf-8"?>
 <p:sld xmlns:a="http://schemas.openxmlformats.org/drawingml/2006/main" xmlns:r="http://schemas.openxmlformats.org/officeDocument/2006/relationships" xmlns:p="http://schemas.openxmlformats.org/presentationml/2006/main">
   <p:cSld>
     <p:spTree>
@@ -7557,10 +11783,10 @@
       </p:grpSpPr>
       <p:pic>
         <p:nvPicPr>
-          <p:cNvPr id="4" name="Picture 3">
+          <p:cNvPr id="7" name="Picture 6">
             <a:extLst>
               <a:ext uri="{FF2B5EF4-FFF2-40B4-BE49-F238E27FC236}">
-                <a16:creationId xmlns:a16="http://schemas.microsoft.com/office/drawing/2014/main" id="{30CB9359-EE59-4EC1-A4A8-51ECC7469B8C}"/>
+                <a16:creationId xmlns:a16="http://schemas.microsoft.com/office/drawing/2014/main" id="{D153176A-8067-413E-9170-17397E461E75}"/>
               </a:ext>
             </a:extLst>
           </p:cNvPr>
@@ -7577,83 +11803,474 @@
         </p:blipFill>
         <p:spPr>
           <a:xfrm>
-            <a:off x="533400" y="285750"/>
-            <a:ext cx="5334000" cy="4000500"/>
+            <a:off x="2603500" y="742949"/>
+            <a:ext cx="3492500" cy="2619375"/>
           </a:xfrm>
           <a:prstGeom prst="rect">
             <a:avLst/>
           </a:prstGeom>
         </p:spPr>
       </p:pic>
-    </p:spTree>
-    <p:extLst>
-      <p:ext uri="{BB962C8B-B14F-4D97-AF65-F5344CB8AC3E}">
-        <p14:creationId xmlns:p14="http://schemas.microsoft.com/office/powerpoint/2010/main" val="2442094286"/>
-      </p:ext>
-    </p:extLst>
-  </p:cSld>
-  <p:clrMapOvr>
-    <a:masterClrMapping/>
-  </p:clrMapOvr>
-</p:sld>
-</file>
-
-<file path=ppt/slides/slide5.xml><?xml version="1.0" encoding="utf-8"?>
-<p:sld xmlns:a="http://schemas.openxmlformats.org/drawingml/2006/main" xmlns:r="http://schemas.openxmlformats.org/officeDocument/2006/relationships" xmlns:p="http://schemas.openxmlformats.org/presentationml/2006/main">
-  <p:cSld>
-    <p:spTree>
-      <p:nvGrpSpPr>
-        <p:cNvPr id="1" name=""/>
-        <p:cNvGrpSpPr/>
-        <p:nvPr/>
-      </p:nvGrpSpPr>
-      <p:grpSpPr>
-        <a:xfrm>
-          <a:off x="0" y="0"/>
-          <a:ext cx="0" cy="0"/>
-          <a:chOff x="0" y="0"/>
-          <a:chExt cx="0" cy="0"/>
-        </a:xfrm>
-      </p:grpSpPr>
-      <p:sp>
-        <p:nvSpPr>
-          <p:cNvPr id="9" name="TextBox 8">
+      <p:pic>
+        <p:nvPicPr>
+          <p:cNvPr id="8" name="Picture 7">
             <a:extLst>
               <a:ext uri="{FF2B5EF4-FFF2-40B4-BE49-F238E27FC236}">
-                <a16:creationId xmlns:a16="http://schemas.microsoft.com/office/drawing/2014/main" id="{E915F1EF-9814-48E2-A217-E86153226D33}"/>
+                <a16:creationId xmlns:a16="http://schemas.microsoft.com/office/drawing/2014/main" id="{9E0C33E4-A50F-4D08-A90E-132E954CB368}"/>
               </a:ext>
             </a:extLst>
           </p:cNvPr>
-          <p:cNvSpPr txBox="1"/>
+          <p:cNvPicPr>
+            <a:picLocks noChangeAspect="1"/>
+          </p:cNvPicPr>
           <p:nvPr/>
-        </p:nvSpPr>
+        </p:nvPicPr>
+        <p:blipFill>
+          <a:blip r:embed="rId3"/>
+          <a:stretch>
+            <a:fillRect/>
+          </a:stretch>
+        </p:blipFill>
         <p:spPr>
           <a:xfrm>
-            <a:off x="1803399" y="197346"/>
-            <a:ext cx="7251700" cy="6463308"/>
+            <a:off x="2559045" y="3362324"/>
+            <a:ext cx="3581395" cy="2686047"/>
           </a:xfrm>
           <a:prstGeom prst="rect">
             <a:avLst/>
           </a:prstGeom>
-          <a:noFill/>
         </p:spPr>
-        <p:txBody>
-          <a:bodyPr wrap="square" rtlCol="0">
-            <a:spAutoFit/>
-          </a:bodyPr>
-          <a:lstStyle/>
-          <a:p>
-            <a:r>
-              <a:rPr lang="en-US" dirty="0"/>
-              <a:t>A WPT system is connected between leg-A and leg-B, and the WPT system is supposed to be excited by the switching harmonic. For each switching interval, the duty cycle of leg-A and leg-B varies, and their average values equal the corresponding reference voltages at each time interval. Thus, varying duty cycles follow a sinusoidal reference signal, which drives the motor. However, the changing duty cycles cause a fluctuation in the magnitude of the switching component. The fluctuation can also be analyzed in the frequency domain and modeled as sideband harmonics. Due to this fluctuation, the input voltage of the WPT system changes over the fundamental period. This input voltage fluctuation also echoes the output voltage of the WPT system, and it should be mitigated.  The first solution is using an active converter at the output side, which increases the cost and complexity of the system. Besides, it increases the weight of the rotating side. The second solution is connecting bulky capacitance to the output in parallel, increasing the weight and creating a point of failure. The third solution is using a control method such as frequency detuning. However, the output current is measured and controlled in the field excitation system. A lag exists due to the high inductance of the field, and the frequency control cannot deal with the fluctuation if phase compensation circuits or algorithms are not applied. Instead of solving this fluctuation on the output side, the input side solutions can be proposed. However, these solutions should not affect the average value, which follows the reference signal. </a:t>
-            </a:r>
-          </a:p>
-        </p:txBody>
-      </p:sp>
+      </p:pic>
+      <p:pic>
+        <p:nvPicPr>
+          <p:cNvPr id="9" name="Picture 8">
+            <a:extLst>
+              <a:ext uri="{FF2B5EF4-FFF2-40B4-BE49-F238E27FC236}">
+                <a16:creationId xmlns:a16="http://schemas.microsoft.com/office/drawing/2014/main" id="{AB62EA78-4353-4D76-86BC-CD5E8CD45F4D}"/>
+              </a:ext>
+            </a:extLst>
+          </p:cNvPr>
+          <p:cNvPicPr>
+            <a:picLocks noChangeAspect="1"/>
+          </p:cNvPicPr>
+          <p:nvPr/>
+        </p:nvPicPr>
+        <p:blipFill>
+          <a:blip r:embed="rId4"/>
+          <a:stretch>
+            <a:fillRect/>
+          </a:stretch>
+        </p:blipFill>
+        <p:spPr>
+          <a:xfrm>
+            <a:off x="6096000" y="742948"/>
+            <a:ext cx="3492500" cy="2619375"/>
+          </a:xfrm>
+          <a:prstGeom prst="rect">
+            <a:avLst/>
+          </a:prstGeom>
+        </p:spPr>
+      </p:pic>
+      <p:pic>
+        <p:nvPicPr>
+          <p:cNvPr id="10" name="Picture 9">
+            <a:extLst>
+              <a:ext uri="{FF2B5EF4-FFF2-40B4-BE49-F238E27FC236}">
+                <a16:creationId xmlns:a16="http://schemas.microsoft.com/office/drawing/2014/main" id="{71867AD2-15BF-4913-99FB-63A7F9577203}"/>
+              </a:ext>
+            </a:extLst>
+          </p:cNvPr>
+          <p:cNvPicPr>
+            <a:picLocks noChangeAspect="1"/>
+          </p:cNvPicPr>
+          <p:nvPr/>
+        </p:nvPicPr>
+        <p:blipFill>
+          <a:blip r:embed="rId5"/>
+          <a:stretch>
+            <a:fillRect/>
+          </a:stretch>
+        </p:blipFill>
+        <p:spPr>
+          <a:xfrm>
+            <a:off x="6095999" y="3362330"/>
+            <a:ext cx="3581395" cy="2686046"/>
+          </a:xfrm>
+          <a:prstGeom prst="rect">
+            <a:avLst/>
+          </a:prstGeom>
+        </p:spPr>
+      </p:pic>
+      <mc:AlternateContent xmlns:mc="http://schemas.openxmlformats.org/markup-compatibility/2006">
+        <mc:Choice xmlns:a14="http://schemas.microsoft.com/office/drawing/2010/main" Requires="a14">
+          <p:sp>
+            <p:nvSpPr>
+              <p:cNvPr id="11" name="TextBox 10">
+                <a:extLst>
+                  <a:ext uri="{FF2B5EF4-FFF2-40B4-BE49-F238E27FC236}">
+                    <a16:creationId xmlns:a16="http://schemas.microsoft.com/office/drawing/2014/main" id="{32C54E2A-E541-4E9D-8CA6-0924546D8C83}"/>
+                  </a:ext>
+                </a:extLst>
+              </p:cNvPr>
+              <p:cNvSpPr txBox="1"/>
+              <p:nvPr/>
+            </p:nvSpPr>
+            <p:spPr>
+              <a:xfrm>
+                <a:off x="3520957" y="5981699"/>
+                <a:ext cx="1796800" cy="358303"/>
+              </a:xfrm>
+              <a:prstGeom prst="rect">
+                <a:avLst/>
+              </a:prstGeom>
+              <a:noFill/>
+            </p:spPr>
+            <p:txBody>
+              <a:bodyPr wrap="square" rtlCol="0">
+                <a:spAutoFit/>
+              </a:bodyPr>
+              <a:lstStyle/>
+              <a:p>
+                <a:pPr/>
+                <a14:m>
+                  <m:oMathPara xmlns:m="http://schemas.openxmlformats.org/officeDocument/2006/math">
+                    <m:oMathParaPr>
+                      <m:jc m:val="centerGroup"/>
+                    </m:oMathParaPr>
+                    <m:oMath xmlns:m="http://schemas.openxmlformats.org/officeDocument/2006/math">
+                      <m:sSub>
+                        <m:sSubPr>
+                          <m:ctrlPr>
+                            <a:rPr lang="en-US" sz="1600" b="0" i="1" smtClean="0">
+                              <a:latin typeface="Cambria Math" panose="02040503050406030204" pitchFamily="18" charset="0"/>
+                            </a:rPr>
+                          </m:ctrlPr>
+                        </m:sSubPr>
+                        <m:e>
+                          <m:r>
+                            <a:rPr lang="en-US" sz="1600" b="0" i="1" smtClean="0">
+                              <a:latin typeface="Cambria Math" panose="02040503050406030204" pitchFamily="18" charset="0"/>
+                            </a:rPr>
+                            <m:t>𝑄</m:t>
+                          </m:r>
+                        </m:e>
+                        <m:sub>
+                          <m:r>
+                            <a:rPr lang="en-US" sz="1600" b="0" i="1" smtClean="0">
+                              <a:latin typeface="Cambria Math" panose="02040503050406030204" pitchFamily="18" charset="0"/>
+                            </a:rPr>
+                            <m:t>𝐴</m:t>
+                          </m:r>
+                        </m:sub>
+                      </m:sSub>
+                      <m:r>
+                        <a:rPr lang="en-US" sz="1600" b="0" i="1" smtClean="0">
+                          <a:latin typeface="Cambria Math" panose="02040503050406030204" pitchFamily="18" charset="0"/>
+                        </a:rPr>
+                        <m:t> (</m:t>
+                      </m:r>
+                      <m:sSub>
+                        <m:sSubPr>
+                          <m:ctrlPr>
+                            <a:rPr lang="en-US" sz="1600" b="0" i="1" smtClean="0">
+                              <a:latin typeface="Cambria Math" panose="02040503050406030204" pitchFamily="18" charset="0"/>
+                            </a:rPr>
+                          </m:ctrlPr>
+                        </m:sSubPr>
+                        <m:e>
+                          <m:r>
+                            <a:rPr lang="en-US" sz="1600" b="0" i="1" smtClean="0">
+                              <a:latin typeface="Cambria Math" panose="02040503050406030204" pitchFamily="18" charset="0"/>
+                            </a:rPr>
+                            <m:t>𝜃</m:t>
+                          </m:r>
+                        </m:e>
+                        <m:sub>
+                          <m:r>
+                            <a:rPr lang="en-US" sz="1600" b="0" i="1" smtClean="0">
+                              <a:latin typeface="Cambria Math" panose="02040503050406030204" pitchFamily="18" charset="0"/>
+                            </a:rPr>
+                            <m:t>𝑓</m:t>
+                          </m:r>
+                        </m:sub>
+                      </m:sSub>
+                      <m:r>
+                        <a:rPr lang="en-US" sz="1600" b="0" i="1" smtClean="0">
+                          <a:latin typeface="Cambria Math" panose="02040503050406030204" pitchFamily="18" charset="0"/>
+                        </a:rPr>
+                        <m:t>=</m:t>
+                      </m:r>
+                      <m:sSup>
+                        <m:sSupPr>
+                          <m:ctrlPr>
+                            <a:rPr lang="en-US" sz="1600" b="0" i="1" smtClean="0">
+                              <a:latin typeface="Cambria Math" panose="02040503050406030204" pitchFamily="18" charset="0"/>
+                            </a:rPr>
+                          </m:ctrlPr>
+                        </m:sSupPr>
+                        <m:e>
+                          <m:r>
+                            <a:rPr lang="en-US" sz="1600" b="0" i="1" smtClean="0">
+                              <a:latin typeface="Cambria Math" panose="02040503050406030204" pitchFamily="18" charset="0"/>
+                            </a:rPr>
+                            <m:t>120</m:t>
+                          </m:r>
+                        </m:e>
+                        <m:sup>
+                          <m:r>
+                            <a:rPr lang="en-US" sz="1600" b="0" i="1" smtClean="0">
+                              <a:latin typeface="Cambria Math" panose="02040503050406030204" pitchFamily="18" charset="0"/>
+                            </a:rPr>
+                            <m:t>𝑜</m:t>
+                          </m:r>
+                        </m:sup>
+                      </m:sSup>
+                      <m:r>
+                        <a:rPr lang="en-US" sz="1600" b="0" i="1" smtClean="0">
+                          <a:latin typeface="Cambria Math" panose="02040503050406030204" pitchFamily="18" charset="0"/>
+                        </a:rPr>
+                        <m:t>)</m:t>
+                      </m:r>
+                    </m:oMath>
+                  </m:oMathPara>
+                </a14:m>
+                <a:endParaRPr lang="en-US" sz="1600" dirty="0"/>
+              </a:p>
+            </p:txBody>
+          </p:sp>
+        </mc:Choice>
+        <mc:Fallback>
+          <p:sp>
+            <p:nvSpPr>
+              <p:cNvPr id="11" name="TextBox 10">
+                <a:extLst>
+                  <a:ext uri="{FF2B5EF4-FFF2-40B4-BE49-F238E27FC236}">
+                    <a16:creationId xmlns:a16="http://schemas.microsoft.com/office/drawing/2014/main" id="{32C54E2A-E541-4E9D-8CA6-0924546D8C83}"/>
+                  </a:ext>
+                </a:extLst>
+              </p:cNvPr>
+              <p:cNvSpPr txBox="1">
+                <a:spLocks noRot="1" noChangeAspect="1" noMove="1" noResize="1" noEditPoints="1" noAdjustHandles="1" noChangeArrowheads="1" noChangeShapeType="1" noTextEdit="1"/>
+              </p:cNvSpPr>
+              <p:nvPr/>
+            </p:nvSpPr>
+            <p:spPr>
+              <a:xfrm>
+                <a:off x="3520957" y="5981699"/>
+                <a:ext cx="1796800" cy="358303"/>
+              </a:xfrm>
+              <a:prstGeom prst="rect">
+                <a:avLst/>
+              </a:prstGeom>
+              <a:blipFill>
+                <a:blip r:embed="rId6"/>
+                <a:stretch>
+                  <a:fillRect b="-6780"/>
+                </a:stretch>
+              </a:blipFill>
+            </p:spPr>
+            <p:txBody>
+              <a:bodyPr/>
+              <a:lstStyle/>
+              <a:p>
+                <a:r>
+                  <a:rPr lang="en-US">
+                    <a:noFill/>
+                  </a:rPr>
+                  <a:t> </a:t>
+                </a:r>
+              </a:p>
+            </p:txBody>
+          </p:sp>
+        </mc:Fallback>
+      </mc:AlternateContent>
+      <mc:AlternateContent xmlns:mc="http://schemas.openxmlformats.org/markup-compatibility/2006">
+        <mc:Choice xmlns:a14="http://schemas.microsoft.com/office/drawing/2010/main" Requires="a14">
+          <p:sp>
+            <p:nvSpPr>
+              <p:cNvPr id="12" name="TextBox 11">
+                <a:extLst>
+                  <a:ext uri="{FF2B5EF4-FFF2-40B4-BE49-F238E27FC236}">
+                    <a16:creationId xmlns:a16="http://schemas.microsoft.com/office/drawing/2014/main" id="{51B074EF-AD5D-4598-A4AA-672E24C83D04}"/>
+                  </a:ext>
+                </a:extLst>
+              </p:cNvPr>
+              <p:cNvSpPr txBox="1"/>
+              <p:nvPr/>
+            </p:nvSpPr>
+            <p:spPr>
+              <a:xfrm>
+                <a:off x="6843247" y="5981699"/>
+                <a:ext cx="2042445" cy="358303"/>
+              </a:xfrm>
+              <a:prstGeom prst="rect">
+                <a:avLst/>
+              </a:prstGeom>
+              <a:noFill/>
+            </p:spPr>
+            <p:txBody>
+              <a:bodyPr wrap="square" rtlCol="0">
+                <a:spAutoFit/>
+              </a:bodyPr>
+              <a:lstStyle/>
+              <a:p>
+                <a:pPr/>
+                <a14:m>
+                  <m:oMathPara xmlns:m="http://schemas.openxmlformats.org/officeDocument/2006/math">
+                    <m:oMathParaPr>
+                      <m:jc m:val="centerGroup"/>
+                    </m:oMathParaPr>
+                    <m:oMath xmlns:m="http://schemas.openxmlformats.org/officeDocument/2006/math">
+                      <m:sSub>
+                        <m:sSubPr>
+                          <m:ctrlPr>
+                            <a:rPr lang="en-US" sz="1600" b="0" i="1" smtClean="0">
+                              <a:latin typeface="Cambria Math" panose="02040503050406030204" pitchFamily="18" charset="0"/>
+                            </a:rPr>
+                          </m:ctrlPr>
+                        </m:sSubPr>
+                        <m:e>
+                          <m:r>
+                            <a:rPr lang="en-US" sz="1600" b="0" i="1" smtClean="0">
+                              <a:latin typeface="Cambria Math" panose="02040503050406030204" pitchFamily="18" charset="0"/>
+                            </a:rPr>
+                            <m:t>𝑄</m:t>
+                          </m:r>
+                        </m:e>
+                        <m:sub>
+                          <m:r>
+                            <a:rPr lang="en-US" sz="1600" b="0" i="1" smtClean="0">
+                              <a:latin typeface="Cambria Math" panose="02040503050406030204" pitchFamily="18" charset="0"/>
+                            </a:rPr>
+                            <m:t>𝐵</m:t>
+                          </m:r>
+                        </m:sub>
+                      </m:sSub>
+                      <m:r>
+                        <a:rPr lang="en-US" sz="1600" b="0" i="1" smtClean="0">
+                          <a:latin typeface="Cambria Math" panose="02040503050406030204" pitchFamily="18" charset="0"/>
+                        </a:rPr>
+                        <m:t>=(</m:t>
+                      </m:r>
+                      <m:sSub>
+                        <m:sSubPr>
+                          <m:ctrlPr>
+                            <a:rPr lang="en-US" sz="1600" b="0" i="1" smtClean="0">
+                              <a:latin typeface="Cambria Math" panose="02040503050406030204" pitchFamily="18" charset="0"/>
+                            </a:rPr>
+                          </m:ctrlPr>
+                        </m:sSubPr>
+                        <m:e>
+                          <m:r>
+                            <a:rPr lang="en-US" sz="1600" b="0" i="1" smtClean="0">
+                              <a:latin typeface="Cambria Math" panose="02040503050406030204" pitchFamily="18" charset="0"/>
+                            </a:rPr>
+                            <m:t>𝜃</m:t>
+                          </m:r>
+                        </m:e>
+                        <m:sub>
+                          <m:r>
+                            <a:rPr lang="en-US" sz="1600" b="0" i="1" smtClean="0">
+                              <a:latin typeface="Cambria Math" panose="02040503050406030204" pitchFamily="18" charset="0"/>
+                            </a:rPr>
+                            <m:t>𝑓</m:t>
+                          </m:r>
+                        </m:sub>
+                      </m:sSub>
+                      <m:r>
+                        <a:rPr lang="en-US" sz="1600" b="0" i="1" smtClean="0">
+                          <a:latin typeface="Cambria Math" panose="02040503050406030204" pitchFamily="18" charset="0"/>
+                        </a:rPr>
+                        <m:t>=</m:t>
+                      </m:r>
+                      <m:sSup>
+                        <m:sSupPr>
+                          <m:ctrlPr>
+                            <a:rPr lang="en-US" sz="1600" b="0" i="1" smtClean="0">
+                              <a:latin typeface="Cambria Math" panose="02040503050406030204" pitchFamily="18" charset="0"/>
+                            </a:rPr>
+                          </m:ctrlPr>
+                        </m:sSupPr>
+                        <m:e>
+                          <m:r>
+                            <a:rPr lang="en-US" sz="1600" b="0" i="1" smtClean="0">
+                              <a:latin typeface="Cambria Math" panose="02040503050406030204" pitchFamily="18" charset="0"/>
+                            </a:rPr>
+                            <m:t>180</m:t>
+                          </m:r>
+                        </m:e>
+                        <m:sup>
+                          <m:r>
+                            <a:rPr lang="en-US" sz="1600" b="0" i="1" smtClean="0">
+                              <a:latin typeface="Cambria Math" panose="02040503050406030204" pitchFamily="18" charset="0"/>
+                            </a:rPr>
+                            <m:t>𝑜</m:t>
+                          </m:r>
+                        </m:sup>
+                      </m:sSup>
+                      <m:r>
+                        <a:rPr lang="en-US" sz="1600" b="0" i="1" smtClean="0">
+                          <a:latin typeface="Cambria Math" panose="02040503050406030204" pitchFamily="18" charset="0"/>
+                        </a:rPr>
+                        <m:t>)</m:t>
+                      </m:r>
+                    </m:oMath>
+                  </m:oMathPara>
+                </a14:m>
+                <a:endParaRPr lang="en-US" sz="1600" dirty="0"/>
+              </a:p>
+            </p:txBody>
+          </p:sp>
+        </mc:Choice>
+        <mc:Fallback>
+          <p:sp>
+            <p:nvSpPr>
+              <p:cNvPr id="12" name="TextBox 11">
+                <a:extLst>
+                  <a:ext uri="{FF2B5EF4-FFF2-40B4-BE49-F238E27FC236}">
+                    <a16:creationId xmlns:a16="http://schemas.microsoft.com/office/drawing/2014/main" id="{51B074EF-AD5D-4598-A4AA-672E24C83D04}"/>
+                  </a:ext>
+                </a:extLst>
+              </p:cNvPr>
+              <p:cNvSpPr txBox="1">
+                <a:spLocks noRot="1" noChangeAspect="1" noMove="1" noResize="1" noEditPoints="1" noAdjustHandles="1" noChangeArrowheads="1" noChangeShapeType="1" noTextEdit="1"/>
+              </p:cNvSpPr>
+              <p:nvPr/>
+            </p:nvSpPr>
+            <p:spPr>
+              <a:xfrm>
+                <a:off x="6843247" y="5981699"/>
+                <a:ext cx="2042445" cy="358303"/>
+              </a:xfrm>
+              <a:prstGeom prst="rect">
+                <a:avLst/>
+              </a:prstGeom>
+              <a:blipFill>
+                <a:blip r:embed="rId7"/>
+                <a:stretch>
+                  <a:fillRect b="-6780"/>
+                </a:stretch>
+              </a:blipFill>
+            </p:spPr>
+            <p:txBody>
+              <a:bodyPr/>
+              <a:lstStyle/>
+              <a:p>
+                <a:r>
+                  <a:rPr lang="en-US">
+                    <a:noFill/>
+                  </a:rPr>
+                  <a:t> </a:t>
+                </a:r>
+              </a:p>
+            </p:txBody>
+          </p:sp>
+        </mc:Fallback>
+      </mc:AlternateContent>
     </p:spTree>
     <p:extLst>
       <p:ext uri="{BB962C8B-B14F-4D97-AF65-F5344CB8AC3E}">
-        <p14:creationId xmlns:p14="http://schemas.microsoft.com/office/powerpoint/2010/main" val="552937153"/>
+        <p14:creationId xmlns:p14="http://schemas.microsoft.com/office/powerpoint/2010/main" val="1894043900"/>
       </p:ext>
     </p:extLst>
   </p:cSld>
@@ -7956,4 +12573,299 @@
     </a:ext>
   </a:extLst>
 </a:theme>
+</file>
+
+<file path=ppt/theme/theme2.xml><?xml version="1.0" encoding="utf-8"?>
+<a:theme xmlns:a="http://schemas.openxmlformats.org/drawingml/2006/main" name="Office Theme">
+  <a:themeElements>
+    <a:clrScheme name="Office">
+      <a:dk1>
+        <a:sysClr val="windowText" lastClr="000000"/>
+      </a:dk1>
+      <a:lt1>
+        <a:sysClr val="window" lastClr="FFFFFF"/>
+      </a:lt1>
+      <a:dk2>
+        <a:srgbClr val="44546A"/>
+      </a:dk2>
+      <a:lt2>
+        <a:srgbClr val="E7E6E6"/>
+      </a:lt2>
+      <a:accent1>
+        <a:srgbClr val="4472C4"/>
+      </a:accent1>
+      <a:accent2>
+        <a:srgbClr val="ED7D31"/>
+      </a:accent2>
+      <a:accent3>
+        <a:srgbClr val="A5A5A5"/>
+      </a:accent3>
+      <a:accent4>
+        <a:srgbClr val="FFC000"/>
+      </a:accent4>
+      <a:accent5>
+        <a:srgbClr val="5B9BD5"/>
+      </a:accent5>
+      <a:accent6>
+        <a:srgbClr val="70AD47"/>
+      </a:accent6>
+      <a:hlink>
+        <a:srgbClr val="0563C1"/>
+      </a:hlink>
+      <a:folHlink>
+        <a:srgbClr val="954F72"/>
+      </a:folHlink>
+    </a:clrScheme>
+    <a:fontScheme name="Office">
+      <a:majorFont>
+        <a:latin typeface="Calibri Light" panose="020F0302020204030204"/>
+        <a:ea typeface=""/>
+        <a:cs typeface=""/>
+        <a:font script="Jpan" typeface="游ゴシック Light"/>
+        <a:font script="Hang" typeface="맑은 고딕"/>
+        <a:font script="Hans" typeface="等线 Light"/>
+        <a:font script="Hant" typeface="新細明體"/>
+        <a:font script="Arab" typeface="Times New Roman"/>
+        <a:font script="Hebr" typeface="Times New Roman"/>
+        <a:font script="Thai" typeface="Angsana New"/>
+        <a:font script="Ethi" typeface="Nyala"/>
+        <a:font script="Beng" typeface="Vrinda"/>
+        <a:font script="Gujr" typeface="Shruti"/>
+        <a:font script="Khmr" typeface="MoolBoran"/>
+        <a:font script="Knda" typeface="Tunga"/>
+        <a:font script="Guru" typeface="Raavi"/>
+        <a:font script="Cans" typeface="Euphemia"/>
+        <a:font script="Cher" typeface="Plantagenet Cherokee"/>
+        <a:font script="Yiii" typeface="Microsoft Yi Baiti"/>
+        <a:font script="Tibt" typeface="Microsoft Himalaya"/>
+        <a:font script="Thaa" typeface="MV Boli"/>
+        <a:font script="Deva" typeface="Mangal"/>
+        <a:font script="Telu" typeface="Gautami"/>
+        <a:font script="Taml" typeface="Latha"/>
+        <a:font script="Syrc" typeface="Estrangelo Edessa"/>
+        <a:font script="Orya" typeface="Kalinga"/>
+        <a:font script="Mlym" typeface="Kartika"/>
+        <a:font script="Laoo" typeface="DokChampa"/>
+        <a:font script="Sinh" typeface="Iskoola Pota"/>
+        <a:font script="Mong" typeface="Mongolian Baiti"/>
+        <a:font script="Viet" typeface="Times New Roman"/>
+        <a:font script="Uigh" typeface="Microsoft Uighur"/>
+        <a:font script="Geor" typeface="Sylfaen"/>
+        <a:font script="Armn" typeface="Arial"/>
+        <a:font script="Bugi" typeface="Leelawadee UI"/>
+        <a:font script="Bopo" typeface="Microsoft JhengHei"/>
+        <a:font script="Java" typeface="Javanese Text"/>
+        <a:font script="Lisu" typeface="Segoe UI"/>
+        <a:font script="Mymr" typeface="Myanmar Text"/>
+        <a:font script="Nkoo" typeface="Ebrima"/>
+        <a:font script="Olck" typeface="Nirmala UI"/>
+        <a:font script="Osma" typeface="Ebrima"/>
+        <a:font script="Phag" typeface="Phagspa"/>
+        <a:font script="Syrn" typeface="Estrangelo Edessa"/>
+        <a:font script="Syrj" typeface="Estrangelo Edessa"/>
+        <a:font script="Syre" typeface="Estrangelo Edessa"/>
+        <a:font script="Sora" typeface="Nirmala UI"/>
+        <a:font script="Tale" typeface="Microsoft Tai Le"/>
+        <a:font script="Talu" typeface="Microsoft New Tai Lue"/>
+        <a:font script="Tfng" typeface="Ebrima"/>
+      </a:majorFont>
+      <a:minorFont>
+        <a:latin typeface="Calibri" panose="020F0502020204030204"/>
+        <a:ea typeface=""/>
+        <a:cs typeface=""/>
+        <a:font script="Jpan" typeface="游ゴシック"/>
+        <a:font script="Hang" typeface="맑은 고딕"/>
+        <a:font script="Hans" typeface="等线"/>
+        <a:font script="Hant" typeface="新細明體"/>
+        <a:font script="Arab" typeface="Arial"/>
+        <a:font script="Hebr" typeface="Arial"/>
+        <a:font script="Thai" typeface="Cordia New"/>
+        <a:font script="Ethi" typeface="Nyala"/>
+        <a:font script="Beng" typeface="Vrinda"/>
+        <a:font script="Gujr" typeface="Shruti"/>
+        <a:font script="Khmr" typeface="DaunPenh"/>
+        <a:font script="Knda" typeface="Tunga"/>
+        <a:font script="Guru" typeface="Raavi"/>
+        <a:font script="Cans" typeface="Euphemia"/>
+        <a:font script="Cher" typeface="Plantagenet Cherokee"/>
+        <a:font script="Yiii" typeface="Microsoft Yi Baiti"/>
+        <a:font script="Tibt" typeface="Microsoft Himalaya"/>
+        <a:font script="Thaa" typeface="MV Boli"/>
+        <a:font script="Deva" typeface="Mangal"/>
+        <a:font script="Telu" typeface="Gautami"/>
+        <a:font script="Taml" typeface="Latha"/>
+        <a:font script="Syrc" typeface="Estrangelo Edessa"/>
+        <a:font script="Orya" typeface="Kalinga"/>
+        <a:font script="Mlym" typeface="Kartika"/>
+        <a:font script="Laoo" typeface="DokChampa"/>
+        <a:font script="Sinh" typeface="Iskoola Pota"/>
+        <a:font script="Mong" typeface="Mongolian Baiti"/>
+        <a:font script="Viet" typeface="Arial"/>
+        <a:font script="Uigh" typeface="Microsoft Uighur"/>
+        <a:font script="Geor" typeface="Sylfaen"/>
+        <a:font script="Armn" typeface="Arial"/>
+        <a:font script="Bugi" typeface="Leelawadee UI"/>
+        <a:font script="Bopo" typeface="Microsoft JhengHei"/>
+        <a:font script="Java" typeface="Javanese Text"/>
+        <a:font script="Lisu" typeface="Segoe UI"/>
+        <a:font script="Mymr" typeface="Myanmar Text"/>
+        <a:font script="Nkoo" typeface="Ebrima"/>
+        <a:font script="Olck" typeface="Nirmala UI"/>
+        <a:font script="Osma" typeface="Ebrima"/>
+        <a:font script="Phag" typeface="Phagspa"/>
+        <a:font script="Syrn" typeface="Estrangelo Edessa"/>
+        <a:font script="Syrj" typeface="Estrangelo Edessa"/>
+        <a:font script="Syre" typeface="Estrangelo Edessa"/>
+        <a:font script="Sora" typeface="Nirmala UI"/>
+        <a:font script="Tale" typeface="Microsoft Tai Le"/>
+        <a:font script="Talu" typeface="Microsoft New Tai Lue"/>
+        <a:font script="Tfng" typeface="Ebrima"/>
+      </a:minorFont>
+    </a:fontScheme>
+    <a:fmtScheme name="Office">
+      <a:fillStyleLst>
+        <a:solidFill>
+          <a:schemeClr val="phClr"/>
+        </a:solidFill>
+        <a:gradFill rotWithShape="1">
+          <a:gsLst>
+            <a:gs pos="0">
+              <a:schemeClr val="phClr">
+                <a:lumMod val="110000"/>
+                <a:satMod val="105000"/>
+                <a:tint val="67000"/>
+              </a:schemeClr>
+            </a:gs>
+            <a:gs pos="50000">
+              <a:schemeClr val="phClr">
+                <a:lumMod val="105000"/>
+                <a:satMod val="103000"/>
+                <a:tint val="73000"/>
+              </a:schemeClr>
+            </a:gs>
+            <a:gs pos="100000">
+              <a:schemeClr val="phClr">
+                <a:lumMod val="105000"/>
+                <a:satMod val="109000"/>
+                <a:tint val="81000"/>
+              </a:schemeClr>
+            </a:gs>
+          </a:gsLst>
+          <a:lin ang="5400000" scaled="0"/>
+        </a:gradFill>
+        <a:gradFill rotWithShape="1">
+          <a:gsLst>
+            <a:gs pos="0">
+              <a:schemeClr val="phClr">
+                <a:satMod val="103000"/>
+                <a:lumMod val="102000"/>
+                <a:tint val="94000"/>
+              </a:schemeClr>
+            </a:gs>
+            <a:gs pos="50000">
+              <a:schemeClr val="phClr">
+                <a:satMod val="110000"/>
+                <a:lumMod val="100000"/>
+                <a:shade val="100000"/>
+              </a:schemeClr>
+            </a:gs>
+            <a:gs pos="100000">
+              <a:schemeClr val="phClr">
+                <a:lumMod val="99000"/>
+                <a:satMod val="120000"/>
+                <a:shade val="78000"/>
+              </a:schemeClr>
+            </a:gs>
+          </a:gsLst>
+          <a:lin ang="5400000" scaled="0"/>
+        </a:gradFill>
+      </a:fillStyleLst>
+      <a:lnStyleLst>
+        <a:ln w="6350" cap="flat" cmpd="sng" algn="ctr">
+          <a:solidFill>
+            <a:schemeClr val="phClr"/>
+          </a:solidFill>
+          <a:prstDash val="solid"/>
+          <a:miter lim="800000"/>
+        </a:ln>
+        <a:ln w="12700" cap="flat" cmpd="sng" algn="ctr">
+          <a:solidFill>
+            <a:schemeClr val="phClr"/>
+          </a:solidFill>
+          <a:prstDash val="solid"/>
+          <a:miter lim="800000"/>
+        </a:ln>
+        <a:ln w="19050" cap="flat" cmpd="sng" algn="ctr">
+          <a:solidFill>
+            <a:schemeClr val="phClr"/>
+          </a:solidFill>
+          <a:prstDash val="solid"/>
+          <a:miter lim="800000"/>
+        </a:ln>
+      </a:lnStyleLst>
+      <a:effectStyleLst>
+        <a:effectStyle>
+          <a:effectLst/>
+        </a:effectStyle>
+        <a:effectStyle>
+          <a:effectLst/>
+        </a:effectStyle>
+        <a:effectStyle>
+          <a:effectLst>
+            <a:outerShdw blurRad="57150" dist="19050" dir="5400000" algn="ctr" rotWithShape="0">
+              <a:srgbClr val="000000">
+                <a:alpha val="63000"/>
+              </a:srgbClr>
+            </a:outerShdw>
+          </a:effectLst>
+        </a:effectStyle>
+      </a:effectStyleLst>
+      <a:bgFillStyleLst>
+        <a:solidFill>
+          <a:schemeClr val="phClr"/>
+        </a:solidFill>
+        <a:solidFill>
+          <a:schemeClr val="phClr">
+            <a:tint val="95000"/>
+            <a:satMod val="170000"/>
+          </a:schemeClr>
+        </a:solidFill>
+        <a:gradFill rotWithShape="1">
+          <a:gsLst>
+            <a:gs pos="0">
+              <a:schemeClr val="phClr">
+                <a:tint val="93000"/>
+                <a:satMod val="150000"/>
+                <a:shade val="98000"/>
+                <a:lumMod val="102000"/>
+              </a:schemeClr>
+            </a:gs>
+            <a:gs pos="50000">
+              <a:schemeClr val="phClr">
+                <a:tint val="98000"/>
+                <a:satMod val="130000"/>
+                <a:shade val="90000"/>
+                <a:lumMod val="103000"/>
+              </a:schemeClr>
+            </a:gs>
+            <a:gs pos="100000">
+              <a:schemeClr val="phClr">
+                <a:shade val="63000"/>
+                <a:satMod val="120000"/>
+              </a:schemeClr>
+            </a:gs>
+          </a:gsLst>
+          <a:lin ang="5400000" scaled="0"/>
+        </a:gradFill>
+      </a:bgFillStyleLst>
+    </a:fmtScheme>
+  </a:themeElements>
+  <a:objectDefaults/>
+  <a:extraClrSchemeLst/>
+  <a:extLst>
+    <a:ext uri="{05A4C25C-085E-4340-85A3-A5531E510DB2}">
+      <thm15:themeFamily xmlns:thm15="http://schemas.microsoft.com/office/thememl/2012/main" name="Office Theme" id="{62F939B6-93AF-4DB8-9C6B-D6C7DFDC589F}" vid="{4A3C46E8-61CC-4603-A589-7422A47A8E4A}"/>
+    </a:ext>
+  </a:extLst>
+</a:theme>
 </file>
--- a/Synhronous motor/Matlab/Time_Domain_Carrier_phase_shift/CPS.pptx
+++ b/Synhronous motor/Matlab/Time_Domain_Carrier_phase_shift/CPS.pptx
@@ -5,20 +5,21 @@
     <p:sldMasterId id="2147483648" r:id="rId1"/>
   </p:sldMasterIdLst>
   <p:notesMasterIdLst>
-    <p:notesMasterId r:id="rId13"/>
+    <p:notesMasterId r:id="rId14"/>
   </p:notesMasterIdLst>
   <p:sldIdLst>
-    <p:sldId id="264" r:id="rId2"/>
-    <p:sldId id="266" r:id="rId3"/>
-    <p:sldId id="265" r:id="rId4"/>
-    <p:sldId id="263" r:id="rId5"/>
-    <p:sldId id="261" r:id="rId6"/>
-    <p:sldId id="256" r:id="rId7"/>
-    <p:sldId id="258" r:id="rId8"/>
-    <p:sldId id="259" r:id="rId9"/>
-    <p:sldId id="262" r:id="rId10"/>
-    <p:sldId id="260" r:id="rId11"/>
-    <p:sldId id="257" r:id="rId12"/>
+    <p:sldId id="267" r:id="rId2"/>
+    <p:sldId id="264" r:id="rId3"/>
+    <p:sldId id="266" r:id="rId4"/>
+    <p:sldId id="265" r:id="rId5"/>
+    <p:sldId id="263" r:id="rId6"/>
+    <p:sldId id="261" r:id="rId7"/>
+    <p:sldId id="256" r:id="rId8"/>
+    <p:sldId id="258" r:id="rId9"/>
+    <p:sldId id="259" r:id="rId10"/>
+    <p:sldId id="262" r:id="rId11"/>
+    <p:sldId id="260" r:id="rId12"/>
+    <p:sldId id="257" r:id="rId13"/>
   </p:sldIdLst>
   <p:sldSz cx="12192000" cy="6858000"/>
   <p:notesSz cx="6858000" cy="9144000"/>
@@ -219,7 +220,7 @@
           <a:p>
             <a:fld id="{28B67866-21BA-4CA6-832C-195CC621F675}" type="datetimeFigureOut">
               <a:rPr lang="en-US" smtClean="0"/>
-              <a:t>8/6/2022</a:t>
+              <a:t>8/10/2022</a:t>
             </a:fld>
             <a:endParaRPr lang="en-US"/>
           </a:p>
@@ -551,7 +552,7 @@
           <a:p>
             <a:fld id="{7E4816A0-0E75-4C90-BA90-018A0609AAE1}" type="slidenum">
               <a:rPr lang="en-US" smtClean="0"/>
-              <a:t>3</a:t>
+              <a:t>4</a:t>
             </a:fld>
             <a:endParaRPr lang="en-US"/>
           </a:p>
@@ -642,7 +643,7 @@
           <a:p>
             <a:fld id="{7E4816A0-0E75-4C90-BA90-018A0609AAE1}" type="slidenum">
               <a:rPr lang="en-US" smtClean="0"/>
-              <a:t>6</a:t>
+              <a:t>7</a:t>
             </a:fld>
             <a:endParaRPr lang="en-US"/>
           </a:p>
@@ -808,7 +809,7 @@
           <a:p>
             <a:fld id="{8DDB1700-4475-4CBC-B86D-A53CA45E6D33}" type="datetimeFigureOut">
               <a:rPr lang="en-US" smtClean="0"/>
-              <a:t>8/4/2022</a:t>
+              <a:t>8/10/2022</a:t>
             </a:fld>
             <a:endParaRPr lang="en-US"/>
           </a:p>
@@ -1006,7 +1007,7 @@
           <a:p>
             <a:fld id="{8DDB1700-4475-4CBC-B86D-A53CA45E6D33}" type="datetimeFigureOut">
               <a:rPr lang="en-US" smtClean="0"/>
-              <a:t>8/4/2022</a:t>
+              <a:t>8/10/2022</a:t>
             </a:fld>
             <a:endParaRPr lang="en-US"/>
           </a:p>
@@ -1214,7 +1215,7 @@
           <a:p>
             <a:fld id="{8DDB1700-4475-4CBC-B86D-A53CA45E6D33}" type="datetimeFigureOut">
               <a:rPr lang="en-US" smtClean="0"/>
-              <a:t>8/4/2022</a:t>
+              <a:t>8/10/2022</a:t>
             </a:fld>
             <a:endParaRPr lang="en-US"/>
           </a:p>
@@ -1412,7 +1413,7 @@
           <a:p>
             <a:fld id="{8DDB1700-4475-4CBC-B86D-A53CA45E6D33}" type="datetimeFigureOut">
               <a:rPr lang="en-US" smtClean="0"/>
-              <a:t>8/4/2022</a:t>
+              <a:t>8/10/2022</a:t>
             </a:fld>
             <a:endParaRPr lang="en-US"/>
           </a:p>
@@ -1687,7 +1688,7 @@
           <a:p>
             <a:fld id="{8DDB1700-4475-4CBC-B86D-A53CA45E6D33}" type="datetimeFigureOut">
               <a:rPr lang="en-US" smtClean="0"/>
-              <a:t>8/4/2022</a:t>
+              <a:t>8/10/2022</a:t>
             </a:fld>
             <a:endParaRPr lang="en-US"/>
           </a:p>
@@ -1952,7 +1953,7 @@
           <a:p>
             <a:fld id="{8DDB1700-4475-4CBC-B86D-A53CA45E6D33}" type="datetimeFigureOut">
               <a:rPr lang="en-US" smtClean="0"/>
-              <a:t>8/4/2022</a:t>
+              <a:t>8/10/2022</a:t>
             </a:fld>
             <a:endParaRPr lang="en-US"/>
           </a:p>
@@ -2364,7 +2365,7 @@
           <a:p>
             <a:fld id="{8DDB1700-4475-4CBC-B86D-A53CA45E6D33}" type="datetimeFigureOut">
               <a:rPr lang="en-US" smtClean="0"/>
-              <a:t>8/4/2022</a:t>
+              <a:t>8/10/2022</a:t>
             </a:fld>
             <a:endParaRPr lang="en-US"/>
           </a:p>
@@ -2505,7 +2506,7 @@
           <a:p>
             <a:fld id="{8DDB1700-4475-4CBC-B86D-A53CA45E6D33}" type="datetimeFigureOut">
               <a:rPr lang="en-US" smtClean="0"/>
-              <a:t>8/4/2022</a:t>
+              <a:t>8/10/2022</a:t>
             </a:fld>
             <a:endParaRPr lang="en-US"/>
           </a:p>
@@ -2618,7 +2619,7 @@
           <a:p>
             <a:fld id="{8DDB1700-4475-4CBC-B86D-A53CA45E6D33}" type="datetimeFigureOut">
               <a:rPr lang="en-US" smtClean="0"/>
-              <a:t>8/4/2022</a:t>
+              <a:t>8/10/2022</a:t>
             </a:fld>
             <a:endParaRPr lang="en-US"/>
           </a:p>
@@ -2929,7 +2930,7 @@
           <a:p>
             <a:fld id="{8DDB1700-4475-4CBC-B86D-A53CA45E6D33}" type="datetimeFigureOut">
               <a:rPr lang="en-US" smtClean="0"/>
-              <a:t>8/4/2022</a:t>
+              <a:t>8/10/2022</a:t>
             </a:fld>
             <a:endParaRPr lang="en-US"/>
           </a:p>
@@ -3217,7 +3218,7 @@
           <a:p>
             <a:fld id="{8DDB1700-4475-4CBC-B86D-A53CA45E6D33}" type="datetimeFigureOut">
               <a:rPr lang="en-US" smtClean="0"/>
-              <a:t>8/4/2022</a:t>
+              <a:t>8/10/2022</a:t>
             </a:fld>
             <a:endParaRPr lang="en-US"/>
           </a:p>
@@ -3458,7 +3459,7 @@
           <a:p>
             <a:fld id="{8DDB1700-4475-4CBC-B86D-A53CA45E6D33}" type="datetimeFigureOut">
               <a:rPr lang="en-US" smtClean="0"/>
-              <a:t>8/4/2022</a:t>
+              <a:t>8/10/2022</a:t>
             </a:fld>
             <a:endParaRPr lang="en-US"/>
           </a:p>
@@ -3875,42 +3876,361 @@
           <a:chExt cx="0" cy="0"/>
         </a:xfrm>
       </p:grpSpPr>
-      <p:pic>
-        <p:nvPicPr>
-          <p:cNvPr id="6" name="Picture 5">
+      <p:grpSp>
+        <p:nvGrpSpPr>
+          <p:cNvPr id="46" name="Group 45">
             <a:extLst>
               <a:ext uri="{FF2B5EF4-FFF2-40B4-BE49-F238E27FC236}">
-                <a16:creationId xmlns:a16="http://schemas.microsoft.com/office/drawing/2014/main" id="{BF68411F-B2F7-4BFC-B2D1-D8A9684DED33}"/>
+                <a16:creationId xmlns:a16="http://schemas.microsoft.com/office/drawing/2014/main" id="{01029E6E-C7E3-487B-8AD6-0E31205192FB}"/>
               </a:ext>
             </a:extLst>
           </p:cNvPr>
-          <p:cNvPicPr>
-            <a:picLocks noChangeAspect="1"/>
-          </p:cNvPicPr>
+          <p:cNvGrpSpPr/>
           <p:nvPr/>
-        </p:nvPicPr>
-        <p:blipFill>
-          <a:blip r:embed="rId2"/>
-          <a:stretch>
-            <a:fillRect/>
-          </a:stretch>
-        </p:blipFill>
-        <p:spPr>
+        </p:nvGrpSpPr>
+        <p:grpSpPr>
           <a:xfrm>
-            <a:off x="6413500" y="82550"/>
-            <a:ext cx="3810000" cy="2857500"/>
+            <a:off x="1429478" y="1564879"/>
+            <a:ext cx="2748641" cy="2032430"/>
+            <a:chOff x="1150962" y="1507183"/>
+            <a:chExt cx="2748641" cy="2032430"/>
           </a:xfrm>
-          <a:prstGeom prst="rect">
-            <a:avLst/>
-          </a:prstGeom>
-        </p:spPr>
-      </p:pic>
+        </p:grpSpPr>
+        <p:cxnSp>
+          <p:nvCxnSpPr>
+            <p:cNvPr id="8" name="Straight Arrow Connector 7">
+              <a:extLst>
+                <a:ext uri="{FF2B5EF4-FFF2-40B4-BE49-F238E27FC236}">
+                  <a16:creationId xmlns:a16="http://schemas.microsoft.com/office/drawing/2014/main" id="{5E7FDC9F-ED62-4622-8211-716BE7C32D6C}"/>
+                </a:ext>
+              </a:extLst>
+            </p:cNvPr>
+            <p:cNvCxnSpPr>
+              <a:cxnSpLocks/>
+            </p:cNvCxnSpPr>
+            <p:nvPr/>
+          </p:nvCxnSpPr>
+          <p:spPr>
+            <a:xfrm>
+              <a:off x="1156196" y="3539612"/>
+              <a:ext cx="1200647" cy="0"/>
+            </a:xfrm>
+            <a:prstGeom prst="straightConnector1">
+              <a:avLst/>
+            </a:prstGeom>
+            <a:ln w="25400">
+              <a:solidFill>
+                <a:srgbClr val="FF0000"/>
+              </a:solidFill>
+              <a:tailEnd type="triangle"/>
+            </a:ln>
+          </p:spPr>
+          <p:style>
+            <a:lnRef idx="1">
+              <a:schemeClr val="accent1"/>
+            </a:lnRef>
+            <a:fillRef idx="0">
+              <a:schemeClr val="accent1"/>
+            </a:fillRef>
+            <a:effectRef idx="0">
+              <a:schemeClr val="accent1"/>
+            </a:effectRef>
+            <a:fontRef idx="minor">
+              <a:schemeClr val="tx1"/>
+            </a:fontRef>
+          </p:style>
+        </p:cxnSp>
+        <p:cxnSp>
+          <p:nvCxnSpPr>
+            <p:cNvPr id="9" name="Straight Arrow Connector 8">
+              <a:extLst>
+                <a:ext uri="{FF2B5EF4-FFF2-40B4-BE49-F238E27FC236}">
+                  <a16:creationId xmlns:a16="http://schemas.microsoft.com/office/drawing/2014/main" id="{EA7D5B58-A447-4209-84AE-18FF6900FEF0}"/>
+                </a:ext>
+              </a:extLst>
+            </p:cNvPr>
+            <p:cNvCxnSpPr>
+              <a:cxnSpLocks/>
+            </p:cNvCxnSpPr>
+            <p:nvPr/>
+          </p:nvCxnSpPr>
+          <p:spPr>
+            <a:xfrm flipV="1">
+              <a:off x="2356843" y="2513991"/>
+              <a:ext cx="1305355" cy="1025622"/>
+            </a:xfrm>
+            <a:prstGeom prst="straightConnector1">
+              <a:avLst/>
+            </a:prstGeom>
+            <a:ln w="25400">
+              <a:solidFill>
+                <a:srgbClr val="0127E5"/>
+              </a:solidFill>
+              <a:tailEnd type="triangle"/>
+            </a:ln>
+          </p:spPr>
+          <p:style>
+            <a:lnRef idx="1">
+              <a:schemeClr val="accent1"/>
+            </a:lnRef>
+            <a:fillRef idx="0">
+              <a:schemeClr val="accent1"/>
+            </a:fillRef>
+            <a:effectRef idx="0">
+              <a:schemeClr val="accent1"/>
+            </a:effectRef>
+            <a:fontRef idx="minor">
+              <a:schemeClr val="tx1"/>
+            </a:fontRef>
+          </p:style>
+        </p:cxnSp>
+        <p:cxnSp>
+          <p:nvCxnSpPr>
+            <p:cNvPr id="11" name="Straight Arrow Connector 10">
+              <a:extLst>
+                <a:ext uri="{FF2B5EF4-FFF2-40B4-BE49-F238E27FC236}">
+                  <a16:creationId xmlns:a16="http://schemas.microsoft.com/office/drawing/2014/main" id="{F84F3113-1355-468D-9858-1FD859EEBAC8}"/>
+                </a:ext>
+              </a:extLst>
+            </p:cNvPr>
+            <p:cNvCxnSpPr>
+              <a:cxnSpLocks/>
+            </p:cNvCxnSpPr>
+            <p:nvPr/>
+          </p:nvCxnSpPr>
+          <p:spPr>
+            <a:xfrm flipV="1">
+              <a:off x="3667433" y="1507183"/>
+              <a:ext cx="232170" cy="1006809"/>
+            </a:xfrm>
+            <a:prstGeom prst="straightConnector1">
+              <a:avLst/>
+            </a:prstGeom>
+            <a:ln w="25400">
+              <a:solidFill>
+                <a:srgbClr val="FE34F0"/>
+              </a:solidFill>
+              <a:tailEnd type="triangle"/>
+            </a:ln>
+          </p:spPr>
+          <p:style>
+            <a:lnRef idx="1">
+              <a:schemeClr val="accent1"/>
+            </a:lnRef>
+            <a:fillRef idx="0">
+              <a:schemeClr val="accent1"/>
+            </a:fillRef>
+            <a:effectRef idx="0">
+              <a:schemeClr val="accent1"/>
+            </a:effectRef>
+            <a:fontRef idx="minor">
+              <a:schemeClr val="tx1"/>
+            </a:fontRef>
+          </p:style>
+        </p:cxnSp>
+        <p:cxnSp>
+          <p:nvCxnSpPr>
+            <p:cNvPr id="14" name="Straight Arrow Connector 13">
+              <a:extLst>
+                <a:ext uri="{FF2B5EF4-FFF2-40B4-BE49-F238E27FC236}">
+                  <a16:creationId xmlns:a16="http://schemas.microsoft.com/office/drawing/2014/main" id="{AE7D52C5-305A-4A46-9FAA-826598901875}"/>
+                </a:ext>
+              </a:extLst>
+            </p:cNvPr>
+            <p:cNvCxnSpPr>
+              <a:cxnSpLocks/>
+            </p:cNvCxnSpPr>
+            <p:nvPr/>
+          </p:nvCxnSpPr>
+          <p:spPr>
+            <a:xfrm flipV="1">
+              <a:off x="1150962" y="1507183"/>
+              <a:ext cx="2748641" cy="2032429"/>
+            </a:xfrm>
+            <a:prstGeom prst="straightConnector1">
+              <a:avLst/>
+            </a:prstGeom>
+            <a:ln w="25400">
+              <a:solidFill>
+                <a:schemeClr val="tx1"/>
+              </a:solidFill>
+              <a:prstDash val="dash"/>
+              <a:tailEnd type="none"/>
+            </a:ln>
+          </p:spPr>
+          <p:style>
+            <a:lnRef idx="1">
+              <a:schemeClr val="accent1"/>
+            </a:lnRef>
+            <a:fillRef idx="0">
+              <a:schemeClr val="accent1"/>
+            </a:fillRef>
+            <a:effectRef idx="0">
+              <a:schemeClr val="accent1"/>
+            </a:effectRef>
+            <a:fontRef idx="minor">
+              <a:schemeClr val="tx1"/>
+            </a:fontRef>
+          </p:style>
+        </p:cxnSp>
+      </p:grpSp>
+      <mc:AlternateContent xmlns:mc="http://schemas.openxmlformats.org/markup-compatibility/2006">
+        <mc:Choice xmlns:a14="http://schemas.microsoft.com/office/drawing/2010/main" Requires="a14">
+          <p:sp>
+            <p:nvSpPr>
+              <p:cNvPr id="17" name="TextBox 16">
+                <a:extLst>
+                  <a:ext uri="{FF2B5EF4-FFF2-40B4-BE49-F238E27FC236}">
+                    <a16:creationId xmlns:a16="http://schemas.microsoft.com/office/drawing/2014/main" id="{1296AFC2-51B8-41DD-9989-A174C5BC0A5D}"/>
+                  </a:ext>
+                </a:extLst>
+              </p:cNvPr>
+              <p:cNvSpPr txBox="1"/>
+              <p:nvPr/>
+            </p:nvSpPr>
+            <p:spPr>
+              <a:xfrm rot="19268304">
+                <a:off x="1951206" y="2135998"/>
+                <a:ext cx="1634481" cy="352917"/>
+              </a:xfrm>
+              <a:prstGeom prst="rect">
+                <a:avLst/>
+              </a:prstGeom>
+              <a:noFill/>
+            </p:spPr>
+            <p:txBody>
+              <a:bodyPr wrap="square" lIns="0" tIns="0" rIns="0" bIns="0" rtlCol="0">
+                <a:spAutoFit/>
+              </a:bodyPr>
+              <a:lstStyle/>
+              <a:p>
+                <a14:m>
+                  <m:oMathPara xmlns:m="http://schemas.openxmlformats.org/officeDocument/2006/math">
+                    <m:oMathParaPr>
+                      <m:jc m:val="centerGroup"/>
+                    </m:oMathParaPr>
+                    <m:oMath xmlns:m="http://schemas.openxmlformats.org/officeDocument/2006/math">
+                      <m:sSub>
+                        <m:sSubPr>
+                          <m:ctrlPr>
+                            <a:rPr lang="en-US" b="0" i="1" dirty="0" smtClean="0">
+                              <a:latin typeface="Cambria Math" panose="02040503050406030204" pitchFamily="18" charset="0"/>
+                            </a:rPr>
+                          </m:ctrlPr>
+                        </m:sSubPr>
+                        <m:e>
+                          <m:sSub>
+                            <m:sSubPr>
+                              <m:ctrlPr>
+                                <a:rPr lang="en-US" b="0" i="1" dirty="0" smtClean="0">
+                                  <a:latin typeface="Cambria Math" panose="02040503050406030204" pitchFamily="18" charset="0"/>
+                                </a:rPr>
+                              </m:ctrlPr>
+                            </m:sSubPr>
+                            <m:e>
+                              <m:acc>
+                                <m:accPr>
+                                  <m:chr m:val="̂"/>
+                                  <m:ctrlPr>
+                                    <a:rPr lang="en-US" i="1" dirty="0" smtClean="0">
+                                      <a:latin typeface="Cambria Math" panose="02040503050406030204" pitchFamily="18" charset="0"/>
+                                    </a:rPr>
+                                  </m:ctrlPr>
+                                </m:accPr>
+                                <m:e>
+                                  <m:r>
+                                    <a:rPr lang="en-US" b="0" i="1" dirty="0" smtClean="0">
+                                      <a:latin typeface="Cambria Math" panose="02040503050406030204" pitchFamily="18" charset="0"/>
+                                    </a:rPr>
+                                    <m:t>𝑆</m:t>
+                                  </m:r>
+                                </m:e>
+                              </m:acc>
+                            </m:e>
+                            <m:sub>
+                              <m:r>
+                                <a:rPr lang="en-US" b="0" i="1" dirty="0" smtClean="0">
+                                  <a:latin typeface="Cambria Math" panose="02040503050406030204" pitchFamily="18" charset="0"/>
+                                </a:rPr>
+                                <m:t>𝐴𝐵𝐶</m:t>
+                              </m:r>
+                            </m:sub>
+                          </m:sSub>
+                        </m:e>
+                        <m:sub>
+                          <m:r>
+                            <a:rPr lang="en-US" b="0" i="1" dirty="0" smtClean="0">
+                              <a:latin typeface="Cambria Math" panose="02040503050406030204" pitchFamily="18" charset="0"/>
+                            </a:rPr>
+                            <m:t>𝑓𝑠</m:t>
+                          </m:r>
+                          <m:r>
+                            <a:rPr lang="en-US" b="0" i="1" dirty="0" smtClean="0">
+                              <a:latin typeface="Cambria Math" panose="02040503050406030204" pitchFamily="18" charset="0"/>
+                            </a:rPr>
+                            <m:t>  </m:t>
+                          </m:r>
+                        </m:sub>
+                      </m:sSub>
+                    </m:oMath>
+                  </m:oMathPara>
+                </a14:m>
+                <a:endParaRPr lang="en-US" dirty="0"/>
+              </a:p>
+            </p:txBody>
+          </p:sp>
+        </mc:Choice>
+        <mc:Fallback>
+          <p:sp>
+            <p:nvSpPr>
+              <p:cNvPr id="17" name="TextBox 16">
+                <a:extLst>
+                  <a:ext uri="{FF2B5EF4-FFF2-40B4-BE49-F238E27FC236}">
+                    <a16:creationId xmlns:a16="http://schemas.microsoft.com/office/drawing/2014/main" id="{1296AFC2-51B8-41DD-9989-A174C5BC0A5D}"/>
+                  </a:ext>
+                </a:extLst>
+              </p:cNvPr>
+              <p:cNvSpPr txBox="1">
+                <a:spLocks noRot="1" noChangeAspect="1" noMove="1" noResize="1" noEditPoints="1" noAdjustHandles="1" noChangeArrowheads="1" noChangeShapeType="1" noTextEdit="1"/>
+              </p:cNvSpPr>
+              <p:nvPr/>
+            </p:nvSpPr>
+            <p:spPr>
+              <a:xfrm rot="19268304">
+                <a:off x="1951206" y="2135998"/>
+                <a:ext cx="1634481" cy="352917"/>
+              </a:xfrm>
+              <a:prstGeom prst="rect">
+                <a:avLst/>
+              </a:prstGeom>
+              <a:blipFill>
+                <a:blip r:embed="rId2"/>
+                <a:stretch>
+                  <a:fillRect/>
+                </a:stretch>
+              </a:blipFill>
+            </p:spPr>
+            <p:txBody>
+              <a:bodyPr/>
+              <a:lstStyle/>
+              <a:p>
+                <a:r>
+                  <a:rPr lang="en-US">
+                    <a:noFill/>
+                  </a:rPr>
+                  <a:t> </a:t>
+                </a:r>
+              </a:p>
+            </p:txBody>
+          </p:sp>
+        </mc:Fallback>
+      </mc:AlternateContent>
       <p:pic>
         <p:nvPicPr>
-          <p:cNvPr id="7" name="Picture 6">
+          <p:cNvPr id="18" name="Picture 17">
             <a:extLst>
               <a:ext uri="{FF2B5EF4-FFF2-40B4-BE49-F238E27FC236}">
-                <a16:creationId xmlns:a16="http://schemas.microsoft.com/office/drawing/2014/main" id="{1DD983C6-CD75-4596-91B7-A256687E62B5}"/>
+                <a16:creationId xmlns:a16="http://schemas.microsoft.com/office/drawing/2014/main" id="{D7624960-C59E-468A-98A2-273B33FD7DC6}"/>
               </a:ext>
             </a:extLst>
           </p:cNvPr>
@@ -3927,7 +4247,7 @@
         </p:blipFill>
         <p:spPr>
           <a:xfrm>
-            <a:off x="3244850" y="82550"/>
+            <a:off x="7885470" y="1344561"/>
             <a:ext cx="3810000" cy="2857500"/>
           </a:xfrm>
           <a:prstGeom prst="rect">
@@ -3937,10 +4257,10 @@
       </p:pic>
       <p:pic>
         <p:nvPicPr>
-          <p:cNvPr id="4" name="Picture 3">
+          <p:cNvPr id="19" name="Picture 18">
             <a:extLst>
               <a:ext uri="{FF2B5EF4-FFF2-40B4-BE49-F238E27FC236}">
-                <a16:creationId xmlns:a16="http://schemas.microsoft.com/office/drawing/2014/main" id="{3BDE6267-6C96-43EC-9F5A-7DAB7BF36953}"/>
+                <a16:creationId xmlns:a16="http://schemas.microsoft.com/office/drawing/2014/main" id="{B80AFBB4-EF16-4ED3-8947-4270FC70B7D1}"/>
               </a:ext>
             </a:extLst>
           </p:cNvPr>
@@ -3957,37 +4277,7 @@
         </p:blipFill>
         <p:spPr>
           <a:xfrm>
-            <a:off x="6413500" y="2489201"/>
-            <a:ext cx="3810000" cy="2857500"/>
-          </a:xfrm>
-          <a:prstGeom prst="rect">
-            <a:avLst/>
-          </a:prstGeom>
-        </p:spPr>
-      </p:pic>
-      <p:pic>
-        <p:nvPicPr>
-          <p:cNvPr id="5" name="Picture 4">
-            <a:extLst>
-              <a:ext uri="{FF2B5EF4-FFF2-40B4-BE49-F238E27FC236}">
-                <a16:creationId xmlns:a16="http://schemas.microsoft.com/office/drawing/2014/main" id="{EDA23D2C-40D7-4360-A8A4-4E0DD391D206}"/>
-              </a:ext>
-            </a:extLst>
-          </p:cNvPr>
-          <p:cNvPicPr>
-            <a:picLocks noChangeAspect="1"/>
-          </p:cNvPicPr>
-          <p:nvPr/>
-        </p:nvPicPr>
-        <p:blipFill>
-          <a:blip r:embed="rId5"/>
-          <a:stretch>
-            <a:fillRect/>
-          </a:stretch>
-        </p:blipFill>
-        <p:spPr>
-          <a:xfrm>
-            <a:off x="3244850" y="2489201"/>
+            <a:off x="4655573" y="1344561"/>
             <a:ext cx="3810000" cy="2857500"/>
           </a:xfrm>
           <a:prstGeom prst="rect">
@@ -3999,10 +4289,10 @@
         <mc:Choice xmlns:a14="http://schemas.microsoft.com/office/drawing/2010/main" Requires="a14">
           <p:sp>
             <p:nvSpPr>
-              <p:cNvPr id="8" name="TextBox 7">
+              <p:cNvPr id="27" name="TextBox 26">
                 <a:extLst>
                   <a:ext uri="{FF2B5EF4-FFF2-40B4-BE49-F238E27FC236}">
-                    <a16:creationId xmlns:a16="http://schemas.microsoft.com/office/drawing/2014/main" id="{5F5F4DE4-72D4-45E1-9873-BBC206FA90B1}"/>
+                    <a16:creationId xmlns:a16="http://schemas.microsoft.com/office/drawing/2014/main" id="{C97F114A-8C94-43CD-AFCA-03D895174D14}"/>
                   </a:ext>
                 </a:extLst>
               </p:cNvPr>
@@ -4011,8 +4301,8 @@
             </p:nvSpPr>
             <p:spPr>
               <a:xfrm>
-                <a:off x="4686300" y="571500"/>
-                <a:ext cx="1409700" cy="338554"/>
+                <a:off x="1297222" y="3176522"/>
+                <a:ext cx="1634481" cy="276999"/>
               </a:xfrm>
               <a:prstGeom prst="rect">
                 <a:avLst/>
@@ -4020,7 +4310,102 @@
               <a:noFill/>
             </p:spPr>
             <p:txBody>
-              <a:bodyPr wrap="square" rtlCol="0">
+              <a:bodyPr wrap="square" lIns="0" tIns="0" rIns="0" bIns="0" rtlCol="0">
+                <a:spAutoFit/>
+              </a:bodyPr>
+              <a:lstStyle/>
+              <a:p>
+                <a14:m>
+                  <m:oMathPara xmlns:m="http://schemas.openxmlformats.org/officeDocument/2006/math">
+                    <m:oMathParaPr>
+                      <m:jc m:val="centerGroup"/>
+                    </m:oMathParaPr>
+                    <m:oMath xmlns:m="http://schemas.openxmlformats.org/officeDocument/2006/math">
+                      <m:r>
+                        <a:rPr lang="en-US" b="0" i="1" dirty="0" smtClean="0">
+                          <a:latin typeface="Cambria Math" panose="02040503050406030204" pitchFamily="18" charset="0"/>
+                        </a:rPr>
+                        <m:t>𝜙</m:t>
+                      </m:r>
+                    </m:oMath>
+                  </m:oMathPara>
+                </a14:m>
+                <a:endParaRPr lang="en-US" dirty="0"/>
+              </a:p>
+            </p:txBody>
+          </p:sp>
+        </mc:Choice>
+        <mc:Fallback>
+          <p:sp>
+            <p:nvSpPr>
+              <p:cNvPr id="27" name="TextBox 26">
+                <a:extLst>
+                  <a:ext uri="{FF2B5EF4-FFF2-40B4-BE49-F238E27FC236}">
+                    <a16:creationId xmlns:a16="http://schemas.microsoft.com/office/drawing/2014/main" id="{C97F114A-8C94-43CD-AFCA-03D895174D14}"/>
+                  </a:ext>
+                </a:extLst>
+              </p:cNvPr>
+              <p:cNvSpPr txBox="1">
+                <a:spLocks noRot="1" noChangeAspect="1" noMove="1" noResize="1" noEditPoints="1" noAdjustHandles="1" noChangeArrowheads="1" noChangeShapeType="1" noTextEdit="1"/>
+              </p:cNvSpPr>
+              <p:nvPr/>
+            </p:nvSpPr>
+            <p:spPr>
+              <a:xfrm>
+                <a:off x="1297222" y="3176522"/>
+                <a:ext cx="1634481" cy="276999"/>
+              </a:xfrm>
+              <a:prstGeom prst="rect">
+                <a:avLst/>
+              </a:prstGeom>
+              <a:blipFill>
+                <a:blip r:embed="rId5"/>
+                <a:stretch>
+                  <a:fillRect b="-32609"/>
+                </a:stretch>
+              </a:blipFill>
+            </p:spPr>
+            <p:txBody>
+              <a:bodyPr/>
+              <a:lstStyle/>
+              <a:p>
+                <a:r>
+                  <a:rPr lang="en-US">
+                    <a:noFill/>
+                  </a:rPr>
+                  <a:t> </a:t>
+                </a:r>
+              </a:p>
+            </p:txBody>
+          </p:sp>
+        </mc:Fallback>
+      </mc:AlternateContent>
+      <mc:AlternateContent xmlns:mc="http://schemas.openxmlformats.org/markup-compatibility/2006">
+        <mc:Choice xmlns:a14="http://schemas.microsoft.com/office/drawing/2010/main" Requires="a14">
+          <p:sp>
+            <p:nvSpPr>
+              <p:cNvPr id="28" name="TextBox 27">
+                <a:extLst>
+                  <a:ext uri="{FF2B5EF4-FFF2-40B4-BE49-F238E27FC236}">
+                    <a16:creationId xmlns:a16="http://schemas.microsoft.com/office/drawing/2014/main" id="{44D4604F-582D-485F-8325-CA07721CA4C3}"/>
+                  </a:ext>
+                </a:extLst>
+              </p:cNvPr>
+              <p:cNvSpPr txBox="1"/>
+              <p:nvPr/>
+            </p:nvSpPr>
+            <p:spPr>
+              <a:xfrm rot="19308726">
+                <a:off x="2274895" y="2745915"/>
+                <a:ext cx="1634481" cy="352917"/>
+              </a:xfrm>
+              <a:prstGeom prst="rect">
+                <a:avLst/>
+              </a:prstGeom>
+              <a:noFill/>
+            </p:spPr>
+            <p:txBody>
+              <a:bodyPr wrap="square" lIns="0" tIns="0" rIns="0" bIns="0" rtlCol="0">
                 <a:spAutoFit/>
               </a:bodyPr>
               <a:lstStyle/>
@@ -4034,69 +4419,75 @@
                       <m:sSub>
                         <m:sSubPr>
                           <m:ctrlPr>
-                            <a:rPr lang="en-US" sz="1600" b="0" i="1" smtClean="0">
-                              <a:solidFill>
-                                <a:schemeClr val="tx1">
-                                  <a:lumMod val="75000"/>
-                                  <a:lumOff val="25000"/>
-                                </a:schemeClr>
-                              </a:solidFill>
+                            <a:rPr lang="en-US" b="0" i="1" dirty="0" smtClean="0">
                               <a:latin typeface="Cambria Math" panose="02040503050406030204" pitchFamily="18" charset="0"/>
                             </a:rPr>
                           </m:ctrlPr>
                         </m:sSubPr>
                         <m:e>
-                          <m:r>
-                            <a:rPr lang="en-US" sz="1600" b="0" i="1" smtClean="0">
-                              <a:solidFill>
-                                <a:schemeClr val="tx1">
-                                  <a:lumMod val="75000"/>
-                                  <a:lumOff val="25000"/>
-                                </a:schemeClr>
-                              </a:solidFill>
-                              <a:latin typeface="Cambria Math" panose="02040503050406030204" pitchFamily="18" charset="0"/>
-                            </a:rPr>
-                            <m:t>𝑚</m:t>
-                          </m:r>
+                          <m:sSub>
+                            <m:sSubPr>
+                              <m:ctrlPr>
+                                <a:rPr lang="en-US" b="0" i="1" dirty="0" smtClean="0">
+                                  <a:latin typeface="Cambria Math" panose="02040503050406030204" pitchFamily="18" charset="0"/>
+                                </a:rPr>
+                              </m:ctrlPr>
+                            </m:sSubPr>
+                            <m:e>
+                              <m:r>
+                                <a:rPr lang="en-US" b="0" i="1" dirty="0" smtClean="0">
+                                  <a:latin typeface="Cambria Math" panose="02040503050406030204" pitchFamily="18" charset="0"/>
+                                </a:rPr>
+                                <m:t>2</m:t>
+                              </m:r>
+                              <m:acc>
+                                <m:accPr>
+                                  <m:chr m:val="̂"/>
+                                  <m:ctrlPr>
+                                    <a:rPr lang="en-US" i="1" dirty="0" smtClean="0">
+                                      <a:latin typeface="Cambria Math" panose="02040503050406030204" pitchFamily="18" charset="0"/>
+                                    </a:rPr>
+                                  </m:ctrlPr>
+                                </m:accPr>
+                                <m:e>
+                                  <m:r>
+                                    <a:rPr lang="en-US" b="0" i="1" dirty="0" smtClean="0">
+                                      <a:latin typeface="Cambria Math" panose="02040503050406030204" pitchFamily="18" charset="0"/>
+                                    </a:rPr>
+                                    <m:t>𝑆</m:t>
+                                  </m:r>
+                                </m:e>
+                              </m:acc>
+                            </m:e>
+                            <m:sub>
+                              <m:r>
+                                <a:rPr lang="en-US" b="0" i="1" dirty="0" smtClean="0">
+                                  <a:latin typeface="Cambria Math" panose="02040503050406030204" pitchFamily="18" charset="0"/>
+                                </a:rPr>
+                                <m:t>𝐵</m:t>
+                              </m:r>
+                            </m:sub>
+                          </m:sSub>
                         </m:e>
                         <m:sub>
                           <m:r>
-                            <a:rPr lang="en-US" sz="1600" b="0" i="1" smtClean="0">
-                              <a:solidFill>
-                                <a:schemeClr val="tx1">
-                                  <a:lumMod val="75000"/>
-                                  <a:lumOff val="25000"/>
-                                </a:schemeClr>
-                              </a:solidFill>
-                              <a:latin typeface="Cambria Math" panose="02040503050406030204" pitchFamily="18" charset="0"/>
-                            </a:rPr>
-                            <m:t>𝑎</m:t>
+                            <a:rPr lang="en-US" b="0" i="1" dirty="0" smtClean="0">
+                              <a:latin typeface="Cambria Math" panose="02040503050406030204" pitchFamily="18" charset="0"/>
+                            </a:rPr>
+                            <m:t>𝑓𝑠</m:t>
+                          </m:r>
+                          <m:r>
+                            <a:rPr lang="en-US" b="0" i="1" dirty="0" smtClean="0">
+                              <a:latin typeface="Cambria Math" panose="02040503050406030204" pitchFamily="18" charset="0"/>
+                            </a:rPr>
+                            <m:t>  </m:t>
                           </m:r>
                         </m:sub>
                       </m:sSub>
-                      <m:r>
-                        <a:rPr lang="en-US" sz="1600" b="0" i="1" smtClean="0">
-                          <a:solidFill>
-                            <a:schemeClr val="tx1">
-                              <a:lumMod val="75000"/>
-                              <a:lumOff val="25000"/>
-                            </a:schemeClr>
-                          </a:solidFill>
-                          <a:latin typeface="Cambria Math" panose="02040503050406030204" pitchFamily="18" charset="0"/>
-                        </a:rPr>
-                        <m:t>=0 </m:t>
-                      </m:r>
                     </m:oMath>
                   </m:oMathPara>
                 </a14:m>
-                <a:endParaRPr lang="en-US" dirty="0">
-                  <a:solidFill>
-                    <a:schemeClr val="tx1">
-                      <a:lumMod val="75000"/>
-                      <a:lumOff val="25000"/>
-                    </a:schemeClr>
-                  </a:solidFill>
-                </a:endParaRPr>
+                <a:endParaRPr lang="en-US" dirty="0"/>
               </a:p>
             </p:txBody>
           </p:sp>
@@ -4104,10 +4495,10 @@
         <mc:Fallback>
           <p:sp>
             <p:nvSpPr>
-              <p:cNvPr id="8" name="TextBox 7">
+              <p:cNvPr id="28" name="TextBox 27">
                 <a:extLst>
                   <a:ext uri="{FF2B5EF4-FFF2-40B4-BE49-F238E27FC236}">
-                    <a16:creationId xmlns:a16="http://schemas.microsoft.com/office/drawing/2014/main" id="{5F5F4DE4-72D4-45E1-9873-BBC206FA90B1}"/>
+                    <a16:creationId xmlns:a16="http://schemas.microsoft.com/office/drawing/2014/main" id="{44D4604F-582D-485F-8325-CA07721CA4C3}"/>
                   </a:ext>
                 </a:extLst>
               </p:cNvPr>
@@ -4117,9 +4508,9 @@
               <p:nvPr/>
             </p:nvSpPr>
             <p:spPr>
-              <a:xfrm>
-                <a:off x="4686300" y="571500"/>
-                <a:ext cx="1409700" cy="338554"/>
+              <a:xfrm rot="19308726">
+                <a:off x="2274895" y="2745915"/>
+                <a:ext cx="1634481" cy="352917"/>
               </a:xfrm>
               <a:prstGeom prst="rect">
                 <a:avLst/>
@@ -4150,10 +4541,10 @@
         <mc:Choice xmlns:a14="http://schemas.microsoft.com/office/drawing/2010/main" Requires="a14">
           <p:sp>
             <p:nvSpPr>
-              <p:cNvPr id="9" name="TextBox 8">
+              <p:cNvPr id="29" name="TextBox 28">
                 <a:extLst>
                   <a:ext uri="{FF2B5EF4-FFF2-40B4-BE49-F238E27FC236}">
-                    <a16:creationId xmlns:a16="http://schemas.microsoft.com/office/drawing/2014/main" id="{20B5B73E-652B-47B1-B2FC-C1618E005E82}"/>
+                    <a16:creationId xmlns:a16="http://schemas.microsoft.com/office/drawing/2014/main" id="{95222623-F0E3-41DE-AF4E-A5895BEE42AF}"/>
                   </a:ext>
                 </a:extLst>
               </p:cNvPr>
@@ -4161,9 +4552,9 @@
               <p:nvPr/>
             </p:nvSpPr>
             <p:spPr>
-              <a:xfrm>
-                <a:off x="7454900" y="601077"/>
-                <a:ext cx="1409700" cy="338554"/>
+              <a:xfrm rot="16904928">
+                <a:off x="2962487" y="1942700"/>
+                <a:ext cx="1634481" cy="352917"/>
               </a:xfrm>
               <a:prstGeom prst="rect">
                 <a:avLst/>
@@ -4171,7 +4562,7 @@
               <a:noFill/>
             </p:spPr>
             <p:txBody>
-              <a:bodyPr wrap="square" rtlCol="0">
+              <a:bodyPr wrap="square" lIns="0" tIns="0" rIns="0" bIns="0" rtlCol="0">
                 <a:spAutoFit/>
               </a:bodyPr>
               <a:lstStyle/>
@@ -4185,69 +4576,69 @@
                       <m:sSub>
                         <m:sSubPr>
                           <m:ctrlPr>
-                            <a:rPr lang="en-US" sz="1600" b="0" i="1" smtClean="0">
-                              <a:solidFill>
-                                <a:schemeClr val="tx1">
-                                  <a:lumMod val="75000"/>
-                                  <a:lumOff val="25000"/>
-                                </a:schemeClr>
-                              </a:solidFill>
+                            <a:rPr lang="en-US" b="0" i="1" dirty="0" smtClean="0">
                               <a:latin typeface="Cambria Math" panose="02040503050406030204" pitchFamily="18" charset="0"/>
                             </a:rPr>
                           </m:ctrlPr>
                         </m:sSubPr>
                         <m:e>
-                          <m:r>
-                            <a:rPr lang="en-US" sz="1600" b="0" i="1" smtClean="0">
-                              <a:solidFill>
-                                <a:schemeClr val="tx1">
-                                  <a:lumMod val="75000"/>
-                                  <a:lumOff val="25000"/>
-                                </a:schemeClr>
-                              </a:solidFill>
-                              <a:latin typeface="Cambria Math" panose="02040503050406030204" pitchFamily="18" charset="0"/>
-                            </a:rPr>
-                            <m:t>𝑚</m:t>
-                          </m:r>
+                          <m:sSub>
+                            <m:sSubPr>
+                              <m:ctrlPr>
+                                <a:rPr lang="en-US" b="0" i="1" dirty="0" smtClean="0">
+                                  <a:latin typeface="Cambria Math" panose="02040503050406030204" pitchFamily="18" charset="0"/>
+                                </a:rPr>
+                              </m:ctrlPr>
+                            </m:sSubPr>
+                            <m:e>
+                              <m:acc>
+                                <m:accPr>
+                                  <m:chr m:val="̂"/>
+                                  <m:ctrlPr>
+                                    <a:rPr lang="en-US" i="1" dirty="0" smtClean="0">
+                                      <a:latin typeface="Cambria Math" panose="02040503050406030204" pitchFamily="18" charset="0"/>
+                                    </a:rPr>
+                                  </m:ctrlPr>
+                                </m:accPr>
+                                <m:e>
+                                  <m:r>
+                                    <a:rPr lang="en-US" b="0" i="1" dirty="0" smtClean="0">
+                                      <a:latin typeface="Cambria Math" panose="02040503050406030204" pitchFamily="18" charset="0"/>
+                                    </a:rPr>
+                                    <m:t>𝑆</m:t>
+                                  </m:r>
+                                </m:e>
+                              </m:acc>
+                            </m:e>
+                            <m:sub>
+                              <m:r>
+                                <a:rPr lang="en-US" b="0" i="1" dirty="0" smtClean="0">
+                                  <a:latin typeface="Cambria Math" panose="02040503050406030204" pitchFamily="18" charset="0"/>
+                                </a:rPr>
+                                <m:t>𝐶</m:t>
+                              </m:r>
+                            </m:sub>
+                          </m:sSub>
                         </m:e>
                         <m:sub>
                           <m:r>
-                            <a:rPr lang="en-US" sz="1600" b="0" i="1" smtClean="0">
-                              <a:solidFill>
-                                <a:schemeClr val="tx1">
-                                  <a:lumMod val="75000"/>
-                                  <a:lumOff val="25000"/>
-                                </a:schemeClr>
-                              </a:solidFill>
-                              <a:latin typeface="Cambria Math" panose="02040503050406030204" pitchFamily="18" charset="0"/>
-                            </a:rPr>
-                            <m:t>𝑎</m:t>
+                            <a:rPr lang="en-US" b="0" i="1" dirty="0" smtClean="0">
+                              <a:latin typeface="Cambria Math" panose="02040503050406030204" pitchFamily="18" charset="0"/>
+                            </a:rPr>
+                            <m:t>𝑓𝑠</m:t>
+                          </m:r>
+                          <m:r>
+                            <a:rPr lang="en-US" b="0" i="1" dirty="0" smtClean="0">
+                              <a:latin typeface="Cambria Math" panose="02040503050406030204" pitchFamily="18" charset="0"/>
+                            </a:rPr>
+                            <m:t>  </m:t>
                           </m:r>
                         </m:sub>
                       </m:sSub>
-                      <m:r>
-                        <a:rPr lang="en-US" sz="1600" b="0" i="1" smtClean="0">
-                          <a:solidFill>
-                            <a:schemeClr val="tx1">
-                              <a:lumMod val="75000"/>
-                              <a:lumOff val="25000"/>
-                            </a:schemeClr>
-                          </a:solidFill>
-                          <a:latin typeface="Cambria Math" panose="02040503050406030204" pitchFamily="18" charset="0"/>
-                        </a:rPr>
-                        <m:t>=0.3 </m:t>
-                      </m:r>
                     </m:oMath>
                   </m:oMathPara>
                 </a14:m>
-                <a:endParaRPr lang="en-US" dirty="0">
-                  <a:solidFill>
-                    <a:schemeClr val="tx1">
-                      <a:lumMod val="75000"/>
-                      <a:lumOff val="25000"/>
-                    </a:schemeClr>
-                  </a:solidFill>
-                </a:endParaRPr>
+                <a:endParaRPr lang="en-US" dirty="0"/>
               </a:p>
             </p:txBody>
           </p:sp>
@@ -4255,10 +4646,10 @@
         <mc:Fallback>
           <p:sp>
             <p:nvSpPr>
-              <p:cNvPr id="9" name="TextBox 8">
+              <p:cNvPr id="29" name="TextBox 28">
                 <a:extLst>
                   <a:ext uri="{FF2B5EF4-FFF2-40B4-BE49-F238E27FC236}">
-                    <a16:creationId xmlns:a16="http://schemas.microsoft.com/office/drawing/2014/main" id="{20B5B73E-652B-47B1-B2FC-C1618E005E82}"/>
+                    <a16:creationId xmlns:a16="http://schemas.microsoft.com/office/drawing/2014/main" id="{95222623-F0E3-41DE-AF4E-A5895BEE42AF}"/>
                   </a:ext>
                 </a:extLst>
               </p:cNvPr>
@@ -4268,9 +4659,9 @@
               <p:nvPr/>
             </p:nvSpPr>
             <p:spPr>
-              <a:xfrm>
-                <a:off x="7454900" y="601077"/>
-                <a:ext cx="1409700" cy="338554"/>
+              <a:xfrm rot="16904928">
+                <a:off x="2962487" y="1942700"/>
+                <a:ext cx="1634481" cy="352917"/>
               </a:xfrm>
               <a:prstGeom prst="rect">
                 <a:avLst/>
@@ -4297,14 +4688,66 @@
           </p:sp>
         </mc:Fallback>
       </mc:AlternateContent>
+      <p:sp>
+        <p:nvSpPr>
+          <p:cNvPr id="32" name="Arc 31">
+            <a:extLst>
+              <a:ext uri="{FF2B5EF4-FFF2-40B4-BE49-F238E27FC236}">
+                <a16:creationId xmlns:a16="http://schemas.microsoft.com/office/drawing/2014/main" id="{FA92E3CA-3E32-4859-9FFF-4A87F77B4ACF}"/>
+              </a:ext>
+            </a:extLst>
+          </p:cNvPr>
+          <p:cNvSpPr/>
+          <p:nvPr/>
+        </p:nvSpPr>
+        <p:spPr>
+          <a:xfrm rot="2814214">
+            <a:off x="1516263" y="3244561"/>
+            <a:ext cx="541320" cy="245805"/>
+          </a:xfrm>
+          <a:prstGeom prst="arc">
+            <a:avLst>
+              <a:gd name="adj1" fmla="val 16200000"/>
+              <a:gd name="adj2" fmla="val 21276720"/>
+            </a:avLst>
+          </a:prstGeom>
+          <a:ln w="12700">
+            <a:solidFill>
+              <a:schemeClr val="tx1"/>
+            </a:solidFill>
+          </a:ln>
+        </p:spPr>
+        <p:style>
+          <a:lnRef idx="1">
+            <a:schemeClr val="accent1"/>
+          </a:lnRef>
+          <a:fillRef idx="0">
+            <a:schemeClr val="accent1"/>
+          </a:fillRef>
+          <a:effectRef idx="0">
+            <a:schemeClr val="accent1"/>
+          </a:effectRef>
+          <a:fontRef idx="minor">
+            <a:schemeClr val="tx1"/>
+          </a:fontRef>
+        </p:style>
+        <p:txBody>
+          <a:bodyPr rtlCol="0" anchor="ctr"/>
+          <a:lstStyle/>
+          <a:p>
+            <a:pPr algn="ctr"/>
+            <a:endParaRPr lang="en-US"/>
+          </a:p>
+        </p:txBody>
+      </p:sp>
       <mc:AlternateContent xmlns:mc="http://schemas.openxmlformats.org/markup-compatibility/2006">
         <mc:Choice xmlns:a14="http://schemas.microsoft.com/office/drawing/2010/main" Requires="a14">
           <p:sp>
             <p:nvSpPr>
-              <p:cNvPr id="10" name="TextBox 9">
+              <p:cNvPr id="33" name="TextBox 32">
                 <a:extLst>
                   <a:ext uri="{FF2B5EF4-FFF2-40B4-BE49-F238E27FC236}">
-                    <a16:creationId xmlns:a16="http://schemas.microsoft.com/office/drawing/2014/main" id="{B753ED0B-DA1F-4019-8104-1328AB81896E}"/>
+                    <a16:creationId xmlns:a16="http://schemas.microsoft.com/office/drawing/2014/main" id="{47AAFE0E-C8DF-4837-8AFF-CD67EA186199}"/>
                   </a:ext>
                 </a:extLst>
               </p:cNvPr>
@@ -4313,8 +4756,8 @@
             </p:nvSpPr>
             <p:spPr>
               <a:xfrm>
-                <a:off x="4603750" y="2940050"/>
-                <a:ext cx="1409700" cy="338554"/>
+                <a:off x="1297222" y="3656988"/>
+                <a:ext cx="1634481" cy="352917"/>
               </a:xfrm>
               <a:prstGeom prst="rect">
                 <a:avLst/>
@@ -4322,7 +4765,7 @@
               <a:noFill/>
             </p:spPr>
             <p:txBody>
-              <a:bodyPr wrap="square" rtlCol="0">
+              <a:bodyPr wrap="square" lIns="0" tIns="0" rIns="0" bIns="0" rtlCol="0">
                 <a:spAutoFit/>
               </a:bodyPr>
               <a:lstStyle/>
@@ -4336,69 +4779,69 @@
                       <m:sSub>
                         <m:sSubPr>
                           <m:ctrlPr>
-                            <a:rPr lang="en-US" sz="1600" b="0" i="1" smtClean="0">
-                              <a:solidFill>
-                                <a:schemeClr val="tx1">
-                                  <a:lumMod val="75000"/>
-                                  <a:lumOff val="25000"/>
-                                </a:schemeClr>
-                              </a:solidFill>
+                            <a:rPr lang="en-US" b="0" i="1" dirty="0" smtClean="0">
                               <a:latin typeface="Cambria Math" panose="02040503050406030204" pitchFamily="18" charset="0"/>
                             </a:rPr>
                           </m:ctrlPr>
                         </m:sSubPr>
                         <m:e>
-                          <m:r>
-                            <a:rPr lang="en-US" sz="1600" b="0" i="1" smtClean="0">
-                              <a:solidFill>
-                                <a:schemeClr val="tx1">
-                                  <a:lumMod val="75000"/>
-                                  <a:lumOff val="25000"/>
-                                </a:schemeClr>
-                              </a:solidFill>
-                              <a:latin typeface="Cambria Math" panose="02040503050406030204" pitchFamily="18" charset="0"/>
-                            </a:rPr>
-                            <m:t>𝑚</m:t>
-                          </m:r>
+                          <m:sSub>
+                            <m:sSubPr>
+                              <m:ctrlPr>
+                                <a:rPr lang="en-US" b="0" i="1" dirty="0" smtClean="0">
+                                  <a:latin typeface="Cambria Math" panose="02040503050406030204" pitchFamily="18" charset="0"/>
+                                </a:rPr>
+                              </m:ctrlPr>
+                            </m:sSubPr>
+                            <m:e>
+                              <m:acc>
+                                <m:accPr>
+                                  <m:chr m:val="̂"/>
+                                  <m:ctrlPr>
+                                    <a:rPr lang="en-US" i="1" dirty="0" smtClean="0">
+                                      <a:latin typeface="Cambria Math" panose="02040503050406030204" pitchFamily="18" charset="0"/>
+                                    </a:rPr>
+                                  </m:ctrlPr>
+                                </m:accPr>
+                                <m:e>
+                                  <m:r>
+                                    <a:rPr lang="en-US" b="0" i="1" dirty="0" smtClean="0">
+                                      <a:latin typeface="Cambria Math" panose="02040503050406030204" pitchFamily="18" charset="0"/>
+                                    </a:rPr>
+                                    <m:t>𝑆</m:t>
+                                  </m:r>
+                                </m:e>
+                              </m:acc>
+                            </m:e>
+                            <m:sub>
+                              <m:r>
+                                <a:rPr lang="en-US" b="0" i="1" dirty="0" smtClean="0">
+                                  <a:latin typeface="Cambria Math" panose="02040503050406030204" pitchFamily="18" charset="0"/>
+                                </a:rPr>
+                                <m:t>𝐴</m:t>
+                              </m:r>
+                            </m:sub>
+                          </m:sSub>
                         </m:e>
                         <m:sub>
                           <m:r>
-                            <a:rPr lang="en-US" sz="1600" b="0" i="1" smtClean="0">
-                              <a:solidFill>
-                                <a:schemeClr val="tx1">
-                                  <a:lumMod val="75000"/>
-                                  <a:lumOff val="25000"/>
-                                </a:schemeClr>
-                              </a:solidFill>
-                              <a:latin typeface="Cambria Math" panose="02040503050406030204" pitchFamily="18" charset="0"/>
-                            </a:rPr>
-                            <m:t>𝑎</m:t>
+                            <a:rPr lang="en-US" b="0" i="1" dirty="0" smtClean="0">
+                              <a:latin typeface="Cambria Math" panose="02040503050406030204" pitchFamily="18" charset="0"/>
+                            </a:rPr>
+                            <m:t>𝑓𝑠</m:t>
+                          </m:r>
+                          <m:r>
+                            <a:rPr lang="en-US" b="0" i="1" dirty="0" smtClean="0">
+                              <a:latin typeface="Cambria Math" panose="02040503050406030204" pitchFamily="18" charset="0"/>
+                            </a:rPr>
+                            <m:t>  </m:t>
                           </m:r>
                         </m:sub>
                       </m:sSub>
-                      <m:r>
-                        <a:rPr lang="en-US" sz="1600" b="0" i="1" smtClean="0">
-                          <a:solidFill>
-                            <a:schemeClr val="tx1">
-                              <a:lumMod val="75000"/>
-                              <a:lumOff val="25000"/>
-                            </a:schemeClr>
-                          </a:solidFill>
-                          <a:latin typeface="Cambria Math" panose="02040503050406030204" pitchFamily="18" charset="0"/>
-                        </a:rPr>
-                        <m:t>=0.6 </m:t>
-                      </m:r>
                     </m:oMath>
                   </m:oMathPara>
                 </a14:m>
-                <a:endParaRPr lang="en-US" dirty="0">
-                  <a:solidFill>
-                    <a:schemeClr val="tx1">
-                      <a:lumMod val="75000"/>
-                      <a:lumOff val="25000"/>
-                    </a:schemeClr>
-                  </a:solidFill>
-                </a:endParaRPr>
+                <a:endParaRPr lang="en-US" dirty="0"/>
               </a:p>
             </p:txBody>
           </p:sp>
@@ -4406,10 +4849,10 @@
         <mc:Fallback>
           <p:sp>
             <p:nvSpPr>
-              <p:cNvPr id="10" name="TextBox 9">
+              <p:cNvPr id="33" name="TextBox 32">
                 <a:extLst>
                   <a:ext uri="{FF2B5EF4-FFF2-40B4-BE49-F238E27FC236}">
-                    <a16:creationId xmlns:a16="http://schemas.microsoft.com/office/drawing/2014/main" id="{B753ED0B-DA1F-4019-8104-1328AB81896E}"/>
+                    <a16:creationId xmlns:a16="http://schemas.microsoft.com/office/drawing/2014/main" id="{47AAFE0E-C8DF-4837-8AFF-CD67EA186199}"/>
                   </a:ext>
                 </a:extLst>
               </p:cNvPr>
@@ -4420,8 +4863,8 @@
             </p:nvSpPr>
             <p:spPr>
               <a:xfrm>
-                <a:off x="4603750" y="2940050"/>
-                <a:ext cx="1409700" cy="338554"/>
+                <a:off x="1297222" y="3656988"/>
+                <a:ext cx="1634481" cy="352917"/>
               </a:xfrm>
               <a:prstGeom prst="rect">
                 <a:avLst/>
@@ -4429,7 +4872,7 @@
               <a:blipFill>
                 <a:blip r:embed="rId8"/>
                 <a:stretch>
-                  <a:fillRect/>
+                  <a:fillRect t="-20690" b="-22414"/>
                 </a:stretch>
               </a:blipFill>
             </p:spPr>
@@ -4448,14 +4891,107 @@
           </p:sp>
         </mc:Fallback>
       </mc:AlternateContent>
+      <p:cxnSp>
+        <p:nvCxnSpPr>
+          <p:cNvPr id="35" name="Straight Connector 34">
+            <a:extLst>
+              <a:ext uri="{FF2B5EF4-FFF2-40B4-BE49-F238E27FC236}">
+                <a16:creationId xmlns:a16="http://schemas.microsoft.com/office/drawing/2014/main" id="{D29DAD33-4FD8-4772-AB68-D038FE6B2C99}"/>
+              </a:ext>
+            </a:extLst>
+          </p:cNvPr>
+          <p:cNvCxnSpPr/>
+          <p:nvPr/>
+        </p:nvCxnSpPr>
+        <p:spPr>
+          <a:xfrm>
+            <a:off x="2635359" y="3587475"/>
+            <a:ext cx="2077505" cy="0"/>
+          </a:xfrm>
+          <a:prstGeom prst="line">
+            <a:avLst/>
+          </a:prstGeom>
+          <a:ln>
+            <a:solidFill>
+              <a:schemeClr val="tx1"/>
+            </a:solidFill>
+          </a:ln>
+        </p:spPr>
+        <p:style>
+          <a:lnRef idx="1">
+            <a:schemeClr val="accent1"/>
+          </a:lnRef>
+          <a:fillRef idx="0">
+            <a:schemeClr val="accent1"/>
+          </a:fillRef>
+          <a:effectRef idx="0">
+            <a:schemeClr val="accent1"/>
+          </a:effectRef>
+          <a:fontRef idx="minor">
+            <a:schemeClr val="tx1"/>
+          </a:fontRef>
+        </p:style>
+      </p:cxnSp>
+      <p:sp>
+        <p:nvSpPr>
+          <p:cNvPr id="36" name="Arc 35">
+            <a:extLst>
+              <a:ext uri="{FF2B5EF4-FFF2-40B4-BE49-F238E27FC236}">
+                <a16:creationId xmlns:a16="http://schemas.microsoft.com/office/drawing/2014/main" id="{5AFC94D4-D1EA-4233-B178-51DA8E21AF64}"/>
+              </a:ext>
+            </a:extLst>
+          </p:cNvPr>
+          <p:cNvSpPr/>
+          <p:nvPr/>
+        </p:nvSpPr>
+        <p:spPr>
+          <a:xfrm rot="2814214">
+            <a:off x="2699601" y="3286748"/>
+            <a:ext cx="541320" cy="245805"/>
+          </a:xfrm>
+          <a:prstGeom prst="arc">
+            <a:avLst>
+              <a:gd name="adj1" fmla="val 16200000"/>
+              <a:gd name="adj2" fmla="val 21276720"/>
+            </a:avLst>
+          </a:prstGeom>
+          <a:ln w="12700">
+            <a:solidFill>
+              <a:schemeClr val="tx1"/>
+            </a:solidFill>
+          </a:ln>
+        </p:spPr>
+        <p:style>
+          <a:lnRef idx="1">
+            <a:schemeClr val="accent1"/>
+          </a:lnRef>
+          <a:fillRef idx="0">
+            <a:schemeClr val="accent1"/>
+          </a:fillRef>
+          <a:effectRef idx="0">
+            <a:schemeClr val="accent1"/>
+          </a:effectRef>
+          <a:fontRef idx="minor">
+            <a:schemeClr val="tx1"/>
+          </a:fontRef>
+        </p:style>
+        <p:txBody>
+          <a:bodyPr rtlCol="0" anchor="ctr"/>
+          <a:lstStyle/>
+          <a:p>
+            <a:pPr algn="ctr"/>
+            <a:endParaRPr lang="en-US"/>
+          </a:p>
+        </p:txBody>
+      </p:sp>
       <mc:AlternateContent xmlns:mc="http://schemas.openxmlformats.org/markup-compatibility/2006">
         <mc:Choice xmlns:a14="http://schemas.microsoft.com/office/drawing/2010/main" Requires="a14">
           <p:sp>
             <p:nvSpPr>
-              <p:cNvPr id="11" name="TextBox 10">
+              <p:cNvPr id="37" name="TextBox 36">
                 <a:extLst>
                   <a:ext uri="{FF2B5EF4-FFF2-40B4-BE49-F238E27FC236}">
-                    <a16:creationId xmlns:a16="http://schemas.microsoft.com/office/drawing/2014/main" id="{8AE6FE09-1830-45FF-AC6B-2CABB4D20B32}"/>
+                    <a16:creationId xmlns:a16="http://schemas.microsoft.com/office/drawing/2014/main" id="{6486CC42-1884-404E-B4F7-388843E7DE79}"/>
                   </a:ext>
                 </a:extLst>
               </p:cNvPr>
@@ -4464,8 +5000,8 @@
             </p:nvSpPr>
             <p:spPr>
               <a:xfrm>
-                <a:off x="7372350" y="2940050"/>
-                <a:ext cx="1409700" cy="338554"/>
+                <a:off x="2484416" y="3239555"/>
+                <a:ext cx="1634481" cy="276999"/>
               </a:xfrm>
               <a:prstGeom prst="rect">
                 <a:avLst/>
@@ -4473,7 +5009,7 @@
               <a:noFill/>
             </p:spPr>
             <p:txBody>
-              <a:bodyPr wrap="square" rtlCol="0">
+              <a:bodyPr wrap="square" lIns="0" tIns="0" rIns="0" bIns="0" rtlCol="0">
                 <a:spAutoFit/>
               </a:bodyPr>
               <a:lstStyle/>
@@ -4484,72 +5020,16 @@
                       <m:jc m:val="centerGroup"/>
                     </m:oMathParaPr>
                     <m:oMath xmlns:m="http://schemas.openxmlformats.org/officeDocument/2006/math">
-                      <m:sSub>
-                        <m:sSubPr>
-                          <m:ctrlPr>
-                            <a:rPr lang="en-US" sz="1600" b="0" i="1" smtClean="0">
-                              <a:solidFill>
-                                <a:schemeClr val="tx1">
-                                  <a:lumMod val="75000"/>
-                                  <a:lumOff val="25000"/>
-                                </a:schemeClr>
-                              </a:solidFill>
-                              <a:latin typeface="Cambria Math" panose="02040503050406030204" pitchFamily="18" charset="0"/>
-                            </a:rPr>
-                          </m:ctrlPr>
-                        </m:sSubPr>
-                        <m:e>
-                          <m:r>
-                            <a:rPr lang="en-US" sz="1600" b="0" i="1" smtClean="0">
-                              <a:solidFill>
-                                <a:schemeClr val="tx1">
-                                  <a:lumMod val="75000"/>
-                                  <a:lumOff val="25000"/>
-                                </a:schemeClr>
-                              </a:solidFill>
-                              <a:latin typeface="Cambria Math" panose="02040503050406030204" pitchFamily="18" charset="0"/>
-                            </a:rPr>
-                            <m:t>𝑚</m:t>
-                          </m:r>
-                        </m:e>
-                        <m:sub>
-                          <m:r>
-                            <a:rPr lang="en-US" sz="1600" b="0" i="1" smtClean="0">
-                              <a:solidFill>
-                                <a:schemeClr val="tx1">
-                                  <a:lumMod val="75000"/>
-                                  <a:lumOff val="25000"/>
-                                </a:schemeClr>
-                              </a:solidFill>
-                              <a:latin typeface="Cambria Math" panose="02040503050406030204" pitchFamily="18" charset="0"/>
-                            </a:rPr>
-                            <m:t>𝑎</m:t>
-                          </m:r>
-                        </m:sub>
-                      </m:sSub>
                       <m:r>
-                        <a:rPr lang="en-US" sz="1600" b="0" i="1" smtClean="0">
-                          <a:solidFill>
-                            <a:schemeClr val="tx1">
-                              <a:lumMod val="75000"/>
-                              <a:lumOff val="25000"/>
-                            </a:schemeClr>
-                          </a:solidFill>
+                        <a:rPr lang="en-US" b="0" i="1" dirty="0" smtClean="0">
                           <a:latin typeface="Cambria Math" panose="02040503050406030204" pitchFamily="18" charset="0"/>
                         </a:rPr>
-                        <m:t>=0.9 </m:t>
+                        <m:t>𝛼</m:t>
                       </m:r>
                     </m:oMath>
                   </m:oMathPara>
                 </a14:m>
-                <a:endParaRPr lang="en-US" dirty="0">
-                  <a:solidFill>
-                    <a:schemeClr val="tx1">
-                      <a:lumMod val="75000"/>
-                      <a:lumOff val="25000"/>
-                    </a:schemeClr>
-                  </a:solidFill>
-                </a:endParaRPr>
+                <a:endParaRPr lang="en-US" dirty="0"/>
               </a:p>
             </p:txBody>
           </p:sp>
@@ -4557,10 +5037,10 @@
         <mc:Fallback>
           <p:sp>
             <p:nvSpPr>
-              <p:cNvPr id="11" name="TextBox 10">
+              <p:cNvPr id="37" name="TextBox 36">
                 <a:extLst>
                   <a:ext uri="{FF2B5EF4-FFF2-40B4-BE49-F238E27FC236}">
-                    <a16:creationId xmlns:a16="http://schemas.microsoft.com/office/drawing/2014/main" id="{8AE6FE09-1830-45FF-AC6B-2CABB4D20B32}"/>
+                    <a16:creationId xmlns:a16="http://schemas.microsoft.com/office/drawing/2014/main" id="{6486CC42-1884-404E-B4F7-388843E7DE79}"/>
                   </a:ext>
                 </a:extLst>
               </p:cNvPr>
@@ -4571,8 +5051,8 @@
             </p:nvSpPr>
             <p:spPr>
               <a:xfrm>
-                <a:off x="7372350" y="2940050"/>
-                <a:ext cx="1409700" cy="338554"/>
+                <a:off x="2484416" y="3239555"/>
+                <a:ext cx="1634481" cy="276999"/>
               </a:xfrm>
               <a:prstGeom prst="rect">
                 <a:avLst/>
@@ -4599,10 +5079,1500 @@
           </p:sp>
         </mc:Fallback>
       </mc:AlternateContent>
+      <mc:AlternateContent xmlns:mc="http://schemas.openxmlformats.org/markup-compatibility/2006">
+        <mc:Choice xmlns:a14="http://schemas.microsoft.com/office/drawing/2010/main" Requires="a14">
+          <p:sp>
+            <p:nvSpPr>
+              <p:cNvPr id="38" name="TextBox 37">
+                <a:extLst>
+                  <a:ext uri="{FF2B5EF4-FFF2-40B4-BE49-F238E27FC236}">
+                    <a16:creationId xmlns:a16="http://schemas.microsoft.com/office/drawing/2014/main" id="{5EAD758F-3034-46CA-9062-883C2E53F1AE}"/>
+                  </a:ext>
+                </a:extLst>
+              </p:cNvPr>
+              <p:cNvSpPr txBox="1"/>
+              <p:nvPr/>
+            </p:nvSpPr>
+            <p:spPr>
+              <a:xfrm>
+                <a:off x="3535759" y="1858791"/>
+                <a:ext cx="1634481" cy="276999"/>
+              </a:xfrm>
+              <a:prstGeom prst="rect">
+                <a:avLst/>
+              </a:prstGeom>
+              <a:noFill/>
+            </p:spPr>
+            <p:txBody>
+              <a:bodyPr wrap="square" lIns="0" tIns="0" rIns="0" bIns="0" rtlCol="0">
+                <a:spAutoFit/>
+              </a:bodyPr>
+              <a:lstStyle/>
+              <a:p>
+                <a14:m>
+                  <m:oMathPara xmlns:m="http://schemas.openxmlformats.org/officeDocument/2006/math">
+                    <m:oMathParaPr>
+                      <m:jc m:val="centerGroup"/>
+                    </m:oMathParaPr>
+                    <m:oMath xmlns:m="http://schemas.openxmlformats.org/officeDocument/2006/math">
+                      <m:r>
+                        <a:rPr lang="en-US" b="0" i="1" dirty="0" smtClean="0">
+                          <a:latin typeface="Cambria Math" panose="02040503050406030204" pitchFamily="18" charset="0"/>
+                        </a:rPr>
+                        <m:t>𝛽</m:t>
+                      </m:r>
+                    </m:oMath>
+                  </m:oMathPara>
+                </a14:m>
+                <a:endParaRPr lang="en-US" dirty="0"/>
+              </a:p>
+            </p:txBody>
+          </p:sp>
+        </mc:Choice>
+        <mc:Fallback>
+          <p:sp>
+            <p:nvSpPr>
+              <p:cNvPr id="38" name="TextBox 37">
+                <a:extLst>
+                  <a:ext uri="{FF2B5EF4-FFF2-40B4-BE49-F238E27FC236}">
+                    <a16:creationId xmlns:a16="http://schemas.microsoft.com/office/drawing/2014/main" id="{5EAD758F-3034-46CA-9062-883C2E53F1AE}"/>
+                  </a:ext>
+                </a:extLst>
+              </p:cNvPr>
+              <p:cNvSpPr txBox="1">
+                <a:spLocks noRot="1" noChangeAspect="1" noMove="1" noResize="1" noEditPoints="1" noAdjustHandles="1" noChangeArrowheads="1" noChangeShapeType="1" noTextEdit="1"/>
+              </p:cNvSpPr>
+              <p:nvPr/>
+            </p:nvSpPr>
+            <p:spPr>
+              <a:xfrm>
+                <a:off x="3535759" y="1858791"/>
+                <a:ext cx="1634481" cy="276999"/>
+              </a:xfrm>
+              <a:prstGeom prst="rect">
+                <a:avLst/>
+              </a:prstGeom>
+              <a:blipFill>
+                <a:blip r:embed="rId10"/>
+                <a:stretch>
+                  <a:fillRect t="-2222" b="-35556"/>
+                </a:stretch>
+              </a:blipFill>
+            </p:spPr>
+            <p:txBody>
+              <a:bodyPr/>
+              <a:lstStyle/>
+              <a:p>
+                <a:r>
+                  <a:rPr lang="en-US">
+                    <a:noFill/>
+                  </a:rPr>
+                  <a:t> </a:t>
+                </a:r>
+              </a:p>
+            </p:txBody>
+          </p:sp>
+        </mc:Fallback>
+      </mc:AlternateContent>
+      <p:cxnSp>
+        <p:nvCxnSpPr>
+          <p:cNvPr id="39" name="Straight Connector 38">
+            <a:extLst>
+              <a:ext uri="{FF2B5EF4-FFF2-40B4-BE49-F238E27FC236}">
+                <a16:creationId xmlns:a16="http://schemas.microsoft.com/office/drawing/2014/main" id="{F1CA4872-C19A-43D2-B100-9706E2A6D49A}"/>
+              </a:ext>
+            </a:extLst>
+          </p:cNvPr>
+          <p:cNvCxnSpPr>
+            <a:cxnSpLocks/>
+          </p:cNvCxnSpPr>
+          <p:nvPr/>
+        </p:nvCxnSpPr>
+        <p:spPr>
+          <a:xfrm flipV="1">
+            <a:off x="3940714" y="1807838"/>
+            <a:ext cx="909802" cy="763849"/>
+          </a:xfrm>
+          <a:prstGeom prst="line">
+            <a:avLst/>
+          </a:prstGeom>
+          <a:ln>
+            <a:solidFill>
+              <a:schemeClr val="tx1"/>
+            </a:solidFill>
+          </a:ln>
+        </p:spPr>
+        <p:style>
+          <a:lnRef idx="1">
+            <a:schemeClr val="accent1"/>
+          </a:lnRef>
+          <a:fillRef idx="0">
+            <a:schemeClr val="accent1"/>
+          </a:fillRef>
+          <a:effectRef idx="0">
+            <a:schemeClr val="accent1"/>
+          </a:effectRef>
+          <a:fontRef idx="minor">
+            <a:schemeClr val="tx1"/>
+          </a:fontRef>
+        </p:style>
+      </p:cxnSp>
+      <p:sp>
+        <p:nvSpPr>
+          <p:cNvPr id="48" name="Arc 47">
+            <a:extLst>
+              <a:ext uri="{FF2B5EF4-FFF2-40B4-BE49-F238E27FC236}">
+                <a16:creationId xmlns:a16="http://schemas.microsoft.com/office/drawing/2014/main" id="{B5022622-41C3-4375-B0CE-A8D251DA5836}"/>
+              </a:ext>
+            </a:extLst>
+          </p:cNvPr>
+          <p:cNvSpPr/>
+          <p:nvPr/>
+        </p:nvSpPr>
+        <p:spPr>
+          <a:xfrm rot="1387721">
+            <a:off x="3926989" y="2155524"/>
+            <a:ext cx="541320" cy="245805"/>
+          </a:xfrm>
+          <a:prstGeom prst="arc">
+            <a:avLst>
+              <a:gd name="adj1" fmla="val 12427162"/>
+              <a:gd name="adj2" fmla="val 18777856"/>
+            </a:avLst>
+          </a:prstGeom>
+          <a:ln w="12700">
+            <a:solidFill>
+              <a:schemeClr val="tx1"/>
+            </a:solidFill>
+          </a:ln>
+        </p:spPr>
+        <p:style>
+          <a:lnRef idx="1">
+            <a:schemeClr val="accent1"/>
+          </a:lnRef>
+          <a:fillRef idx="0">
+            <a:schemeClr val="accent1"/>
+          </a:fillRef>
+          <a:effectRef idx="0">
+            <a:schemeClr val="accent1"/>
+          </a:effectRef>
+          <a:fontRef idx="minor">
+            <a:schemeClr val="tx1"/>
+          </a:fontRef>
+        </p:style>
+        <p:txBody>
+          <a:bodyPr rtlCol="0" anchor="ctr"/>
+          <a:lstStyle/>
+          <a:p>
+            <a:pPr algn="ctr"/>
+            <a:endParaRPr lang="en-US"/>
+          </a:p>
+        </p:txBody>
+      </p:sp>
+      <mc:AlternateContent xmlns:mc="http://schemas.openxmlformats.org/markup-compatibility/2006">
+        <mc:Choice xmlns:a14="http://schemas.microsoft.com/office/drawing/2010/main" Requires="a14">
+          <p:sp>
+            <p:nvSpPr>
+              <p:cNvPr id="49" name="TextBox 48">
+                <a:extLst>
+                  <a:ext uri="{FF2B5EF4-FFF2-40B4-BE49-F238E27FC236}">
+                    <a16:creationId xmlns:a16="http://schemas.microsoft.com/office/drawing/2014/main" id="{FA50857D-DD7D-439E-850E-887C3C50152E}"/>
+                  </a:ext>
+                </a:extLst>
+              </p:cNvPr>
+              <p:cNvSpPr txBox="1"/>
+              <p:nvPr/>
+            </p:nvSpPr>
+            <p:spPr>
+              <a:xfrm>
+                <a:off x="1441930" y="5898627"/>
+                <a:ext cx="1950296" cy="276999"/>
+              </a:xfrm>
+              <a:prstGeom prst="rect">
+                <a:avLst/>
+              </a:prstGeom>
+              <a:noFill/>
+            </p:spPr>
+            <p:txBody>
+              <a:bodyPr wrap="square" lIns="0" tIns="0" rIns="0" bIns="0" rtlCol="0">
+                <a:spAutoFit/>
+              </a:bodyPr>
+              <a:lstStyle/>
+              <a:p>
+                <a14:m>
+                  <m:oMathPara xmlns:m="http://schemas.openxmlformats.org/officeDocument/2006/math">
+                    <m:oMathParaPr>
+                      <m:jc m:val="centerGroup"/>
+                    </m:oMathParaPr>
+                    <m:oMath xmlns:m="http://schemas.openxmlformats.org/officeDocument/2006/math">
+                      <m:r>
+                        <a:rPr lang="en-US" b="0" i="1" dirty="0" smtClean="0">
+                          <a:latin typeface="Cambria Math" panose="02040503050406030204" pitchFamily="18" charset="0"/>
+                        </a:rPr>
+                        <m:t>𝛼</m:t>
+                      </m:r>
+                      <m:r>
+                        <a:rPr lang="en-US" b="0" i="1" dirty="0" smtClean="0">
+                          <a:latin typeface="Cambria Math" panose="02040503050406030204" pitchFamily="18" charset="0"/>
+                        </a:rPr>
+                        <m:t>=</m:t>
+                      </m:r>
+                      <m:sSub>
+                        <m:sSubPr>
+                          <m:ctrlPr>
+                            <a:rPr lang="en-US" b="0" i="1" dirty="0" smtClean="0">
+                              <a:latin typeface="Cambria Math" panose="02040503050406030204" pitchFamily="18" charset="0"/>
+                            </a:rPr>
+                          </m:ctrlPr>
+                        </m:sSubPr>
+                        <m:e>
+                          <m:r>
+                            <a:rPr lang="en-US" b="0" i="1" dirty="0" smtClean="0">
+                              <a:latin typeface="Cambria Math" panose="02040503050406030204" pitchFamily="18" charset="0"/>
+                            </a:rPr>
+                            <m:t>𝜙</m:t>
+                          </m:r>
+                        </m:e>
+                        <m:sub>
+                          <m:r>
+                            <a:rPr lang="en-US" b="0" i="1" dirty="0" smtClean="0">
+                              <a:latin typeface="Cambria Math" panose="02040503050406030204" pitchFamily="18" charset="0"/>
+                            </a:rPr>
+                            <m:t>𝐶</m:t>
+                          </m:r>
+                          <m:r>
+                            <a:rPr lang="en-US" b="0" i="1" dirty="0" smtClean="0">
+                              <a:latin typeface="Cambria Math" panose="02040503050406030204" pitchFamily="18" charset="0"/>
+                            </a:rPr>
+                            <m:t>−</m:t>
+                          </m:r>
+                          <m:r>
+                            <a:rPr lang="en-US" b="0" i="1" dirty="0" smtClean="0">
+                              <a:latin typeface="Cambria Math" panose="02040503050406030204" pitchFamily="18" charset="0"/>
+                            </a:rPr>
+                            <m:t>𝐵</m:t>
+                          </m:r>
+                        </m:sub>
+                      </m:sSub>
+                      <m:r>
+                        <a:rPr lang="en-US" b="0" i="1" dirty="0" smtClean="0">
+                          <a:latin typeface="Cambria Math" panose="02040503050406030204" pitchFamily="18" charset="0"/>
+                        </a:rPr>
+                        <m:t>−</m:t>
+                      </m:r>
+                      <m:sSub>
+                        <m:sSubPr>
+                          <m:ctrlPr>
+                            <a:rPr lang="en-US" b="0" i="1" dirty="0" smtClean="0">
+                              <a:latin typeface="Cambria Math" panose="02040503050406030204" pitchFamily="18" charset="0"/>
+                            </a:rPr>
+                          </m:ctrlPr>
+                        </m:sSubPr>
+                        <m:e>
+                          <m:r>
+                            <a:rPr lang="en-US" b="0" i="1" dirty="0" smtClean="0">
+                              <a:latin typeface="Cambria Math" panose="02040503050406030204" pitchFamily="18" charset="0"/>
+                            </a:rPr>
+                            <m:t>𝜙</m:t>
+                          </m:r>
+                        </m:e>
+                        <m:sub>
+                          <m:r>
+                            <a:rPr lang="en-US" b="0" i="1" dirty="0" smtClean="0">
+                              <a:latin typeface="Cambria Math" panose="02040503050406030204" pitchFamily="18" charset="0"/>
+                            </a:rPr>
+                            <m:t>𝐶</m:t>
+                          </m:r>
+                          <m:r>
+                            <a:rPr lang="en-US" b="0" i="1" dirty="0" smtClean="0">
+                              <a:latin typeface="Cambria Math" panose="02040503050406030204" pitchFamily="18" charset="0"/>
+                            </a:rPr>
+                            <m:t>−</m:t>
+                          </m:r>
+                          <m:r>
+                            <a:rPr lang="en-US" b="0" i="1" dirty="0" smtClean="0">
+                              <a:latin typeface="Cambria Math" panose="02040503050406030204" pitchFamily="18" charset="0"/>
+                            </a:rPr>
+                            <m:t>𝐴</m:t>
+                          </m:r>
+                        </m:sub>
+                      </m:sSub>
+                    </m:oMath>
+                  </m:oMathPara>
+                </a14:m>
+                <a:endParaRPr lang="en-US" dirty="0"/>
+              </a:p>
+            </p:txBody>
+          </p:sp>
+        </mc:Choice>
+        <mc:Fallback>
+          <p:sp>
+            <p:nvSpPr>
+              <p:cNvPr id="49" name="TextBox 48">
+                <a:extLst>
+                  <a:ext uri="{FF2B5EF4-FFF2-40B4-BE49-F238E27FC236}">
+                    <a16:creationId xmlns:a16="http://schemas.microsoft.com/office/drawing/2014/main" id="{FA50857D-DD7D-439E-850E-887C3C50152E}"/>
+                  </a:ext>
+                </a:extLst>
+              </p:cNvPr>
+              <p:cNvSpPr txBox="1">
+                <a:spLocks noRot="1" noChangeAspect="1" noMove="1" noResize="1" noEditPoints="1" noAdjustHandles="1" noChangeArrowheads="1" noChangeShapeType="1" noTextEdit="1"/>
+              </p:cNvSpPr>
+              <p:nvPr/>
+            </p:nvSpPr>
+            <p:spPr>
+              <a:xfrm>
+                <a:off x="1441930" y="5898627"/>
+                <a:ext cx="1950296" cy="276999"/>
+              </a:xfrm>
+              <a:prstGeom prst="rect">
+                <a:avLst/>
+              </a:prstGeom>
+              <a:blipFill>
+                <a:blip r:embed="rId11"/>
+                <a:stretch>
+                  <a:fillRect b="-33333"/>
+                </a:stretch>
+              </a:blipFill>
+            </p:spPr>
+            <p:txBody>
+              <a:bodyPr/>
+              <a:lstStyle/>
+              <a:p>
+                <a:r>
+                  <a:rPr lang="en-US">
+                    <a:noFill/>
+                  </a:rPr>
+                  <a:t> </a:t>
+                </a:r>
+              </a:p>
+            </p:txBody>
+          </p:sp>
+        </mc:Fallback>
+      </mc:AlternateContent>
+      <mc:AlternateContent xmlns:mc="http://schemas.openxmlformats.org/markup-compatibility/2006">
+        <mc:Choice xmlns:a14="http://schemas.microsoft.com/office/drawing/2010/main" Requires="a14">
+          <p:sp>
+            <p:nvSpPr>
+              <p:cNvPr id="50" name="TextBox 49">
+                <a:extLst>
+                  <a:ext uri="{FF2B5EF4-FFF2-40B4-BE49-F238E27FC236}">
+                    <a16:creationId xmlns:a16="http://schemas.microsoft.com/office/drawing/2014/main" id="{A4763A97-98A3-4427-B019-A0B70C22D960}"/>
+                  </a:ext>
+                </a:extLst>
+              </p:cNvPr>
+              <p:cNvSpPr txBox="1"/>
+              <p:nvPr/>
+            </p:nvSpPr>
+            <p:spPr>
+              <a:xfrm>
+                <a:off x="1419503" y="6220978"/>
+                <a:ext cx="1950296" cy="276999"/>
+              </a:xfrm>
+              <a:prstGeom prst="rect">
+                <a:avLst/>
+              </a:prstGeom>
+              <a:noFill/>
+            </p:spPr>
+            <p:txBody>
+              <a:bodyPr wrap="square" lIns="0" tIns="0" rIns="0" bIns="0" rtlCol="0">
+                <a:spAutoFit/>
+              </a:bodyPr>
+              <a:lstStyle/>
+              <a:p>
+                <a14:m>
+                  <m:oMathPara xmlns:m="http://schemas.openxmlformats.org/officeDocument/2006/math">
+                    <m:oMathParaPr>
+                      <m:jc m:val="centerGroup"/>
+                    </m:oMathParaPr>
+                    <m:oMath xmlns:m="http://schemas.openxmlformats.org/officeDocument/2006/math">
+                      <m:r>
+                        <a:rPr lang="en-US" b="0" i="1" dirty="0" smtClean="0">
+                          <a:latin typeface="Cambria Math" panose="02040503050406030204" pitchFamily="18" charset="0"/>
+                        </a:rPr>
+                        <m:t>𝛽</m:t>
+                      </m:r>
+                      <m:r>
+                        <a:rPr lang="en-US" b="0" i="1" dirty="0" smtClean="0">
+                          <a:latin typeface="Cambria Math" panose="02040503050406030204" pitchFamily="18" charset="0"/>
+                        </a:rPr>
+                        <m:t>=</m:t>
+                      </m:r>
+                      <m:sSub>
+                        <m:sSubPr>
+                          <m:ctrlPr>
+                            <a:rPr lang="en-US" b="0" i="1" dirty="0" smtClean="0">
+                              <a:latin typeface="Cambria Math" panose="02040503050406030204" pitchFamily="18" charset="0"/>
+                            </a:rPr>
+                          </m:ctrlPr>
+                        </m:sSubPr>
+                        <m:e>
+                          <m:r>
+                            <a:rPr lang="en-US" b="0" i="1" dirty="0" smtClean="0">
+                              <a:latin typeface="Cambria Math" panose="02040503050406030204" pitchFamily="18" charset="0"/>
+                            </a:rPr>
+                            <m:t>𝜙</m:t>
+                          </m:r>
+                        </m:e>
+                        <m:sub>
+                          <m:r>
+                            <a:rPr lang="en-US" b="0" i="1" dirty="0" smtClean="0">
+                              <a:latin typeface="Cambria Math" panose="02040503050406030204" pitchFamily="18" charset="0"/>
+                            </a:rPr>
+                            <m:t>𝐶</m:t>
+                          </m:r>
+                          <m:r>
+                            <a:rPr lang="en-US" b="0" i="1" dirty="0" smtClean="0">
+                              <a:latin typeface="Cambria Math" panose="02040503050406030204" pitchFamily="18" charset="0"/>
+                            </a:rPr>
+                            <m:t>−</m:t>
+                          </m:r>
+                          <m:r>
+                            <a:rPr lang="en-US" b="0" i="1" dirty="0" smtClean="0">
+                              <a:latin typeface="Cambria Math" panose="02040503050406030204" pitchFamily="18" charset="0"/>
+                            </a:rPr>
+                            <m:t>𝐶</m:t>
+                          </m:r>
+                        </m:sub>
+                      </m:sSub>
+                      <m:r>
+                        <a:rPr lang="en-US" b="0" i="1" dirty="0" smtClean="0">
+                          <a:latin typeface="Cambria Math" panose="02040503050406030204" pitchFamily="18" charset="0"/>
+                        </a:rPr>
+                        <m:t>−</m:t>
+                      </m:r>
+                      <m:sSub>
+                        <m:sSubPr>
+                          <m:ctrlPr>
+                            <a:rPr lang="en-US" b="0" i="1" dirty="0" smtClean="0">
+                              <a:latin typeface="Cambria Math" panose="02040503050406030204" pitchFamily="18" charset="0"/>
+                            </a:rPr>
+                          </m:ctrlPr>
+                        </m:sSubPr>
+                        <m:e>
+                          <m:r>
+                            <a:rPr lang="en-US" b="0" i="1" dirty="0" smtClean="0">
+                              <a:latin typeface="Cambria Math" panose="02040503050406030204" pitchFamily="18" charset="0"/>
+                            </a:rPr>
+                            <m:t>𝜙</m:t>
+                          </m:r>
+                        </m:e>
+                        <m:sub>
+                          <m:r>
+                            <a:rPr lang="en-US" b="0" i="1" dirty="0" smtClean="0">
+                              <a:latin typeface="Cambria Math" panose="02040503050406030204" pitchFamily="18" charset="0"/>
+                            </a:rPr>
+                            <m:t>𝐶</m:t>
+                          </m:r>
+                          <m:r>
+                            <a:rPr lang="en-US" b="0" i="1" dirty="0" smtClean="0">
+                              <a:latin typeface="Cambria Math" panose="02040503050406030204" pitchFamily="18" charset="0"/>
+                            </a:rPr>
+                            <m:t>−</m:t>
+                          </m:r>
+                          <m:r>
+                            <a:rPr lang="en-US" b="0" i="1" dirty="0" smtClean="0">
+                              <a:latin typeface="Cambria Math" panose="02040503050406030204" pitchFamily="18" charset="0"/>
+                            </a:rPr>
+                            <m:t>𝐵</m:t>
+                          </m:r>
+                        </m:sub>
+                      </m:sSub>
+                    </m:oMath>
+                  </m:oMathPara>
+                </a14:m>
+                <a:endParaRPr lang="en-US" dirty="0"/>
+              </a:p>
+            </p:txBody>
+          </p:sp>
+        </mc:Choice>
+        <mc:Fallback>
+          <p:sp>
+            <p:nvSpPr>
+              <p:cNvPr id="50" name="TextBox 49">
+                <a:extLst>
+                  <a:ext uri="{FF2B5EF4-FFF2-40B4-BE49-F238E27FC236}">
+                    <a16:creationId xmlns:a16="http://schemas.microsoft.com/office/drawing/2014/main" id="{A4763A97-98A3-4427-B019-A0B70C22D960}"/>
+                  </a:ext>
+                </a:extLst>
+              </p:cNvPr>
+              <p:cNvSpPr txBox="1">
+                <a:spLocks noRot="1" noChangeAspect="1" noMove="1" noResize="1" noEditPoints="1" noAdjustHandles="1" noChangeArrowheads="1" noChangeShapeType="1" noTextEdit="1"/>
+              </p:cNvSpPr>
+              <p:nvPr/>
+            </p:nvSpPr>
+            <p:spPr>
+              <a:xfrm>
+                <a:off x="1419503" y="6220978"/>
+                <a:ext cx="1950296" cy="276999"/>
+              </a:xfrm>
+              <a:prstGeom prst="rect">
+                <a:avLst/>
+              </a:prstGeom>
+              <a:blipFill>
+                <a:blip r:embed="rId12"/>
+                <a:stretch>
+                  <a:fillRect t="-4444" b="-35556"/>
+                </a:stretch>
+              </a:blipFill>
+            </p:spPr>
+            <p:txBody>
+              <a:bodyPr/>
+              <a:lstStyle/>
+              <a:p>
+                <a:r>
+                  <a:rPr lang="en-US">
+                    <a:noFill/>
+                  </a:rPr>
+                  <a:t> </a:t>
+                </a:r>
+              </a:p>
+            </p:txBody>
+          </p:sp>
+        </mc:Fallback>
+      </mc:AlternateContent>
+      <mc:AlternateContent xmlns:mc="http://schemas.openxmlformats.org/markup-compatibility/2006">
+        <mc:Choice xmlns:a14="http://schemas.microsoft.com/office/drawing/2010/main" Requires="a14">
+          <p:sp>
+            <p:nvSpPr>
+              <p:cNvPr id="56" name="TextBox 55">
+                <a:extLst>
+                  <a:ext uri="{FF2B5EF4-FFF2-40B4-BE49-F238E27FC236}">
+                    <a16:creationId xmlns:a16="http://schemas.microsoft.com/office/drawing/2014/main" id="{B5FBD2FD-8F17-4D5E-BAD8-39F470AC843F}"/>
+                  </a:ext>
+                </a:extLst>
+              </p:cNvPr>
+              <p:cNvSpPr txBox="1"/>
+              <p:nvPr/>
+            </p:nvSpPr>
+            <p:spPr>
+              <a:xfrm>
+                <a:off x="6590070" y="910674"/>
+                <a:ext cx="1216744" cy="327526"/>
+              </a:xfrm>
+              <a:prstGeom prst="rect">
+                <a:avLst/>
+              </a:prstGeom>
+              <a:noFill/>
+            </p:spPr>
+            <p:txBody>
+              <a:bodyPr wrap="square" rtlCol="0">
+                <a:spAutoFit/>
+              </a:bodyPr>
+              <a:lstStyle/>
+              <a:p>
+                <a:r>
+                  <a:rPr lang="en-US" sz="1200" dirty="0">
+                    <a:solidFill>
+                      <a:schemeClr val="tx1"/>
+                    </a:solidFill>
+                    <a:latin typeface="Times New Roman" panose="02020603050405020304" pitchFamily="18" charset="0"/>
+                    <a:cs typeface="Times New Roman" panose="02020603050405020304" pitchFamily="18" charset="0"/>
+                  </a:rPr>
+                  <a:t> </a:t>
+                </a:r>
+                <a14:m>
+                  <m:oMath xmlns:m="http://schemas.openxmlformats.org/officeDocument/2006/math">
+                    <m:r>
+                      <a:rPr lang="en-US" sz="1200" b="0" i="0" dirty="0" smtClean="0">
+                        <a:solidFill>
+                          <a:schemeClr val="tx1"/>
+                        </a:solidFill>
+                        <a:latin typeface="Cambria Math" panose="02040503050406030204" pitchFamily="18" charset="0"/>
+                      </a:rPr>
+                      <m:t>| </m:t>
+                    </m:r>
+                    <m:sSub>
+                      <m:sSubPr>
+                        <m:ctrlPr>
+                          <a:rPr lang="en-US" sz="1200" i="1" dirty="0">
+                            <a:solidFill>
+                              <a:schemeClr val="tx1"/>
+                            </a:solidFill>
+                            <a:latin typeface="Cambria Math" panose="02040503050406030204" pitchFamily="18" charset="0"/>
+                          </a:rPr>
+                        </m:ctrlPr>
+                      </m:sSubPr>
+                      <m:e>
+                        <m:sSub>
+                          <m:sSubPr>
+                            <m:ctrlPr>
+                              <a:rPr lang="en-US" sz="1200" i="1" dirty="0">
+                                <a:solidFill>
+                                  <a:schemeClr val="tx1"/>
+                                </a:solidFill>
+                                <a:latin typeface="Cambria Math" panose="02040503050406030204" pitchFamily="18" charset="0"/>
+                              </a:rPr>
+                            </m:ctrlPr>
+                          </m:sSubPr>
+                          <m:e>
+                            <m:r>
+                              <a:rPr lang="en-US" sz="1200" b="0" i="1" dirty="0" smtClean="0">
+                                <a:solidFill>
+                                  <a:schemeClr val="tx1"/>
+                                </a:solidFill>
+                                <a:latin typeface="Cambria Math" panose="02040503050406030204" pitchFamily="18" charset="0"/>
+                              </a:rPr>
+                              <m:t>2</m:t>
+                            </m:r>
+                            <m:acc>
+                              <m:accPr>
+                                <m:chr m:val="̂"/>
+                                <m:ctrlPr>
+                                  <a:rPr lang="en-US" sz="1200" i="1" dirty="0">
+                                    <a:solidFill>
+                                      <a:schemeClr val="tx1"/>
+                                    </a:solidFill>
+                                    <a:latin typeface="Cambria Math" panose="02040503050406030204" pitchFamily="18" charset="0"/>
+                                  </a:rPr>
+                                </m:ctrlPr>
+                              </m:accPr>
+                              <m:e>
+                                <m:r>
+                                  <a:rPr lang="en-US" sz="1200" i="1" dirty="0">
+                                    <a:solidFill>
+                                      <a:schemeClr val="tx1"/>
+                                    </a:solidFill>
+                                    <a:latin typeface="Cambria Math" panose="02040503050406030204" pitchFamily="18" charset="0"/>
+                                  </a:rPr>
+                                  <m:t>𝑆</m:t>
+                                </m:r>
+                              </m:e>
+                            </m:acc>
+                          </m:e>
+                          <m:sub>
+                            <m:r>
+                              <a:rPr lang="en-US" sz="1200" b="0" i="1" dirty="0" smtClean="0">
+                                <a:solidFill>
+                                  <a:schemeClr val="tx1"/>
+                                </a:solidFill>
+                                <a:latin typeface="Cambria Math" panose="02040503050406030204" pitchFamily="18" charset="0"/>
+                              </a:rPr>
+                              <m:t>𝐵</m:t>
+                            </m:r>
+                          </m:sub>
+                        </m:sSub>
+                      </m:e>
+                      <m:sub>
+                        <m:r>
+                          <a:rPr lang="en-US" sz="1200" i="1" dirty="0">
+                            <a:solidFill>
+                              <a:schemeClr val="tx1"/>
+                            </a:solidFill>
+                            <a:latin typeface="Cambria Math" panose="02040503050406030204" pitchFamily="18" charset="0"/>
+                          </a:rPr>
+                          <m:t>𝑓𝑠</m:t>
+                        </m:r>
+                        <m:r>
+                          <a:rPr lang="en-US" sz="1200" i="1" dirty="0">
+                            <a:solidFill>
+                              <a:schemeClr val="tx1"/>
+                            </a:solidFill>
+                            <a:latin typeface="Cambria Math" panose="02040503050406030204" pitchFamily="18" charset="0"/>
+                          </a:rPr>
+                          <m:t>  </m:t>
+                        </m:r>
+                      </m:sub>
+                    </m:sSub>
+                  </m:oMath>
+                </a14:m>
+                <a:r>
+                  <a:rPr lang="en-US" sz="1200" dirty="0">
+                    <a:solidFill>
+                      <a:schemeClr val="tx1"/>
+                    </a:solidFill>
+                    <a:latin typeface="Times New Roman" panose="02020603050405020304" pitchFamily="18" charset="0"/>
+                    <a:cs typeface="Times New Roman" panose="02020603050405020304" pitchFamily="18" charset="0"/>
+                  </a:rPr>
+                  <a:t>-</a:t>
+                </a:r>
+                <a14:m>
+                  <m:oMath xmlns:m="http://schemas.openxmlformats.org/officeDocument/2006/math">
+                    <m:sSub>
+                      <m:sSubPr>
+                        <m:ctrlPr>
+                          <a:rPr lang="en-US" sz="1200" i="1" dirty="0">
+                            <a:solidFill>
+                              <a:schemeClr val="tx1"/>
+                            </a:solidFill>
+                            <a:latin typeface="Cambria Math" panose="02040503050406030204" pitchFamily="18" charset="0"/>
+                          </a:rPr>
+                        </m:ctrlPr>
+                      </m:sSubPr>
+                      <m:e>
+                        <m:sSub>
+                          <m:sSubPr>
+                            <m:ctrlPr>
+                              <a:rPr lang="en-US" sz="1200" i="1" dirty="0">
+                                <a:solidFill>
+                                  <a:schemeClr val="tx1"/>
+                                </a:solidFill>
+                                <a:latin typeface="Cambria Math" panose="02040503050406030204" pitchFamily="18" charset="0"/>
+                              </a:rPr>
+                            </m:ctrlPr>
+                          </m:sSubPr>
+                          <m:e>
+                            <m:acc>
+                              <m:accPr>
+                                <m:chr m:val="̂"/>
+                                <m:ctrlPr>
+                                  <a:rPr lang="en-US" sz="1200" i="1" dirty="0">
+                                    <a:solidFill>
+                                      <a:schemeClr val="tx1"/>
+                                    </a:solidFill>
+                                    <a:latin typeface="Cambria Math" panose="02040503050406030204" pitchFamily="18" charset="0"/>
+                                  </a:rPr>
+                                </m:ctrlPr>
+                              </m:accPr>
+                              <m:e>
+                                <m:r>
+                                  <a:rPr lang="en-US" sz="1200" i="1" dirty="0">
+                                    <a:solidFill>
+                                      <a:schemeClr val="tx1"/>
+                                    </a:solidFill>
+                                    <a:latin typeface="Cambria Math" panose="02040503050406030204" pitchFamily="18" charset="0"/>
+                                  </a:rPr>
+                                  <m:t>𝑆</m:t>
+                                </m:r>
+                              </m:e>
+                            </m:acc>
+                          </m:e>
+                          <m:sub>
+                            <m:r>
+                              <a:rPr lang="en-US" sz="1200" b="0" i="1" dirty="0" smtClean="0">
+                                <a:solidFill>
+                                  <a:schemeClr val="tx1"/>
+                                </a:solidFill>
+                                <a:latin typeface="Cambria Math" panose="02040503050406030204" pitchFamily="18" charset="0"/>
+                              </a:rPr>
+                              <m:t>𝐶</m:t>
+                            </m:r>
+                          </m:sub>
+                        </m:sSub>
+                      </m:e>
+                      <m:sub>
+                        <m:r>
+                          <a:rPr lang="en-US" sz="1200" i="1" dirty="0">
+                            <a:solidFill>
+                              <a:schemeClr val="tx1"/>
+                            </a:solidFill>
+                            <a:latin typeface="Cambria Math" panose="02040503050406030204" pitchFamily="18" charset="0"/>
+                          </a:rPr>
+                          <m:t>𝑓𝑠</m:t>
+                        </m:r>
+                        <m:r>
+                          <a:rPr lang="en-US" sz="1200" i="1" dirty="0">
+                            <a:solidFill>
+                              <a:schemeClr val="tx1"/>
+                            </a:solidFill>
+                            <a:latin typeface="Cambria Math" panose="02040503050406030204" pitchFamily="18" charset="0"/>
+                          </a:rPr>
+                          <m:t>  </m:t>
+                        </m:r>
+                      </m:sub>
+                    </m:sSub>
+                    <m:r>
+                      <a:rPr lang="en-US" sz="1200" b="0" i="1" dirty="0" smtClean="0">
+                        <a:solidFill>
+                          <a:schemeClr val="tx1"/>
+                        </a:solidFill>
+                        <a:latin typeface="Cambria Math" panose="02040503050406030204" pitchFamily="18" charset="0"/>
+                      </a:rPr>
+                      <m:t>|</m:t>
+                    </m:r>
+                  </m:oMath>
+                </a14:m>
+                <a:endParaRPr lang="en-US" sz="1200" dirty="0">
+                  <a:solidFill>
+                    <a:schemeClr val="tx1"/>
+                  </a:solidFill>
+                </a:endParaRPr>
+              </a:p>
+            </p:txBody>
+          </p:sp>
+        </mc:Choice>
+        <mc:Fallback>
+          <p:sp>
+            <p:nvSpPr>
+              <p:cNvPr id="56" name="TextBox 55">
+                <a:extLst>
+                  <a:ext uri="{FF2B5EF4-FFF2-40B4-BE49-F238E27FC236}">
+                    <a16:creationId xmlns:a16="http://schemas.microsoft.com/office/drawing/2014/main" id="{B5FBD2FD-8F17-4D5E-BAD8-39F470AC843F}"/>
+                  </a:ext>
+                </a:extLst>
+              </p:cNvPr>
+              <p:cNvSpPr txBox="1">
+                <a:spLocks noRot="1" noChangeAspect="1" noMove="1" noResize="1" noEditPoints="1" noAdjustHandles="1" noChangeArrowheads="1" noChangeShapeType="1" noTextEdit="1"/>
+              </p:cNvSpPr>
+              <p:nvPr/>
+            </p:nvSpPr>
+            <p:spPr>
+              <a:xfrm>
+                <a:off x="6590070" y="910674"/>
+                <a:ext cx="1216744" cy="327526"/>
+              </a:xfrm>
+              <a:prstGeom prst="rect">
+                <a:avLst/>
+              </a:prstGeom>
+              <a:blipFill>
+                <a:blip r:embed="rId13"/>
+                <a:stretch>
+                  <a:fillRect/>
+                </a:stretch>
+              </a:blipFill>
+            </p:spPr>
+            <p:txBody>
+              <a:bodyPr/>
+              <a:lstStyle/>
+              <a:p>
+                <a:r>
+                  <a:rPr lang="en-US">
+                    <a:noFill/>
+                  </a:rPr>
+                  <a:t> </a:t>
+                </a:r>
+              </a:p>
+            </p:txBody>
+          </p:sp>
+        </mc:Fallback>
+      </mc:AlternateContent>
+      <p:sp>
+        <p:nvSpPr>
+          <p:cNvPr id="57" name="TextBox 56">
+            <a:extLst>
+              <a:ext uri="{FF2B5EF4-FFF2-40B4-BE49-F238E27FC236}">
+                <a16:creationId xmlns:a16="http://schemas.microsoft.com/office/drawing/2014/main" id="{B7D58F41-D6FF-4866-8BE7-F8EB535439E9}"/>
+              </a:ext>
+            </a:extLst>
+          </p:cNvPr>
+          <p:cNvSpPr txBox="1"/>
+          <p:nvPr/>
+        </p:nvSpPr>
+        <p:spPr>
+          <a:xfrm>
+            <a:off x="6395160" y="4202061"/>
+            <a:ext cx="985816" cy="338554"/>
+          </a:xfrm>
+          <a:prstGeom prst="rect">
+            <a:avLst/>
+          </a:prstGeom>
+          <a:noFill/>
+        </p:spPr>
+        <p:txBody>
+          <a:bodyPr wrap="square" rtlCol="0">
+            <a:spAutoFit/>
+          </a:bodyPr>
+          <a:lstStyle/>
+          <a:p>
+            <a:r>
+              <a:rPr lang="en-US" sz="1600" dirty="0">
+                <a:latin typeface="Times New Roman" panose="02020603050405020304" pitchFamily="18" charset="0"/>
+                <a:cs typeface="Times New Roman" panose="02020603050405020304" pitchFamily="18" charset="0"/>
+              </a:rPr>
+              <a:t>(b)</a:t>
+            </a:r>
+          </a:p>
+        </p:txBody>
+      </p:sp>
+      <p:sp>
+        <p:nvSpPr>
+          <p:cNvPr id="58" name="TextBox 57">
+            <a:extLst>
+              <a:ext uri="{FF2B5EF4-FFF2-40B4-BE49-F238E27FC236}">
+                <a16:creationId xmlns:a16="http://schemas.microsoft.com/office/drawing/2014/main" id="{332DDC6B-D970-48D6-B263-19F0911EBBA4}"/>
+              </a:ext>
+            </a:extLst>
+          </p:cNvPr>
+          <p:cNvSpPr txBox="1"/>
+          <p:nvPr/>
+        </p:nvSpPr>
+        <p:spPr>
+          <a:xfrm>
+            <a:off x="9625057" y="4202061"/>
+            <a:ext cx="985816" cy="338554"/>
+          </a:xfrm>
+          <a:prstGeom prst="rect">
+            <a:avLst/>
+          </a:prstGeom>
+          <a:noFill/>
+        </p:spPr>
+        <p:txBody>
+          <a:bodyPr wrap="square" rtlCol="0">
+            <a:spAutoFit/>
+          </a:bodyPr>
+          <a:lstStyle/>
+          <a:p>
+            <a:r>
+              <a:rPr lang="en-US" sz="1600" dirty="0">
+                <a:latin typeface="Times New Roman" panose="02020603050405020304" pitchFamily="18" charset="0"/>
+                <a:cs typeface="Times New Roman" panose="02020603050405020304" pitchFamily="18" charset="0"/>
+              </a:rPr>
+              <a:t>(c)</a:t>
+            </a:r>
+          </a:p>
+        </p:txBody>
+      </p:sp>
+      <p:cxnSp>
+        <p:nvCxnSpPr>
+          <p:cNvPr id="62" name="Straight Connector 61">
+            <a:extLst>
+              <a:ext uri="{FF2B5EF4-FFF2-40B4-BE49-F238E27FC236}">
+                <a16:creationId xmlns:a16="http://schemas.microsoft.com/office/drawing/2014/main" id="{9817EF20-A17D-4916-BA17-EAEB26517AD9}"/>
+              </a:ext>
+            </a:extLst>
+          </p:cNvPr>
+          <p:cNvCxnSpPr>
+            <a:cxnSpLocks/>
+          </p:cNvCxnSpPr>
+          <p:nvPr/>
+        </p:nvCxnSpPr>
+        <p:spPr>
+          <a:xfrm>
+            <a:off x="6621379" y="580103"/>
+            <a:ext cx="0" cy="2008364"/>
+          </a:xfrm>
+          <a:prstGeom prst="line">
+            <a:avLst/>
+          </a:prstGeom>
+          <a:ln w="12700">
+            <a:solidFill>
+              <a:schemeClr val="tx1"/>
+            </a:solidFill>
+            <a:prstDash val="lgDashDotDot"/>
+          </a:ln>
+        </p:spPr>
+        <p:style>
+          <a:lnRef idx="1">
+            <a:schemeClr val="accent1"/>
+          </a:lnRef>
+          <a:fillRef idx="0">
+            <a:schemeClr val="accent1"/>
+          </a:fillRef>
+          <a:effectRef idx="0">
+            <a:schemeClr val="accent1"/>
+          </a:effectRef>
+          <a:fontRef idx="minor">
+            <a:schemeClr val="tx1"/>
+          </a:fontRef>
+        </p:style>
+      </p:cxnSp>
+      <p:cxnSp>
+        <p:nvCxnSpPr>
+          <p:cNvPr id="64" name="Straight Connector 63">
+            <a:extLst>
+              <a:ext uri="{FF2B5EF4-FFF2-40B4-BE49-F238E27FC236}">
+                <a16:creationId xmlns:a16="http://schemas.microsoft.com/office/drawing/2014/main" id="{EC40EFA2-1D81-49A9-9FC8-D019462DDE2E}"/>
+              </a:ext>
+            </a:extLst>
+          </p:cNvPr>
+          <p:cNvCxnSpPr>
+            <a:cxnSpLocks/>
+          </p:cNvCxnSpPr>
+          <p:nvPr/>
+        </p:nvCxnSpPr>
+        <p:spPr>
+          <a:xfrm>
+            <a:off x="7372618" y="1238200"/>
+            <a:ext cx="0" cy="1469515"/>
+          </a:xfrm>
+          <a:prstGeom prst="line">
+            <a:avLst/>
+          </a:prstGeom>
+          <a:ln w="12700">
+            <a:solidFill>
+              <a:schemeClr val="tx1"/>
+            </a:solidFill>
+            <a:prstDash val="lgDashDotDot"/>
+          </a:ln>
+        </p:spPr>
+        <p:style>
+          <a:lnRef idx="1">
+            <a:schemeClr val="accent1"/>
+          </a:lnRef>
+          <a:fillRef idx="0">
+            <a:schemeClr val="accent1"/>
+          </a:fillRef>
+          <a:effectRef idx="0">
+            <a:schemeClr val="accent1"/>
+          </a:effectRef>
+          <a:fontRef idx="minor">
+            <a:schemeClr val="tx1"/>
+          </a:fontRef>
+        </p:style>
+      </p:cxnSp>
+      <p:cxnSp>
+        <p:nvCxnSpPr>
+          <p:cNvPr id="67" name="Straight Arrow Connector 66">
+            <a:extLst>
+              <a:ext uri="{FF2B5EF4-FFF2-40B4-BE49-F238E27FC236}">
+                <a16:creationId xmlns:a16="http://schemas.microsoft.com/office/drawing/2014/main" id="{426E3CFF-02F6-4B50-BCB8-2C9765B2FB1A}"/>
+              </a:ext>
+            </a:extLst>
+          </p:cNvPr>
+          <p:cNvCxnSpPr>
+            <a:cxnSpLocks/>
+          </p:cNvCxnSpPr>
+          <p:nvPr/>
+        </p:nvCxnSpPr>
+        <p:spPr>
+          <a:xfrm>
+            <a:off x="6669270" y="1258055"/>
+            <a:ext cx="641585" cy="0"/>
+          </a:xfrm>
+          <a:prstGeom prst="straightConnector1">
+            <a:avLst/>
+          </a:prstGeom>
+          <a:ln>
+            <a:solidFill>
+              <a:schemeClr val="tx1"/>
+            </a:solidFill>
+            <a:headEnd type="triangle"/>
+            <a:tailEnd type="triangle"/>
+          </a:ln>
+        </p:spPr>
+        <p:style>
+          <a:lnRef idx="1">
+            <a:schemeClr val="accent1"/>
+          </a:lnRef>
+          <a:fillRef idx="0">
+            <a:schemeClr val="accent1"/>
+          </a:fillRef>
+          <a:effectRef idx="0">
+            <a:schemeClr val="accent1"/>
+          </a:effectRef>
+          <a:fontRef idx="minor">
+            <a:schemeClr val="tx1"/>
+          </a:fontRef>
+        </p:style>
+      </p:cxnSp>
+      <p:sp>
+        <p:nvSpPr>
+          <p:cNvPr id="71" name="TextBox 70">
+            <a:extLst>
+              <a:ext uri="{FF2B5EF4-FFF2-40B4-BE49-F238E27FC236}">
+                <a16:creationId xmlns:a16="http://schemas.microsoft.com/office/drawing/2014/main" id="{EFB99296-1F71-4956-B484-D3ED2D359A6E}"/>
+              </a:ext>
+            </a:extLst>
+          </p:cNvPr>
+          <p:cNvSpPr txBox="1"/>
+          <p:nvPr/>
+        </p:nvSpPr>
+        <p:spPr>
+          <a:xfrm>
+            <a:off x="2752020" y="4195918"/>
+            <a:ext cx="985816" cy="338554"/>
+          </a:xfrm>
+          <a:prstGeom prst="rect">
+            <a:avLst/>
+          </a:prstGeom>
+          <a:noFill/>
+        </p:spPr>
+        <p:txBody>
+          <a:bodyPr wrap="square" rtlCol="0">
+            <a:spAutoFit/>
+          </a:bodyPr>
+          <a:lstStyle/>
+          <a:p>
+            <a:r>
+              <a:rPr lang="en-US" sz="1600" dirty="0">
+                <a:latin typeface="Times New Roman" panose="02020603050405020304" pitchFamily="18" charset="0"/>
+                <a:cs typeface="Times New Roman" panose="02020603050405020304" pitchFamily="18" charset="0"/>
+              </a:rPr>
+              <a:t>(a)</a:t>
+            </a:r>
+          </a:p>
+        </p:txBody>
+      </p:sp>
+      <p:cxnSp>
+        <p:nvCxnSpPr>
+          <p:cNvPr id="79" name="Straight Connector 78">
+            <a:extLst>
+              <a:ext uri="{FF2B5EF4-FFF2-40B4-BE49-F238E27FC236}">
+                <a16:creationId xmlns:a16="http://schemas.microsoft.com/office/drawing/2014/main" id="{CB0D510F-D91A-452A-B687-65BDC6EDEE76}"/>
+              </a:ext>
+            </a:extLst>
+          </p:cNvPr>
+          <p:cNvCxnSpPr>
+            <a:cxnSpLocks/>
+          </p:cNvCxnSpPr>
+          <p:nvPr/>
+        </p:nvCxnSpPr>
+        <p:spPr>
+          <a:xfrm>
+            <a:off x="7727508" y="580103"/>
+            <a:ext cx="0" cy="2067987"/>
+          </a:xfrm>
+          <a:prstGeom prst="line">
+            <a:avLst/>
+          </a:prstGeom>
+          <a:ln w="12700">
+            <a:solidFill>
+              <a:schemeClr val="tx1"/>
+            </a:solidFill>
+            <a:prstDash val="lgDashDotDot"/>
+          </a:ln>
+        </p:spPr>
+        <p:style>
+          <a:lnRef idx="1">
+            <a:schemeClr val="accent1"/>
+          </a:lnRef>
+          <a:fillRef idx="0">
+            <a:schemeClr val="accent1"/>
+          </a:fillRef>
+          <a:effectRef idx="0">
+            <a:schemeClr val="accent1"/>
+          </a:effectRef>
+          <a:fontRef idx="minor">
+            <a:schemeClr val="tx1"/>
+          </a:fontRef>
+        </p:style>
+      </p:cxnSp>
+      <mc:AlternateContent xmlns:mc="http://schemas.openxmlformats.org/markup-compatibility/2006">
+        <mc:Choice xmlns:a14="http://schemas.microsoft.com/office/drawing/2010/main" Requires="a14">
+          <p:sp>
+            <p:nvSpPr>
+              <p:cNvPr id="83" name="TextBox 82">
+                <a:extLst>
+                  <a:ext uri="{FF2B5EF4-FFF2-40B4-BE49-F238E27FC236}">
+                    <a16:creationId xmlns:a16="http://schemas.microsoft.com/office/drawing/2014/main" id="{E18C0BE8-1A89-45BB-A868-7BF9657E7E2A}"/>
+                  </a:ext>
+                </a:extLst>
+              </p:cNvPr>
+              <p:cNvSpPr txBox="1"/>
+              <p:nvPr/>
+            </p:nvSpPr>
+            <p:spPr>
+              <a:xfrm>
+                <a:off x="6560573" y="222890"/>
+                <a:ext cx="1994216" cy="327526"/>
+              </a:xfrm>
+              <a:prstGeom prst="rect">
+                <a:avLst/>
+              </a:prstGeom>
+              <a:noFill/>
+            </p:spPr>
+            <p:txBody>
+              <a:bodyPr wrap="square" rtlCol="0">
+                <a:spAutoFit/>
+              </a:bodyPr>
+              <a:lstStyle/>
+              <a:p>
+                <a:r>
+                  <a:rPr lang="en-US" sz="1200" dirty="0">
+                    <a:solidFill>
+                      <a:schemeClr val="tx1"/>
+                    </a:solidFill>
+                    <a:latin typeface="Times New Roman" panose="02020603050405020304" pitchFamily="18" charset="0"/>
+                    <a:cs typeface="Times New Roman" panose="02020603050405020304" pitchFamily="18" charset="0"/>
+                  </a:rPr>
+                  <a:t> </a:t>
+                </a:r>
+                <a14:m>
+                  <m:oMath xmlns:m="http://schemas.openxmlformats.org/officeDocument/2006/math">
+                    <m:r>
+                      <a:rPr lang="en-US" sz="1200" b="0" i="0" dirty="0" smtClean="0">
+                        <a:solidFill>
+                          <a:schemeClr val="tx1"/>
+                        </a:solidFill>
+                        <a:latin typeface="Cambria Math" panose="02040503050406030204" pitchFamily="18" charset="0"/>
+                      </a:rPr>
+                      <m:t>| </m:t>
+                    </m:r>
+                    <m:sSub>
+                      <m:sSubPr>
+                        <m:ctrlPr>
+                          <a:rPr lang="en-US" sz="1200" i="1" dirty="0">
+                            <a:solidFill>
+                              <a:schemeClr val="tx1"/>
+                            </a:solidFill>
+                            <a:latin typeface="Cambria Math" panose="02040503050406030204" pitchFamily="18" charset="0"/>
+                          </a:rPr>
+                        </m:ctrlPr>
+                      </m:sSubPr>
+                      <m:e>
+                        <m:sSub>
+                          <m:sSubPr>
+                            <m:ctrlPr>
+                              <a:rPr lang="en-US" sz="1200" i="1" dirty="0">
+                                <a:solidFill>
+                                  <a:schemeClr val="tx1"/>
+                                </a:solidFill>
+                                <a:latin typeface="Cambria Math" panose="02040503050406030204" pitchFamily="18" charset="0"/>
+                              </a:rPr>
+                            </m:ctrlPr>
+                          </m:sSubPr>
+                          <m:e>
+                            <m:r>
+                              <a:rPr lang="en-US" sz="1200" b="0" i="1" dirty="0" smtClean="0">
+                                <a:solidFill>
+                                  <a:schemeClr val="tx1"/>
+                                </a:solidFill>
+                                <a:latin typeface="Cambria Math" panose="02040503050406030204" pitchFamily="18" charset="0"/>
+                              </a:rPr>
+                              <m:t>2</m:t>
+                            </m:r>
+                            <m:acc>
+                              <m:accPr>
+                                <m:chr m:val="̂"/>
+                                <m:ctrlPr>
+                                  <a:rPr lang="en-US" sz="1200" i="1" dirty="0">
+                                    <a:solidFill>
+                                      <a:schemeClr val="tx1"/>
+                                    </a:solidFill>
+                                    <a:latin typeface="Cambria Math" panose="02040503050406030204" pitchFamily="18" charset="0"/>
+                                  </a:rPr>
+                                </m:ctrlPr>
+                              </m:accPr>
+                              <m:e>
+                                <m:r>
+                                  <a:rPr lang="en-US" sz="1200" i="1" dirty="0">
+                                    <a:solidFill>
+                                      <a:schemeClr val="tx1"/>
+                                    </a:solidFill>
+                                    <a:latin typeface="Cambria Math" panose="02040503050406030204" pitchFamily="18" charset="0"/>
+                                  </a:rPr>
+                                  <m:t>𝑆</m:t>
+                                </m:r>
+                              </m:e>
+                            </m:acc>
+                          </m:e>
+                          <m:sub>
+                            <m:r>
+                              <a:rPr lang="en-US" sz="1200" b="0" i="1" dirty="0" smtClean="0">
+                                <a:solidFill>
+                                  <a:schemeClr val="tx1"/>
+                                </a:solidFill>
+                                <a:latin typeface="Cambria Math" panose="02040503050406030204" pitchFamily="18" charset="0"/>
+                              </a:rPr>
+                              <m:t>𝐵</m:t>
+                            </m:r>
+                          </m:sub>
+                        </m:sSub>
+                      </m:e>
+                      <m:sub>
+                        <m:r>
+                          <a:rPr lang="en-US" sz="1200" i="1" dirty="0">
+                            <a:solidFill>
+                              <a:schemeClr val="tx1"/>
+                            </a:solidFill>
+                            <a:latin typeface="Cambria Math" panose="02040503050406030204" pitchFamily="18" charset="0"/>
+                          </a:rPr>
+                          <m:t>𝑓𝑠</m:t>
+                        </m:r>
+                        <m:r>
+                          <a:rPr lang="en-US" sz="1200" i="1" dirty="0">
+                            <a:solidFill>
+                              <a:schemeClr val="tx1"/>
+                            </a:solidFill>
+                            <a:latin typeface="Cambria Math" panose="02040503050406030204" pitchFamily="18" charset="0"/>
+                          </a:rPr>
+                          <m:t>  </m:t>
+                        </m:r>
+                      </m:sub>
+                    </m:sSub>
+                    <m:r>
+                      <a:rPr lang="en-US" sz="1200" b="0" i="0" dirty="0" smtClean="0">
+                        <a:solidFill>
+                          <a:schemeClr val="tx1"/>
+                        </a:solidFill>
+                        <a:latin typeface="Cambria Math" panose="02040503050406030204" pitchFamily="18" charset="0"/>
+                      </a:rPr>
+                      <m:t>+</m:t>
+                    </m:r>
+                    <m:sSub>
+                      <m:sSubPr>
+                        <m:ctrlPr>
+                          <a:rPr lang="en-US" sz="1200" i="1" dirty="0">
+                            <a:solidFill>
+                              <a:schemeClr val="tx1"/>
+                            </a:solidFill>
+                            <a:latin typeface="Cambria Math" panose="02040503050406030204" pitchFamily="18" charset="0"/>
+                          </a:rPr>
+                        </m:ctrlPr>
+                      </m:sSubPr>
+                      <m:e>
+                        <m:sSub>
+                          <m:sSubPr>
+                            <m:ctrlPr>
+                              <a:rPr lang="en-US" sz="1200" i="1" dirty="0">
+                                <a:solidFill>
+                                  <a:schemeClr val="tx1"/>
+                                </a:solidFill>
+                                <a:latin typeface="Cambria Math" panose="02040503050406030204" pitchFamily="18" charset="0"/>
+                              </a:rPr>
+                            </m:ctrlPr>
+                          </m:sSubPr>
+                          <m:e>
+                            <m:acc>
+                              <m:accPr>
+                                <m:chr m:val="̂"/>
+                                <m:ctrlPr>
+                                  <a:rPr lang="en-US" sz="1200" i="1" dirty="0">
+                                    <a:solidFill>
+                                      <a:schemeClr val="tx1"/>
+                                    </a:solidFill>
+                                    <a:latin typeface="Cambria Math" panose="02040503050406030204" pitchFamily="18" charset="0"/>
+                                  </a:rPr>
+                                </m:ctrlPr>
+                              </m:accPr>
+                              <m:e>
+                                <m:r>
+                                  <a:rPr lang="en-US" sz="1200" i="1" dirty="0">
+                                    <a:solidFill>
+                                      <a:schemeClr val="tx1"/>
+                                    </a:solidFill>
+                                    <a:latin typeface="Cambria Math" panose="02040503050406030204" pitchFamily="18" charset="0"/>
+                                  </a:rPr>
+                                  <m:t>𝑆</m:t>
+                                </m:r>
+                              </m:e>
+                            </m:acc>
+                          </m:e>
+                          <m:sub>
+                            <m:r>
+                              <a:rPr lang="en-US" sz="1200" b="0" i="1" dirty="0" smtClean="0">
+                                <a:solidFill>
+                                  <a:schemeClr val="tx1"/>
+                                </a:solidFill>
+                                <a:latin typeface="Cambria Math" panose="02040503050406030204" pitchFamily="18" charset="0"/>
+                              </a:rPr>
+                              <m:t>𝐶</m:t>
+                            </m:r>
+                          </m:sub>
+                        </m:sSub>
+                      </m:e>
+                      <m:sub>
+                        <m:r>
+                          <a:rPr lang="en-US" sz="1200" i="1" dirty="0">
+                            <a:solidFill>
+                              <a:schemeClr val="tx1"/>
+                            </a:solidFill>
+                            <a:latin typeface="Cambria Math" panose="02040503050406030204" pitchFamily="18" charset="0"/>
+                          </a:rPr>
+                          <m:t>𝑓𝑠</m:t>
+                        </m:r>
+                        <m:r>
+                          <a:rPr lang="en-US" sz="1200" i="1" dirty="0">
+                            <a:solidFill>
+                              <a:schemeClr val="tx1"/>
+                            </a:solidFill>
+                            <a:latin typeface="Cambria Math" panose="02040503050406030204" pitchFamily="18" charset="0"/>
+                          </a:rPr>
+                          <m:t> </m:t>
+                        </m:r>
+                      </m:sub>
+                    </m:sSub>
+                    <m:r>
+                      <a:rPr lang="en-US" sz="1200" i="1" dirty="0">
+                        <a:latin typeface="Cambria Math" panose="02040503050406030204" pitchFamily="18" charset="0"/>
+                      </a:rPr>
+                      <m:t>|</m:t>
+                    </m:r>
+                  </m:oMath>
+                </a14:m>
+                <a:endParaRPr lang="en-US" sz="1200" dirty="0">
+                  <a:solidFill>
+                    <a:schemeClr val="tx1"/>
+                  </a:solidFill>
+                </a:endParaRPr>
+              </a:p>
+            </p:txBody>
+          </p:sp>
+        </mc:Choice>
+        <mc:Fallback>
+          <p:sp>
+            <p:nvSpPr>
+              <p:cNvPr id="83" name="TextBox 82">
+                <a:extLst>
+                  <a:ext uri="{FF2B5EF4-FFF2-40B4-BE49-F238E27FC236}">
+                    <a16:creationId xmlns:a16="http://schemas.microsoft.com/office/drawing/2014/main" id="{E18C0BE8-1A89-45BB-A868-7BF9657E7E2A}"/>
+                  </a:ext>
+                </a:extLst>
+              </p:cNvPr>
+              <p:cNvSpPr txBox="1">
+                <a:spLocks noRot="1" noChangeAspect="1" noMove="1" noResize="1" noEditPoints="1" noAdjustHandles="1" noChangeArrowheads="1" noChangeShapeType="1" noTextEdit="1"/>
+              </p:cNvSpPr>
+              <p:nvPr/>
+            </p:nvSpPr>
+            <p:spPr>
+              <a:xfrm>
+                <a:off x="6560573" y="222890"/>
+                <a:ext cx="1994216" cy="327526"/>
+              </a:xfrm>
+              <a:prstGeom prst="rect">
+                <a:avLst/>
+              </a:prstGeom>
+              <a:blipFill>
+                <a:blip r:embed="rId14"/>
+                <a:stretch>
+                  <a:fillRect b="-1887"/>
+                </a:stretch>
+              </a:blipFill>
+            </p:spPr>
+            <p:txBody>
+              <a:bodyPr/>
+              <a:lstStyle/>
+              <a:p>
+                <a:r>
+                  <a:rPr lang="en-US">
+                    <a:noFill/>
+                  </a:rPr>
+                  <a:t> </a:t>
+                </a:r>
+              </a:p>
+            </p:txBody>
+          </p:sp>
+        </mc:Fallback>
+      </mc:AlternateContent>
+      <p:cxnSp>
+        <p:nvCxnSpPr>
+          <p:cNvPr id="84" name="Straight Arrow Connector 83">
+            <a:extLst>
+              <a:ext uri="{FF2B5EF4-FFF2-40B4-BE49-F238E27FC236}">
+                <a16:creationId xmlns:a16="http://schemas.microsoft.com/office/drawing/2014/main" id="{BAC168FF-56DC-4228-B9CC-3748E052FD48}"/>
+              </a:ext>
+            </a:extLst>
+          </p:cNvPr>
+          <p:cNvCxnSpPr>
+            <a:cxnSpLocks/>
+          </p:cNvCxnSpPr>
+          <p:nvPr/>
+        </p:nvCxnSpPr>
+        <p:spPr>
+          <a:xfrm>
+            <a:off x="6621379" y="751694"/>
+            <a:ext cx="1018286" cy="0"/>
+          </a:xfrm>
+          <a:prstGeom prst="straightConnector1">
+            <a:avLst/>
+          </a:prstGeom>
+          <a:ln>
+            <a:solidFill>
+              <a:schemeClr val="tx1"/>
+            </a:solidFill>
+            <a:headEnd type="triangle"/>
+            <a:tailEnd type="triangle"/>
+          </a:ln>
+        </p:spPr>
+        <p:style>
+          <a:lnRef idx="1">
+            <a:schemeClr val="accent1"/>
+          </a:lnRef>
+          <a:fillRef idx="0">
+            <a:schemeClr val="accent1"/>
+          </a:fillRef>
+          <a:effectRef idx="0">
+            <a:schemeClr val="accent1"/>
+          </a:effectRef>
+          <a:fontRef idx="minor">
+            <a:schemeClr val="tx1"/>
+          </a:fontRef>
+        </p:style>
+      </p:cxnSp>
     </p:spTree>
     <p:extLst>
       <p:ext uri="{BB962C8B-B14F-4D97-AF65-F5344CB8AC3E}">
-        <p14:creationId xmlns:p14="http://schemas.microsoft.com/office/powerpoint/2010/main" val="1309511296"/>
+        <p14:creationId xmlns:p14="http://schemas.microsoft.com/office/powerpoint/2010/main" val="2803687178"/>
       </p:ext>
     </p:extLst>
   </p:cSld>
@@ -4613,6 +6583,522 @@
 </file>
 
 <file path=ppt/slides/slide10.xml><?xml version="1.0" encoding="utf-8"?>
+<p:sld xmlns:a="http://schemas.openxmlformats.org/drawingml/2006/main" xmlns:r="http://schemas.openxmlformats.org/officeDocument/2006/relationships" xmlns:p="http://schemas.openxmlformats.org/presentationml/2006/main">
+  <p:cSld>
+    <p:spTree>
+      <p:nvGrpSpPr>
+        <p:cNvPr id="1" name=""/>
+        <p:cNvGrpSpPr/>
+        <p:nvPr/>
+      </p:nvGrpSpPr>
+      <p:grpSpPr>
+        <a:xfrm>
+          <a:off x="0" y="0"/>
+          <a:ext cx="0" cy="0"/>
+          <a:chOff x="0" y="0"/>
+          <a:chExt cx="0" cy="0"/>
+        </a:xfrm>
+      </p:grpSpPr>
+      <p:pic>
+        <p:nvPicPr>
+          <p:cNvPr id="7" name="Picture 6">
+            <a:extLst>
+              <a:ext uri="{FF2B5EF4-FFF2-40B4-BE49-F238E27FC236}">
+                <a16:creationId xmlns:a16="http://schemas.microsoft.com/office/drawing/2014/main" id="{D153176A-8067-413E-9170-17397E461E75}"/>
+              </a:ext>
+            </a:extLst>
+          </p:cNvPr>
+          <p:cNvPicPr>
+            <a:picLocks noChangeAspect="1"/>
+          </p:cNvPicPr>
+          <p:nvPr/>
+        </p:nvPicPr>
+        <p:blipFill>
+          <a:blip r:embed="rId2"/>
+          <a:stretch>
+            <a:fillRect/>
+          </a:stretch>
+        </p:blipFill>
+        <p:spPr>
+          <a:xfrm>
+            <a:off x="2603500" y="742949"/>
+            <a:ext cx="3492500" cy="2619375"/>
+          </a:xfrm>
+          <a:prstGeom prst="rect">
+            <a:avLst/>
+          </a:prstGeom>
+        </p:spPr>
+      </p:pic>
+      <p:pic>
+        <p:nvPicPr>
+          <p:cNvPr id="8" name="Picture 7">
+            <a:extLst>
+              <a:ext uri="{FF2B5EF4-FFF2-40B4-BE49-F238E27FC236}">
+                <a16:creationId xmlns:a16="http://schemas.microsoft.com/office/drawing/2014/main" id="{9E0C33E4-A50F-4D08-A90E-132E954CB368}"/>
+              </a:ext>
+            </a:extLst>
+          </p:cNvPr>
+          <p:cNvPicPr>
+            <a:picLocks noChangeAspect="1"/>
+          </p:cNvPicPr>
+          <p:nvPr/>
+        </p:nvPicPr>
+        <p:blipFill>
+          <a:blip r:embed="rId3"/>
+          <a:stretch>
+            <a:fillRect/>
+          </a:stretch>
+        </p:blipFill>
+        <p:spPr>
+          <a:xfrm>
+            <a:off x="2559045" y="3362324"/>
+            <a:ext cx="3581395" cy="2686047"/>
+          </a:xfrm>
+          <a:prstGeom prst="rect">
+            <a:avLst/>
+          </a:prstGeom>
+        </p:spPr>
+      </p:pic>
+      <p:pic>
+        <p:nvPicPr>
+          <p:cNvPr id="9" name="Picture 8">
+            <a:extLst>
+              <a:ext uri="{FF2B5EF4-FFF2-40B4-BE49-F238E27FC236}">
+                <a16:creationId xmlns:a16="http://schemas.microsoft.com/office/drawing/2014/main" id="{AB62EA78-4353-4D76-86BC-CD5E8CD45F4D}"/>
+              </a:ext>
+            </a:extLst>
+          </p:cNvPr>
+          <p:cNvPicPr>
+            <a:picLocks noChangeAspect="1"/>
+          </p:cNvPicPr>
+          <p:nvPr/>
+        </p:nvPicPr>
+        <p:blipFill>
+          <a:blip r:embed="rId4"/>
+          <a:stretch>
+            <a:fillRect/>
+          </a:stretch>
+        </p:blipFill>
+        <p:spPr>
+          <a:xfrm>
+            <a:off x="6096000" y="742948"/>
+            <a:ext cx="3492500" cy="2619375"/>
+          </a:xfrm>
+          <a:prstGeom prst="rect">
+            <a:avLst/>
+          </a:prstGeom>
+        </p:spPr>
+      </p:pic>
+      <p:pic>
+        <p:nvPicPr>
+          <p:cNvPr id="10" name="Picture 9">
+            <a:extLst>
+              <a:ext uri="{FF2B5EF4-FFF2-40B4-BE49-F238E27FC236}">
+                <a16:creationId xmlns:a16="http://schemas.microsoft.com/office/drawing/2014/main" id="{71867AD2-15BF-4913-99FB-63A7F9577203}"/>
+              </a:ext>
+            </a:extLst>
+          </p:cNvPr>
+          <p:cNvPicPr>
+            <a:picLocks noChangeAspect="1"/>
+          </p:cNvPicPr>
+          <p:nvPr/>
+        </p:nvPicPr>
+        <p:blipFill>
+          <a:blip r:embed="rId5"/>
+          <a:stretch>
+            <a:fillRect/>
+          </a:stretch>
+        </p:blipFill>
+        <p:spPr>
+          <a:xfrm>
+            <a:off x="6095999" y="3362330"/>
+            <a:ext cx="3581395" cy="2686046"/>
+          </a:xfrm>
+          <a:prstGeom prst="rect">
+            <a:avLst/>
+          </a:prstGeom>
+        </p:spPr>
+      </p:pic>
+      <mc:AlternateContent xmlns:mc="http://schemas.openxmlformats.org/markup-compatibility/2006" xmlns:a14="http://schemas.microsoft.com/office/drawing/2010/main">
+        <mc:Choice Requires="a14">
+          <p:sp>
+            <p:nvSpPr>
+              <p:cNvPr id="11" name="TextBox 10">
+                <a:extLst>
+                  <a:ext uri="{FF2B5EF4-FFF2-40B4-BE49-F238E27FC236}">
+                    <a16:creationId xmlns:a16="http://schemas.microsoft.com/office/drawing/2014/main" id="{32C54E2A-E541-4E9D-8CA6-0924546D8C83}"/>
+                  </a:ext>
+                </a:extLst>
+              </p:cNvPr>
+              <p:cNvSpPr txBox="1"/>
+              <p:nvPr/>
+            </p:nvSpPr>
+            <p:spPr>
+              <a:xfrm>
+                <a:off x="3520957" y="5981699"/>
+                <a:ext cx="1796800" cy="358303"/>
+              </a:xfrm>
+              <a:prstGeom prst="rect">
+                <a:avLst/>
+              </a:prstGeom>
+              <a:noFill/>
+            </p:spPr>
+            <p:txBody>
+              <a:bodyPr wrap="square" rtlCol="0">
+                <a:spAutoFit/>
+              </a:bodyPr>
+              <a:lstStyle/>
+              <a:p>
+                <a:pPr/>
+                <a14:m>
+                  <m:oMathPara xmlns:m="http://schemas.openxmlformats.org/officeDocument/2006/math">
+                    <m:oMathParaPr>
+                      <m:jc m:val="centerGroup"/>
+                    </m:oMathParaPr>
+                    <m:oMath xmlns:m="http://schemas.openxmlformats.org/officeDocument/2006/math">
+                      <m:sSub>
+                        <m:sSubPr>
+                          <m:ctrlPr>
+                            <a:rPr lang="en-US" sz="1600" b="0" i="1" smtClean="0">
+                              <a:latin typeface="Cambria Math" panose="02040503050406030204" pitchFamily="18" charset="0"/>
+                            </a:rPr>
+                          </m:ctrlPr>
+                        </m:sSubPr>
+                        <m:e>
+                          <m:r>
+                            <a:rPr lang="en-US" sz="1600" b="0" i="1" smtClean="0">
+                              <a:latin typeface="Cambria Math" panose="02040503050406030204" pitchFamily="18" charset="0"/>
+                            </a:rPr>
+                            <m:t>𝑄</m:t>
+                          </m:r>
+                        </m:e>
+                        <m:sub>
+                          <m:r>
+                            <a:rPr lang="en-US" sz="1600" b="0" i="1" smtClean="0">
+                              <a:latin typeface="Cambria Math" panose="02040503050406030204" pitchFamily="18" charset="0"/>
+                            </a:rPr>
+                            <m:t>𝐴</m:t>
+                          </m:r>
+                        </m:sub>
+                      </m:sSub>
+                      <m:r>
+                        <a:rPr lang="en-US" sz="1600" b="0" i="1" smtClean="0">
+                          <a:latin typeface="Cambria Math" panose="02040503050406030204" pitchFamily="18" charset="0"/>
+                        </a:rPr>
+                        <m:t> (</m:t>
+                      </m:r>
+                      <m:sSub>
+                        <m:sSubPr>
+                          <m:ctrlPr>
+                            <a:rPr lang="en-US" sz="1600" b="0" i="1" smtClean="0">
+                              <a:latin typeface="Cambria Math" panose="02040503050406030204" pitchFamily="18" charset="0"/>
+                            </a:rPr>
+                          </m:ctrlPr>
+                        </m:sSubPr>
+                        <m:e>
+                          <m:r>
+                            <a:rPr lang="en-US" sz="1600" b="0" i="1" smtClean="0">
+                              <a:latin typeface="Cambria Math" panose="02040503050406030204" pitchFamily="18" charset="0"/>
+                            </a:rPr>
+                            <m:t>𝜃</m:t>
+                          </m:r>
+                        </m:e>
+                        <m:sub>
+                          <m:r>
+                            <a:rPr lang="en-US" sz="1600" b="0" i="1" smtClean="0">
+                              <a:latin typeface="Cambria Math" panose="02040503050406030204" pitchFamily="18" charset="0"/>
+                            </a:rPr>
+                            <m:t>𝑓</m:t>
+                          </m:r>
+                        </m:sub>
+                      </m:sSub>
+                      <m:r>
+                        <a:rPr lang="en-US" sz="1600" b="0" i="1" smtClean="0">
+                          <a:latin typeface="Cambria Math" panose="02040503050406030204" pitchFamily="18" charset="0"/>
+                        </a:rPr>
+                        <m:t>=</m:t>
+                      </m:r>
+                      <m:sSup>
+                        <m:sSupPr>
+                          <m:ctrlPr>
+                            <a:rPr lang="en-US" sz="1600" b="0" i="1" smtClean="0">
+                              <a:latin typeface="Cambria Math" panose="02040503050406030204" pitchFamily="18" charset="0"/>
+                            </a:rPr>
+                          </m:ctrlPr>
+                        </m:sSupPr>
+                        <m:e>
+                          <m:r>
+                            <a:rPr lang="en-US" sz="1600" b="0" i="1" smtClean="0">
+                              <a:latin typeface="Cambria Math" panose="02040503050406030204" pitchFamily="18" charset="0"/>
+                            </a:rPr>
+                            <m:t>120</m:t>
+                          </m:r>
+                        </m:e>
+                        <m:sup>
+                          <m:r>
+                            <a:rPr lang="en-US" sz="1600" b="0" i="1" smtClean="0">
+                              <a:latin typeface="Cambria Math" panose="02040503050406030204" pitchFamily="18" charset="0"/>
+                            </a:rPr>
+                            <m:t>𝑜</m:t>
+                          </m:r>
+                        </m:sup>
+                      </m:sSup>
+                      <m:r>
+                        <a:rPr lang="en-US" sz="1600" b="0" i="1" smtClean="0">
+                          <a:latin typeface="Cambria Math" panose="02040503050406030204" pitchFamily="18" charset="0"/>
+                        </a:rPr>
+                        <m:t>)</m:t>
+                      </m:r>
+                    </m:oMath>
+                  </m:oMathPara>
+                </a14:m>
+                <a:endParaRPr lang="en-US" sz="1600" dirty="0"/>
+              </a:p>
+            </p:txBody>
+          </p:sp>
+        </mc:Choice>
+        <mc:Fallback xmlns="">
+          <p:sp>
+            <p:nvSpPr>
+              <p:cNvPr id="11" name="TextBox 10">
+                <a:extLst>
+                  <a:ext uri="{FF2B5EF4-FFF2-40B4-BE49-F238E27FC236}">
+                    <a16:creationId xmlns:a16="http://schemas.microsoft.com/office/drawing/2014/main" id="{32C54E2A-E541-4E9D-8CA6-0924546D8C83}"/>
+                  </a:ext>
+                </a:extLst>
+              </p:cNvPr>
+              <p:cNvSpPr txBox="1">
+                <a:spLocks noRot="1" noChangeAspect="1" noMove="1" noResize="1" noEditPoints="1" noAdjustHandles="1" noChangeArrowheads="1" noChangeShapeType="1" noTextEdit="1"/>
+              </p:cNvSpPr>
+              <p:nvPr/>
+            </p:nvSpPr>
+            <p:spPr>
+              <a:xfrm>
+                <a:off x="3520957" y="5981699"/>
+                <a:ext cx="1796800" cy="358303"/>
+              </a:xfrm>
+              <a:prstGeom prst="rect">
+                <a:avLst/>
+              </a:prstGeom>
+              <a:blipFill>
+                <a:blip r:embed="rId6"/>
+                <a:stretch>
+                  <a:fillRect b="-6780"/>
+                </a:stretch>
+              </a:blipFill>
+            </p:spPr>
+            <p:txBody>
+              <a:bodyPr/>
+              <a:lstStyle/>
+              <a:p>
+                <a:r>
+                  <a:rPr lang="en-US">
+                    <a:noFill/>
+                  </a:rPr>
+                  <a:t> </a:t>
+                </a:r>
+              </a:p>
+            </p:txBody>
+          </p:sp>
+        </mc:Fallback>
+      </mc:AlternateContent>
+      <mc:AlternateContent xmlns:mc="http://schemas.openxmlformats.org/markup-compatibility/2006" xmlns:a14="http://schemas.microsoft.com/office/drawing/2010/main">
+        <mc:Choice Requires="a14">
+          <p:sp>
+            <p:nvSpPr>
+              <p:cNvPr id="12" name="TextBox 11">
+                <a:extLst>
+                  <a:ext uri="{FF2B5EF4-FFF2-40B4-BE49-F238E27FC236}">
+                    <a16:creationId xmlns:a16="http://schemas.microsoft.com/office/drawing/2014/main" id="{51B074EF-AD5D-4598-A4AA-672E24C83D04}"/>
+                  </a:ext>
+                </a:extLst>
+              </p:cNvPr>
+              <p:cNvSpPr txBox="1"/>
+              <p:nvPr/>
+            </p:nvSpPr>
+            <p:spPr>
+              <a:xfrm>
+                <a:off x="6843247" y="5981699"/>
+                <a:ext cx="2042445" cy="358303"/>
+              </a:xfrm>
+              <a:prstGeom prst="rect">
+                <a:avLst/>
+              </a:prstGeom>
+              <a:noFill/>
+            </p:spPr>
+            <p:txBody>
+              <a:bodyPr wrap="square" rtlCol="0">
+                <a:spAutoFit/>
+              </a:bodyPr>
+              <a:lstStyle/>
+              <a:p>
+                <a:pPr/>
+                <a14:m>
+                  <m:oMathPara xmlns:m="http://schemas.openxmlformats.org/officeDocument/2006/math">
+                    <m:oMathParaPr>
+                      <m:jc m:val="centerGroup"/>
+                    </m:oMathParaPr>
+                    <m:oMath xmlns:m="http://schemas.openxmlformats.org/officeDocument/2006/math">
+                      <m:sSub>
+                        <m:sSubPr>
+                          <m:ctrlPr>
+                            <a:rPr lang="en-US" sz="1600" b="0" i="1" smtClean="0">
+                              <a:latin typeface="Cambria Math" panose="02040503050406030204" pitchFamily="18" charset="0"/>
+                            </a:rPr>
+                          </m:ctrlPr>
+                        </m:sSubPr>
+                        <m:e>
+                          <m:r>
+                            <a:rPr lang="en-US" sz="1600" b="0" i="1" smtClean="0">
+                              <a:latin typeface="Cambria Math" panose="02040503050406030204" pitchFamily="18" charset="0"/>
+                            </a:rPr>
+                            <m:t>𝑄</m:t>
+                          </m:r>
+                        </m:e>
+                        <m:sub>
+                          <m:r>
+                            <a:rPr lang="en-US" sz="1600" b="0" i="1" smtClean="0">
+                              <a:latin typeface="Cambria Math" panose="02040503050406030204" pitchFamily="18" charset="0"/>
+                            </a:rPr>
+                            <m:t>𝐵</m:t>
+                          </m:r>
+                        </m:sub>
+                      </m:sSub>
+                      <m:r>
+                        <a:rPr lang="en-US" sz="1600" b="0" i="1" smtClean="0">
+                          <a:latin typeface="Cambria Math" panose="02040503050406030204" pitchFamily="18" charset="0"/>
+                        </a:rPr>
+                        <m:t>=(</m:t>
+                      </m:r>
+                      <m:sSub>
+                        <m:sSubPr>
+                          <m:ctrlPr>
+                            <a:rPr lang="en-US" sz="1600" b="0" i="1" smtClean="0">
+                              <a:latin typeface="Cambria Math" panose="02040503050406030204" pitchFamily="18" charset="0"/>
+                            </a:rPr>
+                          </m:ctrlPr>
+                        </m:sSubPr>
+                        <m:e>
+                          <m:r>
+                            <a:rPr lang="en-US" sz="1600" b="0" i="1" smtClean="0">
+                              <a:latin typeface="Cambria Math" panose="02040503050406030204" pitchFamily="18" charset="0"/>
+                            </a:rPr>
+                            <m:t>𝜃</m:t>
+                          </m:r>
+                        </m:e>
+                        <m:sub>
+                          <m:r>
+                            <a:rPr lang="en-US" sz="1600" b="0" i="1" smtClean="0">
+                              <a:latin typeface="Cambria Math" panose="02040503050406030204" pitchFamily="18" charset="0"/>
+                            </a:rPr>
+                            <m:t>𝑓</m:t>
+                          </m:r>
+                        </m:sub>
+                      </m:sSub>
+                      <m:r>
+                        <a:rPr lang="en-US" sz="1600" b="0" i="1" smtClean="0">
+                          <a:latin typeface="Cambria Math" panose="02040503050406030204" pitchFamily="18" charset="0"/>
+                        </a:rPr>
+                        <m:t>=</m:t>
+                      </m:r>
+                      <m:sSup>
+                        <m:sSupPr>
+                          <m:ctrlPr>
+                            <a:rPr lang="en-US" sz="1600" b="0" i="1" smtClean="0">
+                              <a:latin typeface="Cambria Math" panose="02040503050406030204" pitchFamily="18" charset="0"/>
+                            </a:rPr>
+                          </m:ctrlPr>
+                        </m:sSupPr>
+                        <m:e>
+                          <m:r>
+                            <a:rPr lang="en-US" sz="1600" b="0" i="1" smtClean="0">
+                              <a:latin typeface="Cambria Math" panose="02040503050406030204" pitchFamily="18" charset="0"/>
+                            </a:rPr>
+                            <m:t>180</m:t>
+                          </m:r>
+                        </m:e>
+                        <m:sup>
+                          <m:r>
+                            <a:rPr lang="en-US" sz="1600" b="0" i="1" smtClean="0">
+                              <a:latin typeface="Cambria Math" panose="02040503050406030204" pitchFamily="18" charset="0"/>
+                            </a:rPr>
+                            <m:t>𝑜</m:t>
+                          </m:r>
+                        </m:sup>
+                      </m:sSup>
+                      <m:r>
+                        <a:rPr lang="en-US" sz="1600" b="0" i="1" smtClean="0">
+                          <a:latin typeface="Cambria Math" panose="02040503050406030204" pitchFamily="18" charset="0"/>
+                        </a:rPr>
+                        <m:t>)</m:t>
+                      </m:r>
+                    </m:oMath>
+                  </m:oMathPara>
+                </a14:m>
+                <a:endParaRPr lang="en-US" sz="1600" dirty="0"/>
+              </a:p>
+            </p:txBody>
+          </p:sp>
+        </mc:Choice>
+        <mc:Fallback xmlns="">
+          <p:sp>
+            <p:nvSpPr>
+              <p:cNvPr id="12" name="TextBox 11">
+                <a:extLst>
+                  <a:ext uri="{FF2B5EF4-FFF2-40B4-BE49-F238E27FC236}">
+                    <a16:creationId xmlns:a16="http://schemas.microsoft.com/office/drawing/2014/main" id="{51B074EF-AD5D-4598-A4AA-672E24C83D04}"/>
+                  </a:ext>
+                </a:extLst>
+              </p:cNvPr>
+              <p:cNvSpPr txBox="1">
+                <a:spLocks noRot="1" noChangeAspect="1" noMove="1" noResize="1" noEditPoints="1" noAdjustHandles="1" noChangeArrowheads="1" noChangeShapeType="1" noTextEdit="1"/>
+              </p:cNvSpPr>
+              <p:nvPr/>
+            </p:nvSpPr>
+            <p:spPr>
+              <a:xfrm>
+                <a:off x="6843247" y="5981699"/>
+                <a:ext cx="2042445" cy="358303"/>
+              </a:xfrm>
+              <a:prstGeom prst="rect">
+                <a:avLst/>
+              </a:prstGeom>
+              <a:blipFill>
+                <a:blip r:embed="rId7"/>
+                <a:stretch>
+                  <a:fillRect b="-6780"/>
+                </a:stretch>
+              </a:blipFill>
+            </p:spPr>
+            <p:txBody>
+              <a:bodyPr/>
+              <a:lstStyle/>
+              <a:p>
+                <a:r>
+                  <a:rPr lang="en-US">
+                    <a:noFill/>
+                  </a:rPr>
+                  <a:t> </a:t>
+                </a:r>
+              </a:p>
+            </p:txBody>
+          </p:sp>
+        </mc:Fallback>
+      </mc:AlternateContent>
+    </p:spTree>
+    <p:extLst>
+      <p:ext uri="{BB962C8B-B14F-4D97-AF65-F5344CB8AC3E}">
+        <p14:creationId xmlns:p14="http://schemas.microsoft.com/office/powerpoint/2010/main" val="1894043900"/>
+      </p:ext>
+    </p:extLst>
+  </p:cSld>
+  <p:clrMapOvr>
+    <a:masterClrMapping/>
+  </p:clrMapOvr>
+</p:sld>
+</file>
+
+<file path=ppt/slides/slide11.xml><?xml version="1.0" encoding="utf-8"?>
 <p:sld xmlns:a="http://schemas.openxmlformats.org/drawingml/2006/main" xmlns:r="http://schemas.openxmlformats.org/officeDocument/2006/relationships" xmlns:p="http://schemas.openxmlformats.org/presentationml/2006/main">
   <p:cSld>
     <p:spTree>
@@ -4672,7 +7158,7 @@
 </p:sld>
 </file>
 
-<file path=ppt/slides/slide11.xml><?xml version="1.0" encoding="utf-8"?>
+<file path=ppt/slides/slide12.xml><?xml version="1.0" encoding="utf-8"?>
 <p:sld xmlns:a="http://schemas.openxmlformats.org/drawingml/2006/main" xmlns:r="http://schemas.openxmlformats.org/officeDocument/2006/relationships" xmlns:p="http://schemas.openxmlformats.org/presentationml/2006/main">
   <p:cSld>
     <p:spTree>
@@ -4810,6 +7296,764 @@
 </file>
 
 <file path=ppt/slides/slide2.xml><?xml version="1.0" encoding="utf-8"?>
+<p:sld xmlns:a="http://schemas.openxmlformats.org/drawingml/2006/main" xmlns:r="http://schemas.openxmlformats.org/officeDocument/2006/relationships" xmlns:p="http://schemas.openxmlformats.org/presentationml/2006/main">
+  <p:cSld>
+    <p:spTree>
+      <p:nvGrpSpPr>
+        <p:cNvPr id="1" name=""/>
+        <p:cNvGrpSpPr/>
+        <p:nvPr/>
+      </p:nvGrpSpPr>
+      <p:grpSpPr>
+        <a:xfrm>
+          <a:off x="0" y="0"/>
+          <a:ext cx="0" cy="0"/>
+          <a:chOff x="0" y="0"/>
+          <a:chExt cx="0" cy="0"/>
+        </a:xfrm>
+      </p:grpSpPr>
+      <p:pic>
+        <p:nvPicPr>
+          <p:cNvPr id="6" name="Picture 5">
+            <a:extLst>
+              <a:ext uri="{FF2B5EF4-FFF2-40B4-BE49-F238E27FC236}">
+                <a16:creationId xmlns:a16="http://schemas.microsoft.com/office/drawing/2014/main" id="{BF68411F-B2F7-4BFC-B2D1-D8A9684DED33}"/>
+              </a:ext>
+            </a:extLst>
+          </p:cNvPr>
+          <p:cNvPicPr>
+            <a:picLocks noChangeAspect="1"/>
+          </p:cNvPicPr>
+          <p:nvPr/>
+        </p:nvPicPr>
+        <p:blipFill>
+          <a:blip r:embed="rId2"/>
+          <a:stretch>
+            <a:fillRect/>
+          </a:stretch>
+        </p:blipFill>
+        <p:spPr>
+          <a:xfrm>
+            <a:off x="6413500" y="82550"/>
+            <a:ext cx="3810000" cy="2857500"/>
+          </a:xfrm>
+          <a:prstGeom prst="rect">
+            <a:avLst/>
+          </a:prstGeom>
+        </p:spPr>
+      </p:pic>
+      <p:pic>
+        <p:nvPicPr>
+          <p:cNvPr id="7" name="Picture 6">
+            <a:extLst>
+              <a:ext uri="{FF2B5EF4-FFF2-40B4-BE49-F238E27FC236}">
+                <a16:creationId xmlns:a16="http://schemas.microsoft.com/office/drawing/2014/main" id="{1DD983C6-CD75-4596-91B7-A256687E62B5}"/>
+              </a:ext>
+            </a:extLst>
+          </p:cNvPr>
+          <p:cNvPicPr>
+            <a:picLocks noChangeAspect="1"/>
+          </p:cNvPicPr>
+          <p:nvPr/>
+        </p:nvPicPr>
+        <p:blipFill>
+          <a:blip r:embed="rId3"/>
+          <a:stretch>
+            <a:fillRect/>
+          </a:stretch>
+        </p:blipFill>
+        <p:spPr>
+          <a:xfrm>
+            <a:off x="3244850" y="82550"/>
+            <a:ext cx="3810000" cy="2857500"/>
+          </a:xfrm>
+          <a:prstGeom prst="rect">
+            <a:avLst/>
+          </a:prstGeom>
+        </p:spPr>
+      </p:pic>
+      <p:pic>
+        <p:nvPicPr>
+          <p:cNvPr id="4" name="Picture 3">
+            <a:extLst>
+              <a:ext uri="{FF2B5EF4-FFF2-40B4-BE49-F238E27FC236}">
+                <a16:creationId xmlns:a16="http://schemas.microsoft.com/office/drawing/2014/main" id="{3BDE6267-6C96-43EC-9F5A-7DAB7BF36953}"/>
+              </a:ext>
+            </a:extLst>
+          </p:cNvPr>
+          <p:cNvPicPr>
+            <a:picLocks noChangeAspect="1"/>
+          </p:cNvPicPr>
+          <p:nvPr/>
+        </p:nvPicPr>
+        <p:blipFill>
+          <a:blip r:embed="rId4"/>
+          <a:stretch>
+            <a:fillRect/>
+          </a:stretch>
+        </p:blipFill>
+        <p:spPr>
+          <a:xfrm>
+            <a:off x="6413500" y="2489201"/>
+            <a:ext cx="3810000" cy="2857500"/>
+          </a:xfrm>
+          <a:prstGeom prst="rect">
+            <a:avLst/>
+          </a:prstGeom>
+        </p:spPr>
+      </p:pic>
+      <p:pic>
+        <p:nvPicPr>
+          <p:cNvPr id="5" name="Picture 4">
+            <a:extLst>
+              <a:ext uri="{FF2B5EF4-FFF2-40B4-BE49-F238E27FC236}">
+                <a16:creationId xmlns:a16="http://schemas.microsoft.com/office/drawing/2014/main" id="{EDA23D2C-40D7-4360-A8A4-4E0DD391D206}"/>
+              </a:ext>
+            </a:extLst>
+          </p:cNvPr>
+          <p:cNvPicPr>
+            <a:picLocks noChangeAspect="1"/>
+          </p:cNvPicPr>
+          <p:nvPr/>
+        </p:nvPicPr>
+        <p:blipFill>
+          <a:blip r:embed="rId5"/>
+          <a:stretch>
+            <a:fillRect/>
+          </a:stretch>
+        </p:blipFill>
+        <p:spPr>
+          <a:xfrm>
+            <a:off x="3244850" y="2489201"/>
+            <a:ext cx="3810000" cy="2857500"/>
+          </a:xfrm>
+          <a:prstGeom prst="rect">
+            <a:avLst/>
+          </a:prstGeom>
+        </p:spPr>
+      </p:pic>
+      <mc:AlternateContent xmlns:mc="http://schemas.openxmlformats.org/markup-compatibility/2006" xmlns:a14="http://schemas.microsoft.com/office/drawing/2010/main">
+        <mc:Choice Requires="a14">
+          <p:sp>
+            <p:nvSpPr>
+              <p:cNvPr id="8" name="TextBox 7">
+                <a:extLst>
+                  <a:ext uri="{FF2B5EF4-FFF2-40B4-BE49-F238E27FC236}">
+                    <a16:creationId xmlns:a16="http://schemas.microsoft.com/office/drawing/2014/main" id="{5F5F4DE4-72D4-45E1-9873-BBC206FA90B1}"/>
+                  </a:ext>
+                </a:extLst>
+              </p:cNvPr>
+              <p:cNvSpPr txBox="1"/>
+              <p:nvPr/>
+            </p:nvSpPr>
+            <p:spPr>
+              <a:xfrm>
+                <a:off x="4686300" y="571500"/>
+                <a:ext cx="1409700" cy="338554"/>
+              </a:xfrm>
+              <a:prstGeom prst="rect">
+                <a:avLst/>
+              </a:prstGeom>
+              <a:noFill/>
+            </p:spPr>
+            <p:txBody>
+              <a:bodyPr wrap="square" rtlCol="0">
+                <a:spAutoFit/>
+              </a:bodyPr>
+              <a:lstStyle/>
+              <a:p>
+                <a:pPr/>
+                <a14:m>
+                  <m:oMathPara xmlns:m="http://schemas.openxmlformats.org/officeDocument/2006/math">
+                    <m:oMathParaPr>
+                      <m:jc m:val="centerGroup"/>
+                    </m:oMathParaPr>
+                    <m:oMath xmlns:m="http://schemas.openxmlformats.org/officeDocument/2006/math">
+                      <m:sSub>
+                        <m:sSubPr>
+                          <m:ctrlPr>
+                            <a:rPr lang="en-US" sz="1600" b="0" i="1" smtClean="0">
+                              <a:solidFill>
+                                <a:schemeClr val="tx1">
+                                  <a:lumMod val="75000"/>
+                                  <a:lumOff val="25000"/>
+                                </a:schemeClr>
+                              </a:solidFill>
+                              <a:latin typeface="Cambria Math" panose="02040503050406030204" pitchFamily="18" charset="0"/>
+                            </a:rPr>
+                          </m:ctrlPr>
+                        </m:sSubPr>
+                        <m:e>
+                          <m:r>
+                            <a:rPr lang="en-US" sz="1600" b="0" i="1" smtClean="0">
+                              <a:solidFill>
+                                <a:schemeClr val="tx1">
+                                  <a:lumMod val="75000"/>
+                                  <a:lumOff val="25000"/>
+                                </a:schemeClr>
+                              </a:solidFill>
+                              <a:latin typeface="Cambria Math" panose="02040503050406030204" pitchFamily="18" charset="0"/>
+                            </a:rPr>
+                            <m:t>𝑚</m:t>
+                          </m:r>
+                        </m:e>
+                        <m:sub>
+                          <m:r>
+                            <a:rPr lang="en-US" sz="1600" b="0" i="1" smtClean="0">
+                              <a:solidFill>
+                                <a:schemeClr val="tx1">
+                                  <a:lumMod val="75000"/>
+                                  <a:lumOff val="25000"/>
+                                </a:schemeClr>
+                              </a:solidFill>
+                              <a:latin typeface="Cambria Math" panose="02040503050406030204" pitchFamily="18" charset="0"/>
+                            </a:rPr>
+                            <m:t>𝑎</m:t>
+                          </m:r>
+                        </m:sub>
+                      </m:sSub>
+                      <m:r>
+                        <a:rPr lang="en-US" sz="1600" b="0" i="1" smtClean="0">
+                          <a:solidFill>
+                            <a:schemeClr val="tx1">
+                              <a:lumMod val="75000"/>
+                              <a:lumOff val="25000"/>
+                            </a:schemeClr>
+                          </a:solidFill>
+                          <a:latin typeface="Cambria Math" panose="02040503050406030204" pitchFamily="18" charset="0"/>
+                        </a:rPr>
+                        <m:t>=0 </m:t>
+                      </m:r>
+                    </m:oMath>
+                  </m:oMathPara>
+                </a14:m>
+                <a:endParaRPr lang="en-US" dirty="0">
+                  <a:solidFill>
+                    <a:schemeClr val="tx1">
+                      <a:lumMod val="75000"/>
+                      <a:lumOff val="25000"/>
+                    </a:schemeClr>
+                  </a:solidFill>
+                </a:endParaRPr>
+              </a:p>
+            </p:txBody>
+          </p:sp>
+        </mc:Choice>
+        <mc:Fallback xmlns="">
+          <p:sp>
+            <p:nvSpPr>
+              <p:cNvPr id="8" name="TextBox 7">
+                <a:extLst>
+                  <a:ext uri="{FF2B5EF4-FFF2-40B4-BE49-F238E27FC236}">
+                    <a16:creationId xmlns:a16="http://schemas.microsoft.com/office/drawing/2014/main" id="{5F5F4DE4-72D4-45E1-9873-BBC206FA90B1}"/>
+                  </a:ext>
+                </a:extLst>
+              </p:cNvPr>
+              <p:cNvSpPr txBox="1">
+                <a:spLocks noRot="1" noChangeAspect="1" noMove="1" noResize="1" noEditPoints="1" noAdjustHandles="1" noChangeArrowheads="1" noChangeShapeType="1" noTextEdit="1"/>
+              </p:cNvSpPr>
+              <p:nvPr/>
+            </p:nvSpPr>
+            <p:spPr>
+              <a:xfrm>
+                <a:off x="4686300" y="571500"/>
+                <a:ext cx="1409700" cy="338554"/>
+              </a:xfrm>
+              <a:prstGeom prst="rect">
+                <a:avLst/>
+              </a:prstGeom>
+              <a:blipFill>
+                <a:blip r:embed="rId6"/>
+                <a:stretch>
+                  <a:fillRect/>
+                </a:stretch>
+              </a:blipFill>
+            </p:spPr>
+            <p:txBody>
+              <a:bodyPr/>
+              <a:lstStyle/>
+              <a:p>
+                <a:r>
+                  <a:rPr lang="en-US">
+                    <a:noFill/>
+                  </a:rPr>
+                  <a:t> </a:t>
+                </a:r>
+              </a:p>
+            </p:txBody>
+          </p:sp>
+        </mc:Fallback>
+      </mc:AlternateContent>
+      <mc:AlternateContent xmlns:mc="http://schemas.openxmlformats.org/markup-compatibility/2006" xmlns:a14="http://schemas.microsoft.com/office/drawing/2010/main">
+        <mc:Choice Requires="a14">
+          <p:sp>
+            <p:nvSpPr>
+              <p:cNvPr id="9" name="TextBox 8">
+                <a:extLst>
+                  <a:ext uri="{FF2B5EF4-FFF2-40B4-BE49-F238E27FC236}">
+                    <a16:creationId xmlns:a16="http://schemas.microsoft.com/office/drawing/2014/main" id="{20B5B73E-652B-47B1-B2FC-C1618E005E82}"/>
+                  </a:ext>
+                </a:extLst>
+              </p:cNvPr>
+              <p:cNvSpPr txBox="1"/>
+              <p:nvPr/>
+            </p:nvSpPr>
+            <p:spPr>
+              <a:xfrm>
+                <a:off x="7454900" y="601077"/>
+                <a:ext cx="1409700" cy="338554"/>
+              </a:xfrm>
+              <a:prstGeom prst="rect">
+                <a:avLst/>
+              </a:prstGeom>
+              <a:noFill/>
+            </p:spPr>
+            <p:txBody>
+              <a:bodyPr wrap="square" rtlCol="0">
+                <a:spAutoFit/>
+              </a:bodyPr>
+              <a:lstStyle/>
+              <a:p>
+                <a:pPr/>
+                <a14:m>
+                  <m:oMathPara xmlns:m="http://schemas.openxmlformats.org/officeDocument/2006/math">
+                    <m:oMathParaPr>
+                      <m:jc m:val="centerGroup"/>
+                    </m:oMathParaPr>
+                    <m:oMath xmlns:m="http://schemas.openxmlformats.org/officeDocument/2006/math">
+                      <m:sSub>
+                        <m:sSubPr>
+                          <m:ctrlPr>
+                            <a:rPr lang="en-US" sz="1600" b="0" i="1" smtClean="0">
+                              <a:solidFill>
+                                <a:schemeClr val="tx1">
+                                  <a:lumMod val="75000"/>
+                                  <a:lumOff val="25000"/>
+                                </a:schemeClr>
+                              </a:solidFill>
+                              <a:latin typeface="Cambria Math" panose="02040503050406030204" pitchFamily="18" charset="0"/>
+                            </a:rPr>
+                          </m:ctrlPr>
+                        </m:sSubPr>
+                        <m:e>
+                          <m:r>
+                            <a:rPr lang="en-US" sz="1600" b="0" i="1" smtClean="0">
+                              <a:solidFill>
+                                <a:schemeClr val="tx1">
+                                  <a:lumMod val="75000"/>
+                                  <a:lumOff val="25000"/>
+                                </a:schemeClr>
+                              </a:solidFill>
+                              <a:latin typeface="Cambria Math" panose="02040503050406030204" pitchFamily="18" charset="0"/>
+                            </a:rPr>
+                            <m:t>𝑚</m:t>
+                          </m:r>
+                        </m:e>
+                        <m:sub>
+                          <m:r>
+                            <a:rPr lang="en-US" sz="1600" b="0" i="1" smtClean="0">
+                              <a:solidFill>
+                                <a:schemeClr val="tx1">
+                                  <a:lumMod val="75000"/>
+                                  <a:lumOff val="25000"/>
+                                </a:schemeClr>
+                              </a:solidFill>
+                              <a:latin typeface="Cambria Math" panose="02040503050406030204" pitchFamily="18" charset="0"/>
+                            </a:rPr>
+                            <m:t>𝑎</m:t>
+                          </m:r>
+                        </m:sub>
+                      </m:sSub>
+                      <m:r>
+                        <a:rPr lang="en-US" sz="1600" b="0" i="1" smtClean="0">
+                          <a:solidFill>
+                            <a:schemeClr val="tx1">
+                              <a:lumMod val="75000"/>
+                              <a:lumOff val="25000"/>
+                            </a:schemeClr>
+                          </a:solidFill>
+                          <a:latin typeface="Cambria Math" panose="02040503050406030204" pitchFamily="18" charset="0"/>
+                        </a:rPr>
+                        <m:t>=0.3 </m:t>
+                      </m:r>
+                    </m:oMath>
+                  </m:oMathPara>
+                </a14:m>
+                <a:endParaRPr lang="en-US" dirty="0">
+                  <a:solidFill>
+                    <a:schemeClr val="tx1">
+                      <a:lumMod val="75000"/>
+                      <a:lumOff val="25000"/>
+                    </a:schemeClr>
+                  </a:solidFill>
+                </a:endParaRPr>
+              </a:p>
+            </p:txBody>
+          </p:sp>
+        </mc:Choice>
+        <mc:Fallback xmlns="">
+          <p:sp>
+            <p:nvSpPr>
+              <p:cNvPr id="9" name="TextBox 8">
+                <a:extLst>
+                  <a:ext uri="{FF2B5EF4-FFF2-40B4-BE49-F238E27FC236}">
+                    <a16:creationId xmlns:a16="http://schemas.microsoft.com/office/drawing/2014/main" id="{20B5B73E-652B-47B1-B2FC-C1618E005E82}"/>
+                  </a:ext>
+                </a:extLst>
+              </p:cNvPr>
+              <p:cNvSpPr txBox="1">
+                <a:spLocks noRot="1" noChangeAspect="1" noMove="1" noResize="1" noEditPoints="1" noAdjustHandles="1" noChangeArrowheads="1" noChangeShapeType="1" noTextEdit="1"/>
+              </p:cNvSpPr>
+              <p:nvPr/>
+            </p:nvSpPr>
+            <p:spPr>
+              <a:xfrm>
+                <a:off x="7454900" y="601077"/>
+                <a:ext cx="1409700" cy="338554"/>
+              </a:xfrm>
+              <a:prstGeom prst="rect">
+                <a:avLst/>
+              </a:prstGeom>
+              <a:blipFill>
+                <a:blip r:embed="rId7"/>
+                <a:stretch>
+                  <a:fillRect/>
+                </a:stretch>
+              </a:blipFill>
+            </p:spPr>
+            <p:txBody>
+              <a:bodyPr/>
+              <a:lstStyle/>
+              <a:p>
+                <a:r>
+                  <a:rPr lang="en-US">
+                    <a:noFill/>
+                  </a:rPr>
+                  <a:t> </a:t>
+                </a:r>
+              </a:p>
+            </p:txBody>
+          </p:sp>
+        </mc:Fallback>
+      </mc:AlternateContent>
+      <mc:AlternateContent xmlns:mc="http://schemas.openxmlformats.org/markup-compatibility/2006" xmlns:a14="http://schemas.microsoft.com/office/drawing/2010/main">
+        <mc:Choice Requires="a14">
+          <p:sp>
+            <p:nvSpPr>
+              <p:cNvPr id="10" name="TextBox 9">
+                <a:extLst>
+                  <a:ext uri="{FF2B5EF4-FFF2-40B4-BE49-F238E27FC236}">
+                    <a16:creationId xmlns:a16="http://schemas.microsoft.com/office/drawing/2014/main" id="{B753ED0B-DA1F-4019-8104-1328AB81896E}"/>
+                  </a:ext>
+                </a:extLst>
+              </p:cNvPr>
+              <p:cNvSpPr txBox="1"/>
+              <p:nvPr/>
+            </p:nvSpPr>
+            <p:spPr>
+              <a:xfrm>
+                <a:off x="4603750" y="2940050"/>
+                <a:ext cx="1409700" cy="338554"/>
+              </a:xfrm>
+              <a:prstGeom prst="rect">
+                <a:avLst/>
+              </a:prstGeom>
+              <a:noFill/>
+            </p:spPr>
+            <p:txBody>
+              <a:bodyPr wrap="square" rtlCol="0">
+                <a:spAutoFit/>
+              </a:bodyPr>
+              <a:lstStyle/>
+              <a:p>
+                <a:pPr/>
+                <a14:m>
+                  <m:oMathPara xmlns:m="http://schemas.openxmlformats.org/officeDocument/2006/math">
+                    <m:oMathParaPr>
+                      <m:jc m:val="centerGroup"/>
+                    </m:oMathParaPr>
+                    <m:oMath xmlns:m="http://schemas.openxmlformats.org/officeDocument/2006/math">
+                      <m:sSub>
+                        <m:sSubPr>
+                          <m:ctrlPr>
+                            <a:rPr lang="en-US" sz="1600" b="0" i="1" smtClean="0">
+                              <a:solidFill>
+                                <a:schemeClr val="tx1">
+                                  <a:lumMod val="75000"/>
+                                  <a:lumOff val="25000"/>
+                                </a:schemeClr>
+                              </a:solidFill>
+                              <a:latin typeface="Cambria Math" panose="02040503050406030204" pitchFamily="18" charset="0"/>
+                            </a:rPr>
+                          </m:ctrlPr>
+                        </m:sSubPr>
+                        <m:e>
+                          <m:r>
+                            <a:rPr lang="en-US" sz="1600" b="0" i="1" smtClean="0">
+                              <a:solidFill>
+                                <a:schemeClr val="tx1">
+                                  <a:lumMod val="75000"/>
+                                  <a:lumOff val="25000"/>
+                                </a:schemeClr>
+                              </a:solidFill>
+                              <a:latin typeface="Cambria Math" panose="02040503050406030204" pitchFamily="18" charset="0"/>
+                            </a:rPr>
+                            <m:t>𝑚</m:t>
+                          </m:r>
+                        </m:e>
+                        <m:sub>
+                          <m:r>
+                            <a:rPr lang="en-US" sz="1600" b="0" i="1" smtClean="0">
+                              <a:solidFill>
+                                <a:schemeClr val="tx1">
+                                  <a:lumMod val="75000"/>
+                                  <a:lumOff val="25000"/>
+                                </a:schemeClr>
+                              </a:solidFill>
+                              <a:latin typeface="Cambria Math" panose="02040503050406030204" pitchFamily="18" charset="0"/>
+                            </a:rPr>
+                            <m:t>𝑎</m:t>
+                          </m:r>
+                        </m:sub>
+                      </m:sSub>
+                      <m:r>
+                        <a:rPr lang="en-US" sz="1600" b="0" i="1" smtClean="0">
+                          <a:solidFill>
+                            <a:schemeClr val="tx1">
+                              <a:lumMod val="75000"/>
+                              <a:lumOff val="25000"/>
+                            </a:schemeClr>
+                          </a:solidFill>
+                          <a:latin typeface="Cambria Math" panose="02040503050406030204" pitchFamily="18" charset="0"/>
+                        </a:rPr>
+                        <m:t>=0.6 </m:t>
+                      </m:r>
+                    </m:oMath>
+                  </m:oMathPara>
+                </a14:m>
+                <a:endParaRPr lang="en-US" dirty="0">
+                  <a:solidFill>
+                    <a:schemeClr val="tx1">
+                      <a:lumMod val="75000"/>
+                      <a:lumOff val="25000"/>
+                    </a:schemeClr>
+                  </a:solidFill>
+                </a:endParaRPr>
+              </a:p>
+            </p:txBody>
+          </p:sp>
+        </mc:Choice>
+        <mc:Fallback xmlns="">
+          <p:sp>
+            <p:nvSpPr>
+              <p:cNvPr id="10" name="TextBox 9">
+                <a:extLst>
+                  <a:ext uri="{FF2B5EF4-FFF2-40B4-BE49-F238E27FC236}">
+                    <a16:creationId xmlns:a16="http://schemas.microsoft.com/office/drawing/2014/main" id="{B753ED0B-DA1F-4019-8104-1328AB81896E}"/>
+                  </a:ext>
+                </a:extLst>
+              </p:cNvPr>
+              <p:cNvSpPr txBox="1">
+                <a:spLocks noRot="1" noChangeAspect="1" noMove="1" noResize="1" noEditPoints="1" noAdjustHandles="1" noChangeArrowheads="1" noChangeShapeType="1" noTextEdit="1"/>
+              </p:cNvSpPr>
+              <p:nvPr/>
+            </p:nvSpPr>
+            <p:spPr>
+              <a:xfrm>
+                <a:off x="4603750" y="2940050"/>
+                <a:ext cx="1409700" cy="338554"/>
+              </a:xfrm>
+              <a:prstGeom prst="rect">
+                <a:avLst/>
+              </a:prstGeom>
+              <a:blipFill>
+                <a:blip r:embed="rId8"/>
+                <a:stretch>
+                  <a:fillRect/>
+                </a:stretch>
+              </a:blipFill>
+            </p:spPr>
+            <p:txBody>
+              <a:bodyPr/>
+              <a:lstStyle/>
+              <a:p>
+                <a:r>
+                  <a:rPr lang="en-US">
+                    <a:noFill/>
+                  </a:rPr>
+                  <a:t> </a:t>
+                </a:r>
+              </a:p>
+            </p:txBody>
+          </p:sp>
+        </mc:Fallback>
+      </mc:AlternateContent>
+      <mc:AlternateContent xmlns:mc="http://schemas.openxmlformats.org/markup-compatibility/2006" xmlns:a14="http://schemas.microsoft.com/office/drawing/2010/main">
+        <mc:Choice Requires="a14">
+          <p:sp>
+            <p:nvSpPr>
+              <p:cNvPr id="11" name="TextBox 10">
+                <a:extLst>
+                  <a:ext uri="{FF2B5EF4-FFF2-40B4-BE49-F238E27FC236}">
+                    <a16:creationId xmlns:a16="http://schemas.microsoft.com/office/drawing/2014/main" id="{8AE6FE09-1830-45FF-AC6B-2CABB4D20B32}"/>
+                  </a:ext>
+                </a:extLst>
+              </p:cNvPr>
+              <p:cNvSpPr txBox="1"/>
+              <p:nvPr/>
+            </p:nvSpPr>
+            <p:spPr>
+              <a:xfrm>
+                <a:off x="7372350" y="2940050"/>
+                <a:ext cx="1409700" cy="338554"/>
+              </a:xfrm>
+              <a:prstGeom prst="rect">
+                <a:avLst/>
+              </a:prstGeom>
+              <a:noFill/>
+            </p:spPr>
+            <p:txBody>
+              <a:bodyPr wrap="square" rtlCol="0">
+                <a:spAutoFit/>
+              </a:bodyPr>
+              <a:lstStyle/>
+              <a:p>
+                <a:pPr/>
+                <a14:m>
+                  <m:oMathPara xmlns:m="http://schemas.openxmlformats.org/officeDocument/2006/math">
+                    <m:oMathParaPr>
+                      <m:jc m:val="centerGroup"/>
+                    </m:oMathParaPr>
+                    <m:oMath xmlns:m="http://schemas.openxmlformats.org/officeDocument/2006/math">
+                      <m:sSub>
+                        <m:sSubPr>
+                          <m:ctrlPr>
+                            <a:rPr lang="en-US" sz="1600" b="0" i="1" smtClean="0">
+                              <a:solidFill>
+                                <a:schemeClr val="tx1">
+                                  <a:lumMod val="75000"/>
+                                  <a:lumOff val="25000"/>
+                                </a:schemeClr>
+                              </a:solidFill>
+                              <a:latin typeface="Cambria Math" panose="02040503050406030204" pitchFamily="18" charset="0"/>
+                            </a:rPr>
+                          </m:ctrlPr>
+                        </m:sSubPr>
+                        <m:e>
+                          <m:r>
+                            <a:rPr lang="en-US" sz="1600" b="0" i="1" smtClean="0">
+                              <a:solidFill>
+                                <a:schemeClr val="tx1">
+                                  <a:lumMod val="75000"/>
+                                  <a:lumOff val="25000"/>
+                                </a:schemeClr>
+                              </a:solidFill>
+                              <a:latin typeface="Cambria Math" panose="02040503050406030204" pitchFamily="18" charset="0"/>
+                            </a:rPr>
+                            <m:t>𝑚</m:t>
+                          </m:r>
+                        </m:e>
+                        <m:sub>
+                          <m:r>
+                            <a:rPr lang="en-US" sz="1600" b="0" i="1" smtClean="0">
+                              <a:solidFill>
+                                <a:schemeClr val="tx1">
+                                  <a:lumMod val="75000"/>
+                                  <a:lumOff val="25000"/>
+                                </a:schemeClr>
+                              </a:solidFill>
+                              <a:latin typeface="Cambria Math" panose="02040503050406030204" pitchFamily="18" charset="0"/>
+                            </a:rPr>
+                            <m:t>𝑎</m:t>
+                          </m:r>
+                        </m:sub>
+                      </m:sSub>
+                      <m:r>
+                        <a:rPr lang="en-US" sz="1600" b="0" i="1" smtClean="0">
+                          <a:solidFill>
+                            <a:schemeClr val="tx1">
+                              <a:lumMod val="75000"/>
+                              <a:lumOff val="25000"/>
+                            </a:schemeClr>
+                          </a:solidFill>
+                          <a:latin typeface="Cambria Math" panose="02040503050406030204" pitchFamily="18" charset="0"/>
+                        </a:rPr>
+                        <m:t>=0.9 </m:t>
+                      </m:r>
+                    </m:oMath>
+                  </m:oMathPara>
+                </a14:m>
+                <a:endParaRPr lang="en-US" dirty="0">
+                  <a:solidFill>
+                    <a:schemeClr val="tx1">
+                      <a:lumMod val="75000"/>
+                      <a:lumOff val="25000"/>
+                    </a:schemeClr>
+                  </a:solidFill>
+                </a:endParaRPr>
+              </a:p>
+            </p:txBody>
+          </p:sp>
+        </mc:Choice>
+        <mc:Fallback xmlns="">
+          <p:sp>
+            <p:nvSpPr>
+              <p:cNvPr id="11" name="TextBox 10">
+                <a:extLst>
+                  <a:ext uri="{FF2B5EF4-FFF2-40B4-BE49-F238E27FC236}">
+                    <a16:creationId xmlns:a16="http://schemas.microsoft.com/office/drawing/2014/main" id="{8AE6FE09-1830-45FF-AC6B-2CABB4D20B32}"/>
+                  </a:ext>
+                </a:extLst>
+              </p:cNvPr>
+              <p:cNvSpPr txBox="1">
+                <a:spLocks noRot="1" noChangeAspect="1" noMove="1" noResize="1" noEditPoints="1" noAdjustHandles="1" noChangeArrowheads="1" noChangeShapeType="1" noTextEdit="1"/>
+              </p:cNvSpPr>
+              <p:nvPr/>
+            </p:nvSpPr>
+            <p:spPr>
+              <a:xfrm>
+                <a:off x="7372350" y="2940050"/>
+                <a:ext cx="1409700" cy="338554"/>
+              </a:xfrm>
+              <a:prstGeom prst="rect">
+                <a:avLst/>
+              </a:prstGeom>
+              <a:blipFill>
+                <a:blip r:embed="rId9"/>
+                <a:stretch>
+                  <a:fillRect/>
+                </a:stretch>
+              </a:blipFill>
+            </p:spPr>
+            <p:txBody>
+              <a:bodyPr/>
+              <a:lstStyle/>
+              <a:p>
+                <a:r>
+                  <a:rPr lang="en-US">
+                    <a:noFill/>
+                  </a:rPr>
+                  <a:t> </a:t>
+                </a:r>
+              </a:p>
+            </p:txBody>
+          </p:sp>
+        </mc:Fallback>
+      </mc:AlternateContent>
+    </p:spTree>
+    <p:extLst>
+      <p:ext uri="{BB962C8B-B14F-4D97-AF65-F5344CB8AC3E}">
+        <p14:creationId xmlns:p14="http://schemas.microsoft.com/office/powerpoint/2010/main" val="1309511296"/>
+      </p:ext>
+    </p:extLst>
+  </p:cSld>
+  <p:clrMapOvr>
+    <a:masterClrMapping/>
+  </p:clrMapOvr>
+</p:sld>
+</file>
+
+<file path=ppt/slides/slide3.xml><?xml version="1.0" encoding="utf-8"?>
 <p:sld xmlns:a="http://schemas.openxmlformats.org/drawingml/2006/main" xmlns:r="http://schemas.openxmlformats.org/officeDocument/2006/relationships" xmlns:p="http://schemas.openxmlformats.org/presentationml/2006/main">
   <p:cSld>
     <p:spTree>
@@ -5006,8 +8250,8 @@
           </a:prstGeom>
         </p:spPr>
       </p:pic>
-      <mc:AlternateContent xmlns:mc="http://schemas.openxmlformats.org/markup-compatibility/2006">
-        <mc:Choice xmlns:a14="http://schemas.microsoft.com/office/drawing/2010/main" Requires="a14">
+      <mc:AlternateContent xmlns:mc="http://schemas.openxmlformats.org/markup-compatibility/2006" xmlns:a14="http://schemas.microsoft.com/office/drawing/2010/main">
+        <mc:Choice Requires="a14">
           <p:sp>
             <p:nvSpPr>
               <p:cNvPr id="8" name="TextBox 7">
@@ -5036,6 +8280,7 @@
               </a:bodyPr>
               <a:lstStyle/>
               <a:p>
+                <a:pPr/>
                 <a14:m>
                   <m:oMathPara xmlns:m="http://schemas.openxmlformats.org/officeDocument/2006/math">
                     <m:oMathParaPr>
@@ -5112,7 +8357,7 @@
             </p:txBody>
           </p:sp>
         </mc:Choice>
-        <mc:Fallback>
+        <mc:Fallback xmlns="">
           <p:sp>
             <p:nvSpPr>
               <p:cNvPr id="8" name="TextBox 7">
@@ -5157,8 +8402,8 @@
           </p:sp>
         </mc:Fallback>
       </mc:AlternateContent>
-      <mc:AlternateContent xmlns:mc="http://schemas.openxmlformats.org/markup-compatibility/2006">
-        <mc:Choice xmlns:a14="http://schemas.microsoft.com/office/drawing/2010/main" Requires="a14">
+      <mc:AlternateContent xmlns:mc="http://schemas.openxmlformats.org/markup-compatibility/2006" xmlns:a14="http://schemas.microsoft.com/office/drawing/2010/main">
+        <mc:Choice Requires="a14">
           <p:sp>
             <p:nvSpPr>
               <p:cNvPr id="9" name="TextBox 8">
@@ -5187,6 +8432,7 @@
               </a:bodyPr>
               <a:lstStyle/>
               <a:p>
+                <a:pPr/>
                 <a14:m>
                   <m:oMathPara xmlns:m="http://schemas.openxmlformats.org/officeDocument/2006/math">
                     <m:oMathParaPr>
@@ -5263,7 +8509,7 @@
             </p:txBody>
           </p:sp>
         </mc:Choice>
-        <mc:Fallback>
+        <mc:Fallback xmlns="">
           <p:sp>
             <p:nvSpPr>
               <p:cNvPr id="9" name="TextBox 8">
@@ -5308,8 +8554,8 @@
           </p:sp>
         </mc:Fallback>
       </mc:AlternateContent>
-      <mc:AlternateContent xmlns:mc="http://schemas.openxmlformats.org/markup-compatibility/2006">
-        <mc:Choice xmlns:a14="http://schemas.microsoft.com/office/drawing/2010/main" Requires="a14">
+      <mc:AlternateContent xmlns:mc="http://schemas.openxmlformats.org/markup-compatibility/2006" xmlns:a14="http://schemas.microsoft.com/office/drawing/2010/main">
+        <mc:Choice Requires="a14">
           <p:sp>
             <p:nvSpPr>
               <p:cNvPr id="10" name="TextBox 9">
@@ -5338,6 +8584,7 @@
               </a:bodyPr>
               <a:lstStyle/>
               <a:p>
+                <a:pPr/>
                 <a14:m>
                   <m:oMathPara xmlns:m="http://schemas.openxmlformats.org/officeDocument/2006/math">
                     <m:oMathParaPr>
@@ -5414,7 +8661,7 @@
             </p:txBody>
           </p:sp>
         </mc:Choice>
-        <mc:Fallback>
+        <mc:Fallback xmlns="">
           <p:sp>
             <p:nvSpPr>
               <p:cNvPr id="10" name="TextBox 9">
@@ -5459,8 +8706,8 @@
           </p:sp>
         </mc:Fallback>
       </mc:AlternateContent>
-      <mc:AlternateContent xmlns:mc="http://schemas.openxmlformats.org/markup-compatibility/2006">
-        <mc:Choice xmlns:a14="http://schemas.microsoft.com/office/drawing/2010/main" Requires="a14">
+      <mc:AlternateContent xmlns:mc="http://schemas.openxmlformats.org/markup-compatibility/2006" xmlns:a14="http://schemas.microsoft.com/office/drawing/2010/main">
+        <mc:Choice Requires="a14">
           <p:sp>
             <p:nvSpPr>
               <p:cNvPr id="11" name="TextBox 10">
@@ -5489,6 +8736,7 @@
               </a:bodyPr>
               <a:lstStyle/>
               <a:p>
+                <a:pPr/>
                 <a14:m>
                   <m:oMathPara xmlns:m="http://schemas.openxmlformats.org/officeDocument/2006/math">
                     <m:oMathParaPr>
@@ -5565,7 +8813,7 @@
             </p:txBody>
           </p:sp>
         </mc:Choice>
-        <mc:Fallback>
+        <mc:Fallback xmlns="">
           <p:sp>
             <p:nvSpPr>
               <p:cNvPr id="11" name="TextBox 10">
@@ -5610,8 +8858,8 @@
           </p:sp>
         </mc:Fallback>
       </mc:AlternateContent>
-      <mc:AlternateContent xmlns:mc="http://schemas.openxmlformats.org/markup-compatibility/2006">
-        <mc:Choice xmlns:a14="http://schemas.microsoft.com/office/drawing/2010/main" Requires="a14">
+      <mc:AlternateContent xmlns:mc="http://schemas.openxmlformats.org/markup-compatibility/2006" xmlns:a14="http://schemas.microsoft.com/office/drawing/2010/main">
+        <mc:Choice Requires="a14">
           <p:sp>
             <p:nvSpPr>
               <p:cNvPr id="21" name="TextBox 20">
@@ -5640,6 +8888,7 @@
               </a:bodyPr>
               <a:lstStyle/>
               <a:p>
+                <a:pPr/>
                 <a14:m>
                   <m:oMathPara xmlns:m="http://schemas.openxmlformats.org/officeDocument/2006/math">
                     <m:oMathParaPr>
@@ -5716,7 +8965,7 @@
             </p:txBody>
           </p:sp>
         </mc:Choice>
-        <mc:Fallback>
+        <mc:Fallback xmlns="">
           <p:sp>
             <p:nvSpPr>
               <p:cNvPr id="21" name="TextBox 20">
@@ -5761,8 +9010,8 @@
           </p:sp>
         </mc:Fallback>
       </mc:AlternateContent>
-      <mc:AlternateContent xmlns:mc="http://schemas.openxmlformats.org/markup-compatibility/2006">
-        <mc:Choice xmlns:a14="http://schemas.microsoft.com/office/drawing/2010/main" Requires="a14">
+      <mc:AlternateContent xmlns:mc="http://schemas.openxmlformats.org/markup-compatibility/2006" xmlns:a14="http://schemas.microsoft.com/office/drawing/2010/main">
+        <mc:Choice Requires="a14">
           <p:sp>
             <p:nvSpPr>
               <p:cNvPr id="22" name="TextBox 21">
@@ -5791,6 +9040,7 @@
               </a:bodyPr>
               <a:lstStyle/>
               <a:p>
+                <a:pPr/>
                 <a14:m>
                   <m:oMathPara xmlns:m="http://schemas.openxmlformats.org/officeDocument/2006/math">
                     <m:oMathParaPr>
@@ -5867,7 +9117,7 @@
             </p:txBody>
           </p:sp>
         </mc:Choice>
-        <mc:Fallback>
+        <mc:Fallback xmlns="">
           <p:sp>
             <p:nvSpPr>
               <p:cNvPr id="22" name="TextBox 21">
@@ -5925,7 +9175,7 @@
 </p:sld>
 </file>
 
-<file path=ppt/slides/slide3.xml><?xml version="1.0" encoding="utf-8"?>
+<file path=ppt/slides/slide4.xml><?xml version="1.0" encoding="utf-8"?>
 <p:sld xmlns:a="http://schemas.openxmlformats.org/drawingml/2006/main" xmlns:r="http://schemas.openxmlformats.org/officeDocument/2006/relationships" xmlns:p="http://schemas.openxmlformats.org/presentationml/2006/main">
   <p:cSld>
     <p:spTree>
@@ -6090,7 +9340,7 @@
 </p:sld>
 </file>
 
-<file path=ppt/slides/slide4.xml><?xml version="1.0" encoding="utf-8"?>
+<file path=ppt/slides/slide5.xml><?xml version="1.0" encoding="utf-8"?>
 <p:sld xmlns:a="http://schemas.openxmlformats.org/drawingml/2006/main" xmlns:r="http://schemas.openxmlformats.org/officeDocument/2006/relationships" xmlns:p="http://schemas.openxmlformats.org/presentationml/2006/main">
   <p:cSld>
     <p:spTree>
@@ -6314,8 +9564,8 @@
           </a:fontRef>
         </p:style>
       </p:cxnSp>
-      <mc:AlternateContent xmlns:mc="http://schemas.openxmlformats.org/markup-compatibility/2006">
-        <mc:Choice xmlns:a14="http://schemas.microsoft.com/office/drawing/2010/main" Requires="a14">
+      <mc:AlternateContent xmlns:mc="http://schemas.openxmlformats.org/markup-compatibility/2006" xmlns:a14="http://schemas.microsoft.com/office/drawing/2010/main">
+        <mc:Choice Requires="a14">
           <p:sp>
             <p:nvSpPr>
               <p:cNvPr id="22" name="TextBox 21">
@@ -6344,6 +9594,7 @@
               </a:bodyPr>
               <a:lstStyle/>
               <a:p>
+                <a:pPr/>
                 <a14:m>
                   <m:oMathPara xmlns:m="http://schemas.openxmlformats.org/officeDocument/2006/math">
                     <m:oMathParaPr>
@@ -6389,7 +9640,7 @@
             </p:txBody>
           </p:sp>
         </mc:Choice>
-        <mc:Fallback>
+        <mc:Fallback xmlns="">
           <p:sp>
             <p:nvSpPr>
               <p:cNvPr id="22" name="TextBox 21">
@@ -6551,8 +9802,8 @@
           </a:fontRef>
         </p:style>
       </p:cxnSp>
-      <mc:AlternateContent xmlns:mc="http://schemas.openxmlformats.org/markup-compatibility/2006">
-        <mc:Choice xmlns:a14="http://schemas.microsoft.com/office/drawing/2010/main" Requires="a14">
+      <mc:AlternateContent xmlns:mc="http://schemas.openxmlformats.org/markup-compatibility/2006" xmlns:a14="http://schemas.microsoft.com/office/drawing/2010/main">
+        <mc:Choice Requires="a14">
           <p:sp>
             <p:nvSpPr>
               <p:cNvPr id="33" name="TextBox 32">
@@ -6581,6 +9832,7 @@
               </a:bodyPr>
               <a:lstStyle/>
               <a:p>
+                <a:pPr/>
                 <a14:m>
                   <m:oMathPara xmlns:m="http://schemas.openxmlformats.org/officeDocument/2006/math">
                     <m:oMathParaPr>
@@ -6626,7 +9878,7 @@
             </p:txBody>
           </p:sp>
         </mc:Choice>
-        <mc:Fallback>
+        <mc:Fallback xmlns="">
           <p:sp>
             <p:nvSpPr>
               <p:cNvPr id="33" name="TextBox 32">
@@ -6798,7 +10050,7 @@
 </p:sld>
 </file>
 
-<file path=ppt/slides/slide5.xml><?xml version="1.0" encoding="utf-8"?>
+<file path=ppt/slides/slide6.xml><?xml version="1.0" encoding="utf-8"?>
 <p:sld xmlns:a="http://schemas.openxmlformats.org/drawingml/2006/main" xmlns:r="http://schemas.openxmlformats.org/officeDocument/2006/relationships" xmlns:p="http://schemas.openxmlformats.org/presentationml/2006/main">
   <p:cSld>
     <p:spTree>
@@ -6963,8 +10215,8 @@
           </a:p>
         </p:txBody>
       </p:sp>
-      <mc:AlternateContent xmlns:mc="http://schemas.openxmlformats.org/markup-compatibility/2006">
-        <mc:Choice xmlns:a14="http://schemas.microsoft.com/office/drawing/2010/main" Requires="a14">
+      <mc:AlternateContent xmlns:mc="http://schemas.openxmlformats.org/markup-compatibility/2006" xmlns:a14="http://schemas.microsoft.com/office/drawing/2010/main">
+        <mc:Choice Requires="a14">
           <p:sp>
             <p:nvSpPr>
               <p:cNvPr id="7" name="TextBox 6">
@@ -7036,7 +10288,7 @@
             </p:txBody>
           </p:sp>
         </mc:Choice>
-        <mc:Fallback>
+        <mc:Fallback xmlns="">
           <p:sp>
             <p:nvSpPr>
               <p:cNvPr id="7" name="TextBox 6">
@@ -7081,8 +10333,8 @@
           </p:sp>
         </mc:Fallback>
       </mc:AlternateContent>
-      <mc:AlternateContent xmlns:mc="http://schemas.openxmlformats.org/markup-compatibility/2006">
-        <mc:Choice xmlns:a14="http://schemas.microsoft.com/office/drawing/2010/main" Requires="a14">
+      <mc:AlternateContent xmlns:mc="http://schemas.openxmlformats.org/markup-compatibility/2006" xmlns:a14="http://schemas.microsoft.com/office/drawing/2010/main">
+        <mc:Choice Requires="a14">
           <p:sp>
             <p:nvSpPr>
               <p:cNvPr id="8" name="TextBox 7">
@@ -7154,7 +10406,7 @@
             </p:txBody>
           </p:sp>
         </mc:Choice>
-        <mc:Fallback>
+        <mc:Fallback xmlns="">
           <p:sp>
             <p:nvSpPr>
               <p:cNvPr id="8" name="TextBox 7">
@@ -7242,7 +10494,7 @@
 </p:sld>
 </file>
 
-<file path=ppt/slides/slide6.xml><?xml version="1.0" encoding="utf-8"?>
+<file path=ppt/slides/slide7.xml><?xml version="1.0" encoding="utf-8"?>
 <p:sld xmlns:a="http://schemas.openxmlformats.org/drawingml/2006/main" xmlns:r="http://schemas.openxmlformats.org/officeDocument/2006/relationships" xmlns:p="http://schemas.openxmlformats.org/presentationml/2006/main">
   <p:cSld>
     <p:spTree>
@@ -7289,8 +10541,8 @@
           </a:prstGeom>
         </p:spPr>
       </p:pic>
-      <mc:AlternateContent xmlns:mc="http://schemas.openxmlformats.org/markup-compatibility/2006">
-        <mc:Choice xmlns:a14="http://schemas.microsoft.com/office/drawing/2010/main" Requires="a14">
+      <mc:AlternateContent xmlns:mc="http://schemas.openxmlformats.org/markup-compatibility/2006" xmlns:a14="http://schemas.microsoft.com/office/drawing/2010/main">
+        <mc:Choice Requires="a14">
           <p:sp>
             <p:nvSpPr>
               <p:cNvPr id="23" name="TextBox 22">
@@ -7504,7 +10756,7 @@
             </p:txBody>
           </p:sp>
         </mc:Choice>
-        <mc:Fallback>
+        <mc:Fallback xmlns="">
           <p:sp>
             <p:nvSpPr>
               <p:cNvPr id="23" name="TextBox 22">
@@ -7549,8 +10801,8 @@
           </p:sp>
         </mc:Fallback>
       </mc:AlternateContent>
-      <mc:AlternateContent xmlns:mc="http://schemas.openxmlformats.org/markup-compatibility/2006">
-        <mc:Choice xmlns:a14="http://schemas.microsoft.com/office/drawing/2010/main" Requires="a14">
+      <mc:AlternateContent xmlns:mc="http://schemas.openxmlformats.org/markup-compatibility/2006" xmlns:a14="http://schemas.microsoft.com/office/drawing/2010/main">
+        <mc:Choice Requires="a14">
           <p:sp>
             <p:nvSpPr>
               <p:cNvPr id="24" name="TextBox 23">
@@ -7770,7 +11022,7 @@
             </p:txBody>
           </p:sp>
         </mc:Choice>
-        <mc:Fallback>
+        <mc:Fallback xmlns="">
           <p:sp>
             <p:nvSpPr>
               <p:cNvPr id="24" name="TextBox 23">
@@ -7933,8 +11185,8 @@
           </a:p>
         </p:txBody>
       </p:sp>
-      <mc:AlternateContent xmlns:mc="http://schemas.openxmlformats.org/markup-compatibility/2006">
-        <mc:Choice xmlns:a14="http://schemas.microsoft.com/office/drawing/2010/main" Requires="a14">
+      <mc:AlternateContent xmlns:mc="http://schemas.openxmlformats.org/markup-compatibility/2006" xmlns:a14="http://schemas.microsoft.com/office/drawing/2010/main">
+        <mc:Choice Requires="a14">
           <p:sp>
             <p:nvSpPr>
               <p:cNvPr id="30" name="TextBox 29">
@@ -8006,7 +11258,7 @@
             </p:txBody>
           </p:sp>
         </mc:Choice>
-        <mc:Fallback>
+        <mc:Fallback xmlns="">
           <p:sp>
             <p:nvSpPr>
               <p:cNvPr id="30" name="TextBox 29">
@@ -8051,8 +11303,8 @@
           </p:sp>
         </mc:Fallback>
       </mc:AlternateContent>
-      <mc:AlternateContent xmlns:mc="http://schemas.openxmlformats.org/markup-compatibility/2006">
-        <mc:Choice xmlns:a14="http://schemas.microsoft.com/office/drawing/2010/main" Requires="a14">
+      <mc:AlternateContent xmlns:mc="http://schemas.openxmlformats.org/markup-compatibility/2006" xmlns:a14="http://schemas.microsoft.com/office/drawing/2010/main">
+        <mc:Choice Requires="a14">
           <p:sp>
             <p:nvSpPr>
               <p:cNvPr id="31" name="TextBox 30">
@@ -8232,7 +11484,7 @@
             </p:txBody>
           </p:sp>
         </mc:Choice>
-        <mc:Fallback>
+        <mc:Fallback xmlns="">
           <p:sp>
             <p:nvSpPr>
               <p:cNvPr id="31" name="TextBox 30">
@@ -8277,8 +11529,8 @@
           </p:sp>
         </mc:Fallback>
       </mc:AlternateContent>
-      <mc:AlternateContent xmlns:mc="http://schemas.openxmlformats.org/markup-compatibility/2006">
-        <mc:Choice xmlns:a14="http://schemas.microsoft.com/office/drawing/2010/main" Requires="a14">
+      <mc:AlternateContent xmlns:mc="http://schemas.openxmlformats.org/markup-compatibility/2006" xmlns:a14="http://schemas.microsoft.com/office/drawing/2010/main">
+        <mc:Choice Requires="a14">
           <p:sp>
             <p:nvSpPr>
               <p:cNvPr id="32" name="TextBox 31">
@@ -8307,7 +11559,6 @@
               </a:bodyPr>
               <a:lstStyle/>
               <a:p>
-                <a:pPr/>
                 <a:r>
                   <a:rPr lang="en-US" sz="2500" dirty="0">
                     <a:latin typeface="Times New Roman" panose="02020603050405020304" pitchFamily="18" charset="0"/>
@@ -8341,7 +11592,7 @@
             </p:txBody>
           </p:sp>
         </mc:Choice>
-        <mc:Fallback>
+        <mc:Fallback xmlns="">
           <p:sp>
             <p:nvSpPr>
               <p:cNvPr id="32" name="TextBox 31">
@@ -8416,8 +11667,8 @@
           </a:prstGeom>
         </p:spPr>
       </p:pic>
-      <mc:AlternateContent xmlns:mc="http://schemas.openxmlformats.org/markup-compatibility/2006">
-        <mc:Choice xmlns:a14="http://schemas.microsoft.com/office/drawing/2010/main" Requires="a14">
+      <mc:AlternateContent xmlns:mc="http://schemas.openxmlformats.org/markup-compatibility/2006" xmlns:a14="http://schemas.microsoft.com/office/drawing/2010/main">
+        <mc:Choice Requires="a14">
           <p:sp>
             <p:nvSpPr>
               <p:cNvPr id="11" name="TextBox 10">
@@ -8489,7 +11740,7 @@
             </p:txBody>
           </p:sp>
         </mc:Choice>
-        <mc:Fallback>
+        <mc:Fallback xmlns="">
           <p:sp>
             <p:nvSpPr>
               <p:cNvPr id="11" name="TextBox 10">
@@ -8534,8 +11785,8 @@
           </p:sp>
         </mc:Fallback>
       </mc:AlternateContent>
-      <mc:AlternateContent xmlns:mc="http://schemas.openxmlformats.org/markup-compatibility/2006">
-        <mc:Choice xmlns:a14="http://schemas.microsoft.com/office/drawing/2010/main" Requires="a14">
+      <mc:AlternateContent xmlns:mc="http://schemas.openxmlformats.org/markup-compatibility/2006" xmlns:a14="http://schemas.microsoft.com/office/drawing/2010/main">
+        <mc:Choice Requires="a14">
           <p:sp>
             <p:nvSpPr>
               <p:cNvPr id="13" name="TextBox 12">
@@ -8564,7 +11815,6 @@
               </a:bodyPr>
               <a:lstStyle/>
               <a:p>
-                <a:pPr/>
                 <a:r>
                   <a:rPr lang="en-US" sz="2500" dirty="0">
                     <a:latin typeface="Times New Roman" panose="02020603050405020304" pitchFamily="18" charset="0"/>
@@ -8598,7 +11848,7 @@
             </p:txBody>
           </p:sp>
         </mc:Choice>
-        <mc:Fallback>
+        <mc:Fallback xmlns="">
           <p:sp>
             <p:nvSpPr>
               <p:cNvPr id="13" name="TextBox 12">
@@ -8734,7 +11984,7 @@
 </p:sld>
 </file>
 
-<file path=ppt/slides/slide7.xml><?xml version="1.0" encoding="utf-8"?>
+<file path=ppt/slides/slide8.xml><?xml version="1.0" encoding="utf-8"?>
 <p:sld xmlns:a="http://schemas.openxmlformats.org/drawingml/2006/main" xmlns:r="http://schemas.openxmlformats.org/officeDocument/2006/relationships" xmlns:p="http://schemas.openxmlformats.org/presentationml/2006/main">
   <p:cSld>
     <p:spTree>
@@ -10317,7 +13567,7 @@
 </p:sld>
 </file>
 
-<file path=ppt/slides/slide8.xml><?xml version="1.0" encoding="utf-8"?>
+<file path=ppt/slides/slide9.xml><?xml version="1.0" encoding="utf-8"?>
 <p:sld xmlns:a="http://schemas.openxmlformats.org/drawingml/2006/main" xmlns:r="http://schemas.openxmlformats.org/officeDocument/2006/relationships" xmlns:p="http://schemas.openxmlformats.org/presentationml/2006/main">
   <p:cSld>
     <p:spTree>
@@ -11755,522 +15005,6 @@
     <p:extLst>
       <p:ext uri="{BB962C8B-B14F-4D97-AF65-F5344CB8AC3E}">
         <p14:creationId xmlns:p14="http://schemas.microsoft.com/office/powerpoint/2010/main" val="4235154341"/>
-      </p:ext>
-    </p:extLst>
-  </p:cSld>
-  <p:clrMapOvr>
-    <a:masterClrMapping/>
-  </p:clrMapOvr>
-</p:sld>
-</file>
-
-<file path=ppt/slides/slide9.xml><?xml version="1.0" encoding="utf-8"?>
-<p:sld xmlns:a="http://schemas.openxmlformats.org/drawingml/2006/main" xmlns:r="http://schemas.openxmlformats.org/officeDocument/2006/relationships" xmlns:p="http://schemas.openxmlformats.org/presentationml/2006/main">
-  <p:cSld>
-    <p:spTree>
-      <p:nvGrpSpPr>
-        <p:cNvPr id="1" name=""/>
-        <p:cNvGrpSpPr/>
-        <p:nvPr/>
-      </p:nvGrpSpPr>
-      <p:grpSpPr>
-        <a:xfrm>
-          <a:off x="0" y="0"/>
-          <a:ext cx="0" cy="0"/>
-          <a:chOff x="0" y="0"/>
-          <a:chExt cx="0" cy="0"/>
-        </a:xfrm>
-      </p:grpSpPr>
-      <p:pic>
-        <p:nvPicPr>
-          <p:cNvPr id="7" name="Picture 6">
-            <a:extLst>
-              <a:ext uri="{FF2B5EF4-FFF2-40B4-BE49-F238E27FC236}">
-                <a16:creationId xmlns:a16="http://schemas.microsoft.com/office/drawing/2014/main" id="{D153176A-8067-413E-9170-17397E461E75}"/>
-              </a:ext>
-            </a:extLst>
-          </p:cNvPr>
-          <p:cNvPicPr>
-            <a:picLocks noChangeAspect="1"/>
-          </p:cNvPicPr>
-          <p:nvPr/>
-        </p:nvPicPr>
-        <p:blipFill>
-          <a:blip r:embed="rId2"/>
-          <a:stretch>
-            <a:fillRect/>
-          </a:stretch>
-        </p:blipFill>
-        <p:spPr>
-          <a:xfrm>
-            <a:off x="2603500" y="742949"/>
-            <a:ext cx="3492500" cy="2619375"/>
-          </a:xfrm>
-          <a:prstGeom prst="rect">
-            <a:avLst/>
-          </a:prstGeom>
-        </p:spPr>
-      </p:pic>
-      <p:pic>
-        <p:nvPicPr>
-          <p:cNvPr id="8" name="Picture 7">
-            <a:extLst>
-              <a:ext uri="{FF2B5EF4-FFF2-40B4-BE49-F238E27FC236}">
-                <a16:creationId xmlns:a16="http://schemas.microsoft.com/office/drawing/2014/main" id="{9E0C33E4-A50F-4D08-A90E-132E954CB368}"/>
-              </a:ext>
-            </a:extLst>
-          </p:cNvPr>
-          <p:cNvPicPr>
-            <a:picLocks noChangeAspect="1"/>
-          </p:cNvPicPr>
-          <p:nvPr/>
-        </p:nvPicPr>
-        <p:blipFill>
-          <a:blip r:embed="rId3"/>
-          <a:stretch>
-            <a:fillRect/>
-          </a:stretch>
-        </p:blipFill>
-        <p:spPr>
-          <a:xfrm>
-            <a:off x="2559045" y="3362324"/>
-            <a:ext cx="3581395" cy="2686047"/>
-          </a:xfrm>
-          <a:prstGeom prst="rect">
-            <a:avLst/>
-          </a:prstGeom>
-        </p:spPr>
-      </p:pic>
-      <p:pic>
-        <p:nvPicPr>
-          <p:cNvPr id="9" name="Picture 8">
-            <a:extLst>
-              <a:ext uri="{FF2B5EF4-FFF2-40B4-BE49-F238E27FC236}">
-                <a16:creationId xmlns:a16="http://schemas.microsoft.com/office/drawing/2014/main" id="{AB62EA78-4353-4D76-86BC-CD5E8CD45F4D}"/>
-              </a:ext>
-            </a:extLst>
-          </p:cNvPr>
-          <p:cNvPicPr>
-            <a:picLocks noChangeAspect="1"/>
-          </p:cNvPicPr>
-          <p:nvPr/>
-        </p:nvPicPr>
-        <p:blipFill>
-          <a:blip r:embed="rId4"/>
-          <a:stretch>
-            <a:fillRect/>
-          </a:stretch>
-        </p:blipFill>
-        <p:spPr>
-          <a:xfrm>
-            <a:off x="6096000" y="742948"/>
-            <a:ext cx="3492500" cy="2619375"/>
-          </a:xfrm>
-          <a:prstGeom prst="rect">
-            <a:avLst/>
-          </a:prstGeom>
-        </p:spPr>
-      </p:pic>
-      <p:pic>
-        <p:nvPicPr>
-          <p:cNvPr id="10" name="Picture 9">
-            <a:extLst>
-              <a:ext uri="{FF2B5EF4-FFF2-40B4-BE49-F238E27FC236}">
-                <a16:creationId xmlns:a16="http://schemas.microsoft.com/office/drawing/2014/main" id="{71867AD2-15BF-4913-99FB-63A7F9577203}"/>
-              </a:ext>
-            </a:extLst>
-          </p:cNvPr>
-          <p:cNvPicPr>
-            <a:picLocks noChangeAspect="1"/>
-          </p:cNvPicPr>
-          <p:nvPr/>
-        </p:nvPicPr>
-        <p:blipFill>
-          <a:blip r:embed="rId5"/>
-          <a:stretch>
-            <a:fillRect/>
-          </a:stretch>
-        </p:blipFill>
-        <p:spPr>
-          <a:xfrm>
-            <a:off x="6095999" y="3362330"/>
-            <a:ext cx="3581395" cy="2686046"/>
-          </a:xfrm>
-          <a:prstGeom prst="rect">
-            <a:avLst/>
-          </a:prstGeom>
-        </p:spPr>
-      </p:pic>
-      <mc:AlternateContent xmlns:mc="http://schemas.openxmlformats.org/markup-compatibility/2006">
-        <mc:Choice xmlns:a14="http://schemas.microsoft.com/office/drawing/2010/main" Requires="a14">
-          <p:sp>
-            <p:nvSpPr>
-              <p:cNvPr id="11" name="TextBox 10">
-                <a:extLst>
-                  <a:ext uri="{FF2B5EF4-FFF2-40B4-BE49-F238E27FC236}">
-                    <a16:creationId xmlns:a16="http://schemas.microsoft.com/office/drawing/2014/main" id="{32C54E2A-E541-4E9D-8CA6-0924546D8C83}"/>
-                  </a:ext>
-                </a:extLst>
-              </p:cNvPr>
-              <p:cNvSpPr txBox="1"/>
-              <p:nvPr/>
-            </p:nvSpPr>
-            <p:spPr>
-              <a:xfrm>
-                <a:off x="3520957" y="5981699"/>
-                <a:ext cx="1796800" cy="358303"/>
-              </a:xfrm>
-              <a:prstGeom prst="rect">
-                <a:avLst/>
-              </a:prstGeom>
-              <a:noFill/>
-            </p:spPr>
-            <p:txBody>
-              <a:bodyPr wrap="square" rtlCol="0">
-                <a:spAutoFit/>
-              </a:bodyPr>
-              <a:lstStyle/>
-              <a:p>
-                <a:pPr/>
-                <a14:m>
-                  <m:oMathPara xmlns:m="http://schemas.openxmlformats.org/officeDocument/2006/math">
-                    <m:oMathParaPr>
-                      <m:jc m:val="centerGroup"/>
-                    </m:oMathParaPr>
-                    <m:oMath xmlns:m="http://schemas.openxmlformats.org/officeDocument/2006/math">
-                      <m:sSub>
-                        <m:sSubPr>
-                          <m:ctrlPr>
-                            <a:rPr lang="en-US" sz="1600" b="0" i="1" smtClean="0">
-                              <a:latin typeface="Cambria Math" panose="02040503050406030204" pitchFamily="18" charset="0"/>
-                            </a:rPr>
-                          </m:ctrlPr>
-                        </m:sSubPr>
-                        <m:e>
-                          <m:r>
-                            <a:rPr lang="en-US" sz="1600" b="0" i="1" smtClean="0">
-                              <a:latin typeface="Cambria Math" panose="02040503050406030204" pitchFamily="18" charset="0"/>
-                            </a:rPr>
-                            <m:t>𝑄</m:t>
-                          </m:r>
-                        </m:e>
-                        <m:sub>
-                          <m:r>
-                            <a:rPr lang="en-US" sz="1600" b="0" i="1" smtClean="0">
-                              <a:latin typeface="Cambria Math" panose="02040503050406030204" pitchFamily="18" charset="0"/>
-                            </a:rPr>
-                            <m:t>𝐴</m:t>
-                          </m:r>
-                        </m:sub>
-                      </m:sSub>
-                      <m:r>
-                        <a:rPr lang="en-US" sz="1600" b="0" i="1" smtClean="0">
-                          <a:latin typeface="Cambria Math" panose="02040503050406030204" pitchFamily="18" charset="0"/>
-                        </a:rPr>
-                        <m:t> (</m:t>
-                      </m:r>
-                      <m:sSub>
-                        <m:sSubPr>
-                          <m:ctrlPr>
-                            <a:rPr lang="en-US" sz="1600" b="0" i="1" smtClean="0">
-                              <a:latin typeface="Cambria Math" panose="02040503050406030204" pitchFamily="18" charset="0"/>
-                            </a:rPr>
-                          </m:ctrlPr>
-                        </m:sSubPr>
-                        <m:e>
-                          <m:r>
-                            <a:rPr lang="en-US" sz="1600" b="0" i="1" smtClean="0">
-                              <a:latin typeface="Cambria Math" panose="02040503050406030204" pitchFamily="18" charset="0"/>
-                            </a:rPr>
-                            <m:t>𝜃</m:t>
-                          </m:r>
-                        </m:e>
-                        <m:sub>
-                          <m:r>
-                            <a:rPr lang="en-US" sz="1600" b="0" i="1" smtClean="0">
-                              <a:latin typeface="Cambria Math" panose="02040503050406030204" pitchFamily="18" charset="0"/>
-                            </a:rPr>
-                            <m:t>𝑓</m:t>
-                          </m:r>
-                        </m:sub>
-                      </m:sSub>
-                      <m:r>
-                        <a:rPr lang="en-US" sz="1600" b="0" i="1" smtClean="0">
-                          <a:latin typeface="Cambria Math" panose="02040503050406030204" pitchFamily="18" charset="0"/>
-                        </a:rPr>
-                        <m:t>=</m:t>
-                      </m:r>
-                      <m:sSup>
-                        <m:sSupPr>
-                          <m:ctrlPr>
-                            <a:rPr lang="en-US" sz="1600" b="0" i="1" smtClean="0">
-                              <a:latin typeface="Cambria Math" panose="02040503050406030204" pitchFamily="18" charset="0"/>
-                            </a:rPr>
-                          </m:ctrlPr>
-                        </m:sSupPr>
-                        <m:e>
-                          <m:r>
-                            <a:rPr lang="en-US" sz="1600" b="0" i="1" smtClean="0">
-                              <a:latin typeface="Cambria Math" panose="02040503050406030204" pitchFamily="18" charset="0"/>
-                            </a:rPr>
-                            <m:t>120</m:t>
-                          </m:r>
-                        </m:e>
-                        <m:sup>
-                          <m:r>
-                            <a:rPr lang="en-US" sz="1600" b="0" i="1" smtClean="0">
-                              <a:latin typeface="Cambria Math" panose="02040503050406030204" pitchFamily="18" charset="0"/>
-                            </a:rPr>
-                            <m:t>𝑜</m:t>
-                          </m:r>
-                        </m:sup>
-                      </m:sSup>
-                      <m:r>
-                        <a:rPr lang="en-US" sz="1600" b="0" i="1" smtClean="0">
-                          <a:latin typeface="Cambria Math" panose="02040503050406030204" pitchFamily="18" charset="0"/>
-                        </a:rPr>
-                        <m:t>)</m:t>
-                      </m:r>
-                    </m:oMath>
-                  </m:oMathPara>
-                </a14:m>
-                <a:endParaRPr lang="en-US" sz="1600" dirty="0"/>
-              </a:p>
-            </p:txBody>
-          </p:sp>
-        </mc:Choice>
-        <mc:Fallback>
-          <p:sp>
-            <p:nvSpPr>
-              <p:cNvPr id="11" name="TextBox 10">
-                <a:extLst>
-                  <a:ext uri="{FF2B5EF4-FFF2-40B4-BE49-F238E27FC236}">
-                    <a16:creationId xmlns:a16="http://schemas.microsoft.com/office/drawing/2014/main" id="{32C54E2A-E541-4E9D-8CA6-0924546D8C83}"/>
-                  </a:ext>
-                </a:extLst>
-              </p:cNvPr>
-              <p:cNvSpPr txBox="1">
-                <a:spLocks noRot="1" noChangeAspect="1" noMove="1" noResize="1" noEditPoints="1" noAdjustHandles="1" noChangeArrowheads="1" noChangeShapeType="1" noTextEdit="1"/>
-              </p:cNvSpPr>
-              <p:nvPr/>
-            </p:nvSpPr>
-            <p:spPr>
-              <a:xfrm>
-                <a:off x="3520957" y="5981699"/>
-                <a:ext cx="1796800" cy="358303"/>
-              </a:xfrm>
-              <a:prstGeom prst="rect">
-                <a:avLst/>
-              </a:prstGeom>
-              <a:blipFill>
-                <a:blip r:embed="rId6"/>
-                <a:stretch>
-                  <a:fillRect b="-6780"/>
-                </a:stretch>
-              </a:blipFill>
-            </p:spPr>
-            <p:txBody>
-              <a:bodyPr/>
-              <a:lstStyle/>
-              <a:p>
-                <a:r>
-                  <a:rPr lang="en-US">
-                    <a:noFill/>
-                  </a:rPr>
-                  <a:t> </a:t>
-                </a:r>
-              </a:p>
-            </p:txBody>
-          </p:sp>
-        </mc:Fallback>
-      </mc:AlternateContent>
-      <mc:AlternateContent xmlns:mc="http://schemas.openxmlformats.org/markup-compatibility/2006">
-        <mc:Choice xmlns:a14="http://schemas.microsoft.com/office/drawing/2010/main" Requires="a14">
-          <p:sp>
-            <p:nvSpPr>
-              <p:cNvPr id="12" name="TextBox 11">
-                <a:extLst>
-                  <a:ext uri="{FF2B5EF4-FFF2-40B4-BE49-F238E27FC236}">
-                    <a16:creationId xmlns:a16="http://schemas.microsoft.com/office/drawing/2014/main" id="{51B074EF-AD5D-4598-A4AA-672E24C83D04}"/>
-                  </a:ext>
-                </a:extLst>
-              </p:cNvPr>
-              <p:cNvSpPr txBox="1"/>
-              <p:nvPr/>
-            </p:nvSpPr>
-            <p:spPr>
-              <a:xfrm>
-                <a:off x="6843247" y="5981699"/>
-                <a:ext cx="2042445" cy="358303"/>
-              </a:xfrm>
-              <a:prstGeom prst="rect">
-                <a:avLst/>
-              </a:prstGeom>
-              <a:noFill/>
-            </p:spPr>
-            <p:txBody>
-              <a:bodyPr wrap="square" rtlCol="0">
-                <a:spAutoFit/>
-              </a:bodyPr>
-              <a:lstStyle/>
-              <a:p>
-                <a:pPr/>
-                <a14:m>
-                  <m:oMathPara xmlns:m="http://schemas.openxmlformats.org/officeDocument/2006/math">
-                    <m:oMathParaPr>
-                      <m:jc m:val="centerGroup"/>
-                    </m:oMathParaPr>
-                    <m:oMath xmlns:m="http://schemas.openxmlformats.org/officeDocument/2006/math">
-                      <m:sSub>
-                        <m:sSubPr>
-                          <m:ctrlPr>
-                            <a:rPr lang="en-US" sz="1600" b="0" i="1" smtClean="0">
-                              <a:latin typeface="Cambria Math" panose="02040503050406030204" pitchFamily="18" charset="0"/>
-                            </a:rPr>
-                          </m:ctrlPr>
-                        </m:sSubPr>
-                        <m:e>
-                          <m:r>
-                            <a:rPr lang="en-US" sz="1600" b="0" i="1" smtClean="0">
-                              <a:latin typeface="Cambria Math" panose="02040503050406030204" pitchFamily="18" charset="0"/>
-                            </a:rPr>
-                            <m:t>𝑄</m:t>
-                          </m:r>
-                        </m:e>
-                        <m:sub>
-                          <m:r>
-                            <a:rPr lang="en-US" sz="1600" b="0" i="1" smtClean="0">
-                              <a:latin typeface="Cambria Math" panose="02040503050406030204" pitchFamily="18" charset="0"/>
-                            </a:rPr>
-                            <m:t>𝐵</m:t>
-                          </m:r>
-                        </m:sub>
-                      </m:sSub>
-                      <m:r>
-                        <a:rPr lang="en-US" sz="1600" b="0" i="1" smtClean="0">
-                          <a:latin typeface="Cambria Math" panose="02040503050406030204" pitchFamily="18" charset="0"/>
-                        </a:rPr>
-                        <m:t>=(</m:t>
-                      </m:r>
-                      <m:sSub>
-                        <m:sSubPr>
-                          <m:ctrlPr>
-                            <a:rPr lang="en-US" sz="1600" b="0" i="1" smtClean="0">
-                              <a:latin typeface="Cambria Math" panose="02040503050406030204" pitchFamily="18" charset="0"/>
-                            </a:rPr>
-                          </m:ctrlPr>
-                        </m:sSubPr>
-                        <m:e>
-                          <m:r>
-                            <a:rPr lang="en-US" sz="1600" b="0" i="1" smtClean="0">
-                              <a:latin typeface="Cambria Math" panose="02040503050406030204" pitchFamily="18" charset="0"/>
-                            </a:rPr>
-                            <m:t>𝜃</m:t>
-                          </m:r>
-                        </m:e>
-                        <m:sub>
-                          <m:r>
-                            <a:rPr lang="en-US" sz="1600" b="0" i="1" smtClean="0">
-                              <a:latin typeface="Cambria Math" panose="02040503050406030204" pitchFamily="18" charset="0"/>
-                            </a:rPr>
-                            <m:t>𝑓</m:t>
-                          </m:r>
-                        </m:sub>
-                      </m:sSub>
-                      <m:r>
-                        <a:rPr lang="en-US" sz="1600" b="0" i="1" smtClean="0">
-                          <a:latin typeface="Cambria Math" panose="02040503050406030204" pitchFamily="18" charset="0"/>
-                        </a:rPr>
-                        <m:t>=</m:t>
-                      </m:r>
-                      <m:sSup>
-                        <m:sSupPr>
-                          <m:ctrlPr>
-                            <a:rPr lang="en-US" sz="1600" b="0" i="1" smtClean="0">
-                              <a:latin typeface="Cambria Math" panose="02040503050406030204" pitchFamily="18" charset="0"/>
-                            </a:rPr>
-                          </m:ctrlPr>
-                        </m:sSupPr>
-                        <m:e>
-                          <m:r>
-                            <a:rPr lang="en-US" sz="1600" b="0" i="1" smtClean="0">
-                              <a:latin typeface="Cambria Math" panose="02040503050406030204" pitchFamily="18" charset="0"/>
-                            </a:rPr>
-                            <m:t>180</m:t>
-                          </m:r>
-                        </m:e>
-                        <m:sup>
-                          <m:r>
-                            <a:rPr lang="en-US" sz="1600" b="0" i="1" smtClean="0">
-                              <a:latin typeface="Cambria Math" panose="02040503050406030204" pitchFamily="18" charset="0"/>
-                            </a:rPr>
-                            <m:t>𝑜</m:t>
-                          </m:r>
-                        </m:sup>
-                      </m:sSup>
-                      <m:r>
-                        <a:rPr lang="en-US" sz="1600" b="0" i="1" smtClean="0">
-                          <a:latin typeface="Cambria Math" panose="02040503050406030204" pitchFamily="18" charset="0"/>
-                        </a:rPr>
-                        <m:t>)</m:t>
-                      </m:r>
-                    </m:oMath>
-                  </m:oMathPara>
-                </a14:m>
-                <a:endParaRPr lang="en-US" sz="1600" dirty="0"/>
-              </a:p>
-            </p:txBody>
-          </p:sp>
-        </mc:Choice>
-        <mc:Fallback>
-          <p:sp>
-            <p:nvSpPr>
-              <p:cNvPr id="12" name="TextBox 11">
-                <a:extLst>
-                  <a:ext uri="{FF2B5EF4-FFF2-40B4-BE49-F238E27FC236}">
-                    <a16:creationId xmlns:a16="http://schemas.microsoft.com/office/drawing/2014/main" id="{51B074EF-AD5D-4598-A4AA-672E24C83D04}"/>
-                  </a:ext>
-                </a:extLst>
-              </p:cNvPr>
-              <p:cNvSpPr txBox="1">
-                <a:spLocks noRot="1" noChangeAspect="1" noMove="1" noResize="1" noEditPoints="1" noAdjustHandles="1" noChangeArrowheads="1" noChangeShapeType="1" noTextEdit="1"/>
-              </p:cNvSpPr>
-              <p:nvPr/>
-            </p:nvSpPr>
-            <p:spPr>
-              <a:xfrm>
-                <a:off x="6843247" y="5981699"/>
-                <a:ext cx="2042445" cy="358303"/>
-              </a:xfrm>
-              <a:prstGeom prst="rect">
-                <a:avLst/>
-              </a:prstGeom>
-              <a:blipFill>
-                <a:blip r:embed="rId7"/>
-                <a:stretch>
-                  <a:fillRect b="-6780"/>
-                </a:stretch>
-              </a:blipFill>
-            </p:spPr>
-            <p:txBody>
-              <a:bodyPr/>
-              <a:lstStyle/>
-              <a:p>
-                <a:r>
-                  <a:rPr lang="en-US">
-                    <a:noFill/>
-                  </a:rPr>
-                  <a:t> </a:t>
-                </a:r>
-              </a:p>
-            </p:txBody>
-          </p:sp>
-        </mc:Fallback>
-      </mc:AlternateContent>
-    </p:spTree>
-    <p:extLst>
-      <p:ext uri="{BB962C8B-B14F-4D97-AF65-F5344CB8AC3E}">
-        <p14:creationId xmlns:p14="http://schemas.microsoft.com/office/powerpoint/2010/main" val="1894043900"/>
       </p:ext>
     </p:extLst>
   </p:cSld>

--- a/Synhronous motor/Matlab/Time_Domain_Carrier_phase_shift/CPS.pptx
+++ b/Synhronous motor/Matlab/Time_Domain_Carrier_phase_shift/CPS.pptx
@@ -5,7 +5,7 @@
     <p:sldMasterId id="2147483648" r:id="rId1"/>
   </p:sldMasterIdLst>
   <p:notesMasterIdLst>
-    <p:notesMasterId r:id="rId14"/>
+    <p:notesMasterId r:id="rId15"/>
   </p:notesMasterIdLst>
   <p:sldIdLst>
     <p:sldId id="267" r:id="rId2"/>
@@ -19,7 +19,8 @@
     <p:sldId id="259" r:id="rId10"/>
     <p:sldId id="262" r:id="rId11"/>
     <p:sldId id="260" r:id="rId12"/>
-    <p:sldId id="257" r:id="rId13"/>
+    <p:sldId id="268" r:id="rId13"/>
+    <p:sldId id="257" r:id="rId14"/>
   </p:sldIdLst>
   <p:sldSz cx="12192000" cy="6858000"/>
   <p:notesSz cx="6858000" cy="9144000"/>
@@ -220,7 +221,7 @@
           <a:p>
             <a:fld id="{28B67866-21BA-4CA6-832C-195CC621F675}" type="datetimeFigureOut">
               <a:rPr lang="en-US" smtClean="0"/>
-              <a:t>8/10/2022</a:t>
+              <a:t>8/22/2022</a:t>
             </a:fld>
             <a:endParaRPr lang="en-US"/>
           </a:p>
@@ -809,7 +810,7 @@
           <a:p>
             <a:fld id="{8DDB1700-4475-4CBC-B86D-A53CA45E6D33}" type="datetimeFigureOut">
               <a:rPr lang="en-US" smtClean="0"/>
-              <a:t>8/10/2022</a:t>
+              <a:t>8/22/2022</a:t>
             </a:fld>
             <a:endParaRPr lang="en-US"/>
           </a:p>
@@ -1007,7 +1008,7 @@
           <a:p>
             <a:fld id="{8DDB1700-4475-4CBC-B86D-A53CA45E6D33}" type="datetimeFigureOut">
               <a:rPr lang="en-US" smtClean="0"/>
-              <a:t>8/10/2022</a:t>
+              <a:t>8/22/2022</a:t>
             </a:fld>
             <a:endParaRPr lang="en-US"/>
           </a:p>
@@ -1215,7 +1216,7 @@
           <a:p>
             <a:fld id="{8DDB1700-4475-4CBC-B86D-A53CA45E6D33}" type="datetimeFigureOut">
               <a:rPr lang="en-US" smtClean="0"/>
-              <a:t>8/10/2022</a:t>
+              <a:t>8/22/2022</a:t>
             </a:fld>
             <a:endParaRPr lang="en-US"/>
           </a:p>
@@ -1413,7 +1414,7 @@
           <a:p>
             <a:fld id="{8DDB1700-4475-4CBC-B86D-A53CA45E6D33}" type="datetimeFigureOut">
               <a:rPr lang="en-US" smtClean="0"/>
-              <a:t>8/10/2022</a:t>
+              <a:t>8/22/2022</a:t>
             </a:fld>
             <a:endParaRPr lang="en-US"/>
           </a:p>
@@ -1688,7 +1689,7 @@
           <a:p>
             <a:fld id="{8DDB1700-4475-4CBC-B86D-A53CA45E6D33}" type="datetimeFigureOut">
               <a:rPr lang="en-US" smtClean="0"/>
-              <a:t>8/10/2022</a:t>
+              <a:t>8/22/2022</a:t>
             </a:fld>
             <a:endParaRPr lang="en-US"/>
           </a:p>
@@ -1953,7 +1954,7 @@
           <a:p>
             <a:fld id="{8DDB1700-4475-4CBC-B86D-A53CA45E6D33}" type="datetimeFigureOut">
               <a:rPr lang="en-US" smtClean="0"/>
-              <a:t>8/10/2022</a:t>
+              <a:t>8/22/2022</a:t>
             </a:fld>
             <a:endParaRPr lang="en-US"/>
           </a:p>
@@ -2365,7 +2366,7 @@
           <a:p>
             <a:fld id="{8DDB1700-4475-4CBC-B86D-A53CA45E6D33}" type="datetimeFigureOut">
               <a:rPr lang="en-US" smtClean="0"/>
-              <a:t>8/10/2022</a:t>
+              <a:t>8/22/2022</a:t>
             </a:fld>
             <a:endParaRPr lang="en-US"/>
           </a:p>
@@ -2506,7 +2507,7 @@
           <a:p>
             <a:fld id="{8DDB1700-4475-4CBC-B86D-A53CA45E6D33}" type="datetimeFigureOut">
               <a:rPr lang="en-US" smtClean="0"/>
-              <a:t>8/10/2022</a:t>
+              <a:t>8/22/2022</a:t>
             </a:fld>
             <a:endParaRPr lang="en-US"/>
           </a:p>
@@ -2619,7 +2620,7 @@
           <a:p>
             <a:fld id="{8DDB1700-4475-4CBC-B86D-A53CA45E6D33}" type="datetimeFigureOut">
               <a:rPr lang="en-US" smtClean="0"/>
-              <a:t>8/10/2022</a:t>
+              <a:t>8/22/2022</a:t>
             </a:fld>
             <a:endParaRPr lang="en-US"/>
           </a:p>
@@ -2930,7 +2931,7 @@
           <a:p>
             <a:fld id="{8DDB1700-4475-4CBC-B86D-A53CA45E6D33}" type="datetimeFigureOut">
               <a:rPr lang="en-US" smtClean="0"/>
-              <a:t>8/10/2022</a:t>
+              <a:t>8/22/2022</a:t>
             </a:fld>
             <a:endParaRPr lang="en-US"/>
           </a:p>
@@ -3218,7 +3219,7 @@
           <a:p>
             <a:fld id="{8DDB1700-4475-4CBC-B86D-A53CA45E6D33}" type="datetimeFigureOut">
               <a:rPr lang="en-US" smtClean="0"/>
-              <a:t>8/10/2022</a:t>
+              <a:t>8/22/2022</a:t>
             </a:fld>
             <a:endParaRPr lang="en-US"/>
           </a:p>
@@ -3459,7 +3460,7 @@
           <a:p>
             <a:fld id="{8DDB1700-4475-4CBC-B86D-A53CA45E6D33}" type="datetimeFigureOut">
               <a:rPr lang="en-US" smtClean="0"/>
-              <a:t>8/10/2022</a:t>
+              <a:t>8/22/2022</a:t>
             </a:fld>
             <a:endParaRPr lang="en-US"/>
           </a:p>
@@ -4074,8 +4075,8 @@
           </p:style>
         </p:cxnSp>
       </p:grpSp>
-      <mc:AlternateContent xmlns:mc="http://schemas.openxmlformats.org/markup-compatibility/2006">
-        <mc:Choice xmlns:a14="http://schemas.microsoft.com/office/drawing/2010/main" Requires="a14">
+      <mc:AlternateContent xmlns:mc="http://schemas.openxmlformats.org/markup-compatibility/2006" xmlns:a14="http://schemas.microsoft.com/office/drawing/2010/main">
+        <mc:Choice Requires="a14">
           <p:sp>
             <p:nvSpPr>
               <p:cNvPr id="17" name="TextBox 16">
@@ -4104,6 +4105,7 @@
               </a:bodyPr>
               <a:lstStyle/>
               <a:p>
+                <a:pPr/>
                 <a14:m>
                   <m:oMathPara xmlns:m="http://schemas.openxmlformats.org/officeDocument/2006/math">
                     <m:oMathParaPr>
@@ -4180,7 +4182,7 @@
             </p:txBody>
           </p:sp>
         </mc:Choice>
-        <mc:Fallback>
+        <mc:Fallback xmlns="">
           <p:sp>
             <p:nvSpPr>
               <p:cNvPr id="17" name="TextBox 16">
@@ -4285,8 +4287,8 @@
           </a:prstGeom>
         </p:spPr>
       </p:pic>
-      <mc:AlternateContent xmlns:mc="http://schemas.openxmlformats.org/markup-compatibility/2006">
-        <mc:Choice xmlns:a14="http://schemas.microsoft.com/office/drawing/2010/main" Requires="a14">
+      <mc:AlternateContent xmlns:mc="http://schemas.openxmlformats.org/markup-compatibility/2006" xmlns:a14="http://schemas.microsoft.com/office/drawing/2010/main">
+        <mc:Choice Requires="a14">
           <p:sp>
             <p:nvSpPr>
               <p:cNvPr id="27" name="TextBox 26">
@@ -4315,6 +4317,7 @@
               </a:bodyPr>
               <a:lstStyle/>
               <a:p>
+                <a:pPr/>
                 <a14:m>
                   <m:oMathPara xmlns:m="http://schemas.openxmlformats.org/officeDocument/2006/math">
                     <m:oMathParaPr>
@@ -4335,7 +4338,7 @@
             </p:txBody>
           </p:sp>
         </mc:Choice>
-        <mc:Fallback>
+        <mc:Fallback xmlns="">
           <p:sp>
             <p:nvSpPr>
               <p:cNvPr id="27" name="TextBox 26">
@@ -4380,8 +4383,8 @@
           </p:sp>
         </mc:Fallback>
       </mc:AlternateContent>
-      <mc:AlternateContent xmlns:mc="http://schemas.openxmlformats.org/markup-compatibility/2006">
-        <mc:Choice xmlns:a14="http://schemas.microsoft.com/office/drawing/2010/main" Requires="a14">
+      <mc:AlternateContent xmlns:mc="http://schemas.openxmlformats.org/markup-compatibility/2006" xmlns:a14="http://schemas.microsoft.com/office/drawing/2010/main">
+        <mc:Choice Requires="a14">
           <p:sp>
             <p:nvSpPr>
               <p:cNvPr id="28" name="TextBox 27">
@@ -4410,6 +4413,7 @@
               </a:bodyPr>
               <a:lstStyle/>
               <a:p>
+                <a:pPr/>
                 <a14:m>
                   <m:oMathPara xmlns:m="http://schemas.openxmlformats.org/officeDocument/2006/math">
                     <m:oMathParaPr>
@@ -4492,7 +4496,7 @@
             </p:txBody>
           </p:sp>
         </mc:Choice>
-        <mc:Fallback>
+        <mc:Fallback xmlns="">
           <p:sp>
             <p:nvSpPr>
               <p:cNvPr id="28" name="TextBox 27">
@@ -4537,8 +4541,8 @@
           </p:sp>
         </mc:Fallback>
       </mc:AlternateContent>
-      <mc:AlternateContent xmlns:mc="http://schemas.openxmlformats.org/markup-compatibility/2006">
-        <mc:Choice xmlns:a14="http://schemas.microsoft.com/office/drawing/2010/main" Requires="a14">
+      <mc:AlternateContent xmlns:mc="http://schemas.openxmlformats.org/markup-compatibility/2006" xmlns:a14="http://schemas.microsoft.com/office/drawing/2010/main">
+        <mc:Choice Requires="a14">
           <p:sp>
             <p:nvSpPr>
               <p:cNvPr id="29" name="TextBox 28">
@@ -4567,6 +4571,7 @@
               </a:bodyPr>
               <a:lstStyle/>
               <a:p>
+                <a:pPr/>
                 <a14:m>
                   <m:oMathPara xmlns:m="http://schemas.openxmlformats.org/officeDocument/2006/math">
                     <m:oMathParaPr>
@@ -4643,7 +4648,7 @@
             </p:txBody>
           </p:sp>
         </mc:Choice>
-        <mc:Fallback>
+        <mc:Fallback xmlns="">
           <p:sp>
             <p:nvSpPr>
               <p:cNvPr id="29" name="TextBox 28">
@@ -4740,8 +4745,8 @@
           </a:p>
         </p:txBody>
       </p:sp>
-      <mc:AlternateContent xmlns:mc="http://schemas.openxmlformats.org/markup-compatibility/2006">
-        <mc:Choice xmlns:a14="http://schemas.microsoft.com/office/drawing/2010/main" Requires="a14">
+      <mc:AlternateContent xmlns:mc="http://schemas.openxmlformats.org/markup-compatibility/2006" xmlns:a14="http://schemas.microsoft.com/office/drawing/2010/main">
+        <mc:Choice Requires="a14">
           <p:sp>
             <p:nvSpPr>
               <p:cNvPr id="33" name="TextBox 32">
@@ -4770,6 +4775,7 @@
               </a:bodyPr>
               <a:lstStyle/>
               <a:p>
+                <a:pPr/>
                 <a14:m>
                   <m:oMathPara xmlns:m="http://schemas.openxmlformats.org/officeDocument/2006/math">
                     <m:oMathParaPr>
@@ -4846,7 +4852,7 @@
             </p:txBody>
           </p:sp>
         </mc:Choice>
-        <mc:Fallback>
+        <mc:Fallback xmlns="">
           <p:sp>
             <p:nvSpPr>
               <p:cNvPr id="33" name="TextBox 32">
@@ -4984,8 +4990,8 @@
           </a:p>
         </p:txBody>
       </p:sp>
-      <mc:AlternateContent xmlns:mc="http://schemas.openxmlformats.org/markup-compatibility/2006">
-        <mc:Choice xmlns:a14="http://schemas.microsoft.com/office/drawing/2010/main" Requires="a14">
+      <mc:AlternateContent xmlns:mc="http://schemas.openxmlformats.org/markup-compatibility/2006" xmlns:a14="http://schemas.microsoft.com/office/drawing/2010/main">
+        <mc:Choice Requires="a14">
           <p:sp>
             <p:nvSpPr>
               <p:cNvPr id="37" name="TextBox 36">
@@ -5014,6 +5020,7 @@
               </a:bodyPr>
               <a:lstStyle/>
               <a:p>
+                <a:pPr/>
                 <a14:m>
                   <m:oMathPara xmlns:m="http://schemas.openxmlformats.org/officeDocument/2006/math">
                     <m:oMathParaPr>
@@ -5034,7 +5041,7 @@
             </p:txBody>
           </p:sp>
         </mc:Choice>
-        <mc:Fallback>
+        <mc:Fallback xmlns="">
           <p:sp>
             <p:nvSpPr>
               <p:cNvPr id="37" name="TextBox 36">
@@ -5079,8 +5086,8 @@
           </p:sp>
         </mc:Fallback>
       </mc:AlternateContent>
-      <mc:AlternateContent xmlns:mc="http://schemas.openxmlformats.org/markup-compatibility/2006">
-        <mc:Choice xmlns:a14="http://schemas.microsoft.com/office/drawing/2010/main" Requires="a14">
+      <mc:AlternateContent xmlns:mc="http://schemas.openxmlformats.org/markup-compatibility/2006" xmlns:a14="http://schemas.microsoft.com/office/drawing/2010/main">
+        <mc:Choice Requires="a14">
           <p:sp>
             <p:nvSpPr>
               <p:cNvPr id="38" name="TextBox 37">
@@ -5109,6 +5116,7 @@
               </a:bodyPr>
               <a:lstStyle/>
               <a:p>
+                <a:pPr/>
                 <a14:m>
                   <m:oMathPara xmlns:m="http://schemas.openxmlformats.org/officeDocument/2006/math">
                     <m:oMathParaPr>
@@ -5129,7 +5137,7 @@
             </p:txBody>
           </p:sp>
         </mc:Choice>
-        <mc:Fallback>
+        <mc:Fallback xmlns="">
           <p:sp>
             <p:nvSpPr>
               <p:cNvPr id="38" name="TextBox 37">
@@ -5269,8 +5277,8 @@
           </a:p>
         </p:txBody>
       </p:sp>
-      <mc:AlternateContent xmlns:mc="http://schemas.openxmlformats.org/markup-compatibility/2006">
-        <mc:Choice xmlns:a14="http://schemas.microsoft.com/office/drawing/2010/main" Requires="a14">
+      <mc:AlternateContent xmlns:mc="http://schemas.openxmlformats.org/markup-compatibility/2006" xmlns:a14="http://schemas.microsoft.com/office/drawing/2010/main">
+        <mc:Choice Requires="a14">
           <p:sp>
             <p:nvSpPr>
               <p:cNvPr id="49" name="TextBox 48">
@@ -5299,6 +5307,7 @@
               </a:bodyPr>
               <a:lstStyle/>
               <a:p>
+                <a:pPr/>
                 <a14:m>
                   <m:oMathPara xmlns:m="http://schemas.openxmlformats.org/officeDocument/2006/math">
                     <m:oMathParaPr>
@@ -5405,7 +5414,7 @@
             </p:txBody>
           </p:sp>
         </mc:Choice>
-        <mc:Fallback>
+        <mc:Fallback xmlns="">
           <p:sp>
             <p:nvSpPr>
               <p:cNvPr id="49" name="TextBox 48">
@@ -5450,8 +5459,8 @@
           </p:sp>
         </mc:Fallback>
       </mc:AlternateContent>
-      <mc:AlternateContent xmlns:mc="http://schemas.openxmlformats.org/markup-compatibility/2006">
-        <mc:Choice xmlns:a14="http://schemas.microsoft.com/office/drawing/2010/main" Requires="a14">
+      <mc:AlternateContent xmlns:mc="http://schemas.openxmlformats.org/markup-compatibility/2006" xmlns:a14="http://schemas.microsoft.com/office/drawing/2010/main">
+        <mc:Choice Requires="a14">
           <p:sp>
             <p:nvSpPr>
               <p:cNvPr id="50" name="TextBox 49">
@@ -5480,6 +5489,7 @@
               </a:bodyPr>
               <a:lstStyle/>
               <a:p>
+                <a:pPr/>
                 <a14:m>
                   <m:oMathPara xmlns:m="http://schemas.openxmlformats.org/officeDocument/2006/math">
                     <m:oMathParaPr>
@@ -5586,7 +5596,7 @@
             </p:txBody>
           </p:sp>
         </mc:Choice>
-        <mc:Fallback>
+        <mc:Fallback xmlns="">
           <p:sp>
             <p:nvSpPr>
               <p:cNvPr id="50" name="TextBox 49">
@@ -5631,8 +5641,8 @@
           </p:sp>
         </mc:Fallback>
       </mc:AlternateContent>
-      <mc:AlternateContent xmlns:mc="http://schemas.openxmlformats.org/markup-compatibility/2006">
-        <mc:Choice xmlns:a14="http://schemas.microsoft.com/office/drawing/2010/main" Requires="a14">
+      <mc:AlternateContent xmlns:mc="http://schemas.openxmlformats.org/markup-compatibility/2006" xmlns:a14="http://schemas.microsoft.com/office/drawing/2010/main">
+        <mc:Choice Requires="a14">
           <p:sp>
             <p:nvSpPr>
               <p:cNvPr id="56" name="TextBox 55">
@@ -5891,7 +5901,7 @@
             </p:txBody>
           </p:sp>
         </mc:Choice>
-        <mc:Fallback>
+        <mc:Fallback xmlns="">
           <p:sp>
             <p:nvSpPr>
               <p:cNvPr id="56" name="TextBox 55">
@@ -6227,8 +6237,8 @@
           </a:fontRef>
         </p:style>
       </p:cxnSp>
-      <mc:AlternateContent xmlns:mc="http://schemas.openxmlformats.org/markup-compatibility/2006">
-        <mc:Choice xmlns:a14="http://schemas.microsoft.com/office/drawing/2010/main" Requires="a14">
+      <mc:AlternateContent xmlns:mc="http://schemas.openxmlformats.org/markup-compatibility/2006" xmlns:a14="http://schemas.microsoft.com/office/drawing/2010/main">
+        <mc:Choice Requires="a14">
           <p:sp>
             <p:nvSpPr>
               <p:cNvPr id="83" name="TextBox 82">
@@ -6479,7 +6489,7 @@
             </p:txBody>
           </p:sp>
         </mc:Choice>
-        <mc:Fallback>
+        <mc:Fallback xmlns="">
           <p:sp>
             <p:nvSpPr>
               <p:cNvPr id="83" name="TextBox 82">
@@ -7159,6 +7169,96 @@
 </file>
 
 <file path=ppt/slides/slide12.xml><?xml version="1.0" encoding="utf-8"?>
+<p:sld xmlns:a="http://schemas.openxmlformats.org/drawingml/2006/main" xmlns:r="http://schemas.openxmlformats.org/officeDocument/2006/relationships" xmlns:p="http://schemas.openxmlformats.org/presentationml/2006/main">
+  <p:cSld>
+    <p:spTree>
+      <p:nvGrpSpPr>
+        <p:cNvPr id="1" name=""/>
+        <p:cNvGrpSpPr/>
+        <p:nvPr/>
+      </p:nvGrpSpPr>
+      <p:grpSpPr>
+        <a:xfrm>
+          <a:off x="0" y="0"/>
+          <a:ext cx="0" cy="0"/>
+          <a:chOff x="0" y="0"/>
+          <a:chExt cx="0" cy="0"/>
+        </a:xfrm>
+      </p:grpSpPr>
+      <p:pic>
+        <p:nvPicPr>
+          <p:cNvPr id="4" name="Picture 3">
+            <a:extLst>
+              <a:ext uri="{FF2B5EF4-FFF2-40B4-BE49-F238E27FC236}">
+                <a16:creationId xmlns:a16="http://schemas.microsoft.com/office/drawing/2014/main" id="{EC80722B-B158-44ED-AB20-6EC8E0A53148}"/>
+              </a:ext>
+            </a:extLst>
+          </p:cNvPr>
+          <p:cNvPicPr>
+            <a:picLocks noChangeAspect="1"/>
+          </p:cNvPicPr>
+          <p:nvPr/>
+        </p:nvPicPr>
+        <p:blipFill>
+          <a:blip r:embed="rId2"/>
+          <a:stretch>
+            <a:fillRect/>
+          </a:stretch>
+        </p:blipFill>
+        <p:spPr>
+          <a:xfrm>
+            <a:off x="762000" y="1668124"/>
+            <a:ext cx="5334000" cy="4000500"/>
+          </a:xfrm>
+          <a:prstGeom prst="rect">
+            <a:avLst/>
+          </a:prstGeom>
+        </p:spPr>
+      </p:pic>
+      <p:pic>
+        <p:nvPicPr>
+          <p:cNvPr id="9" name="Picture 8">
+            <a:extLst>
+              <a:ext uri="{FF2B5EF4-FFF2-40B4-BE49-F238E27FC236}">
+                <a16:creationId xmlns:a16="http://schemas.microsoft.com/office/drawing/2014/main" id="{04510345-9FF7-4244-AA3D-53CE140389D5}"/>
+              </a:ext>
+            </a:extLst>
+          </p:cNvPr>
+          <p:cNvPicPr>
+            <a:picLocks noChangeAspect="1"/>
+          </p:cNvPicPr>
+          <p:nvPr/>
+        </p:nvPicPr>
+        <p:blipFill>
+          <a:blip r:embed="rId3"/>
+          <a:stretch>
+            <a:fillRect/>
+          </a:stretch>
+        </p:blipFill>
+        <p:spPr>
+          <a:xfrm>
+            <a:off x="5749457" y="1668124"/>
+            <a:ext cx="5334000" cy="4000500"/>
+          </a:xfrm>
+          <a:prstGeom prst="rect">
+            <a:avLst/>
+          </a:prstGeom>
+        </p:spPr>
+      </p:pic>
+    </p:spTree>
+    <p:extLst>
+      <p:ext uri="{BB962C8B-B14F-4D97-AF65-F5344CB8AC3E}">
+        <p14:creationId xmlns:p14="http://schemas.microsoft.com/office/powerpoint/2010/main" val="3201812766"/>
+      </p:ext>
+    </p:extLst>
+  </p:cSld>
+  <p:clrMapOvr>
+    <a:masterClrMapping/>
+  </p:clrMapOvr>
+</p:sld>
+</file>
+
+<file path=ppt/slides/slide13.xml><?xml version="1.0" encoding="utf-8"?>
 <p:sld xmlns:a="http://schemas.openxmlformats.org/drawingml/2006/main" xmlns:r="http://schemas.openxmlformats.org/officeDocument/2006/relationships" xmlns:p="http://schemas.openxmlformats.org/presentationml/2006/main">
   <p:cSld>
     <p:spTree>

--- a/Synhronous motor/Matlab/Time_Domain_Carrier_phase_shift/CPS.pptx
+++ b/Synhronous motor/Matlab/Time_Domain_Carrier_phase_shift/CPS.pptx
@@ -221,7 +221,7 @@
           <a:p>
             <a:fld id="{28B67866-21BA-4CA6-832C-195CC621F675}" type="datetimeFigureOut">
               <a:rPr lang="en-US" smtClean="0"/>
-              <a:t>8/22/2022</a:t>
+              <a:t>9/12/2022</a:t>
             </a:fld>
             <a:endParaRPr lang="en-US"/>
           </a:p>
@@ -810,7 +810,7 @@
           <a:p>
             <a:fld id="{8DDB1700-4475-4CBC-B86D-A53CA45E6D33}" type="datetimeFigureOut">
               <a:rPr lang="en-US" smtClean="0"/>
-              <a:t>8/22/2022</a:t>
+              <a:t>9/12/2022</a:t>
             </a:fld>
             <a:endParaRPr lang="en-US"/>
           </a:p>
@@ -1008,7 +1008,7 @@
           <a:p>
             <a:fld id="{8DDB1700-4475-4CBC-B86D-A53CA45E6D33}" type="datetimeFigureOut">
               <a:rPr lang="en-US" smtClean="0"/>
-              <a:t>8/22/2022</a:t>
+              <a:t>9/12/2022</a:t>
             </a:fld>
             <a:endParaRPr lang="en-US"/>
           </a:p>
@@ -1216,7 +1216,7 @@
           <a:p>
             <a:fld id="{8DDB1700-4475-4CBC-B86D-A53CA45E6D33}" type="datetimeFigureOut">
               <a:rPr lang="en-US" smtClean="0"/>
-              <a:t>8/22/2022</a:t>
+              <a:t>9/12/2022</a:t>
             </a:fld>
             <a:endParaRPr lang="en-US"/>
           </a:p>
@@ -1414,7 +1414,7 @@
           <a:p>
             <a:fld id="{8DDB1700-4475-4CBC-B86D-A53CA45E6D33}" type="datetimeFigureOut">
               <a:rPr lang="en-US" smtClean="0"/>
-              <a:t>8/22/2022</a:t>
+              <a:t>9/12/2022</a:t>
             </a:fld>
             <a:endParaRPr lang="en-US"/>
           </a:p>
@@ -1689,7 +1689,7 @@
           <a:p>
             <a:fld id="{8DDB1700-4475-4CBC-B86D-A53CA45E6D33}" type="datetimeFigureOut">
               <a:rPr lang="en-US" smtClean="0"/>
-              <a:t>8/22/2022</a:t>
+              <a:t>9/12/2022</a:t>
             </a:fld>
             <a:endParaRPr lang="en-US"/>
           </a:p>
@@ -1954,7 +1954,7 @@
           <a:p>
             <a:fld id="{8DDB1700-4475-4CBC-B86D-A53CA45E6D33}" type="datetimeFigureOut">
               <a:rPr lang="en-US" smtClean="0"/>
-              <a:t>8/22/2022</a:t>
+              <a:t>9/12/2022</a:t>
             </a:fld>
             <a:endParaRPr lang="en-US"/>
           </a:p>
@@ -2366,7 +2366,7 @@
           <a:p>
             <a:fld id="{8DDB1700-4475-4CBC-B86D-A53CA45E6D33}" type="datetimeFigureOut">
               <a:rPr lang="en-US" smtClean="0"/>
-              <a:t>8/22/2022</a:t>
+              <a:t>9/12/2022</a:t>
             </a:fld>
             <a:endParaRPr lang="en-US"/>
           </a:p>
@@ -2507,7 +2507,7 @@
           <a:p>
             <a:fld id="{8DDB1700-4475-4CBC-B86D-A53CA45E6D33}" type="datetimeFigureOut">
               <a:rPr lang="en-US" smtClean="0"/>
-              <a:t>8/22/2022</a:t>
+              <a:t>9/12/2022</a:t>
             </a:fld>
             <a:endParaRPr lang="en-US"/>
           </a:p>
@@ -2620,7 +2620,7 @@
           <a:p>
             <a:fld id="{8DDB1700-4475-4CBC-B86D-A53CA45E6D33}" type="datetimeFigureOut">
               <a:rPr lang="en-US" smtClean="0"/>
-              <a:t>8/22/2022</a:t>
+              <a:t>9/12/2022</a:t>
             </a:fld>
             <a:endParaRPr lang="en-US"/>
           </a:p>
@@ -2931,7 +2931,7 @@
           <a:p>
             <a:fld id="{8DDB1700-4475-4CBC-B86D-A53CA45E6D33}" type="datetimeFigureOut">
               <a:rPr lang="en-US" smtClean="0"/>
-              <a:t>8/22/2022</a:t>
+              <a:t>9/12/2022</a:t>
             </a:fld>
             <a:endParaRPr lang="en-US"/>
           </a:p>
@@ -3219,7 +3219,7 @@
           <a:p>
             <a:fld id="{8DDB1700-4475-4CBC-B86D-A53CA45E6D33}" type="datetimeFigureOut">
               <a:rPr lang="en-US" smtClean="0"/>
-              <a:t>8/22/2022</a:t>
+              <a:t>9/12/2022</a:t>
             </a:fld>
             <a:endParaRPr lang="en-US"/>
           </a:p>
@@ -3460,7 +3460,7 @@
           <a:p>
             <a:fld id="{8DDB1700-4475-4CBC-B86D-A53CA45E6D33}" type="datetimeFigureOut">
               <a:rPr lang="en-US" smtClean="0"/>
-              <a:t>8/22/2022</a:t>
+              <a:t>9/12/2022</a:t>
             </a:fld>
             <a:endParaRPr lang="en-US"/>
           </a:p>
